--- a/SAM-CLIP-2401.12665v2.pptx
+++ b/SAM-CLIP-2401.12665v2.pptx
@@ -9,6 +9,14 @@
     <p:sldId id="257" r:id="rId3"/>
     <p:sldId id="258" r:id="rId4"/>
     <p:sldId id="259" r:id="rId5"/>
+    <p:sldId id="260" r:id="rId6"/>
+    <p:sldId id="261" r:id="rId7"/>
+    <p:sldId id="262" r:id="rId8"/>
+    <p:sldId id="263" r:id="rId9"/>
+    <p:sldId id="264" r:id="rId10"/>
+    <p:sldId id="265" r:id="rId11"/>
+    <p:sldId id="266" r:id="rId12"/>
+    <p:sldId id="267" r:id="rId13"/>
   </p:sldIdLst>
   <p:sldSz cx="12192000" cy="6858000"/>
   <p:notesSz cx="6858000" cy="9144000"/>
@@ -3405,6 +3413,1271 @@
 </p:sld>
 </file>
 
+<file path=ppt/slides/slide10.xml><?xml version="1.0" encoding="utf-8"?>
+<p:sld xmlns:a="http://schemas.openxmlformats.org/drawingml/2006/main" xmlns:r="http://schemas.openxmlformats.org/officeDocument/2006/relationships" xmlns:p="http://schemas.openxmlformats.org/presentationml/2006/main">
+  <p:cSld>
+    <p:spTree>
+      <p:nvGrpSpPr>
+        <p:cNvPr id="1" name=""/>
+        <p:cNvGrpSpPr/>
+        <p:nvPr/>
+      </p:nvGrpSpPr>
+      <p:grpSpPr>
+        <a:xfrm>
+          <a:off x="0" y="0"/>
+          <a:ext cx="0" cy="0"/>
+          <a:chOff x="0" y="0"/>
+          <a:chExt cx="0" cy="0"/>
+        </a:xfrm>
+      </p:grpSpPr>
+      <p:sp>
+        <p:nvSpPr>
+          <p:cNvPr id="2" name="标题 1">
+            <a:extLst>
+              <a:ext uri="{FF2B5EF4-FFF2-40B4-BE49-F238E27FC236}">
+                <a16:creationId xmlns:a16="http://schemas.microsoft.com/office/drawing/2014/main" id="{20618421-B59A-AC9B-4C2B-A4D78327CE22}"/>
+              </a:ext>
+            </a:extLst>
+          </p:cNvPr>
+          <p:cNvSpPr>
+            <a:spLocks noGrp="1"/>
+          </p:cNvSpPr>
+          <p:nvPr>
+            <p:ph type="title"/>
+          </p:nvPr>
+        </p:nvSpPr>
+        <p:spPr>
+          <a:xfrm>
+            <a:off x="61313" y="457200"/>
+            <a:ext cx="3546860" cy="1600200"/>
+          </a:xfrm>
+        </p:spPr>
+        <p:txBody>
+          <a:bodyPr/>
+          <a:lstStyle/>
+          <a:p>
+            <a:r>
+              <a:rPr lang="en-US" altLang="zh-CN" dirty="0"/>
+              <a:t>3.Methodology</a:t>
+            </a:r>
+            <a:endParaRPr lang="zh-CN" altLang="en-US" dirty="0"/>
+          </a:p>
+        </p:txBody>
+      </p:sp>
+      <p:sp>
+        <p:nvSpPr>
+          <p:cNvPr id="4" name="文本占位符 3">
+            <a:extLst>
+              <a:ext uri="{FF2B5EF4-FFF2-40B4-BE49-F238E27FC236}">
+                <a16:creationId xmlns:a16="http://schemas.microsoft.com/office/drawing/2014/main" id="{351E9848-A693-DC47-CE0F-2FA538003518}"/>
+              </a:ext>
+            </a:extLst>
+          </p:cNvPr>
+          <p:cNvSpPr>
+            <a:spLocks noGrp="1"/>
+          </p:cNvSpPr>
+          <p:nvPr>
+            <p:ph type="body" sz="half" idx="2"/>
+          </p:nvPr>
+        </p:nvSpPr>
+        <p:spPr>
+          <a:xfrm>
+            <a:off x="61312" y="2057400"/>
+            <a:ext cx="3546861" cy="3811588"/>
+          </a:xfrm>
+        </p:spPr>
+        <p:txBody>
+          <a:bodyPr/>
+          <a:lstStyle/>
+          <a:p>
+            <a:r>
+              <a:rPr lang="en-US" altLang="zh-CN" dirty="0"/>
+              <a:t>3.1 CLIP and SAM Collaboration</a:t>
+            </a:r>
+          </a:p>
+          <a:p>
+            <a:r>
+              <a:rPr lang="en-US" altLang="zh-CN" dirty="0"/>
+              <a:t>3.2 </a:t>
+            </a:r>
+            <a:r>
+              <a:rPr lang="en-US" altLang="zh-CN" dirty="0">
+                <a:highlight>
+                  <a:srgbClr val="FFFF00"/>
+                </a:highlight>
+              </a:rPr>
+              <a:t>Unified Multi-scale Cross-modal Interaction</a:t>
+            </a:r>
+          </a:p>
+          <a:p>
+            <a:r>
+              <a:rPr lang="en-US" altLang="zh-CN" dirty="0"/>
+              <a:t>3.3 Multi-level Mask Refinement</a:t>
+            </a:r>
+          </a:p>
+          <a:p>
+            <a:r>
+              <a:rPr lang="en-US" altLang="zh-CN" dirty="0"/>
+              <a:t>3.4 Objective Function</a:t>
+            </a:r>
+            <a:endParaRPr lang="zh-CN" altLang="en-US" dirty="0"/>
+          </a:p>
+        </p:txBody>
+      </p:sp>
+      <p:pic>
+        <p:nvPicPr>
+          <p:cNvPr id="7" name="内容占位符 6">
+            <a:extLst>
+              <a:ext uri="{FF2B5EF4-FFF2-40B4-BE49-F238E27FC236}">
+                <a16:creationId xmlns:a16="http://schemas.microsoft.com/office/drawing/2014/main" id="{31F13812-BC73-DBA3-5CF1-07DF36AB47A4}"/>
+              </a:ext>
+            </a:extLst>
+          </p:cNvPr>
+          <p:cNvPicPr>
+            <a:picLocks noGrp="1" noChangeAspect="1"/>
+          </p:cNvPicPr>
+          <p:nvPr>
+            <p:ph idx="1"/>
+          </p:nvPr>
+        </p:nvPicPr>
+        <p:blipFill>
+          <a:blip r:embed="rId2"/>
+          <a:stretch>
+            <a:fillRect/>
+          </a:stretch>
+        </p:blipFill>
+        <p:spPr>
+          <a:xfrm>
+            <a:off x="3324218" y="1736128"/>
+            <a:ext cx="8867782" cy="3015046"/>
+          </a:xfrm>
+          <a:prstGeom prst="rect">
+            <a:avLst/>
+          </a:prstGeom>
+        </p:spPr>
+      </p:pic>
+    </p:spTree>
+    <p:extLst>
+      <p:ext uri="{BB962C8B-B14F-4D97-AF65-F5344CB8AC3E}">
+        <p14:creationId xmlns:p14="http://schemas.microsoft.com/office/powerpoint/2010/main" val="3158036617"/>
+      </p:ext>
+    </p:extLst>
+  </p:cSld>
+  <p:clrMapOvr>
+    <a:masterClrMapping/>
+  </p:clrMapOvr>
+</p:sld>
+</file>
+
+<file path=ppt/slides/slide11.xml><?xml version="1.0" encoding="utf-8"?>
+<p:sld xmlns:a="http://schemas.openxmlformats.org/drawingml/2006/main" xmlns:r="http://schemas.openxmlformats.org/officeDocument/2006/relationships" xmlns:p="http://schemas.openxmlformats.org/presentationml/2006/main">
+  <p:cSld>
+    <p:spTree>
+      <p:nvGrpSpPr>
+        <p:cNvPr id="1" name=""/>
+        <p:cNvGrpSpPr/>
+        <p:nvPr/>
+      </p:nvGrpSpPr>
+      <p:grpSpPr>
+        <a:xfrm>
+          <a:off x="0" y="0"/>
+          <a:ext cx="0" cy="0"/>
+          <a:chOff x="0" y="0"/>
+          <a:chExt cx="0" cy="0"/>
+        </a:xfrm>
+      </p:grpSpPr>
+      <p:sp>
+        <p:nvSpPr>
+          <p:cNvPr id="2" name="标题 1">
+            <a:extLst>
+              <a:ext uri="{FF2B5EF4-FFF2-40B4-BE49-F238E27FC236}">
+                <a16:creationId xmlns:a16="http://schemas.microsoft.com/office/drawing/2014/main" id="{20618421-B59A-AC9B-4C2B-A4D78327CE22}"/>
+              </a:ext>
+            </a:extLst>
+          </p:cNvPr>
+          <p:cNvSpPr>
+            <a:spLocks noGrp="1"/>
+          </p:cNvSpPr>
+          <p:nvPr>
+            <p:ph type="title"/>
+          </p:nvPr>
+        </p:nvSpPr>
+        <p:spPr>
+          <a:xfrm>
+            <a:off x="61313" y="457200"/>
+            <a:ext cx="3546860" cy="1600200"/>
+          </a:xfrm>
+        </p:spPr>
+        <p:txBody>
+          <a:bodyPr/>
+          <a:lstStyle/>
+          <a:p>
+            <a:r>
+              <a:rPr lang="en-US" altLang="zh-CN" dirty="0"/>
+              <a:t>3.Methodology</a:t>
+            </a:r>
+            <a:endParaRPr lang="zh-CN" altLang="en-US" dirty="0"/>
+          </a:p>
+        </p:txBody>
+      </p:sp>
+      <p:sp>
+        <p:nvSpPr>
+          <p:cNvPr id="4" name="文本占位符 3">
+            <a:extLst>
+              <a:ext uri="{FF2B5EF4-FFF2-40B4-BE49-F238E27FC236}">
+                <a16:creationId xmlns:a16="http://schemas.microsoft.com/office/drawing/2014/main" id="{351E9848-A693-DC47-CE0F-2FA538003518}"/>
+              </a:ext>
+            </a:extLst>
+          </p:cNvPr>
+          <p:cNvSpPr>
+            <a:spLocks noGrp="1"/>
+          </p:cNvSpPr>
+          <p:nvPr>
+            <p:ph type="body" sz="half" idx="2"/>
+          </p:nvPr>
+        </p:nvSpPr>
+        <p:spPr>
+          <a:xfrm>
+            <a:off x="61312" y="2057400"/>
+            <a:ext cx="3546861" cy="3811588"/>
+          </a:xfrm>
+        </p:spPr>
+        <p:txBody>
+          <a:bodyPr/>
+          <a:lstStyle/>
+          <a:p>
+            <a:r>
+              <a:rPr lang="en-US" altLang="zh-CN" dirty="0"/>
+              <a:t>3.1 CLIP and SAM Collaboration</a:t>
+            </a:r>
+          </a:p>
+          <a:p>
+            <a:r>
+              <a:rPr lang="en-US" altLang="zh-CN" dirty="0"/>
+              <a:t>3.2 </a:t>
+            </a:r>
+            <a:r>
+              <a:rPr lang="en-US" altLang="zh-CN" dirty="0">
+                <a:highlight>
+                  <a:srgbClr val="FFFF00"/>
+                </a:highlight>
+              </a:rPr>
+              <a:t>Unified Multi-scale Cross-modal Interaction</a:t>
+            </a:r>
+          </a:p>
+          <a:p>
+            <a:r>
+              <a:rPr lang="en-US" altLang="zh-CN" dirty="0"/>
+              <a:t>3.3 Multi-level Mask Refinement</a:t>
+            </a:r>
+          </a:p>
+          <a:p>
+            <a:r>
+              <a:rPr lang="en-US" altLang="zh-CN" dirty="0"/>
+              <a:t>3.4 Objective Function</a:t>
+            </a:r>
+            <a:endParaRPr lang="zh-CN" altLang="en-US" dirty="0"/>
+          </a:p>
+        </p:txBody>
+      </p:sp>
+      <p:sp>
+        <p:nvSpPr>
+          <p:cNvPr id="5" name="内容占位符 4">
+            <a:extLst>
+              <a:ext uri="{FF2B5EF4-FFF2-40B4-BE49-F238E27FC236}">
+                <a16:creationId xmlns:a16="http://schemas.microsoft.com/office/drawing/2014/main" id="{7CCA9E6E-8FDB-96E0-EBA0-9DCC32D45C7A}"/>
+              </a:ext>
+            </a:extLst>
+          </p:cNvPr>
+          <p:cNvSpPr>
+            <a:spLocks noGrp="1"/>
+          </p:cNvSpPr>
+          <p:nvPr>
+            <p:ph idx="1"/>
+          </p:nvPr>
+        </p:nvSpPr>
+        <p:spPr>
+          <a:xfrm>
+            <a:off x="3447535" y="0"/>
+            <a:ext cx="8744465" cy="6857999"/>
+          </a:xfrm>
+        </p:spPr>
+        <p:txBody>
+          <a:bodyPr/>
+          <a:lstStyle/>
+          <a:p>
+            <a:r>
+              <a:rPr lang="en-US" altLang="zh-CN" dirty="0"/>
+              <a:t>UMCI consists of two path: Strip Paths and Scale Path.</a:t>
+            </a:r>
+          </a:p>
+          <a:p>
+            <a:pPr marL="0" indent="0">
+              <a:buNone/>
+            </a:pPr>
+            <a:r>
+              <a:rPr lang="en-US" altLang="zh-CN" dirty="0"/>
+              <a:t>(1).Strip Paths captures both row- and column-level features.</a:t>
+            </a:r>
+          </a:p>
+          <a:p>
+            <a:pPr marL="0" indent="0">
+              <a:buNone/>
+            </a:pPr>
+            <a:r>
+              <a:rPr lang="en-US" altLang="zh-CN" dirty="0"/>
+              <a:t>(2).Scale Paths grasps the  image’s global features of various scales.</a:t>
+            </a:r>
+          </a:p>
+          <a:p>
+            <a:pPr marL="0" indent="0">
+              <a:buNone/>
+            </a:pPr>
+            <a:endParaRPr lang="zh-CN" altLang="en-US" dirty="0"/>
+          </a:p>
+        </p:txBody>
+      </p:sp>
+    </p:spTree>
+    <p:extLst>
+      <p:ext uri="{BB962C8B-B14F-4D97-AF65-F5344CB8AC3E}">
+        <p14:creationId xmlns:p14="http://schemas.microsoft.com/office/powerpoint/2010/main" val="2240833683"/>
+      </p:ext>
+    </p:extLst>
+  </p:cSld>
+  <p:clrMapOvr>
+    <a:masterClrMapping/>
+  </p:clrMapOvr>
+</p:sld>
+</file>
+
+<file path=ppt/slides/slide12.xml><?xml version="1.0" encoding="utf-8"?>
+<p:sld xmlns:a="http://schemas.openxmlformats.org/drawingml/2006/main" xmlns:r="http://schemas.openxmlformats.org/officeDocument/2006/relationships" xmlns:p="http://schemas.openxmlformats.org/presentationml/2006/main">
+  <p:cSld>
+    <p:spTree>
+      <p:nvGrpSpPr>
+        <p:cNvPr id="1" name=""/>
+        <p:cNvGrpSpPr/>
+        <p:nvPr/>
+      </p:nvGrpSpPr>
+      <p:grpSpPr>
+        <a:xfrm>
+          <a:off x="0" y="0"/>
+          <a:ext cx="0" cy="0"/>
+          <a:chOff x="0" y="0"/>
+          <a:chExt cx="0" cy="0"/>
+        </a:xfrm>
+      </p:grpSpPr>
+      <p:sp>
+        <p:nvSpPr>
+          <p:cNvPr id="2" name="标题 1">
+            <a:extLst>
+              <a:ext uri="{FF2B5EF4-FFF2-40B4-BE49-F238E27FC236}">
+                <a16:creationId xmlns:a16="http://schemas.microsoft.com/office/drawing/2014/main" id="{20618421-B59A-AC9B-4C2B-A4D78327CE22}"/>
+              </a:ext>
+            </a:extLst>
+          </p:cNvPr>
+          <p:cNvSpPr>
+            <a:spLocks noGrp="1"/>
+          </p:cNvSpPr>
+          <p:nvPr>
+            <p:ph type="title"/>
+          </p:nvPr>
+        </p:nvSpPr>
+        <p:spPr>
+          <a:xfrm>
+            <a:off x="61313" y="457200"/>
+            <a:ext cx="3546860" cy="1600200"/>
+          </a:xfrm>
+        </p:spPr>
+        <p:txBody>
+          <a:bodyPr/>
+          <a:lstStyle/>
+          <a:p>
+            <a:r>
+              <a:rPr lang="en-US" altLang="zh-CN" dirty="0"/>
+              <a:t>3.Methodology</a:t>
+            </a:r>
+            <a:endParaRPr lang="zh-CN" altLang="en-US" dirty="0"/>
+          </a:p>
+        </p:txBody>
+      </p:sp>
+      <p:sp>
+        <p:nvSpPr>
+          <p:cNvPr id="4" name="文本占位符 3">
+            <a:extLst>
+              <a:ext uri="{FF2B5EF4-FFF2-40B4-BE49-F238E27FC236}">
+                <a16:creationId xmlns:a16="http://schemas.microsoft.com/office/drawing/2014/main" id="{351E9848-A693-DC47-CE0F-2FA538003518}"/>
+              </a:ext>
+            </a:extLst>
+          </p:cNvPr>
+          <p:cNvSpPr>
+            <a:spLocks noGrp="1"/>
+          </p:cNvSpPr>
+          <p:nvPr>
+            <p:ph type="body" sz="half" idx="2"/>
+          </p:nvPr>
+        </p:nvSpPr>
+        <p:spPr>
+          <a:xfrm>
+            <a:off x="61312" y="2057400"/>
+            <a:ext cx="3546861" cy="3811588"/>
+          </a:xfrm>
+        </p:spPr>
+        <p:txBody>
+          <a:bodyPr/>
+          <a:lstStyle/>
+          <a:p>
+            <a:r>
+              <a:rPr lang="en-US" altLang="zh-CN" dirty="0"/>
+              <a:t>3.1 CLIP and SAM Collaboration</a:t>
+            </a:r>
+          </a:p>
+          <a:p>
+            <a:r>
+              <a:rPr lang="en-US" altLang="zh-CN" dirty="0"/>
+              <a:t>3.2 </a:t>
+            </a:r>
+            <a:r>
+              <a:rPr lang="en-US" altLang="zh-CN" dirty="0">
+                <a:highlight>
+                  <a:srgbClr val="FFFF00"/>
+                </a:highlight>
+              </a:rPr>
+              <a:t>Unified Multi-scale Cross-modal Interaction</a:t>
+            </a:r>
+          </a:p>
+          <a:p>
+            <a:r>
+              <a:rPr lang="en-US" altLang="zh-CN" dirty="0"/>
+              <a:t>3.3 Multi-level Mask Refinement</a:t>
+            </a:r>
+          </a:p>
+          <a:p>
+            <a:r>
+              <a:rPr lang="en-US" altLang="zh-CN" dirty="0"/>
+              <a:t>3.4 Objective Function</a:t>
+            </a:r>
+            <a:endParaRPr lang="zh-CN" altLang="en-US" dirty="0"/>
+          </a:p>
+        </p:txBody>
+      </p:sp>
+      <mc:AlternateContent xmlns:mc="http://schemas.openxmlformats.org/markup-compatibility/2006">
+        <mc:Choice xmlns:a14="http://schemas.microsoft.com/office/drawing/2010/main" Requires="a14">
+          <p:sp>
+            <p:nvSpPr>
+              <p:cNvPr id="5" name="内容占位符 4">
+                <a:extLst>
+                  <a:ext uri="{FF2B5EF4-FFF2-40B4-BE49-F238E27FC236}">
+                    <a16:creationId xmlns:a16="http://schemas.microsoft.com/office/drawing/2014/main" id="{7CCA9E6E-8FDB-96E0-EBA0-9DCC32D45C7A}"/>
+                  </a:ext>
+                </a:extLst>
+              </p:cNvPr>
+              <p:cNvSpPr>
+                <a:spLocks noGrp="1"/>
+              </p:cNvSpPr>
+              <p:nvPr>
+                <p:ph idx="1"/>
+              </p:nvPr>
+            </p:nvSpPr>
+            <p:spPr>
+              <a:xfrm>
+                <a:off x="3447535" y="0"/>
+                <a:ext cx="8744465" cy="6857999"/>
+              </a:xfrm>
+            </p:spPr>
+            <p:txBody>
+              <a:bodyPr/>
+              <a:lstStyle/>
+              <a:p>
+                <a:pPr marL="0" indent="0">
+                  <a:buNone/>
+                </a:pPr>
+                <a:r>
+                  <a:rPr lang="en-US" altLang="zh-CN" dirty="0"/>
+                  <a:t>(1).</a:t>
+                </a:r>
+                <a:r>
+                  <a:rPr lang="en-US" altLang="zh-CN" b="1" dirty="0"/>
+                  <a:t>Strip Paths</a:t>
+                </a:r>
+                <a:r>
+                  <a:rPr lang="en-US" altLang="zh-CN" dirty="0"/>
+                  <a:t> captures both row- and column-level features.</a:t>
+                </a:r>
+              </a:p>
+              <a:p>
+                <a:pPr marL="0" indent="0">
+                  <a:buNone/>
+                </a:pPr>
+                <a:r>
+                  <a:rPr lang="zh-CN" altLang="en-US" dirty="0"/>
+                  <a:t>①</a:t>
+                </a:r>
+                <a:r>
+                  <a:rPr lang="en-US" altLang="zh-CN" dirty="0"/>
+                  <a:t>.project image patch features to align with text features in dimension, resulting in </a:t>
+                </a:r>
+                <a14:m>
+                  <m:oMath xmlns:m="http://schemas.openxmlformats.org/officeDocument/2006/math">
+                    <m:acc>
+                      <m:accPr>
+                        <m:chr m:val="̂"/>
+                        <m:ctrlPr>
+                          <a:rPr lang="en-US" altLang="zh-CN" i="1" smtClean="0">
+                            <a:latin typeface="Cambria Math" panose="02040503050406030204" pitchFamily="18" charset="0"/>
+                          </a:rPr>
+                        </m:ctrlPr>
+                      </m:accPr>
+                      <m:e>
+                        <m:r>
+                          <a:rPr lang="en-US" altLang="zh-CN" b="0" i="1" smtClean="0">
+                            <a:latin typeface="Cambria Math" panose="02040503050406030204" pitchFamily="18" charset="0"/>
+                          </a:rPr>
+                          <m:t>𝑃</m:t>
+                        </m:r>
+                      </m:e>
+                    </m:acc>
+                    <m:r>
+                      <a:rPr lang="en-US" altLang="zh-CN" i="1">
+                        <a:latin typeface="Cambria Math" panose="02040503050406030204" pitchFamily="18" charset="0"/>
+                        <a:ea typeface="Cambria Math" panose="02040503050406030204" pitchFamily="18" charset="0"/>
+                      </a:rPr>
+                      <m:t>𝜖</m:t>
+                    </m:r>
+                    <m:sSup>
+                      <m:sSupPr>
+                        <m:ctrlPr>
+                          <a:rPr lang="en-US" altLang="zh-CN" i="1" smtClean="0">
+                            <a:latin typeface="Cambria Math" panose="02040503050406030204" pitchFamily="18" charset="0"/>
+                            <a:ea typeface="Cambria Math" panose="02040503050406030204" pitchFamily="18" charset="0"/>
+                          </a:rPr>
+                        </m:ctrlPr>
+                      </m:sSupPr>
+                      <m:e>
+                        <m:r>
+                          <a:rPr lang="en-US" altLang="zh-CN" b="0" i="1" smtClean="0">
+                            <a:latin typeface="Cambria Math" panose="02040503050406030204" pitchFamily="18" charset="0"/>
+                            <a:ea typeface="Cambria Math" panose="02040503050406030204" pitchFamily="18" charset="0"/>
+                          </a:rPr>
+                          <m:t>𝑅</m:t>
+                        </m:r>
+                      </m:e>
+                      <m:sup>
+                        <m:r>
+                          <a:rPr lang="en-US" altLang="zh-CN" b="0" i="1" smtClean="0">
+                            <a:latin typeface="Cambria Math" panose="02040503050406030204" pitchFamily="18" charset="0"/>
+                            <a:ea typeface="Cambria Math" panose="02040503050406030204" pitchFamily="18" charset="0"/>
+                          </a:rPr>
+                          <m:t>𝐻</m:t>
+                        </m:r>
+                        <m:r>
+                          <a:rPr lang="en-US" altLang="zh-CN" b="0" i="1" smtClean="0">
+                            <a:latin typeface="Cambria Math" panose="02040503050406030204" pitchFamily="18" charset="0"/>
+                            <a:ea typeface="Cambria Math" panose="02040503050406030204" pitchFamily="18" charset="0"/>
+                          </a:rPr>
+                          <m:t>×</m:t>
+                        </m:r>
+                        <m:r>
+                          <a:rPr lang="en-US" altLang="zh-CN" b="0" i="1" smtClean="0">
+                            <a:latin typeface="Cambria Math" panose="02040503050406030204" pitchFamily="18" charset="0"/>
+                            <a:ea typeface="Cambria Math" panose="02040503050406030204" pitchFamily="18" charset="0"/>
+                          </a:rPr>
+                          <m:t>𝑊</m:t>
+                        </m:r>
+                        <m:r>
+                          <a:rPr lang="en-US" altLang="zh-CN" b="0" i="1" smtClean="0">
+                            <a:latin typeface="Cambria Math" panose="02040503050406030204" pitchFamily="18" charset="0"/>
+                            <a:ea typeface="Cambria Math" panose="02040503050406030204" pitchFamily="18" charset="0"/>
+                          </a:rPr>
+                          <m:t>×</m:t>
+                        </m:r>
+                        <m:sSub>
+                          <m:sSubPr>
+                            <m:ctrlPr>
+                              <a:rPr lang="en-US" altLang="zh-CN" b="0" i="1" smtClean="0">
+                                <a:latin typeface="Cambria Math" panose="02040503050406030204" pitchFamily="18" charset="0"/>
+                                <a:ea typeface="Cambria Math" panose="02040503050406030204" pitchFamily="18" charset="0"/>
+                              </a:rPr>
+                            </m:ctrlPr>
+                          </m:sSubPr>
+                          <m:e>
+                            <m:r>
+                              <a:rPr lang="en-US" altLang="zh-CN" b="0" i="1" smtClean="0">
+                                <a:latin typeface="Cambria Math" panose="02040503050406030204" pitchFamily="18" charset="0"/>
+                                <a:ea typeface="Cambria Math" panose="02040503050406030204" pitchFamily="18" charset="0"/>
+                              </a:rPr>
+                              <m:t>𝐶</m:t>
+                            </m:r>
+                          </m:e>
+                          <m:sub>
+                            <m:r>
+                              <a:rPr lang="en-US" altLang="zh-CN" b="0" i="1" smtClean="0">
+                                <a:latin typeface="Cambria Math" panose="02040503050406030204" pitchFamily="18" charset="0"/>
+                                <a:ea typeface="Cambria Math" panose="02040503050406030204" pitchFamily="18" charset="0"/>
+                              </a:rPr>
+                              <m:t>𝑡</m:t>
+                            </m:r>
+                          </m:sub>
+                        </m:sSub>
+                      </m:sup>
+                    </m:sSup>
+                  </m:oMath>
+                </a14:m>
+                <a:endParaRPr lang="en-US" altLang="zh-CN" dirty="0">
+                  <a:ea typeface="Cambria Math" panose="02040503050406030204" pitchFamily="18" charset="0"/>
+                </a:endParaRPr>
+              </a:p>
+              <a:p>
+                <a:pPr marL="0" indent="0">
+                  <a:buNone/>
+                </a:pPr>
+                <a:r>
+                  <a:rPr lang="zh-CN" altLang="en-US" dirty="0"/>
+                  <a:t>②</a:t>
+                </a:r>
+                <a:r>
+                  <a:rPr lang="en-US" altLang="zh-CN" dirty="0"/>
+                  <a:t>.apply two average pooling layers to extract row- and column-features from </a:t>
+                </a:r>
+                <a14:m>
+                  <m:oMath xmlns:m="http://schemas.openxmlformats.org/officeDocument/2006/math">
+                    <m:acc>
+                      <m:accPr>
+                        <m:chr m:val="̂"/>
+                        <m:ctrlPr>
+                          <a:rPr lang="en-US" altLang="zh-CN" i="1" smtClean="0">
+                            <a:latin typeface="Cambria Math" panose="02040503050406030204" pitchFamily="18" charset="0"/>
+                          </a:rPr>
+                        </m:ctrlPr>
+                      </m:accPr>
+                      <m:e>
+                        <m:r>
+                          <a:rPr lang="en-US" altLang="zh-CN" b="0" i="1" smtClean="0">
+                            <a:latin typeface="Cambria Math" panose="02040503050406030204" pitchFamily="18" charset="0"/>
+                          </a:rPr>
+                          <m:t>𝑃</m:t>
+                        </m:r>
+                      </m:e>
+                    </m:acc>
+                  </m:oMath>
+                </a14:m>
+                <a:r>
+                  <a:rPr lang="en-US" altLang="zh-CN" dirty="0"/>
+                  <a:t>.</a:t>
+                </a:r>
+              </a:p>
+              <a:p>
+                <a:pPr marL="0" indent="0" algn="ctr">
+                  <a:buNone/>
+                </a:pPr>
+                <a14:m>
+                  <m:oMathPara xmlns:m="http://schemas.openxmlformats.org/officeDocument/2006/math">
+                    <m:oMathParaPr>
+                      <m:jc m:val="centerGroup"/>
+                    </m:oMathParaPr>
+                    <m:oMath xmlns:m="http://schemas.openxmlformats.org/officeDocument/2006/math">
+                      <m:sSub>
+                        <m:sSubPr>
+                          <m:ctrlPr>
+                            <a:rPr lang="en-US" altLang="zh-CN" i="1" smtClean="0">
+                              <a:latin typeface="Cambria Math" panose="02040503050406030204" pitchFamily="18" charset="0"/>
+                            </a:rPr>
+                          </m:ctrlPr>
+                        </m:sSubPr>
+                        <m:e>
+                          <m:r>
+                            <a:rPr lang="en-US" altLang="zh-CN" b="0" i="1" smtClean="0">
+                              <a:latin typeface="Cambria Math" panose="02040503050406030204" pitchFamily="18" charset="0"/>
+                            </a:rPr>
+                            <m:t>𝑣</m:t>
+                          </m:r>
+                        </m:e>
+                        <m:sub>
+                          <m:r>
+                            <a:rPr lang="en-US" altLang="zh-CN" b="0" i="1" smtClean="0">
+                              <a:latin typeface="Cambria Math" panose="02040503050406030204" pitchFamily="18" charset="0"/>
+                            </a:rPr>
+                            <m:t>𝑟𝑜𝑤</m:t>
+                          </m:r>
+                        </m:sub>
+                      </m:sSub>
+                      <m:r>
+                        <a:rPr lang="en-US" altLang="zh-CN" b="0" i="1" smtClean="0">
+                          <a:latin typeface="Cambria Math" panose="02040503050406030204" pitchFamily="18" charset="0"/>
+                        </a:rPr>
+                        <m:t>=</m:t>
+                      </m:r>
+                      <m:sSub>
+                        <m:sSubPr>
+                          <m:ctrlPr>
+                            <a:rPr lang="en-US" altLang="zh-CN" b="0" i="1" smtClean="0">
+                              <a:latin typeface="Cambria Math" panose="02040503050406030204" pitchFamily="18" charset="0"/>
+                            </a:rPr>
+                          </m:ctrlPr>
+                        </m:sSubPr>
+                        <m:e>
+                          <m:r>
+                            <a:rPr lang="en-US" altLang="zh-CN" b="0" i="1" smtClean="0">
+                              <a:latin typeface="Cambria Math" panose="02040503050406030204" pitchFamily="18" charset="0"/>
+                            </a:rPr>
+                            <m:t>𝑐𝑜𝑛𝑣</m:t>
+                          </m:r>
+                        </m:e>
+                        <m:sub>
+                          <m:r>
+                            <a:rPr lang="en-US" altLang="zh-CN" b="0" i="1" smtClean="0">
+                              <a:latin typeface="Cambria Math" panose="02040503050406030204" pitchFamily="18" charset="0"/>
+                            </a:rPr>
+                            <m:t>1</m:t>
+                          </m:r>
+                          <m:r>
+                            <a:rPr lang="en-US" altLang="zh-CN" b="0" i="1" smtClean="0">
+                              <a:latin typeface="Cambria Math" panose="02040503050406030204" pitchFamily="18" charset="0"/>
+                              <a:ea typeface="Cambria Math" panose="02040503050406030204" pitchFamily="18" charset="0"/>
+                            </a:rPr>
+                            <m:t>×3</m:t>
+                          </m:r>
+                        </m:sub>
+                      </m:sSub>
+                      <m:r>
+                        <a:rPr lang="en-US" altLang="zh-CN" b="0" i="1" smtClean="0">
+                          <a:latin typeface="Cambria Math" panose="02040503050406030204" pitchFamily="18" charset="0"/>
+                        </a:rPr>
+                        <m:t>(</m:t>
+                      </m:r>
+                      <m:sSub>
+                        <m:sSubPr>
+                          <m:ctrlPr>
+                            <a:rPr lang="en-US" altLang="zh-CN" b="0" i="1" smtClean="0">
+                              <a:latin typeface="Cambria Math" panose="02040503050406030204" pitchFamily="18" charset="0"/>
+                            </a:rPr>
+                          </m:ctrlPr>
+                        </m:sSubPr>
+                        <m:e>
+                          <m:r>
+                            <a:rPr lang="en-US" altLang="zh-CN" b="0" i="1" smtClean="0">
+                              <a:latin typeface="Cambria Math" panose="02040503050406030204" pitchFamily="18" charset="0"/>
+                            </a:rPr>
+                            <m:t>𝐴𝑣𝑔</m:t>
+                          </m:r>
+                          <m:r>
+                            <a:rPr lang="en-US" altLang="zh-CN" b="0" i="1" smtClean="0">
+                              <a:latin typeface="Cambria Math" panose="02040503050406030204" pitchFamily="18" charset="0"/>
+                            </a:rPr>
+                            <m:t>_</m:t>
+                          </m:r>
+                          <m:r>
+                            <a:rPr lang="en-US" altLang="zh-CN" b="0" i="1" smtClean="0">
+                              <a:latin typeface="Cambria Math" panose="02040503050406030204" pitchFamily="18" charset="0"/>
+                            </a:rPr>
+                            <m:t>𝑃𝑜𝑜𝑙</m:t>
+                          </m:r>
+                        </m:e>
+                        <m:sub>
+                          <m:r>
+                            <a:rPr lang="en-US" altLang="zh-CN" b="0" i="1" smtClean="0">
+                              <a:latin typeface="Cambria Math" panose="02040503050406030204" pitchFamily="18" charset="0"/>
+                            </a:rPr>
+                            <m:t>1</m:t>
+                          </m:r>
+                          <m:r>
+                            <a:rPr lang="en-US" altLang="zh-CN" b="0" i="1" smtClean="0">
+                              <a:latin typeface="Cambria Math" panose="02040503050406030204" pitchFamily="18" charset="0"/>
+                              <a:ea typeface="Cambria Math" panose="02040503050406030204" pitchFamily="18" charset="0"/>
+                            </a:rPr>
+                            <m:t>×</m:t>
+                          </m:r>
+                          <m:r>
+                            <a:rPr lang="en-US" altLang="zh-CN" b="0" i="1" smtClean="0">
+                              <a:latin typeface="Cambria Math" panose="02040503050406030204" pitchFamily="18" charset="0"/>
+                              <a:ea typeface="Cambria Math" panose="02040503050406030204" pitchFamily="18" charset="0"/>
+                            </a:rPr>
+                            <m:t>𝑊</m:t>
+                          </m:r>
+                        </m:sub>
+                      </m:sSub>
+                      <m:r>
+                        <a:rPr lang="en-US" altLang="zh-CN" b="0" i="1" smtClean="0">
+                          <a:latin typeface="Cambria Math" panose="02040503050406030204" pitchFamily="18" charset="0"/>
+                        </a:rPr>
+                        <m:t>(</m:t>
+                      </m:r>
+                      <m:acc>
+                        <m:accPr>
+                          <m:chr m:val="̂"/>
+                          <m:ctrlPr>
+                            <a:rPr lang="en-US" altLang="zh-CN" i="1" smtClean="0">
+                              <a:latin typeface="Cambria Math" panose="02040503050406030204" pitchFamily="18" charset="0"/>
+                            </a:rPr>
+                          </m:ctrlPr>
+                        </m:accPr>
+                        <m:e>
+                          <m:r>
+                            <a:rPr lang="en-US" altLang="zh-CN" b="0" i="1" smtClean="0">
+                              <a:latin typeface="Cambria Math" panose="02040503050406030204" pitchFamily="18" charset="0"/>
+                            </a:rPr>
+                            <m:t>𝑃</m:t>
+                          </m:r>
+                        </m:e>
+                      </m:acc>
+                      <m:r>
+                        <a:rPr lang="en-US" altLang="zh-CN" b="0" i="1" smtClean="0">
+                          <a:latin typeface="Cambria Math" panose="02040503050406030204" pitchFamily="18" charset="0"/>
+                        </a:rPr>
+                        <m:t>))</m:t>
+                      </m:r>
+                    </m:oMath>
+                  </m:oMathPara>
+                </a14:m>
+                <a:endParaRPr lang="en-US" altLang="zh-CN" dirty="0"/>
+              </a:p>
+              <a:p>
+                <a:pPr marL="0" indent="0" algn="ctr">
+                  <a:buNone/>
+                </a:pPr>
+                <a14:m>
+                  <m:oMathPara xmlns:m="http://schemas.openxmlformats.org/officeDocument/2006/math">
+                    <m:oMathParaPr>
+                      <m:jc m:val="centerGroup"/>
+                    </m:oMathParaPr>
+                    <m:oMath xmlns:m="http://schemas.openxmlformats.org/officeDocument/2006/math">
+                      <m:sSub>
+                        <m:sSubPr>
+                          <m:ctrlPr>
+                            <a:rPr lang="en-US" altLang="zh-CN" i="1" smtClean="0">
+                              <a:latin typeface="Cambria Math" panose="02040503050406030204" pitchFamily="18" charset="0"/>
+                            </a:rPr>
+                          </m:ctrlPr>
+                        </m:sSubPr>
+                        <m:e>
+                          <m:r>
+                            <a:rPr lang="en-US" altLang="zh-CN" b="0" i="1" smtClean="0">
+                              <a:latin typeface="Cambria Math" panose="02040503050406030204" pitchFamily="18" charset="0"/>
+                            </a:rPr>
+                            <m:t>𝑣</m:t>
+                          </m:r>
+                        </m:e>
+                        <m:sub>
+                          <m:r>
+                            <a:rPr lang="en-US" altLang="zh-CN" b="0" i="1" smtClean="0">
+                              <a:latin typeface="Cambria Math" panose="02040503050406030204" pitchFamily="18" charset="0"/>
+                            </a:rPr>
+                            <m:t>𝑐𝑜𝑙</m:t>
+                          </m:r>
+                        </m:sub>
+                      </m:sSub>
+                      <m:r>
+                        <a:rPr lang="en-US" altLang="zh-CN" b="0" i="1" smtClean="0">
+                          <a:latin typeface="Cambria Math" panose="02040503050406030204" pitchFamily="18" charset="0"/>
+                        </a:rPr>
+                        <m:t>=</m:t>
+                      </m:r>
+                      <m:sSub>
+                        <m:sSubPr>
+                          <m:ctrlPr>
+                            <a:rPr lang="en-US" altLang="zh-CN" b="0" i="1" smtClean="0">
+                              <a:latin typeface="Cambria Math" panose="02040503050406030204" pitchFamily="18" charset="0"/>
+                            </a:rPr>
+                          </m:ctrlPr>
+                        </m:sSubPr>
+                        <m:e>
+                          <m:r>
+                            <a:rPr lang="en-US" altLang="zh-CN" b="0" i="1" smtClean="0">
+                              <a:latin typeface="Cambria Math" panose="02040503050406030204" pitchFamily="18" charset="0"/>
+                            </a:rPr>
+                            <m:t>𝑐𝑜𝑛𝑣</m:t>
+                          </m:r>
+                        </m:e>
+                        <m:sub>
+                          <m:r>
+                            <a:rPr lang="en-US" altLang="zh-CN" b="0" i="1" smtClean="0">
+                              <a:latin typeface="Cambria Math" panose="02040503050406030204" pitchFamily="18" charset="0"/>
+                            </a:rPr>
+                            <m:t>3</m:t>
+                          </m:r>
+                          <m:r>
+                            <a:rPr lang="en-US" altLang="zh-CN" b="0" i="1" smtClean="0">
+                              <a:latin typeface="Cambria Math" panose="02040503050406030204" pitchFamily="18" charset="0"/>
+                              <a:ea typeface="Cambria Math" panose="02040503050406030204" pitchFamily="18" charset="0"/>
+                            </a:rPr>
+                            <m:t>×</m:t>
+                          </m:r>
+                          <m:r>
+                            <a:rPr lang="en-US" altLang="zh-CN" b="0" i="1" smtClean="0">
+                              <a:latin typeface="Cambria Math" panose="02040503050406030204" pitchFamily="18" charset="0"/>
+                              <a:ea typeface="Cambria Math" panose="02040503050406030204" pitchFamily="18" charset="0"/>
+                            </a:rPr>
+                            <m:t>1</m:t>
+                          </m:r>
+                        </m:sub>
+                      </m:sSub>
+                      <m:r>
+                        <a:rPr lang="en-US" altLang="zh-CN" b="0" i="1" smtClean="0">
+                          <a:latin typeface="Cambria Math" panose="02040503050406030204" pitchFamily="18" charset="0"/>
+                        </a:rPr>
+                        <m:t>(</m:t>
+                      </m:r>
+                      <m:sSub>
+                        <m:sSubPr>
+                          <m:ctrlPr>
+                            <a:rPr lang="en-US" altLang="zh-CN" b="0" i="1" smtClean="0">
+                              <a:latin typeface="Cambria Math" panose="02040503050406030204" pitchFamily="18" charset="0"/>
+                            </a:rPr>
+                          </m:ctrlPr>
+                        </m:sSubPr>
+                        <m:e>
+                          <m:r>
+                            <a:rPr lang="en-US" altLang="zh-CN" b="0" i="1" smtClean="0">
+                              <a:latin typeface="Cambria Math" panose="02040503050406030204" pitchFamily="18" charset="0"/>
+                            </a:rPr>
+                            <m:t>𝐴𝑣𝑔</m:t>
+                          </m:r>
+                          <m:r>
+                            <a:rPr lang="en-US" altLang="zh-CN" b="0" i="1" smtClean="0">
+                              <a:latin typeface="Cambria Math" panose="02040503050406030204" pitchFamily="18" charset="0"/>
+                            </a:rPr>
+                            <m:t>_</m:t>
+                          </m:r>
+                          <m:r>
+                            <a:rPr lang="en-US" altLang="zh-CN" b="0" i="1" smtClean="0">
+                              <a:latin typeface="Cambria Math" panose="02040503050406030204" pitchFamily="18" charset="0"/>
+                            </a:rPr>
+                            <m:t>𝑃𝑜𝑜𝑙</m:t>
+                          </m:r>
+                        </m:e>
+                        <m:sub>
+                          <m:r>
+                            <a:rPr lang="en-US" altLang="zh-CN" b="0" i="1" smtClean="0">
+                              <a:latin typeface="Cambria Math" panose="02040503050406030204" pitchFamily="18" charset="0"/>
+                            </a:rPr>
+                            <m:t>𝐻</m:t>
+                          </m:r>
+                          <m:r>
+                            <a:rPr lang="en-US" altLang="zh-CN" b="0" i="1" smtClean="0">
+                              <a:latin typeface="Cambria Math" panose="02040503050406030204" pitchFamily="18" charset="0"/>
+                              <a:ea typeface="Cambria Math" panose="02040503050406030204" pitchFamily="18" charset="0"/>
+                            </a:rPr>
+                            <m:t>×</m:t>
+                          </m:r>
+                          <m:r>
+                            <a:rPr lang="en-US" altLang="zh-CN" b="0" i="1" smtClean="0">
+                              <a:latin typeface="Cambria Math" panose="02040503050406030204" pitchFamily="18" charset="0"/>
+                              <a:ea typeface="Cambria Math" panose="02040503050406030204" pitchFamily="18" charset="0"/>
+                            </a:rPr>
+                            <m:t>1</m:t>
+                          </m:r>
+                        </m:sub>
+                      </m:sSub>
+                      <m:r>
+                        <a:rPr lang="en-US" altLang="zh-CN" b="0" i="1" smtClean="0">
+                          <a:latin typeface="Cambria Math" panose="02040503050406030204" pitchFamily="18" charset="0"/>
+                        </a:rPr>
+                        <m:t>(</m:t>
+                      </m:r>
+                      <m:acc>
+                        <m:accPr>
+                          <m:chr m:val="̂"/>
+                          <m:ctrlPr>
+                            <a:rPr lang="en-US" altLang="zh-CN" i="1" smtClean="0">
+                              <a:latin typeface="Cambria Math" panose="02040503050406030204" pitchFamily="18" charset="0"/>
+                            </a:rPr>
+                          </m:ctrlPr>
+                        </m:accPr>
+                        <m:e>
+                          <m:r>
+                            <a:rPr lang="en-US" altLang="zh-CN" b="0" i="1" smtClean="0">
+                              <a:latin typeface="Cambria Math" panose="02040503050406030204" pitchFamily="18" charset="0"/>
+                            </a:rPr>
+                            <m:t>𝑃</m:t>
+                          </m:r>
+                        </m:e>
+                      </m:acc>
+                      <m:r>
+                        <a:rPr lang="en-US" altLang="zh-CN" b="0" i="1" smtClean="0">
+                          <a:latin typeface="Cambria Math" panose="02040503050406030204" pitchFamily="18" charset="0"/>
+                        </a:rPr>
+                        <m:t>))</m:t>
+                      </m:r>
+                    </m:oMath>
+                  </m:oMathPara>
+                </a14:m>
+                <a:endParaRPr lang="en-US" altLang="zh-CN" dirty="0"/>
+              </a:p>
+              <a:p>
+                <a:pPr marL="0" indent="0">
+                  <a:buNone/>
+                </a:pPr>
+                <a:r>
+                  <a:rPr lang="en-US" altLang="zh-CN" dirty="0"/>
+                  <a:t>where </a:t>
+                </a:r>
+                <a14:m>
+                  <m:oMath xmlns:m="http://schemas.openxmlformats.org/officeDocument/2006/math">
+                    <m:sSub>
+                      <m:sSubPr>
+                        <m:ctrlPr>
+                          <a:rPr lang="en-US" altLang="zh-CN" i="1" smtClean="0">
+                            <a:latin typeface="Cambria Math" panose="02040503050406030204" pitchFamily="18" charset="0"/>
+                          </a:rPr>
+                        </m:ctrlPr>
+                      </m:sSubPr>
+                      <m:e>
+                        <m:r>
+                          <a:rPr lang="en-US" altLang="zh-CN" b="0" i="1" smtClean="0">
+                            <a:latin typeface="Cambria Math" panose="02040503050406030204" pitchFamily="18" charset="0"/>
+                          </a:rPr>
+                          <m:t>𝑣</m:t>
+                        </m:r>
+                      </m:e>
+                      <m:sub>
+                        <m:r>
+                          <a:rPr lang="en-US" altLang="zh-CN" b="0" i="1" smtClean="0">
+                            <a:latin typeface="Cambria Math" panose="02040503050406030204" pitchFamily="18" charset="0"/>
+                          </a:rPr>
+                          <m:t>𝑟𝑜𝑤</m:t>
+                        </m:r>
+                      </m:sub>
+                    </m:sSub>
+                    <m:r>
+                      <a:rPr lang="en-US" altLang="zh-CN" b="0" i="1" smtClean="0">
+                        <a:latin typeface="Cambria Math" panose="02040503050406030204" pitchFamily="18" charset="0"/>
+                        <a:ea typeface="Cambria Math" panose="02040503050406030204" pitchFamily="18" charset="0"/>
+                      </a:rPr>
+                      <m:t>∈</m:t>
+                    </m:r>
+                    <m:sSup>
+                      <m:sSupPr>
+                        <m:ctrlPr>
+                          <a:rPr lang="en-US" altLang="zh-CN" i="1" smtClean="0">
+                            <a:latin typeface="Cambria Math" panose="02040503050406030204" pitchFamily="18" charset="0"/>
+                            <a:ea typeface="Cambria Math" panose="02040503050406030204" pitchFamily="18" charset="0"/>
+                          </a:rPr>
+                        </m:ctrlPr>
+                      </m:sSupPr>
+                      <m:e>
+                        <m:r>
+                          <a:rPr lang="en-US" altLang="zh-CN" b="0" i="1" smtClean="0">
+                            <a:latin typeface="Cambria Math" panose="02040503050406030204" pitchFamily="18" charset="0"/>
+                            <a:ea typeface="Cambria Math" panose="02040503050406030204" pitchFamily="18" charset="0"/>
+                          </a:rPr>
+                          <m:t>𝑅</m:t>
+                        </m:r>
+                      </m:e>
+                      <m:sup>
+                        <m:r>
+                          <a:rPr lang="en-US" altLang="zh-CN" b="0" i="1" smtClean="0">
+                            <a:latin typeface="Cambria Math" panose="02040503050406030204" pitchFamily="18" charset="0"/>
+                            <a:ea typeface="Cambria Math" panose="02040503050406030204" pitchFamily="18" charset="0"/>
+                          </a:rPr>
+                          <m:t>𝐻</m:t>
+                        </m:r>
+                        <m:r>
+                          <a:rPr lang="en-US" altLang="zh-CN" b="0" i="1" smtClean="0">
+                            <a:latin typeface="Cambria Math" panose="02040503050406030204" pitchFamily="18" charset="0"/>
+                            <a:ea typeface="Cambria Math" panose="02040503050406030204" pitchFamily="18" charset="0"/>
+                          </a:rPr>
+                          <m:t>×</m:t>
+                        </m:r>
+                        <m:sSub>
+                          <m:sSubPr>
+                            <m:ctrlPr>
+                              <a:rPr lang="en-US" altLang="zh-CN" b="0" i="1" smtClean="0">
+                                <a:latin typeface="Cambria Math" panose="02040503050406030204" pitchFamily="18" charset="0"/>
+                                <a:ea typeface="Cambria Math" panose="02040503050406030204" pitchFamily="18" charset="0"/>
+                              </a:rPr>
+                            </m:ctrlPr>
+                          </m:sSubPr>
+                          <m:e>
+                            <m:r>
+                              <a:rPr lang="en-US" altLang="zh-CN" b="0" i="1" smtClean="0">
+                                <a:latin typeface="Cambria Math" panose="02040503050406030204" pitchFamily="18" charset="0"/>
+                                <a:ea typeface="Cambria Math" panose="02040503050406030204" pitchFamily="18" charset="0"/>
+                              </a:rPr>
+                              <m:t>𝐶</m:t>
+                            </m:r>
+                          </m:e>
+                          <m:sub>
+                            <m:r>
+                              <a:rPr lang="en-US" altLang="zh-CN" b="0" i="1" smtClean="0">
+                                <a:latin typeface="Cambria Math" panose="02040503050406030204" pitchFamily="18" charset="0"/>
+                                <a:ea typeface="Cambria Math" panose="02040503050406030204" pitchFamily="18" charset="0"/>
+                              </a:rPr>
+                              <m:t>h</m:t>
+                            </m:r>
+                          </m:sub>
+                        </m:sSub>
+                      </m:sup>
+                    </m:sSup>
+                  </m:oMath>
+                </a14:m>
+                <a:r>
+                  <a:rPr lang="en-US" altLang="zh-CN" dirty="0"/>
+                  <a:t> and </a:t>
+                </a:r>
+                <a14:m>
+                  <m:oMath xmlns:m="http://schemas.openxmlformats.org/officeDocument/2006/math">
+                    <m:sSub>
+                      <m:sSubPr>
+                        <m:ctrlPr>
+                          <a:rPr lang="en-US" altLang="zh-CN" i="1" smtClean="0">
+                            <a:latin typeface="Cambria Math" panose="02040503050406030204" pitchFamily="18" charset="0"/>
+                          </a:rPr>
+                        </m:ctrlPr>
+                      </m:sSubPr>
+                      <m:e>
+                        <m:r>
+                          <a:rPr lang="en-US" altLang="zh-CN" b="0" i="1" smtClean="0">
+                            <a:latin typeface="Cambria Math" panose="02040503050406030204" pitchFamily="18" charset="0"/>
+                          </a:rPr>
+                          <m:t>𝑣</m:t>
+                        </m:r>
+                      </m:e>
+                      <m:sub>
+                        <m:r>
+                          <a:rPr lang="en-US" altLang="zh-CN" b="0" i="1" smtClean="0">
+                            <a:latin typeface="Cambria Math" panose="02040503050406030204" pitchFamily="18" charset="0"/>
+                          </a:rPr>
+                          <m:t>𝑐𝑜𝑙</m:t>
+                        </m:r>
+                      </m:sub>
+                    </m:sSub>
+                    <m:r>
+                      <a:rPr lang="en-US" altLang="zh-CN" b="0" i="1" smtClean="0">
+                        <a:latin typeface="Cambria Math" panose="02040503050406030204" pitchFamily="18" charset="0"/>
+                        <a:ea typeface="Cambria Math" panose="02040503050406030204" pitchFamily="18" charset="0"/>
+                      </a:rPr>
+                      <m:t>∈</m:t>
+                    </m:r>
+                    <m:sSup>
+                      <m:sSupPr>
+                        <m:ctrlPr>
+                          <a:rPr lang="en-US" altLang="zh-CN" i="1" smtClean="0">
+                            <a:latin typeface="Cambria Math" panose="02040503050406030204" pitchFamily="18" charset="0"/>
+                            <a:ea typeface="Cambria Math" panose="02040503050406030204" pitchFamily="18" charset="0"/>
+                          </a:rPr>
+                        </m:ctrlPr>
+                      </m:sSupPr>
+                      <m:e>
+                        <m:r>
+                          <a:rPr lang="en-US" altLang="zh-CN" b="0" i="1" smtClean="0">
+                            <a:latin typeface="Cambria Math" panose="02040503050406030204" pitchFamily="18" charset="0"/>
+                            <a:ea typeface="Cambria Math" panose="02040503050406030204" pitchFamily="18" charset="0"/>
+                          </a:rPr>
+                          <m:t>𝑅</m:t>
+                        </m:r>
+                      </m:e>
+                      <m:sup>
+                        <m:r>
+                          <a:rPr lang="en-US" altLang="zh-CN" b="0" i="1" smtClean="0">
+                            <a:latin typeface="Cambria Math" panose="02040503050406030204" pitchFamily="18" charset="0"/>
+                            <a:ea typeface="Cambria Math" panose="02040503050406030204" pitchFamily="18" charset="0"/>
+                          </a:rPr>
+                          <m:t>𝑊</m:t>
+                        </m:r>
+                        <m:r>
+                          <a:rPr lang="en-US" altLang="zh-CN" b="0" i="1" smtClean="0">
+                            <a:latin typeface="Cambria Math" panose="02040503050406030204" pitchFamily="18" charset="0"/>
+                            <a:ea typeface="Cambria Math" panose="02040503050406030204" pitchFamily="18" charset="0"/>
+                          </a:rPr>
+                          <m:t>×</m:t>
+                        </m:r>
+                        <m:sSub>
+                          <m:sSubPr>
+                            <m:ctrlPr>
+                              <a:rPr lang="en-US" altLang="zh-CN" b="0" i="1" smtClean="0">
+                                <a:latin typeface="Cambria Math" panose="02040503050406030204" pitchFamily="18" charset="0"/>
+                                <a:ea typeface="Cambria Math" panose="02040503050406030204" pitchFamily="18" charset="0"/>
+                              </a:rPr>
+                            </m:ctrlPr>
+                          </m:sSubPr>
+                          <m:e>
+                            <m:r>
+                              <a:rPr lang="en-US" altLang="zh-CN" b="0" i="1" smtClean="0">
+                                <a:latin typeface="Cambria Math" panose="02040503050406030204" pitchFamily="18" charset="0"/>
+                                <a:ea typeface="Cambria Math" panose="02040503050406030204" pitchFamily="18" charset="0"/>
+                              </a:rPr>
+                              <m:t>𝐶</m:t>
+                            </m:r>
+                          </m:e>
+                          <m:sub>
+                            <m:r>
+                              <a:rPr lang="en-US" altLang="zh-CN" b="0" i="1" smtClean="0">
+                                <a:latin typeface="Cambria Math" panose="02040503050406030204" pitchFamily="18" charset="0"/>
+                                <a:ea typeface="Cambria Math" panose="02040503050406030204" pitchFamily="18" charset="0"/>
+                              </a:rPr>
+                              <m:t>h</m:t>
+                            </m:r>
+                          </m:sub>
+                        </m:sSub>
+                      </m:sup>
+                    </m:sSup>
+                  </m:oMath>
+                </a14:m>
+                <a:r>
+                  <a:rPr lang="en-US" altLang="zh-CN" dirty="0"/>
+                  <a:t> are raw- and column-level features.</a:t>
+                </a:r>
+              </a:p>
+            </p:txBody>
+          </p:sp>
+        </mc:Choice>
+        <mc:Fallback>
+          <p:sp>
+            <p:nvSpPr>
+              <p:cNvPr id="5" name="内容占位符 4">
+                <a:extLst>
+                  <a:ext uri="{FF2B5EF4-FFF2-40B4-BE49-F238E27FC236}">
+                    <a16:creationId xmlns:a16="http://schemas.microsoft.com/office/drawing/2014/main" id="{7CCA9E6E-8FDB-96E0-EBA0-9DCC32D45C7A}"/>
+                  </a:ext>
+                </a:extLst>
+              </p:cNvPr>
+              <p:cNvSpPr>
+                <a:spLocks noGrp="1" noRot="1" noChangeAspect="1" noMove="1" noResize="1" noEditPoints="1" noAdjustHandles="1" noChangeArrowheads="1" noChangeShapeType="1" noTextEdit="1"/>
+              </p:cNvSpPr>
+              <p:nvPr>
+                <p:ph idx="1"/>
+              </p:nvPr>
+            </p:nvSpPr>
+            <p:spPr>
+              <a:xfrm>
+                <a:off x="3447535" y="0"/>
+                <a:ext cx="8744465" cy="6857999"/>
+              </a:xfrm>
+              <a:blipFill>
+                <a:blip r:embed="rId2"/>
+                <a:stretch>
+                  <a:fillRect l="-1813" t="-1867" r="-2510"/>
+                </a:stretch>
+              </a:blipFill>
+            </p:spPr>
+            <p:txBody>
+              <a:bodyPr/>
+              <a:lstStyle/>
+              <a:p>
+                <a:r>
+                  <a:rPr lang="zh-CN" altLang="en-US">
+                    <a:noFill/>
+                  </a:rPr>
+                  <a:t> </a:t>
+                </a:r>
+              </a:p>
+            </p:txBody>
+          </p:sp>
+        </mc:Fallback>
+      </mc:AlternateContent>
+    </p:spTree>
+    <p:extLst>
+      <p:ext uri="{BB962C8B-B14F-4D97-AF65-F5344CB8AC3E}">
+        <p14:creationId xmlns:p14="http://schemas.microsoft.com/office/powerpoint/2010/main" val="3057393935"/>
+      </p:ext>
+    </p:extLst>
+  </p:cSld>
+  <p:clrMapOvr>
+    <a:masterClrMapping/>
+  </p:clrMapOvr>
+</p:sld>
+</file>
+
 <file path=ppt/slides/slide2.xml><?xml version="1.0" encoding="utf-8"?>
 <p:sld xmlns:a="http://schemas.openxmlformats.org/drawingml/2006/main" xmlns:r="http://schemas.openxmlformats.org/officeDocument/2006/relationships" xmlns:p="http://schemas.openxmlformats.org/presentationml/2006/main">
   <p:cSld>
@@ -3800,11 +5073,7 @@
             </a:pPr>
             <a:r>
               <a:rPr lang="en-US" altLang="zh-CN" dirty="0"/>
-              <a:t>(2).SAM has a strong segmentation capability and can accept diverse prompts, including points, boxes, and text prompts. but the ambiguous prompts lead to the generation </a:t>
-            </a:r>
-            <a:r>
-              <a:rPr lang="en-US" altLang="zh-CN"/>
-              <a:t>of redundant masks.</a:t>
+              <a:t>(2).SAM has a strong segmentation capability and can accept diverse prompts, including points, boxes, and text prompts. but the ambiguous prompts lead to the generation of redundant masks.</a:t>
             </a:r>
             <a:endParaRPr lang="zh-CN" altLang="en-US" dirty="0"/>
           </a:p>
@@ -3814,6 +5083,760 @@
     <p:extLst>
       <p:ext uri="{BB962C8B-B14F-4D97-AF65-F5344CB8AC3E}">
         <p14:creationId xmlns:p14="http://schemas.microsoft.com/office/powerpoint/2010/main" val="1728148269"/>
+      </p:ext>
+    </p:extLst>
+  </p:cSld>
+  <p:clrMapOvr>
+    <a:masterClrMapping/>
+  </p:clrMapOvr>
+</p:sld>
+</file>
+
+<file path=ppt/slides/slide5.xml><?xml version="1.0" encoding="utf-8"?>
+<p:sld xmlns:a="http://schemas.openxmlformats.org/drawingml/2006/main" xmlns:r="http://schemas.openxmlformats.org/officeDocument/2006/relationships" xmlns:p="http://schemas.openxmlformats.org/presentationml/2006/main">
+  <p:cSld>
+    <p:spTree>
+      <p:nvGrpSpPr>
+        <p:cNvPr id="1" name=""/>
+        <p:cNvGrpSpPr/>
+        <p:nvPr/>
+      </p:nvGrpSpPr>
+      <p:grpSpPr>
+        <a:xfrm>
+          <a:off x="0" y="0"/>
+          <a:ext cx="0" cy="0"/>
+          <a:chOff x="0" y="0"/>
+          <a:chExt cx="0" cy="0"/>
+        </a:xfrm>
+      </p:grpSpPr>
+      <p:sp>
+        <p:nvSpPr>
+          <p:cNvPr id="2" name="标题 1">
+            <a:extLst>
+              <a:ext uri="{FF2B5EF4-FFF2-40B4-BE49-F238E27FC236}">
+                <a16:creationId xmlns:a16="http://schemas.microsoft.com/office/drawing/2014/main" id="{1E0D5EC2-00ED-9028-F983-B2BCDD46ACA5}"/>
+              </a:ext>
+            </a:extLst>
+          </p:cNvPr>
+          <p:cNvSpPr>
+            <a:spLocks noGrp="1"/>
+          </p:cNvSpPr>
+          <p:nvPr>
+            <p:ph type="title"/>
+          </p:nvPr>
+        </p:nvSpPr>
+        <p:spPr/>
+        <p:txBody>
+          <a:bodyPr/>
+          <a:lstStyle/>
+          <a:p>
+            <a:r>
+              <a:rPr lang="en-US" altLang="zh-CN" dirty="0"/>
+              <a:t>1.Introduction</a:t>
+            </a:r>
+            <a:endParaRPr lang="zh-CN" altLang="en-US" dirty="0"/>
+          </a:p>
+        </p:txBody>
+      </p:sp>
+      <p:sp>
+        <p:nvSpPr>
+          <p:cNvPr id="3" name="内容占位符 2">
+            <a:extLst>
+              <a:ext uri="{FF2B5EF4-FFF2-40B4-BE49-F238E27FC236}">
+                <a16:creationId xmlns:a16="http://schemas.microsoft.com/office/drawing/2014/main" id="{014F826C-18EE-CFFF-7554-BAB15F60878C}"/>
+              </a:ext>
+            </a:extLst>
+          </p:cNvPr>
+          <p:cNvSpPr>
+            <a:spLocks noGrp="1"/>
+          </p:cNvSpPr>
+          <p:nvPr>
+            <p:ph idx="1"/>
+          </p:nvPr>
+        </p:nvSpPr>
+        <p:spPr/>
+        <p:txBody>
+          <a:bodyPr/>
+          <a:lstStyle/>
+          <a:p>
+            <a:r>
+              <a:rPr lang="en-US" altLang="zh-CN" dirty="0"/>
+              <a:t>base on the observations – we design a two-stage framework</a:t>
+            </a:r>
+          </a:p>
+          <a:p>
+            <a:pPr marL="0" indent="0">
+              <a:buNone/>
+            </a:pPr>
+            <a:r>
+              <a:rPr lang="en-US" altLang="zh-CN" dirty="0"/>
+              <a:t>(1).In the first stage, we employ CLIP for rough segmentation. In this part, we design a UMCI model to fusion multi-model features at different level.</a:t>
+            </a:r>
+          </a:p>
+          <a:p>
+            <a:pPr marL="0" indent="0">
+              <a:buNone/>
+            </a:pPr>
+            <a:r>
+              <a:rPr lang="en-US" altLang="zh-CN" dirty="0"/>
+              <a:t>(2).In the second stage, we use CLIP’s localization information to guide SAM for segmentation refinement. In this part, we propose a MMR module: use CLIP localization information to generate precise masks, and then fuse it with CLIP result.</a:t>
+            </a:r>
+            <a:endParaRPr lang="zh-CN" altLang="en-US" dirty="0"/>
+          </a:p>
+        </p:txBody>
+      </p:sp>
+    </p:spTree>
+    <p:extLst>
+      <p:ext uri="{BB962C8B-B14F-4D97-AF65-F5344CB8AC3E}">
+        <p14:creationId xmlns:p14="http://schemas.microsoft.com/office/powerpoint/2010/main" val="3343781084"/>
+      </p:ext>
+    </p:extLst>
+  </p:cSld>
+  <p:clrMapOvr>
+    <a:masterClrMapping/>
+  </p:clrMapOvr>
+</p:sld>
+</file>
+
+<file path=ppt/slides/slide6.xml><?xml version="1.0" encoding="utf-8"?>
+<p:sld xmlns:a="http://schemas.openxmlformats.org/drawingml/2006/main" xmlns:r="http://schemas.openxmlformats.org/officeDocument/2006/relationships" xmlns:p="http://schemas.openxmlformats.org/presentationml/2006/main">
+  <p:cSld>
+    <p:spTree>
+      <p:nvGrpSpPr>
+        <p:cNvPr id="1" name=""/>
+        <p:cNvGrpSpPr/>
+        <p:nvPr/>
+      </p:nvGrpSpPr>
+      <p:grpSpPr>
+        <a:xfrm>
+          <a:off x="0" y="0"/>
+          <a:ext cx="0" cy="0"/>
+          <a:chOff x="0" y="0"/>
+          <a:chExt cx="0" cy="0"/>
+        </a:xfrm>
+      </p:grpSpPr>
+      <p:sp>
+        <p:nvSpPr>
+          <p:cNvPr id="2" name="标题 1">
+            <a:extLst>
+              <a:ext uri="{FF2B5EF4-FFF2-40B4-BE49-F238E27FC236}">
+                <a16:creationId xmlns:a16="http://schemas.microsoft.com/office/drawing/2014/main" id="{20618421-B59A-AC9B-4C2B-A4D78327CE22}"/>
+              </a:ext>
+            </a:extLst>
+          </p:cNvPr>
+          <p:cNvSpPr>
+            <a:spLocks noGrp="1"/>
+          </p:cNvSpPr>
+          <p:nvPr>
+            <p:ph type="title"/>
+          </p:nvPr>
+        </p:nvSpPr>
+        <p:spPr>
+          <a:xfrm>
+            <a:off x="61313" y="457200"/>
+            <a:ext cx="3546860" cy="1600200"/>
+          </a:xfrm>
+        </p:spPr>
+        <p:txBody>
+          <a:bodyPr/>
+          <a:lstStyle/>
+          <a:p>
+            <a:r>
+              <a:rPr lang="en-US" altLang="zh-CN" dirty="0"/>
+              <a:t>2.Related Work</a:t>
+            </a:r>
+            <a:endParaRPr lang="zh-CN" altLang="en-US" dirty="0"/>
+          </a:p>
+        </p:txBody>
+      </p:sp>
+      <p:sp>
+        <p:nvSpPr>
+          <p:cNvPr id="3" name="内容占位符 2">
+            <a:extLst>
+              <a:ext uri="{FF2B5EF4-FFF2-40B4-BE49-F238E27FC236}">
+                <a16:creationId xmlns:a16="http://schemas.microsoft.com/office/drawing/2014/main" id="{ECBC0E2A-1B83-D774-9B95-798C9BE1E79B}"/>
+              </a:ext>
+            </a:extLst>
+          </p:cNvPr>
+          <p:cNvSpPr>
+            <a:spLocks noGrp="1"/>
+          </p:cNvSpPr>
+          <p:nvPr>
+            <p:ph idx="1"/>
+          </p:nvPr>
+        </p:nvSpPr>
+        <p:spPr>
+          <a:xfrm>
+            <a:off x="3694670" y="0"/>
+            <a:ext cx="8497330" cy="6857999"/>
+          </a:xfrm>
+        </p:spPr>
+        <p:txBody>
+          <a:bodyPr/>
+          <a:lstStyle/>
+          <a:p>
+            <a:r>
+              <a:rPr lang="en-US" altLang="zh-CN" dirty="0"/>
+              <a:t>nothing to tell</a:t>
+            </a:r>
+            <a:endParaRPr lang="zh-CN" altLang="en-US" dirty="0"/>
+          </a:p>
+        </p:txBody>
+      </p:sp>
+      <p:sp>
+        <p:nvSpPr>
+          <p:cNvPr id="4" name="文本占位符 3">
+            <a:extLst>
+              <a:ext uri="{FF2B5EF4-FFF2-40B4-BE49-F238E27FC236}">
+                <a16:creationId xmlns:a16="http://schemas.microsoft.com/office/drawing/2014/main" id="{351E9848-A693-DC47-CE0F-2FA538003518}"/>
+              </a:ext>
+            </a:extLst>
+          </p:cNvPr>
+          <p:cNvSpPr>
+            <a:spLocks noGrp="1"/>
+          </p:cNvSpPr>
+          <p:nvPr>
+            <p:ph type="body" sz="half" idx="2"/>
+          </p:nvPr>
+        </p:nvSpPr>
+        <p:spPr>
+          <a:xfrm>
+            <a:off x="61312" y="2057400"/>
+            <a:ext cx="3546861" cy="3811588"/>
+          </a:xfrm>
+        </p:spPr>
+        <p:txBody>
+          <a:bodyPr/>
+          <a:lstStyle/>
+          <a:p>
+            <a:r>
+              <a:rPr lang="en-US" altLang="zh-CN" dirty="0"/>
+              <a:t>2.1 </a:t>
+            </a:r>
+            <a:r>
+              <a:rPr lang="en-US" altLang="zh-CN" dirty="0">
+                <a:highlight>
+                  <a:srgbClr val="FFFF00"/>
+                </a:highlight>
+              </a:rPr>
+              <a:t>Zero-shot Anomaly Segmentation</a:t>
+            </a:r>
+          </a:p>
+          <a:p>
+            <a:r>
+              <a:rPr lang="en-US" altLang="zh-CN" dirty="0"/>
+              <a:t>2.2 Foundation Models</a:t>
+            </a:r>
+          </a:p>
+          <a:p>
+            <a:r>
+              <a:rPr lang="en-US" altLang="zh-CN" dirty="0"/>
+              <a:t>2.3 Cross-modal Interaction</a:t>
+            </a:r>
+            <a:endParaRPr lang="zh-CN" altLang="en-US" dirty="0"/>
+          </a:p>
+        </p:txBody>
+      </p:sp>
+    </p:spTree>
+    <p:extLst>
+      <p:ext uri="{BB962C8B-B14F-4D97-AF65-F5344CB8AC3E}">
+        <p14:creationId xmlns:p14="http://schemas.microsoft.com/office/powerpoint/2010/main" val="2785888387"/>
+      </p:ext>
+    </p:extLst>
+  </p:cSld>
+  <p:clrMapOvr>
+    <a:masterClrMapping/>
+  </p:clrMapOvr>
+</p:sld>
+</file>
+
+<file path=ppt/slides/slide7.xml><?xml version="1.0" encoding="utf-8"?>
+<p:sld xmlns:a="http://schemas.openxmlformats.org/drawingml/2006/main" xmlns:r="http://schemas.openxmlformats.org/officeDocument/2006/relationships" xmlns:p="http://schemas.openxmlformats.org/presentationml/2006/main">
+  <p:cSld>
+    <p:spTree>
+      <p:nvGrpSpPr>
+        <p:cNvPr id="1" name=""/>
+        <p:cNvGrpSpPr/>
+        <p:nvPr/>
+      </p:nvGrpSpPr>
+      <p:grpSpPr>
+        <a:xfrm>
+          <a:off x="0" y="0"/>
+          <a:ext cx="0" cy="0"/>
+          <a:chOff x="0" y="0"/>
+          <a:chExt cx="0" cy="0"/>
+        </a:xfrm>
+      </p:grpSpPr>
+      <p:sp>
+        <p:nvSpPr>
+          <p:cNvPr id="2" name="标题 1">
+            <a:extLst>
+              <a:ext uri="{FF2B5EF4-FFF2-40B4-BE49-F238E27FC236}">
+                <a16:creationId xmlns:a16="http://schemas.microsoft.com/office/drawing/2014/main" id="{20618421-B59A-AC9B-4C2B-A4D78327CE22}"/>
+              </a:ext>
+            </a:extLst>
+          </p:cNvPr>
+          <p:cNvSpPr>
+            <a:spLocks noGrp="1"/>
+          </p:cNvSpPr>
+          <p:nvPr>
+            <p:ph type="title"/>
+          </p:nvPr>
+        </p:nvSpPr>
+        <p:spPr>
+          <a:xfrm>
+            <a:off x="61313" y="457200"/>
+            <a:ext cx="3546860" cy="1600200"/>
+          </a:xfrm>
+        </p:spPr>
+        <p:txBody>
+          <a:bodyPr/>
+          <a:lstStyle/>
+          <a:p>
+            <a:r>
+              <a:rPr lang="en-US" altLang="zh-CN" dirty="0"/>
+              <a:t>2.Related Work</a:t>
+            </a:r>
+            <a:endParaRPr lang="zh-CN" altLang="en-US" dirty="0"/>
+          </a:p>
+        </p:txBody>
+      </p:sp>
+      <p:sp>
+        <p:nvSpPr>
+          <p:cNvPr id="3" name="内容占位符 2">
+            <a:extLst>
+              <a:ext uri="{FF2B5EF4-FFF2-40B4-BE49-F238E27FC236}">
+                <a16:creationId xmlns:a16="http://schemas.microsoft.com/office/drawing/2014/main" id="{ECBC0E2A-1B83-D774-9B95-798C9BE1E79B}"/>
+              </a:ext>
+            </a:extLst>
+          </p:cNvPr>
+          <p:cNvSpPr>
+            <a:spLocks noGrp="1"/>
+          </p:cNvSpPr>
+          <p:nvPr>
+            <p:ph idx="1"/>
+          </p:nvPr>
+        </p:nvSpPr>
+        <p:spPr>
+          <a:xfrm>
+            <a:off x="3694670" y="0"/>
+            <a:ext cx="8497330" cy="6857999"/>
+          </a:xfrm>
+        </p:spPr>
+        <p:txBody>
+          <a:bodyPr/>
+          <a:lstStyle/>
+          <a:p>
+            <a:r>
+              <a:rPr lang="en-US" altLang="zh-CN" dirty="0"/>
+              <a:t>nothing to tell</a:t>
+            </a:r>
+            <a:endParaRPr lang="zh-CN" altLang="en-US" dirty="0"/>
+          </a:p>
+        </p:txBody>
+      </p:sp>
+      <p:sp>
+        <p:nvSpPr>
+          <p:cNvPr id="4" name="文本占位符 3">
+            <a:extLst>
+              <a:ext uri="{FF2B5EF4-FFF2-40B4-BE49-F238E27FC236}">
+                <a16:creationId xmlns:a16="http://schemas.microsoft.com/office/drawing/2014/main" id="{351E9848-A693-DC47-CE0F-2FA538003518}"/>
+              </a:ext>
+            </a:extLst>
+          </p:cNvPr>
+          <p:cNvSpPr>
+            <a:spLocks noGrp="1"/>
+          </p:cNvSpPr>
+          <p:nvPr>
+            <p:ph type="body" sz="half" idx="2"/>
+          </p:nvPr>
+        </p:nvSpPr>
+        <p:spPr>
+          <a:xfrm>
+            <a:off x="61312" y="2057400"/>
+            <a:ext cx="3546861" cy="3811588"/>
+          </a:xfrm>
+        </p:spPr>
+        <p:txBody>
+          <a:bodyPr/>
+          <a:lstStyle/>
+          <a:p>
+            <a:r>
+              <a:rPr lang="en-US" altLang="zh-CN" dirty="0"/>
+              <a:t>2.1 Zero-shot Anomaly Segmentation</a:t>
+            </a:r>
+          </a:p>
+          <a:p>
+            <a:r>
+              <a:rPr lang="en-US" altLang="zh-CN" dirty="0"/>
+              <a:t>2.2 </a:t>
+            </a:r>
+            <a:r>
+              <a:rPr lang="en-US" altLang="zh-CN" dirty="0">
+                <a:highlight>
+                  <a:srgbClr val="FFFF00"/>
+                </a:highlight>
+              </a:rPr>
+              <a:t>Foundation Models</a:t>
+            </a:r>
+          </a:p>
+          <a:p>
+            <a:r>
+              <a:rPr lang="en-US" altLang="zh-CN" dirty="0"/>
+              <a:t>2.3 Cross-modal Interaction</a:t>
+            </a:r>
+            <a:endParaRPr lang="zh-CN" altLang="en-US" dirty="0"/>
+          </a:p>
+        </p:txBody>
+      </p:sp>
+    </p:spTree>
+    <p:extLst>
+      <p:ext uri="{BB962C8B-B14F-4D97-AF65-F5344CB8AC3E}">
+        <p14:creationId xmlns:p14="http://schemas.microsoft.com/office/powerpoint/2010/main" val="862370994"/>
+      </p:ext>
+    </p:extLst>
+  </p:cSld>
+  <p:clrMapOvr>
+    <a:masterClrMapping/>
+  </p:clrMapOvr>
+</p:sld>
+</file>
+
+<file path=ppt/slides/slide8.xml><?xml version="1.0" encoding="utf-8"?>
+<p:sld xmlns:a="http://schemas.openxmlformats.org/drawingml/2006/main" xmlns:r="http://schemas.openxmlformats.org/officeDocument/2006/relationships" xmlns:p="http://schemas.openxmlformats.org/presentationml/2006/main">
+  <p:cSld>
+    <p:spTree>
+      <p:nvGrpSpPr>
+        <p:cNvPr id="1" name=""/>
+        <p:cNvGrpSpPr/>
+        <p:nvPr/>
+      </p:nvGrpSpPr>
+      <p:grpSpPr>
+        <a:xfrm>
+          <a:off x="0" y="0"/>
+          <a:ext cx="0" cy="0"/>
+          <a:chOff x="0" y="0"/>
+          <a:chExt cx="0" cy="0"/>
+        </a:xfrm>
+      </p:grpSpPr>
+      <p:sp>
+        <p:nvSpPr>
+          <p:cNvPr id="2" name="标题 1">
+            <a:extLst>
+              <a:ext uri="{FF2B5EF4-FFF2-40B4-BE49-F238E27FC236}">
+                <a16:creationId xmlns:a16="http://schemas.microsoft.com/office/drawing/2014/main" id="{20618421-B59A-AC9B-4C2B-A4D78327CE22}"/>
+              </a:ext>
+            </a:extLst>
+          </p:cNvPr>
+          <p:cNvSpPr>
+            <a:spLocks noGrp="1"/>
+          </p:cNvSpPr>
+          <p:nvPr>
+            <p:ph type="title"/>
+          </p:nvPr>
+        </p:nvSpPr>
+        <p:spPr>
+          <a:xfrm>
+            <a:off x="61313" y="457200"/>
+            <a:ext cx="3546860" cy="1600200"/>
+          </a:xfrm>
+        </p:spPr>
+        <p:txBody>
+          <a:bodyPr/>
+          <a:lstStyle/>
+          <a:p>
+            <a:r>
+              <a:rPr lang="en-US" altLang="zh-CN" dirty="0"/>
+              <a:t>2.Related Work</a:t>
+            </a:r>
+            <a:endParaRPr lang="zh-CN" altLang="en-US" dirty="0"/>
+          </a:p>
+        </p:txBody>
+      </p:sp>
+      <p:sp>
+        <p:nvSpPr>
+          <p:cNvPr id="3" name="内容占位符 2">
+            <a:extLst>
+              <a:ext uri="{FF2B5EF4-FFF2-40B4-BE49-F238E27FC236}">
+                <a16:creationId xmlns:a16="http://schemas.microsoft.com/office/drawing/2014/main" id="{ECBC0E2A-1B83-D774-9B95-798C9BE1E79B}"/>
+              </a:ext>
+            </a:extLst>
+          </p:cNvPr>
+          <p:cNvSpPr>
+            <a:spLocks noGrp="1"/>
+          </p:cNvSpPr>
+          <p:nvPr>
+            <p:ph idx="1"/>
+          </p:nvPr>
+        </p:nvSpPr>
+        <p:spPr>
+          <a:xfrm>
+            <a:off x="3694670" y="0"/>
+            <a:ext cx="8497330" cy="6857999"/>
+          </a:xfrm>
+        </p:spPr>
+        <p:txBody>
+          <a:bodyPr/>
+          <a:lstStyle/>
+          <a:p>
+            <a:r>
+              <a:rPr lang="en-US" altLang="zh-CN" dirty="0"/>
+              <a:t>nothing to tell</a:t>
+            </a:r>
+            <a:endParaRPr lang="zh-CN" altLang="en-US" dirty="0"/>
+          </a:p>
+        </p:txBody>
+      </p:sp>
+      <p:sp>
+        <p:nvSpPr>
+          <p:cNvPr id="4" name="文本占位符 3">
+            <a:extLst>
+              <a:ext uri="{FF2B5EF4-FFF2-40B4-BE49-F238E27FC236}">
+                <a16:creationId xmlns:a16="http://schemas.microsoft.com/office/drawing/2014/main" id="{351E9848-A693-DC47-CE0F-2FA538003518}"/>
+              </a:ext>
+            </a:extLst>
+          </p:cNvPr>
+          <p:cNvSpPr>
+            <a:spLocks noGrp="1"/>
+          </p:cNvSpPr>
+          <p:nvPr>
+            <p:ph type="body" sz="half" idx="2"/>
+          </p:nvPr>
+        </p:nvSpPr>
+        <p:spPr>
+          <a:xfrm>
+            <a:off x="61312" y="2057400"/>
+            <a:ext cx="3546861" cy="3811588"/>
+          </a:xfrm>
+        </p:spPr>
+        <p:txBody>
+          <a:bodyPr/>
+          <a:lstStyle/>
+          <a:p>
+            <a:r>
+              <a:rPr lang="en-US" altLang="zh-CN" dirty="0"/>
+              <a:t>2.1 Zero-shot Anomaly Segmentation</a:t>
+            </a:r>
+          </a:p>
+          <a:p>
+            <a:r>
+              <a:rPr lang="en-US" altLang="zh-CN" dirty="0"/>
+              <a:t>2.2 Foundation Models</a:t>
+            </a:r>
+          </a:p>
+          <a:p>
+            <a:r>
+              <a:rPr lang="en-US" altLang="zh-CN" dirty="0"/>
+              <a:t>2.3 </a:t>
+            </a:r>
+            <a:r>
+              <a:rPr lang="en-US" altLang="zh-CN" dirty="0">
+                <a:highlight>
+                  <a:srgbClr val="FFFF00"/>
+                </a:highlight>
+              </a:rPr>
+              <a:t>Cross-modal Interaction</a:t>
+            </a:r>
+            <a:endParaRPr lang="zh-CN" altLang="en-US" dirty="0">
+              <a:highlight>
+                <a:srgbClr val="FFFF00"/>
+              </a:highlight>
+            </a:endParaRPr>
+          </a:p>
+        </p:txBody>
+      </p:sp>
+    </p:spTree>
+    <p:extLst>
+      <p:ext uri="{BB962C8B-B14F-4D97-AF65-F5344CB8AC3E}">
+        <p14:creationId xmlns:p14="http://schemas.microsoft.com/office/powerpoint/2010/main" val="4291910778"/>
+      </p:ext>
+    </p:extLst>
+  </p:cSld>
+  <p:clrMapOvr>
+    <a:masterClrMapping/>
+  </p:clrMapOvr>
+</p:sld>
+</file>
+
+<file path=ppt/slides/slide9.xml><?xml version="1.0" encoding="utf-8"?>
+<p:sld xmlns:a="http://schemas.openxmlformats.org/drawingml/2006/main" xmlns:r="http://schemas.openxmlformats.org/officeDocument/2006/relationships" xmlns:p="http://schemas.openxmlformats.org/presentationml/2006/main">
+  <p:cSld>
+    <p:spTree>
+      <p:nvGrpSpPr>
+        <p:cNvPr id="1" name=""/>
+        <p:cNvGrpSpPr/>
+        <p:nvPr/>
+      </p:nvGrpSpPr>
+      <p:grpSpPr>
+        <a:xfrm>
+          <a:off x="0" y="0"/>
+          <a:ext cx="0" cy="0"/>
+          <a:chOff x="0" y="0"/>
+          <a:chExt cx="0" cy="0"/>
+        </a:xfrm>
+      </p:grpSpPr>
+      <p:sp>
+        <p:nvSpPr>
+          <p:cNvPr id="2" name="标题 1">
+            <a:extLst>
+              <a:ext uri="{FF2B5EF4-FFF2-40B4-BE49-F238E27FC236}">
+                <a16:creationId xmlns:a16="http://schemas.microsoft.com/office/drawing/2014/main" id="{20618421-B59A-AC9B-4C2B-A4D78327CE22}"/>
+              </a:ext>
+            </a:extLst>
+          </p:cNvPr>
+          <p:cNvSpPr>
+            <a:spLocks noGrp="1"/>
+          </p:cNvSpPr>
+          <p:nvPr>
+            <p:ph type="title"/>
+          </p:nvPr>
+        </p:nvSpPr>
+        <p:spPr>
+          <a:xfrm>
+            <a:off x="61313" y="457200"/>
+            <a:ext cx="3546860" cy="1600200"/>
+          </a:xfrm>
+        </p:spPr>
+        <p:txBody>
+          <a:bodyPr/>
+          <a:lstStyle/>
+          <a:p>
+            <a:r>
+              <a:rPr lang="en-US" altLang="zh-CN" dirty="0"/>
+              <a:t>3.Methodology</a:t>
+            </a:r>
+            <a:endParaRPr lang="zh-CN" altLang="en-US" dirty="0"/>
+          </a:p>
+        </p:txBody>
+      </p:sp>
+      <p:sp>
+        <p:nvSpPr>
+          <p:cNvPr id="3" name="内容占位符 2">
+            <a:extLst>
+              <a:ext uri="{FF2B5EF4-FFF2-40B4-BE49-F238E27FC236}">
+                <a16:creationId xmlns:a16="http://schemas.microsoft.com/office/drawing/2014/main" id="{ECBC0E2A-1B83-D774-9B95-798C9BE1E79B}"/>
+              </a:ext>
+            </a:extLst>
+          </p:cNvPr>
+          <p:cNvSpPr>
+            <a:spLocks noGrp="1"/>
+          </p:cNvSpPr>
+          <p:nvPr>
+            <p:ph idx="1"/>
+          </p:nvPr>
+        </p:nvSpPr>
+        <p:spPr>
+          <a:xfrm>
+            <a:off x="3496962" y="0"/>
+            <a:ext cx="8695038" cy="6857999"/>
+          </a:xfrm>
+        </p:spPr>
+        <p:txBody>
+          <a:bodyPr/>
+          <a:lstStyle/>
+          <a:p>
+            <a:r>
+              <a:rPr lang="en-US" altLang="zh-CN" dirty="0"/>
+              <a:t>we use CLIP for rough segmentation and use it to refine the segmentation result of SAM.</a:t>
+            </a:r>
+            <a:endParaRPr lang="zh-CN" altLang="en-US" dirty="0"/>
+          </a:p>
+        </p:txBody>
+      </p:sp>
+      <p:sp>
+        <p:nvSpPr>
+          <p:cNvPr id="4" name="文本占位符 3">
+            <a:extLst>
+              <a:ext uri="{FF2B5EF4-FFF2-40B4-BE49-F238E27FC236}">
+                <a16:creationId xmlns:a16="http://schemas.microsoft.com/office/drawing/2014/main" id="{351E9848-A693-DC47-CE0F-2FA538003518}"/>
+              </a:ext>
+            </a:extLst>
+          </p:cNvPr>
+          <p:cNvSpPr>
+            <a:spLocks noGrp="1"/>
+          </p:cNvSpPr>
+          <p:nvPr>
+            <p:ph type="body" sz="half" idx="2"/>
+          </p:nvPr>
+        </p:nvSpPr>
+        <p:spPr>
+          <a:xfrm>
+            <a:off x="61312" y="2057400"/>
+            <a:ext cx="3546861" cy="3811588"/>
+          </a:xfrm>
+        </p:spPr>
+        <p:txBody>
+          <a:bodyPr/>
+          <a:lstStyle/>
+          <a:p>
+            <a:r>
+              <a:rPr lang="en-US" altLang="zh-CN" dirty="0"/>
+              <a:t>3.1 </a:t>
+            </a:r>
+            <a:r>
+              <a:rPr lang="en-US" altLang="zh-CN" dirty="0">
+                <a:highlight>
+                  <a:srgbClr val="FFFF00"/>
+                </a:highlight>
+              </a:rPr>
+              <a:t>CLIP and SAM Collaboration</a:t>
+            </a:r>
+          </a:p>
+          <a:p>
+            <a:r>
+              <a:rPr lang="en-US" altLang="zh-CN" dirty="0"/>
+              <a:t>3.2 Unified Multi-scale Cross-modal Interaction</a:t>
+            </a:r>
+          </a:p>
+          <a:p>
+            <a:r>
+              <a:rPr lang="en-US" altLang="zh-CN" dirty="0"/>
+              <a:t>3.3 Multi-level Mask Refinement</a:t>
+            </a:r>
+          </a:p>
+          <a:p>
+            <a:r>
+              <a:rPr lang="en-US" altLang="zh-CN" dirty="0"/>
+              <a:t>3.4 Objective Function</a:t>
+            </a:r>
+            <a:endParaRPr lang="zh-CN" altLang="en-US" dirty="0"/>
+          </a:p>
+        </p:txBody>
+      </p:sp>
+      <p:pic>
+        <p:nvPicPr>
+          <p:cNvPr id="6" name="图片 5">
+            <a:extLst>
+              <a:ext uri="{FF2B5EF4-FFF2-40B4-BE49-F238E27FC236}">
+                <a16:creationId xmlns:a16="http://schemas.microsoft.com/office/drawing/2014/main" id="{3E000AD5-6F85-3FB8-B857-70C4B8D5F807}"/>
+              </a:ext>
+            </a:extLst>
+          </p:cNvPr>
+          <p:cNvPicPr>
+            <a:picLocks noChangeAspect="1"/>
+          </p:cNvPicPr>
+          <p:nvPr/>
+        </p:nvPicPr>
+        <p:blipFill>
+          <a:blip r:embed="rId2"/>
+          <a:stretch>
+            <a:fillRect/>
+          </a:stretch>
+        </p:blipFill>
+        <p:spPr>
+          <a:xfrm>
+            <a:off x="3657364" y="1182924"/>
+            <a:ext cx="8374233" cy="5560540"/>
+          </a:xfrm>
+          <a:prstGeom prst="rect">
+            <a:avLst/>
+          </a:prstGeom>
+        </p:spPr>
+      </p:pic>
+    </p:spTree>
+    <p:extLst>
+      <p:ext uri="{BB962C8B-B14F-4D97-AF65-F5344CB8AC3E}">
+        <p14:creationId xmlns:p14="http://schemas.microsoft.com/office/powerpoint/2010/main" val="4030215255"/>
       </p:ext>
     </p:extLst>
   </p:cSld>

--- a/SAM-CLIP-2401.12665v2.pptx
+++ b/SAM-CLIP-2401.12665v2.pptx
@@ -17,6 +17,14 @@
     <p:sldId id="265" r:id="rId11"/>
     <p:sldId id="266" r:id="rId12"/>
     <p:sldId id="267" r:id="rId13"/>
+    <p:sldId id="268" r:id="rId14"/>
+    <p:sldId id="269" r:id="rId15"/>
+    <p:sldId id="270" r:id="rId16"/>
+    <p:sldId id="271" r:id="rId17"/>
+    <p:sldId id="272" r:id="rId18"/>
+    <p:sldId id="273" r:id="rId19"/>
+    <p:sldId id="274" r:id="rId20"/>
+    <p:sldId id="275" r:id="rId21"/>
   </p:sldIdLst>
   <p:sldSz cx="12192000" cy="6858000"/>
   <p:notesSz cx="6858000" cy="9144000"/>
@@ -115,6 +123,11 @@
       </a:defRPr>
     </a:lvl9pPr>
   </p:defaultTextStyle>
+  <p:extLst>
+    <p:ext uri="{EFAFB233-063F-42B5-8137-9DF3F51BA10A}">
+      <p15:sldGuideLst xmlns:p15="http://schemas.microsoft.com/office/powerpoint/2012/main"/>
+    </p:ext>
+  </p:extLst>
 </p:presentation>
 </file>
 
@@ -265,7 +278,7 @@
           <a:p>
             <a:fld id="{5B005A79-E2C7-4681-9943-9E9D1766DE8D}" type="datetimeFigureOut">
               <a:rPr lang="zh-CN" altLang="en-US" smtClean="0"/>
-              <a:t>2025/9/22</a:t>
+              <a:t>2025/9/25</a:t>
             </a:fld>
             <a:endParaRPr lang="zh-CN" altLang="en-US"/>
           </a:p>
@@ -463,7 +476,7 @@
           <a:p>
             <a:fld id="{5B005A79-E2C7-4681-9943-9E9D1766DE8D}" type="datetimeFigureOut">
               <a:rPr lang="zh-CN" altLang="en-US" smtClean="0"/>
-              <a:t>2025/9/22</a:t>
+              <a:t>2025/9/25</a:t>
             </a:fld>
             <a:endParaRPr lang="zh-CN" altLang="en-US"/>
           </a:p>
@@ -671,7 +684,7 @@
           <a:p>
             <a:fld id="{5B005A79-E2C7-4681-9943-9E9D1766DE8D}" type="datetimeFigureOut">
               <a:rPr lang="zh-CN" altLang="en-US" smtClean="0"/>
-              <a:t>2025/9/22</a:t>
+              <a:t>2025/9/25</a:t>
             </a:fld>
             <a:endParaRPr lang="zh-CN" altLang="en-US"/>
           </a:p>
@@ -869,7 +882,7 @@
           <a:p>
             <a:fld id="{5B005A79-E2C7-4681-9943-9E9D1766DE8D}" type="datetimeFigureOut">
               <a:rPr lang="zh-CN" altLang="en-US" smtClean="0"/>
-              <a:t>2025/9/22</a:t>
+              <a:t>2025/9/25</a:t>
             </a:fld>
             <a:endParaRPr lang="zh-CN" altLang="en-US"/>
           </a:p>
@@ -1144,7 +1157,7 @@
           <a:p>
             <a:fld id="{5B005A79-E2C7-4681-9943-9E9D1766DE8D}" type="datetimeFigureOut">
               <a:rPr lang="zh-CN" altLang="en-US" smtClean="0"/>
-              <a:t>2025/9/22</a:t>
+              <a:t>2025/9/25</a:t>
             </a:fld>
             <a:endParaRPr lang="zh-CN" altLang="en-US"/>
           </a:p>
@@ -1409,7 +1422,7 @@
           <a:p>
             <a:fld id="{5B005A79-E2C7-4681-9943-9E9D1766DE8D}" type="datetimeFigureOut">
               <a:rPr lang="zh-CN" altLang="en-US" smtClean="0"/>
-              <a:t>2025/9/22</a:t>
+              <a:t>2025/9/25</a:t>
             </a:fld>
             <a:endParaRPr lang="zh-CN" altLang="en-US"/>
           </a:p>
@@ -1821,7 +1834,7 @@
           <a:p>
             <a:fld id="{5B005A79-E2C7-4681-9943-9E9D1766DE8D}" type="datetimeFigureOut">
               <a:rPr lang="zh-CN" altLang="en-US" smtClean="0"/>
-              <a:t>2025/9/22</a:t>
+              <a:t>2025/9/25</a:t>
             </a:fld>
             <a:endParaRPr lang="zh-CN" altLang="en-US"/>
           </a:p>
@@ -1962,7 +1975,7 @@
           <a:p>
             <a:fld id="{5B005A79-E2C7-4681-9943-9E9D1766DE8D}" type="datetimeFigureOut">
               <a:rPr lang="zh-CN" altLang="en-US" smtClean="0"/>
-              <a:t>2025/9/22</a:t>
+              <a:t>2025/9/25</a:t>
             </a:fld>
             <a:endParaRPr lang="zh-CN" altLang="en-US"/>
           </a:p>
@@ -2075,7 +2088,7 @@
           <a:p>
             <a:fld id="{5B005A79-E2C7-4681-9943-9E9D1766DE8D}" type="datetimeFigureOut">
               <a:rPr lang="zh-CN" altLang="en-US" smtClean="0"/>
-              <a:t>2025/9/22</a:t>
+              <a:t>2025/9/25</a:t>
             </a:fld>
             <a:endParaRPr lang="zh-CN" altLang="en-US"/>
           </a:p>
@@ -2386,7 +2399,7 @@
           <a:p>
             <a:fld id="{5B005A79-E2C7-4681-9943-9E9D1766DE8D}" type="datetimeFigureOut">
               <a:rPr lang="zh-CN" altLang="en-US" smtClean="0"/>
-              <a:t>2025/9/22</a:t>
+              <a:t>2025/9/25</a:t>
             </a:fld>
             <a:endParaRPr lang="zh-CN" altLang="en-US"/>
           </a:p>
@@ -2674,7 +2687,7 @@
           <a:p>
             <a:fld id="{5B005A79-E2C7-4681-9943-9E9D1766DE8D}" type="datetimeFigureOut">
               <a:rPr lang="zh-CN" altLang="en-US" smtClean="0"/>
-              <a:t>2025/9/22</a:t>
+              <a:t>2025/9/25</a:t>
             </a:fld>
             <a:endParaRPr lang="zh-CN" altLang="en-US"/>
           </a:p>
@@ -2915,7 +2928,7 @@
           <a:p>
             <a:fld id="{5B005A79-E2C7-4681-9943-9E9D1766DE8D}" type="datetimeFigureOut">
               <a:rPr lang="zh-CN" altLang="en-US" smtClean="0"/>
-              <a:t>2025/9/22</a:t>
+              <a:t>2025/9/25</a:t>
             </a:fld>
             <a:endParaRPr lang="zh-CN" altLang="en-US"/>
           </a:p>
@@ -3785,8 +3798,8 @@
         </p:nvSpPr>
         <p:spPr>
           <a:xfrm>
-            <a:off x="61313" y="457200"/>
-            <a:ext cx="3546860" cy="1600200"/>
+            <a:off x="0" y="0"/>
+            <a:ext cx="3546860" cy="586946"/>
           </a:xfrm>
         </p:spPr>
         <p:txBody>
@@ -3819,7 +3832,7 @@
         </p:nvSpPr>
         <p:spPr>
           <a:xfrm>
-            <a:off x="61312" y="2057400"/>
+            <a:off x="-1" y="586946"/>
             <a:ext cx="3546861" cy="3811588"/>
           </a:xfrm>
         </p:spPr>
@@ -3886,7 +3899,1644 @@
               </a:xfrm>
             </p:spPr>
             <p:txBody>
+              <a:bodyPr>
+                <a:normAutofit fontScale="92500" lnSpcReduction="10000"/>
+              </a:bodyPr>
+              <a:lstStyle/>
+              <a:p>
+                <a:pPr marL="0" indent="0">
+                  <a:buNone/>
+                </a:pPr>
+                <a:r>
+                  <a:rPr lang="en-US" altLang="zh-CN" sz="2800" dirty="0"/>
+                  <a:t>(1).</a:t>
+                </a:r>
+                <a:r>
+                  <a:rPr lang="en-US" altLang="zh-CN" sz="2800" b="1" dirty="0"/>
+                  <a:t>Strip Paths</a:t>
+                </a:r>
+                <a:r>
+                  <a:rPr lang="en-US" altLang="zh-CN" sz="2800" dirty="0"/>
+                  <a:t> captures both row- and column-level features.</a:t>
+                </a:r>
+              </a:p>
+              <a:p>
+                <a:pPr marL="0" indent="0">
+                  <a:buNone/>
+                </a:pPr>
+                <a:r>
+                  <a:rPr lang="zh-CN" altLang="en-US" sz="2800" dirty="0"/>
+                  <a:t>①</a:t>
+                </a:r>
+                <a:r>
+                  <a:rPr lang="en-US" altLang="zh-CN" sz="2800" dirty="0"/>
+                  <a:t>.project image patch features to align with text features in dimension, resulting in </a:t>
+                </a:r>
+                <a14:m>
+                  <m:oMath xmlns:m="http://schemas.openxmlformats.org/officeDocument/2006/math">
+                    <m:acc>
+                      <m:accPr>
+                        <m:chr m:val="̂"/>
+                        <m:ctrlPr>
+                          <a:rPr lang="en-US" altLang="zh-CN" sz="2800" i="1" smtClean="0">
+                            <a:latin typeface="Cambria Math" panose="02040503050406030204" pitchFamily="18" charset="0"/>
+                          </a:rPr>
+                        </m:ctrlPr>
+                      </m:accPr>
+                      <m:e>
+                        <m:r>
+                          <a:rPr lang="en-US" altLang="zh-CN" sz="2800" b="0" i="1" smtClean="0">
+                            <a:latin typeface="Cambria Math" panose="02040503050406030204" pitchFamily="18" charset="0"/>
+                          </a:rPr>
+                          <m:t>𝑃</m:t>
+                        </m:r>
+                      </m:e>
+                    </m:acc>
+                    <m:r>
+                      <a:rPr lang="en-US" altLang="zh-CN" sz="2800" i="1">
+                        <a:latin typeface="Cambria Math" panose="02040503050406030204" pitchFamily="18" charset="0"/>
+                        <a:ea typeface="Cambria Math" panose="02040503050406030204" pitchFamily="18" charset="0"/>
+                      </a:rPr>
+                      <m:t>𝜖</m:t>
+                    </m:r>
+                    <m:sSup>
+                      <m:sSupPr>
+                        <m:ctrlPr>
+                          <a:rPr lang="en-US" altLang="zh-CN" sz="2800" i="1" smtClean="0">
+                            <a:latin typeface="Cambria Math" panose="02040503050406030204" pitchFamily="18" charset="0"/>
+                            <a:ea typeface="Cambria Math" panose="02040503050406030204" pitchFamily="18" charset="0"/>
+                          </a:rPr>
+                        </m:ctrlPr>
+                      </m:sSupPr>
+                      <m:e>
+                        <m:r>
+                          <a:rPr lang="en-US" altLang="zh-CN" sz="2800" b="0" i="1" smtClean="0">
+                            <a:latin typeface="Cambria Math" panose="02040503050406030204" pitchFamily="18" charset="0"/>
+                            <a:ea typeface="Cambria Math" panose="02040503050406030204" pitchFamily="18" charset="0"/>
+                          </a:rPr>
+                          <m:t>𝑅</m:t>
+                        </m:r>
+                      </m:e>
+                      <m:sup>
+                        <m:r>
+                          <a:rPr lang="en-US" altLang="zh-CN" sz="2800" b="0" i="1" smtClean="0">
+                            <a:latin typeface="Cambria Math" panose="02040503050406030204" pitchFamily="18" charset="0"/>
+                            <a:ea typeface="Cambria Math" panose="02040503050406030204" pitchFamily="18" charset="0"/>
+                          </a:rPr>
+                          <m:t>𝐻</m:t>
+                        </m:r>
+                        <m:r>
+                          <a:rPr lang="en-US" altLang="zh-CN" sz="2800" b="0" i="1" smtClean="0">
+                            <a:latin typeface="Cambria Math" panose="02040503050406030204" pitchFamily="18" charset="0"/>
+                            <a:ea typeface="Cambria Math" panose="02040503050406030204" pitchFamily="18" charset="0"/>
+                          </a:rPr>
+                          <m:t>×</m:t>
+                        </m:r>
+                        <m:r>
+                          <a:rPr lang="en-US" altLang="zh-CN" sz="2800" b="0" i="1" smtClean="0">
+                            <a:latin typeface="Cambria Math" panose="02040503050406030204" pitchFamily="18" charset="0"/>
+                            <a:ea typeface="Cambria Math" panose="02040503050406030204" pitchFamily="18" charset="0"/>
+                          </a:rPr>
+                          <m:t>𝑊</m:t>
+                        </m:r>
+                        <m:r>
+                          <a:rPr lang="en-US" altLang="zh-CN" sz="2800" b="0" i="1" smtClean="0">
+                            <a:latin typeface="Cambria Math" panose="02040503050406030204" pitchFamily="18" charset="0"/>
+                            <a:ea typeface="Cambria Math" panose="02040503050406030204" pitchFamily="18" charset="0"/>
+                          </a:rPr>
+                          <m:t>×</m:t>
+                        </m:r>
+                        <m:sSub>
+                          <m:sSubPr>
+                            <m:ctrlPr>
+                              <a:rPr lang="en-US" altLang="zh-CN" sz="2800" b="0" i="1" smtClean="0">
+                                <a:latin typeface="Cambria Math" panose="02040503050406030204" pitchFamily="18" charset="0"/>
+                                <a:ea typeface="Cambria Math" panose="02040503050406030204" pitchFamily="18" charset="0"/>
+                              </a:rPr>
+                            </m:ctrlPr>
+                          </m:sSubPr>
+                          <m:e>
+                            <m:r>
+                              <a:rPr lang="en-US" altLang="zh-CN" sz="2800" b="0" i="1" smtClean="0">
+                                <a:latin typeface="Cambria Math" panose="02040503050406030204" pitchFamily="18" charset="0"/>
+                                <a:ea typeface="Cambria Math" panose="02040503050406030204" pitchFamily="18" charset="0"/>
+                              </a:rPr>
+                              <m:t>𝐶</m:t>
+                            </m:r>
+                          </m:e>
+                          <m:sub>
+                            <m:r>
+                              <a:rPr lang="en-US" altLang="zh-CN" sz="2800" b="0" i="1" smtClean="0">
+                                <a:latin typeface="Cambria Math" panose="02040503050406030204" pitchFamily="18" charset="0"/>
+                                <a:ea typeface="Cambria Math" panose="02040503050406030204" pitchFamily="18" charset="0"/>
+                              </a:rPr>
+                              <m:t>𝑡</m:t>
+                            </m:r>
+                          </m:sub>
+                        </m:sSub>
+                      </m:sup>
+                    </m:sSup>
+                  </m:oMath>
+                </a14:m>
+                <a:endParaRPr lang="en-US" altLang="zh-CN" sz="2800" dirty="0">
+                  <a:ea typeface="Cambria Math" panose="02040503050406030204" pitchFamily="18" charset="0"/>
+                </a:endParaRPr>
+              </a:p>
+              <a:p>
+                <a:pPr marL="0" indent="0">
+                  <a:buNone/>
+                </a:pPr>
+                <a:r>
+                  <a:rPr lang="zh-CN" altLang="en-US" sz="2800" dirty="0"/>
+                  <a:t>②</a:t>
+                </a:r>
+                <a:r>
+                  <a:rPr lang="en-US" altLang="zh-CN" sz="2800" dirty="0"/>
+                  <a:t>.apply two average pooling layers to extract row- and column-features from </a:t>
+                </a:r>
+                <a14:m>
+                  <m:oMath xmlns:m="http://schemas.openxmlformats.org/officeDocument/2006/math">
+                    <m:acc>
+                      <m:accPr>
+                        <m:chr m:val="̂"/>
+                        <m:ctrlPr>
+                          <a:rPr lang="en-US" altLang="zh-CN" sz="2800" i="1" smtClean="0">
+                            <a:latin typeface="Cambria Math" panose="02040503050406030204" pitchFamily="18" charset="0"/>
+                          </a:rPr>
+                        </m:ctrlPr>
+                      </m:accPr>
+                      <m:e>
+                        <m:r>
+                          <a:rPr lang="en-US" altLang="zh-CN" sz="2800" b="0" i="1" smtClean="0">
+                            <a:latin typeface="Cambria Math" panose="02040503050406030204" pitchFamily="18" charset="0"/>
+                          </a:rPr>
+                          <m:t>𝑃</m:t>
+                        </m:r>
+                      </m:e>
+                    </m:acc>
+                  </m:oMath>
+                </a14:m>
+                <a:r>
+                  <a:rPr lang="en-US" altLang="zh-CN" sz="2800" dirty="0"/>
+                  <a:t>.</a:t>
+                </a:r>
+              </a:p>
+              <a:p>
+                <a:pPr marL="0" indent="0" algn="ctr">
+                  <a:buNone/>
+                </a:pPr>
+                <a14:m>
+                  <m:oMathPara xmlns:m="http://schemas.openxmlformats.org/officeDocument/2006/math">
+                    <m:oMathParaPr>
+                      <m:jc m:val="centerGroup"/>
+                    </m:oMathParaPr>
+                    <m:oMath xmlns:m="http://schemas.openxmlformats.org/officeDocument/2006/math">
+                      <m:sSub>
+                        <m:sSubPr>
+                          <m:ctrlPr>
+                            <a:rPr lang="en-US" altLang="zh-CN" sz="2800" i="1" smtClean="0">
+                              <a:latin typeface="Cambria Math" panose="02040503050406030204" pitchFamily="18" charset="0"/>
+                            </a:rPr>
+                          </m:ctrlPr>
+                        </m:sSubPr>
+                        <m:e>
+                          <m:r>
+                            <a:rPr lang="en-US" altLang="zh-CN" sz="2800" b="0" i="1" smtClean="0">
+                              <a:latin typeface="Cambria Math" panose="02040503050406030204" pitchFamily="18" charset="0"/>
+                            </a:rPr>
+                            <m:t>𝑣</m:t>
+                          </m:r>
+                        </m:e>
+                        <m:sub>
+                          <m:r>
+                            <a:rPr lang="en-US" altLang="zh-CN" sz="2800" b="0" i="1" smtClean="0">
+                              <a:latin typeface="Cambria Math" panose="02040503050406030204" pitchFamily="18" charset="0"/>
+                            </a:rPr>
+                            <m:t>𝑟𝑜𝑤</m:t>
+                          </m:r>
+                        </m:sub>
+                      </m:sSub>
+                      <m:r>
+                        <a:rPr lang="en-US" altLang="zh-CN" sz="2800" b="0" i="1" smtClean="0">
+                          <a:latin typeface="Cambria Math" panose="02040503050406030204" pitchFamily="18" charset="0"/>
+                        </a:rPr>
+                        <m:t>=</m:t>
+                      </m:r>
+                      <m:sSub>
+                        <m:sSubPr>
+                          <m:ctrlPr>
+                            <a:rPr lang="en-US" altLang="zh-CN" sz="2800" b="0" i="1" smtClean="0">
+                              <a:latin typeface="Cambria Math" panose="02040503050406030204" pitchFamily="18" charset="0"/>
+                            </a:rPr>
+                          </m:ctrlPr>
+                        </m:sSubPr>
+                        <m:e>
+                          <m:r>
+                            <a:rPr lang="en-US" altLang="zh-CN" sz="2800" b="0" i="1" smtClean="0">
+                              <a:latin typeface="Cambria Math" panose="02040503050406030204" pitchFamily="18" charset="0"/>
+                            </a:rPr>
+                            <m:t>𝑐𝑜𝑛𝑣</m:t>
+                          </m:r>
+                        </m:e>
+                        <m:sub>
+                          <m:r>
+                            <a:rPr lang="en-US" altLang="zh-CN" sz="2800" b="0" i="1" smtClean="0">
+                              <a:latin typeface="Cambria Math" panose="02040503050406030204" pitchFamily="18" charset="0"/>
+                            </a:rPr>
+                            <m:t>1</m:t>
+                          </m:r>
+                          <m:r>
+                            <a:rPr lang="en-US" altLang="zh-CN" sz="2800" b="0" i="1" smtClean="0">
+                              <a:latin typeface="Cambria Math" panose="02040503050406030204" pitchFamily="18" charset="0"/>
+                              <a:ea typeface="Cambria Math" panose="02040503050406030204" pitchFamily="18" charset="0"/>
+                            </a:rPr>
+                            <m:t>×3</m:t>
+                          </m:r>
+                        </m:sub>
+                      </m:sSub>
+                      <m:r>
+                        <a:rPr lang="en-US" altLang="zh-CN" sz="2800" b="0" i="1" smtClean="0">
+                          <a:latin typeface="Cambria Math" panose="02040503050406030204" pitchFamily="18" charset="0"/>
+                        </a:rPr>
+                        <m:t>(</m:t>
+                      </m:r>
+                      <m:sSub>
+                        <m:sSubPr>
+                          <m:ctrlPr>
+                            <a:rPr lang="en-US" altLang="zh-CN" sz="2800" b="0" i="1" smtClean="0">
+                              <a:latin typeface="Cambria Math" panose="02040503050406030204" pitchFamily="18" charset="0"/>
+                            </a:rPr>
+                          </m:ctrlPr>
+                        </m:sSubPr>
+                        <m:e>
+                          <m:r>
+                            <a:rPr lang="en-US" altLang="zh-CN" sz="2800" b="0" i="1" smtClean="0">
+                              <a:latin typeface="Cambria Math" panose="02040503050406030204" pitchFamily="18" charset="0"/>
+                            </a:rPr>
+                            <m:t>𝐴𝑣𝑔</m:t>
+                          </m:r>
+                          <m:r>
+                            <a:rPr lang="en-US" altLang="zh-CN" sz="2800" b="0" i="1" smtClean="0">
+                              <a:latin typeface="Cambria Math" panose="02040503050406030204" pitchFamily="18" charset="0"/>
+                            </a:rPr>
+                            <m:t>_</m:t>
+                          </m:r>
+                          <m:r>
+                            <a:rPr lang="en-US" altLang="zh-CN" sz="2800" b="0" i="1" smtClean="0">
+                              <a:latin typeface="Cambria Math" panose="02040503050406030204" pitchFamily="18" charset="0"/>
+                            </a:rPr>
+                            <m:t>𝑃𝑜𝑜𝑙</m:t>
+                          </m:r>
+                        </m:e>
+                        <m:sub>
+                          <m:r>
+                            <a:rPr lang="en-US" altLang="zh-CN" sz="2800" b="0" i="1" smtClean="0">
+                              <a:latin typeface="Cambria Math" panose="02040503050406030204" pitchFamily="18" charset="0"/>
+                            </a:rPr>
+                            <m:t>1</m:t>
+                          </m:r>
+                          <m:r>
+                            <a:rPr lang="en-US" altLang="zh-CN" sz="2800" b="0" i="1" smtClean="0">
+                              <a:latin typeface="Cambria Math" panose="02040503050406030204" pitchFamily="18" charset="0"/>
+                              <a:ea typeface="Cambria Math" panose="02040503050406030204" pitchFamily="18" charset="0"/>
+                            </a:rPr>
+                            <m:t>×</m:t>
+                          </m:r>
+                          <m:r>
+                            <a:rPr lang="en-US" altLang="zh-CN" sz="2800" b="0" i="1" smtClean="0">
+                              <a:latin typeface="Cambria Math" panose="02040503050406030204" pitchFamily="18" charset="0"/>
+                              <a:ea typeface="Cambria Math" panose="02040503050406030204" pitchFamily="18" charset="0"/>
+                            </a:rPr>
+                            <m:t>𝑊</m:t>
+                          </m:r>
+                        </m:sub>
+                      </m:sSub>
+                      <m:r>
+                        <a:rPr lang="en-US" altLang="zh-CN" sz="2800" b="0" i="1" smtClean="0">
+                          <a:latin typeface="Cambria Math" panose="02040503050406030204" pitchFamily="18" charset="0"/>
+                        </a:rPr>
+                        <m:t>(</m:t>
+                      </m:r>
+                      <m:acc>
+                        <m:accPr>
+                          <m:chr m:val="̂"/>
+                          <m:ctrlPr>
+                            <a:rPr lang="en-US" altLang="zh-CN" sz="2800" i="1" smtClean="0">
+                              <a:latin typeface="Cambria Math" panose="02040503050406030204" pitchFamily="18" charset="0"/>
+                            </a:rPr>
+                          </m:ctrlPr>
+                        </m:accPr>
+                        <m:e>
+                          <m:r>
+                            <a:rPr lang="en-US" altLang="zh-CN" sz="2800" b="0" i="1" smtClean="0">
+                              <a:latin typeface="Cambria Math" panose="02040503050406030204" pitchFamily="18" charset="0"/>
+                            </a:rPr>
+                            <m:t>𝑃</m:t>
+                          </m:r>
+                        </m:e>
+                      </m:acc>
+                      <m:r>
+                        <a:rPr lang="en-US" altLang="zh-CN" sz="2800" b="0" i="1" smtClean="0">
+                          <a:latin typeface="Cambria Math" panose="02040503050406030204" pitchFamily="18" charset="0"/>
+                        </a:rPr>
+                        <m:t>))</m:t>
+                      </m:r>
+                    </m:oMath>
+                  </m:oMathPara>
+                </a14:m>
+                <a:endParaRPr lang="en-US" altLang="zh-CN" sz="2800" dirty="0"/>
+              </a:p>
+              <a:p>
+                <a:pPr marL="0" indent="0" algn="ctr">
+                  <a:buNone/>
+                </a:pPr>
+                <a14:m>
+                  <m:oMathPara xmlns:m="http://schemas.openxmlformats.org/officeDocument/2006/math">
+                    <m:oMathParaPr>
+                      <m:jc m:val="centerGroup"/>
+                    </m:oMathParaPr>
+                    <m:oMath xmlns:m="http://schemas.openxmlformats.org/officeDocument/2006/math">
+                      <m:sSub>
+                        <m:sSubPr>
+                          <m:ctrlPr>
+                            <a:rPr lang="en-US" altLang="zh-CN" sz="2800" i="1" smtClean="0">
+                              <a:latin typeface="Cambria Math" panose="02040503050406030204" pitchFamily="18" charset="0"/>
+                            </a:rPr>
+                          </m:ctrlPr>
+                        </m:sSubPr>
+                        <m:e>
+                          <m:r>
+                            <a:rPr lang="en-US" altLang="zh-CN" sz="2800" b="0" i="1" smtClean="0">
+                              <a:latin typeface="Cambria Math" panose="02040503050406030204" pitchFamily="18" charset="0"/>
+                            </a:rPr>
+                            <m:t>𝑣</m:t>
+                          </m:r>
+                        </m:e>
+                        <m:sub>
+                          <m:r>
+                            <a:rPr lang="en-US" altLang="zh-CN" sz="2800" b="0" i="1" smtClean="0">
+                              <a:latin typeface="Cambria Math" panose="02040503050406030204" pitchFamily="18" charset="0"/>
+                            </a:rPr>
+                            <m:t>𝑐𝑜𝑙</m:t>
+                          </m:r>
+                        </m:sub>
+                      </m:sSub>
+                      <m:r>
+                        <a:rPr lang="en-US" altLang="zh-CN" sz="2800" b="0" i="1" smtClean="0">
+                          <a:latin typeface="Cambria Math" panose="02040503050406030204" pitchFamily="18" charset="0"/>
+                        </a:rPr>
+                        <m:t>=</m:t>
+                      </m:r>
+                      <m:sSub>
+                        <m:sSubPr>
+                          <m:ctrlPr>
+                            <a:rPr lang="en-US" altLang="zh-CN" sz="2800" b="0" i="1" smtClean="0">
+                              <a:latin typeface="Cambria Math" panose="02040503050406030204" pitchFamily="18" charset="0"/>
+                            </a:rPr>
+                          </m:ctrlPr>
+                        </m:sSubPr>
+                        <m:e>
+                          <m:r>
+                            <a:rPr lang="en-US" altLang="zh-CN" sz="2800" b="0" i="1" smtClean="0">
+                              <a:latin typeface="Cambria Math" panose="02040503050406030204" pitchFamily="18" charset="0"/>
+                            </a:rPr>
+                            <m:t>𝑐𝑜𝑛𝑣</m:t>
+                          </m:r>
+                        </m:e>
+                        <m:sub>
+                          <m:r>
+                            <a:rPr lang="en-US" altLang="zh-CN" sz="2800" b="0" i="1" smtClean="0">
+                              <a:latin typeface="Cambria Math" panose="02040503050406030204" pitchFamily="18" charset="0"/>
+                            </a:rPr>
+                            <m:t>3</m:t>
+                          </m:r>
+                          <m:r>
+                            <a:rPr lang="en-US" altLang="zh-CN" sz="2800" b="0" i="1" smtClean="0">
+                              <a:latin typeface="Cambria Math" panose="02040503050406030204" pitchFamily="18" charset="0"/>
+                              <a:ea typeface="Cambria Math" panose="02040503050406030204" pitchFamily="18" charset="0"/>
+                            </a:rPr>
+                            <m:t>×1</m:t>
+                          </m:r>
+                        </m:sub>
+                      </m:sSub>
+                      <m:r>
+                        <a:rPr lang="en-US" altLang="zh-CN" sz="2800" b="0" i="1" smtClean="0">
+                          <a:latin typeface="Cambria Math" panose="02040503050406030204" pitchFamily="18" charset="0"/>
+                        </a:rPr>
+                        <m:t>(</m:t>
+                      </m:r>
+                      <m:sSub>
+                        <m:sSubPr>
+                          <m:ctrlPr>
+                            <a:rPr lang="en-US" altLang="zh-CN" sz="2800" b="0" i="1" smtClean="0">
+                              <a:latin typeface="Cambria Math" panose="02040503050406030204" pitchFamily="18" charset="0"/>
+                            </a:rPr>
+                          </m:ctrlPr>
+                        </m:sSubPr>
+                        <m:e>
+                          <m:r>
+                            <a:rPr lang="en-US" altLang="zh-CN" sz="2800" b="0" i="1" smtClean="0">
+                              <a:latin typeface="Cambria Math" panose="02040503050406030204" pitchFamily="18" charset="0"/>
+                            </a:rPr>
+                            <m:t>𝐴𝑣𝑔</m:t>
+                          </m:r>
+                          <m:r>
+                            <a:rPr lang="en-US" altLang="zh-CN" sz="2800" b="0" i="1" smtClean="0">
+                              <a:latin typeface="Cambria Math" panose="02040503050406030204" pitchFamily="18" charset="0"/>
+                            </a:rPr>
+                            <m:t>_</m:t>
+                          </m:r>
+                          <m:r>
+                            <a:rPr lang="en-US" altLang="zh-CN" sz="2800" b="0" i="1" smtClean="0">
+                              <a:latin typeface="Cambria Math" panose="02040503050406030204" pitchFamily="18" charset="0"/>
+                            </a:rPr>
+                            <m:t>𝑃𝑜𝑜𝑙</m:t>
+                          </m:r>
+                        </m:e>
+                        <m:sub>
+                          <m:r>
+                            <a:rPr lang="en-US" altLang="zh-CN" sz="2800" b="0" i="1" smtClean="0">
+                              <a:latin typeface="Cambria Math" panose="02040503050406030204" pitchFamily="18" charset="0"/>
+                            </a:rPr>
+                            <m:t>𝐻</m:t>
+                          </m:r>
+                          <m:r>
+                            <a:rPr lang="en-US" altLang="zh-CN" sz="2800" b="0" i="1" smtClean="0">
+                              <a:latin typeface="Cambria Math" panose="02040503050406030204" pitchFamily="18" charset="0"/>
+                              <a:ea typeface="Cambria Math" panose="02040503050406030204" pitchFamily="18" charset="0"/>
+                            </a:rPr>
+                            <m:t>×1</m:t>
+                          </m:r>
+                        </m:sub>
+                      </m:sSub>
+                      <m:r>
+                        <a:rPr lang="en-US" altLang="zh-CN" sz="2800" b="0" i="1" smtClean="0">
+                          <a:latin typeface="Cambria Math" panose="02040503050406030204" pitchFamily="18" charset="0"/>
+                        </a:rPr>
+                        <m:t>(</m:t>
+                      </m:r>
+                      <m:acc>
+                        <m:accPr>
+                          <m:chr m:val="̂"/>
+                          <m:ctrlPr>
+                            <a:rPr lang="en-US" altLang="zh-CN" sz="2800" i="1" smtClean="0">
+                              <a:latin typeface="Cambria Math" panose="02040503050406030204" pitchFamily="18" charset="0"/>
+                            </a:rPr>
+                          </m:ctrlPr>
+                        </m:accPr>
+                        <m:e>
+                          <m:r>
+                            <a:rPr lang="en-US" altLang="zh-CN" sz="2800" b="0" i="1" smtClean="0">
+                              <a:latin typeface="Cambria Math" panose="02040503050406030204" pitchFamily="18" charset="0"/>
+                            </a:rPr>
+                            <m:t>𝑃</m:t>
+                          </m:r>
+                        </m:e>
+                      </m:acc>
+                      <m:r>
+                        <a:rPr lang="en-US" altLang="zh-CN" sz="2800" b="0" i="1" smtClean="0">
+                          <a:latin typeface="Cambria Math" panose="02040503050406030204" pitchFamily="18" charset="0"/>
+                        </a:rPr>
+                        <m:t>))</m:t>
+                      </m:r>
+                    </m:oMath>
+                  </m:oMathPara>
+                </a14:m>
+                <a:endParaRPr lang="en-US" altLang="zh-CN" sz="2800" dirty="0"/>
+              </a:p>
+              <a:p>
+                <a:pPr marL="0" indent="0">
+                  <a:buNone/>
+                </a:pPr>
+                <a:r>
+                  <a:rPr lang="en-US" altLang="zh-CN" sz="2800" dirty="0"/>
+                  <a:t>where </a:t>
+                </a:r>
+                <a14:m>
+                  <m:oMath xmlns:m="http://schemas.openxmlformats.org/officeDocument/2006/math">
+                    <m:sSub>
+                      <m:sSubPr>
+                        <m:ctrlPr>
+                          <a:rPr lang="en-US" altLang="zh-CN" sz="2800" i="1" smtClean="0">
+                            <a:latin typeface="Cambria Math" panose="02040503050406030204" pitchFamily="18" charset="0"/>
+                          </a:rPr>
+                        </m:ctrlPr>
+                      </m:sSubPr>
+                      <m:e>
+                        <m:r>
+                          <a:rPr lang="en-US" altLang="zh-CN" sz="2800" b="0" i="1" smtClean="0">
+                            <a:latin typeface="Cambria Math" panose="02040503050406030204" pitchFamily="18" charset="0"/>
+                          </a:rPr>
+                          <m:t>𝑣</m:t>
+                        </m:r>
+                      </m:e>
+                      <m:sub>
+                        <m:r>
+                          <a:rPr lang="en-US" altLang="zh-CN" sz="2800" b="0" i="1" smtClean="0">
+                            <a:latin typeface="Cambria Math" panose="02040503050406030204" pitchFamily="18" charset="0"/>
+                          </a:rPr>
+                          <m:t>𝑟𝑜𝑤</m:t>
+                        </m:r>
+                      </m:sub>
+                    </m:sSub>
+                    <m:r>
+                      <a:rPr lang="en-US" altLang="zh-CN" sz="2800" b="0" i="1" smtClean="0">
+                        <a:latin typeface="Cambria Math" panose="02040503050406030204" pitchFamily="18" charset="0"/>
+                        <a:ea typeface="Cambria Math" panose="02040503050406030204" pitchFamily="18" charset="0"/>
+                      </a:rPr>
+                      <m:t>∈</m:t>
+                    </m:r>
+                    <m:sSup>
+                      <m:sSupPr>
+                        <m:ctrlPr>
+                          <a:rPr lang="en-US" altLang="zh-CN" sz="2800" i="1" smtClean="0">
+                            <a:latin typeface="Cambria Math" panose="02040503050406030204" pitchFamily="18" charset="0"/>
+                            <a:ea typeface="Cambria Math" panose="02040503050406030204" pitchFamily="18" charset="0"/>
+                          </a:rPr>
+                        </m:ctrlPr>
+                      </m:sSupPr>
+                      <m:e>
+                        <m:r>
+                          <a:rPr lang="en-US" altLang="zh-CN" sz="2800" b="0" i="1" smtClean="0">
+                            <a:latin typeface="Cambria Math" panose="02040503050406030204" pitchFamily="18" charset="0"/>
+                            <a:ea typeface="Cambria Math" panose="02040503050406030204" pitchFamily="18" charset="0"/>
+                          </a:rPr>
+                          <m:t>𝑅</m:t>
+                        </m:r>
+                      </m:e>
+                      <m:sup>
+                        <m:r>
+                          <a:rPr lang="en-US" altLang="zh-CN" sz="2800" b="0" i="1" smtClean="0">
+                            <a:latin typeface="Cambria Math" panose="02040503050406030204" pitchFamily="18" charset="0"/>
+                            <a:ea typeface="Cambria Math" panose="02040503050406030204" pitchFamily="18" charset="0"/>
+                          </a:rPr>
+                          <m:t>𝐻</m:t>
+                        </m:r>
+                        <m:r>
+                          <a:rPr lang="en-US" altLang="zh-CN" sz="2800" b="0" i="1" smtClean="0">
+                            <a:latin typeface="Cambria Math" panose="02040503050406030204" pitchFamily="18" charset="0"/>
+                            <a:ea typeface="Cambria Math" panose="02040503050406030204" pitchFamily="18" charset="0"/>
+                          </a:rPr>
+                          <m:t>×</m:t>
+                        </m:r>
+                        <m:sSub>
+                          <m:sSubPr>
+                            <m:ctrlPr>
+                              <a:rPr lang="en-US" altLang="zh-CN" sz="2800" b="0" i="1" smtClean="0">
+                                <a:latin typeface="Cambria Math" panose="02040503050406030204" pitchFamily="18" charset="0"/>
+                                <a:ea typeface="Cambria Math" panose="02040503050406030204" pitchFamily="18" charset="0"/>
+                              </a:rPr>
+                            </m:ctrlPr>
+                          </m:sSubPr>
+                          <m:e>
+                            <m:r>
+                              <a:rPr lang="en-US" altLang="zh-CN" sz="2800" b="0" i="1" smtClean="0">
+                                <a:latin typeface="Cambria Math" panose="02040503050406030204" pitchFamily="18" charset="0"/>
+                                <a:ea typeface="Cambria Math" panose="02040503050406030204" pitchFamily="18" charset="0"/>
+                              </a:rPr>
+                              <m:t>𝐶</m:t>
+                            </m:r>
+                          </m:e>
+                          <m:sub>
+                            <m:r>
+                              <a:rPr lang="en-US" altLang="zh-CN" sz="2800" b="0" i="1" smtClean="0">
+                                <a:latin typeface="Cambria Math" panose="02040503050406030204" pitchFamily="18" charset="0"/>
+                                <a:ea typeface="Cambria Math" panose="02040503050406030204" pitchFamily="18" charset="0"/>
+                              </a:rPr>
+                              <m:t>h</m:t>
+                            </m:r>
+                          </m:sub>
+                        </m:sSub>
+                      </m:sup>
+                    </m:sSup>
+                  </m:oMath>
+                </a14:m>
+                <a:r>
+                  <a:rPr lang="en-US" altLang="zh-CN" sz="2800" dirty="0"/>
+                  <a:t> and </a:t>
+                </a:r>
+                <a14:m>
+                  <m:oMath xmlns:m="http://schemas.openxmlformats.org/officeDocument/2006/math">
+                    <m:sSub>
+                      <m:sSubPr>
+                        <m:ctrlPr>
+                          <a:rPr lang="en-US" altLang="zh-CN" sz="2800" i="1" smtClean="0">
+                            <a:latin typeface="Cambria Math" panose="02040503050406030204" pitchFamily="18" charset="0"/>
+                          </a:rPr>
+                        </m:ctrlPr>
+                      </m:sSubPr>
+                      <m:e>
+                        <m:r>
+                          <a:rPr lang="en-US" altLang="zh-CN" sz="2800" b="0" i="1" smtClean="0">
+                            <a:latin typeface="Cambria Math" panose="02040503050406030204" pitchFamily="18" charset="0"/>
+                          </a:rPr>
+                          <m:t>𝑣</m:t>
+                        </m:r>
+                      </m:e>
+                      <m:sub>
+                        <m:r>
+                          <a:rPr lang="en-US" altLang="zh-CN" sz="2800" b="0" i="1" smtClean="0">
+                            <a:latin typeface="Cambria Math" panose="02040503050406030204" pitchFamily="18" charset="0"/>
+                          </a:rPr>
+                          <m:t>𝑐𝑜𝑙</m:t>
+                        </m:r>
+                      </m:sub>
+                    </m:sSub>
+                    <m:r>
+                      <a:rPr lang="en-US" altLang="zh-CN" sz="2800" b="0" i="1" smtClean="0">
+                        <a:latin typeface="Cambria Math" panose="02040503050406030204" pitchFamily="18" charset="0"/>
+                        <a:ea typeface="Cambria Math" panose="02040503050406030204" pitchFamily="18" charset="0"/>
+                      </a:rPr>
+                      <m:t>∈</m:t>
+                    </m:r>
+                    <m:sSup>
+                      <m:sSupPr>
+                        <m:ctrlPr>
+                          <a:rPr lang="en-US" altLang="zh-CN" sz="2800" i="1" smtClean="0">
+                            <a:latin typeface="Cambria Math" panose="02040503050406030204" pitchFamily="18" charset="0"/>
+                            <a:ea typeface="Cambria Math" panose="02040503050406030204" pitchFamily="18" charset="0"/>
+                          </a:rPr>
+                        </m:ctrlPr>
+                      </m:sSupPr>
+                      <m:e>
+                        <m:r>
+                          <a:rPr lang="en-US" altLang="zh-CN" sz="2800" b="0" i="1" smtClean="0">
+                            <a:latin typeface="Cambria Math" panose="02040503050406030204" pitchFamily="18" charset="0"/>
+                            <a:ea typeface="Cambria Math" panose="02040503050406030204" pitchFamily="18" charset="0"/>
+                          </a:rPr>
+                          <m:t>𝑅</m:t>
+                        </m:r>
+                      </m:e>
+                      <m:sup>
+                        <m:r>
+                          <a:rPr lang="en-US" altLang="zh-CN" sz="2800" b="0" i="1" smtClean="0">
+                            <a:latin typeface="Cambria Math" panose="02040503050406030204" pitchFamily="18" charset="0"/>
+                            <a:ea typeface="Cambria Math" panose="02040503050406030204" pitchFamily="18" charset="0"/>
+                          </a:rPr>
+                          <m:t>𝑊</m:t>
+                        </m:r>
+                        <m:r>
+                          <a:rPr lang="en-US" altLang="zh-CN" sz="2800" b="0" i="1" smtClean="0">
+                            <a:latin typeface="Cambria Math" panose="02040503050406030204" pitchFamily="18" charset="0"/>
+                            <a:ea typeface="Cambria Math" panose="02040503050406030204" pitchFamily="18" charset="0"/>
+                          </a:rPr>
+                          <m:t>×</m:t>
+                        </m:r>
+                        <m:sSub>
+                          <m:sSubPr>
+                            <m:ctrlPr>
+                              <a:rPr lang="en-US" altLang="zh-CN" sz="2800" b="0" i="1" smtClean="0">
+                                <a:latin typeface="Cambria Math" panose="02040503050406030204" pitchFamily="18" charset="0"/>
+                                <a:ea typeface="Cambria Math" panose="02040503050406030204" pitchFamily="18" charset="0"/>
+                              </a:rPr>
+                            </m:ctrlPr>
+                          </m:sSubPr>
+                          <m:e>
+                            <m:r>
+                              <a:rPr lang="en-US" altLang="zh-CN" sz="2800" b="0" i="1" smtClean="0">
+                                <a:latin typeface="Cambria Math" panose="02040503050406030204" pitchFamily="18" charset="0"/>
+                                <a:ea typeface="Cambria Math" panose="02040503050406030204" pitchFamily="18" charset="0"/>
+                              </a:rPr>
+                              <m:t>𝐶</m:t>
+                            </m:r>
+                          </m:e>
+                          <m:sub>
+                            <m:r>
+                              <a:rPr lang="en-US" altLang="zh-CN" sz="2800" b="0" i="1" smtClean="0">
+                                <a:latin typeface="Cambria Math" panose="02040503050406030204" pitchFamily="18" charset="0"/>
+                                <a:ea typeface="Cambria Math" panose="02040503050406030204" pitchFamily="18" charset="0"/>
+                              </a:rPr>
+                              <m:t>h</m:t>
+                            </m:r>
+                          </m:sub>
+                        </m:sSub>
+                      </m:sup>
+                    </m:sSup>
+                  </m:oMath>
+                </a14:m>
+                <a:r>
+                  <a:rPr lang="en-US" altLang="zh-CN" sz="2800" dirty="0"/>
+                  <a:t> are raw- and column-level features.</a:t>
+                </a:r>
+              </a:p>
+              <a:p>
+                <a:pPr marL="0" indent="0">
+                  <a:buNone/>
+                </a:pPr>
+                <a:r>
+                  <a:rPr lang="zh-CN" altLang="en-US" sz="2800" dirty="0"/>
+                  <a:t>③</a:t>
+                </a:r>
+                <a:r>
+                  <a:rPr lang="en-US" altLang="zh-CN" sz="2800" dirty="0"/>
+                  <a:t>.then, for internal process, for example </a:t>
+                </a:r>
+                <a14:m>
+                  <m:oMath xmlns:m="http://schemas.openxmlformats.org/officeDocument/2006/math">
+                    <m:sSub>
+                      <m:sSubPr>
+                        <m:ctrlPr>
+                          <a:rPr lang="en-US" altLang="zh-CN" sz="2800" i="1" smtClean="0">
+                            <a:latin typeface="Cambria Math" panose="02040503050406030204" pitchFamily="18" charset="0"/>
+                          </a:rPr>
+                        </m:ctrlPr>
+                      </m:sSubPr>
+                      <m:e>
+                        <m:r>
+                          <a:rPr lang="en-US" altLang="zh-CN" sz="2800" b="0" i="1" smtClean="0">
+                            <a:latin typeface="Cambria Math" panose="02040503050406030204" pitchFamily="18" charset="0"/>
+                          </a:rPr>
+                          <m:t>𝑣</m:t>
+                        </m:r>
+                      </m:e>
+                      <m:sub>
+                        <m:r>
+                          <a:rPr lang="en-US" altLang="zh-CN" sz="2800" b="0" i="1" smtClean="0">
+                            <a:latin typeface="Cambria Math" panose="02040503050406030204" pitchFamily="18" charset="0"/>
+                          </a:rPr>
+                          <m:t>𝑟𝑜𝑤</m:t>
+                        </m:r>
+                      </m:sub>
+                    </m:sSub>
+                    <m:r>
+                      <a:rPr lang="en-US" altLang="zh-CN" sz="2800" b="0" i="1" smtClean="0">
+                        <a:latin typeface="Cambria Math" panose="02040503050406030204" pitchFamily="18" charset="0"/>
+                      </a:rPr>
+                      <m:t> </m:t>
+                    </m:r>
+                  </m:oMath>
+                </a14:m>
+                <a:r>
+                  <a:rPr lang="en-US" altLang="zh-CN" sz="2800" dirty="0"/>
+                  <a:t>, we apply convolution layer to text features L, obtaining </a:t>
+                </a:r>
+                <a14:m>
+                  <m:oMath xmlns:m="http://schemas.openxmlformats.org/officeDocument/2006/math">
+                    <m:sSubSup>
+                      <m:sSubSupPr>
+                        <m:ctrlPr>
+                          <a:rPr lang="en-US" altLang="zh-CN" sz="2800" i="1" smtClean="0">
+                            <a:latin typeface="Cambria Math" panose="02040503050406030204" pitchFamily="18" charset="0"/>
+                          </a:rPr>
+                        </m:ctrlPr>
+                      </m:sSubSupPr>
+                      <m:e>
+                        <m:r>
+                          <a:rPr lang="en-US" altLang="zh-CN" sz="2800" b="0" i="1" smtClean="0">
+                            <a:latin typeface="Cambria Math" panose="02040503050406030204" pitchFamily="18" charset="0"/>
+                          </a:rPr>
+                          <m:t>𝑡</m:t>
+                        </m:r>
+                      </m:e>
+                      <m:sub>
+                        <m:r>
+                          <a:rPr lang="en-US" altLang="zh-CN" sz="2800" b="0" i="1" smtClean="0">
+                            <a:latin typeface="Cambria Math" panose="02040503050406030204" pitchFamily="18" charset="0"/>
+                          </a:rPr>
+                          <m:t>𝑟𝑜𝑤</m:t>
+                        </m:r>
+                      </m:sub>
+                      <m:sup>
+                        <m:r>
+                          <a:rPr lang="en-US" altLang="zh-CN" sz="2800" b="0" i="1" smtClean="0">
+                            <a:latin typeface="Cambria Math" panose="02040503050406030204" pitchFamily="18" charset="0"/>
+                          </a:rPr>
+                          <m:t>1</m:t>
+                        </m:r>
+                      </m:sup>
+                    </m:sSubSup>
+                    <m:r>
+                      <a:rPr lang="en-US" altLang="zh-CN" sz="2800" b="0" i="1" smtClean="0">
+                        <a:latin typeface="Cambria Math" panose="02040503050406030204" pitchFamily="18" charset="0"/>
+                      </a:rPr>
+                      <m:t>, </m:t>
+                    </m:r>
+                    <m:sSubSup>
+                      <m:sSubSupPr>
+                        <m:ctrlPr>
+                          <a:rPr lang="en-US" altLang="zh-CN" sz="2800" b="0" i="1" smtClean="0">
+                            <a:latin typeface="Cambria Math" panose="02040503050406030204" pitchFamily="18" charset="0"/>
+                          </a:rPr>
+                        </m:ctrlPr>
+                      </m:sSubSupPr>
+                      <m:e>
+                        <m:r>
+                          <a:rPr lang="en-US" altLang="zh-CN" sz="2800" b="0" i="1" smtClean="0">
+                            <a:latin typeface="Cambria Math" panose="02040503050406030204" pitchFamily="18" charset="0"/>
+                          </a:rPr>
+                          <m:t>𝑡</m:t>
+                        </m:r>
+                      </m:e>
+                      <m:sub>
+                        <m:r>
+                          <a:rPr lang="en-US" altLang="zh-CN" sz="2800" b="0" i="1" smtClean="0">
+                            <a:latin typeface="Cambria Math" panose="02040503050406030204" pitchFamily="18" charset="0"/>
+                          </a:rPr>
+                          <m:t>𝑟𝑜𝑤</m:t>
+                        </m:r>
+                      </m:sub>
+                      <m:sup>
+                        <m:r>
+                          <a:rPr lang="en-US" altLang="zh-CN" sz="2800" b="0" i="1" smtClean="0">
+                            <a:latin typeface="Cambria Math" panose="02040503050406030204" pitchFamily="18" charset="0"/>
+                          </a:rPr>
+                          <m:t>2</m:t>
+                        </m:r>
+                      </m:sup>
+                    </m:sSubSup>
+                    <m:r>
+                      <a:rPr lang="zh-CN" altLang="en-US" sz="2800" b="0" i="1" smtClean="0">
+                        <a:latin typeface="Cambria Math" panose="02040503050406030204" pitchFamily="18" charset="0"/>
+                      </a:rPr>
+                      <m:t>𝜖</m:t>
+                    </m:r>
+                    <m:sSup>
+                      <m:sSupPr>
+                        <m:ctrlPr>
+                          <a:rPr lang="en-US" altLang="zh-CN" sz="2800" b="0" i="1" smtClean="0">
+                            <a:latin typeface="Cambria Math" panose="02040503050406030204" pitchFamily="18" charset="0"/>
+                          </a:rPr>
+                        </m:ctrlPr>
+                      </m:sSupPr>
+                      <m:e>
+                        <m:r>
+                          <a:rPr lang="en-US" altLang="zh-CN" sz="2800" b="0" i="1" smtClean="0">
+                            <a:latin typeface="Cambria Math" panose="02040503050406030204" pitchFamily="18" charset="0"/>
+                          </a:rPr>
+                          <m:t>𝑅</m:t>
+                        </m:r>
+                      </m:e>
+                      <m:sup>
+                        <m:sSub>
+                          <m:sSubPr>
+                            <m:ctrlPr>
+                              <a:rPr lang="en-US" altLang="zh-CN" sz="2800" b="0" i="1" smtClean="0">
+                                <a:latin typeface="Cambria Math" panose="02040503050406030204" pitchFamily="18" charset="0"/>
+                              </a:rPr>
+                            </m:ctrlPr>
+                          </m:sSubPr>
+                          <m:e>
+                            <m:r>
+                              <a:rPr lang="en-US" altLang="zh-CN" sz="2800" b="0" i="1" smtClean="0">
+                                <a:latin typeface="Cambria Math" panose="02040503050406030204" pitchFamily="18" charset="0"/>
+                              </a:rPr>
+                              <m:t>𝑐</m:t>
+                            </m:r>
+                          </m:e>
+                          <m:sub>
+                            <m:r>
+                              <a:rPr lang="en-US" altLang="zh-CN" sz="2800" b="0" i="1" smtClean="0">
+                                <a:latin typeface="Cambria Math" panose="02040503050406030204" pitchFamily="18" charset="0"/>
+                              </a:rPr>
+                              <m:t>h</m:t>
+                            </m:r>
+                          </m:sub>
+                        </m:sSub>
+                        <m:r>
+                          <a:rPr lang="en-US" altLang="zh-CN" sz="2800" b="0" i="1" smtClean="0">
+                            <a:latin typeface="Cambria Math" panose="02040503050406030204" pitchFamily="18" charset="0"/>
+                            <a:ea typeface="Cambria Math" panose="02040503050406030204" pitchFamily="18" charset="0"/>
+                          </a:rPr>
+                          <m:t>×2</m:t>
+                        </m:r>
+                      </m:sup>
+                    </m:sSup>
+                  </m:oMath>
+                </a14:m>
+                <a:r>
+                  <a:rPr lang="en-US" altLang="zh-CN" sz="2800" dirty="0"/>
+                  <a:t>, then enter to Scaled Dot-Product Attention mechanism. we denote the result as </a:t>
+                </a:r>
+                <a14:m>
+                  <m:oMath xmlns:m="http://schemas.openxmlformats.org/officeDocument/2006/math">
+                    <m:sSub>
+                      <m:sSubPr>
+                        <m:ctrlPr>
+                          <a:rPr lang="en-US" altLang="zh-CN" sz="2800" i="1" smtClean="0">
+                            <a:latin typeface="Cambria Math" panose="02040503050406030204" pitchFamily="18" charset="0"/>
+                          </a:rPr>
+                        </m:ctrlPr>
+                      </m:sSubPr>
+                      <m:e>
+                        <m:r>
+                          <a:rPr lang="en-US" altLang="zh-CN" sz="2800" b="0" i="1" smtClean="0">
+                            <a:latin typeface="Cambria Math" panose="02040503050406030204" pitchFamily="18" charset="0"/>
+                          </a:rPr>
+                          <m:t>𝑀</m:t>
+                        </m:r>
+                      </m:e>
+                      <m:sub>
+                        <m:r>
+                          <a:rPr lang="en-US" altLang="zh-CN" sz="2800" b="0" i="1" smtClean="0">
+                            <a:latin typeface="Cambria Math" panose="02040503050406030204" pitchFamily="18" charset="0"/>
+                          </a:rPr>
+                          <m:t>𝑟𝑜𝑤</m:t>
+                        </m:r>
+                      </m:sub>
+                    </m:sSub>
+                    <m:r>
+                      <a:rPr lang="en-US" altLang="zh-CN" sz="2800" i="1" smtClean="0">
+                        <a:latin typeface="Cambria Math" panose="02040503050406030204" pitchFamily="18" charset="0"/>
+                        <a:ea typeface="Cambria Math" panose="02040503050406030204" pitchFamily="18" charset="0"/>
+                      </a:rPr>
+                      <m:t>∈</m:t>
+                    </m:r>
+                    <m:sSup>
+                      <m:sSupPr>
+                        <m:ctrlPr>
+                          <a:rPr lang="en-US" altLang="zh-CN" sz="2800" i="1" smtClean="0">
+                            <a:latin typeface="Cambria Math" panose="02040503050406030204" pitchFamily="18" charset="0"/>
+                            <a:ea typeface="Cambria Math" panose="02040503050406030204" pitchFamily="18" charset="0"/>
+                          </a:rPr>
+                        </m:ctrlPr>
+                      </m:sSupPr>
+                      <m:e>
+                        <m:r>
+                          <a:rPr lang="en-US" altLang="zh-CN" sz="2800" b="0" i="1" smtClean="0">
+                            <a:latin typeface="Cambria Math" panose="02040503050406030204" pitchFamily="18" charset="0"/>
+                            <a:ea typeface="Cambria Math" panose="02040503050406030204" pitchFamily="18" charset="0"/>
+                          </a:rPr>
+                          <m:t>𝑅</m:t>
+                        </m:r>
+                      </m:e>
+                      <m:sup>
+                        <m:r>
+                          <a:rPr lang="en-US" altLang="zh-CN" sz="2800" b="0" i="1" smtClean="0">
+                            <a:latin typeface="Cambria Math" panose="02040503050406030204" pitchFamily="18" charset="0"/>
+                            <a:ea typeface="Cambria Math" panose="02040503050406030204" pitchFamily="18" charset="0"/>
+                          </a:rPr>
+                          <m:t>𝐻</m:t>
+                        </m:r>
+                        <m:r>
+                          <a:rPr lang="en-US" altLang="zh-CN" sz="2800" b="0" i="1" smtClean="0">
+                            <a:latin typeface="Cambria Math" panose="02040503050406030204" pitchFamily="18" charset="0"/>
+                            <a:ea typeface="Cambria Math" panose="02040503050406030204" pitchFamily="18" charset="0"/>
+                          </a:rPr>
+                          <m:t>×</m:t>
+                        </m:r>
+                        <m:sSub>
+                          <m:sSubPr>
+                            <m:ctrlPr>
+                              <a:rPr lang="en-US" altLang="zh-CN" sz="2800" b="0" i="1" smtClean="0">
+                                <a:latin typeface="Cambria Math" panose="02040503050406030204" pitchFamily="18" charset="0"/>
+                                <a:ea typeface="Cambria Math" panose="02040503050406030204" pitchFamily="18" charset="0"/>
+                              </a:rPr>
+                            </m:ctrlPr>
+                          </m:sSubPr>
+                          <m:e>
+                            <m:r>
+                              <a:rPr lang="en-US" altLang="zh-CN" sz="2800" b="0" i="1" smtClean="0">
+                                <a:latin typeface="Cambria Math" panose="02040503050406030204" pitchFamily="18" charset="0"/>
+                                <a:ea typeface="Cambria Math" panose="02040503050406030204" pitchFamily="18" charset="0"/>
+                              </a:rPr>
+                              <m:t>𝐶</m:t>
+                            </m:r>
+                          </m:e>
+                          <m:sub>
+                            <m:r>
+                              <a:rPr lang="en-US" altLang="zh-CN" sz="2800" b="0" i="1" smtClean="0">
+                                <a:latin typeface="Cambria Math" panose="02040503050406030204" pitchFamily="18" charset="0"/>
+                                <a:ea typeface="Cambria Math" panose="02040503050406030204" pitchFamily="18" charset="0"/>
+                              </a:rPr>
+                              <m:t>h</m:t>
+                            </m:r>
+                          </m:sub>
+                        </m:sSub>
+                      </m:sup>
+                    </m:sSup>
+                  </m:oMath>
+                </a14:m>
+                <a:r>
+                  <a:rPr lang="en-US" altLang="zh-CN" sz="2800" dirty="0"/>
+                  <a:t>. the same with </a:t>
+                </a:r>
+                <a14:m>
+                  <m:oMath xmlns:m="http://schemas.openxmlformats.org/officeDocument/2006/math">
+                    <m:sSub>
+                      <m:sSubPr>
+                        <m:ctrlPr>
+                          <a:rPr lang="en-US" altLang="zh-CN" sz="2800" i="1" smtClean="0">
+                            <a:latin typeface="Cambria Math" panose="02040503050406030204" pitchFamily="18" charset="0"/>
+                          </a:rPr>
+                        </m:ctrlPr>
+                      </m:sSubPr>
+                      <m:e>
+                        <m:r>
+                          <a:rPr lang="en-US" altLang="zh-CN" sz="2800" b="0" i="1" smtClean="0">
+                            <a:latin typeface="Cambria Math" panose="02040503050406030204" pitchFamily="18" charset="0"/>
+                          </a:rPr>
+                          <m:t>𝑀</m:t>
+                        </m:r>
+                      </m:e>
+                      <m:sub>
+                        <m:r>
+                          <a:rPr lang="en-US" altLang="zh-CN" sz="2800" b="0" i="1" smtClean="0">
+                            <a:latin typeface="Cambria Math" panose="02040503050406030204" pitchFamily="18" charset="0"/>
+                          </a:rPr>
+                          <m:t>𝑐𝑜𝑙</m:t>
+                        </m:r>
+                      </m:sub>
+                    </m:sSub>
+                  </m:oMath>
+                </a14:m>
+                <a:endParaRPr lang="en-US" altLang="zh-CN" sz="2800" dirty="0"/>
+              </a:p>
+              <a:p>
+                <a:pPr marL="0" indent="0">
+                  <a:buNone/>
+                </a:pPr>
+                <a:r>
+                  <a:rPr lang="zh-CN" altLang="en-US" sz="2800" dirty="0"/>
+                  <a:t>④</a:t>
+                </a:r>
+                <a:r>
+                  <a:rPr lang="en-US" altLang="zh-CN" sz="2800" dirty="0"/>
+                  <a:t>.finally, we utilize the bilinear interpolation to expand </a:t>
+                </a:r>
+                <a14:m>
+                  <m:oMath xmlns:m="http://schemas.openxmlformats.org/officeDocument/2006/math">
+                    <m:sSub>
+                      <m:sSubPr>
+                        <m:ctrlPr>
+                          <a:rPr lang="en-US" altLang="zh-CN" sz="2800" i="1" smtClean="0">
+                            <a:latin typeface="Cambria Math" panose="02040503050406030204" pitchFamily="18" charset="0"/>
+                          </a:rPr>
+                        </m:ctrlPr>
+                      </m:sSubPr>
+                      <m:e>
+                        <m:r>
+                          <a:rPr lang="en-US" altLang="zh-CN" sz="2800" b="0" i="1" smtClean="0">
+                            <a:latin typeface="Cambria Math" panose="02040503050406030204" pitchFamily="18" charset="0"/>
+                          </a:rPr>
+                          <m:t>𝑀</m:t>
+                        </m:r>
+                      </m:e>
+                      <m:sub>
+                        <m:r>
+                          <a:rPr lang="en-US" altLang="zh-CN" sz="2800" b="0" i="1" smtClean="0">
+                            <a:latin typeface="Cambria Math" panose="02040503050406030204" pitchFamily="18" charset="0"/>
+                          </a:rPr>
+                          <m:t>𝑟𝑜𝑤</m:t>
+                        </m:r>
+                      </m:sub>
+                    </m:sSub>
+                    <m:r>
+                      <a:rPr lang="en-US" altLang="zh-CN" sz="2800" b="0" i="1" smtClean="0">
+                        <a:latin typeface="Cambria Math" panose="02040503050406030204" pitchFamily="18" charset="0"/>
+                      </a:rPr>
+                      <m:t>, </m:t>
+                    </m:r>
+                    <m:sSub>
+                      <m:sSubPr>
+                        <m:ctrlPr>
+                          <a:rPr lang="en-US" altLang="zh-CN" sz="2800" b="0" i="1" smtClean="0">
+                            <a:latin typeface="Cambria Math" panose="02040503050406030204" pitchFamily="18" charset="0"/>
+                          </a:rPr>
+                        </m:ctrlPr>
+                      </m:sSubPr>
+                      <m:e>
+                        <m:r>
+                          <a:rPr lang="en-US" altLang="zh-CN" sz="2800" b="0" i="1" smtClean="0">
+                            <a:latin typeface="Cambria Math" panose="02040503050406030204" pitchFamily="18" charset="0"/>
+                          </a:rPr>
+                          <m:t>𝑀</m:t>
+                        </m:r>
+                      </m:e>
+                      <m:sub>
+                        <m:r>
+                          <a:rPr lang="en-US" altLang="zh-CN" sz="2800" b="0" i="1" smtClean="0">
+                            <a:latin typeface="Cambria Math" panose="02040503050406030204" pitchFamily="18" charset="0"/>
+                          </a:rPr>
+                          <m:t>𝑐𝑜𝑙</m:t>
+                        </m:r>
+                      </m:sub>
+                    </m:sSub>
+                  </m:oMath>
+                </a14:m>
+                <a:r>
+                  <a:rPr lang="en-US" altLang="zh-CN" sz="2800" dirty="0"/>
+                  <a:t> to their original scales: (</a:t>
+                </a:r>
+                <a14:m>
+                  <m:oMath xmlns:m="http://schemas.openxmlformats.org/officeDocument/2006/math">
+                    <m:sSub>
+                      <m:sSubPr>
+                        <m:ctrlPr>
+                          <a:rPr lang="en-US" altLang="zh-CN" sz="2800" i="1">
+                            <a:latin typeface="Cambria Math" panose="02040503050406030204" pitchFamily="18" charset="0"/>
+                          </a:rPr>
+                        </m:ctrlPr>
+                      </m:sSubPr>
+                      <m:e>
+                        <m:r>
+                          <a:rPr lang="en-US" altLang="zh-CN" sz="2800" i="1">
+                            <a:latin typeface="Cambria Math" panose="02040503050406030204" pitchFamily="18" charset="0"/>
+                          </a:rPr>
+                          <m:t>𝑀</m:t>
+                        </m:r>
+                      </m:e>
+                      <m:sub>
+                        <m:r>
+                          <a:rPr lang="en-US" altLang="zh-CN" sz="2800" i="1">
+                            <a:latin typeface="Cambria Math" panose="02040503050406030204" pitchFamily="18" charset="0"/>
+                          </a:rPr>
+                          <m:t>𝑟𝑜𝑤</m:t>
+                        </m:r>
+                        <m:r>
+                          <a:rPr lang="en-US" altLang="zh-CN" sz="2800" i="1">
+                            <a:latin typeface="Cambria Math" panose="02040503050406030204" pitchFamily="18" charset="0"/>
+                          </a:rPr>
+                          <m:t>, </m:t>
+                        </m:r>
+                        <m:r>
+                          <a:rPr lang="en-US" altLang="zh-CN" sz="2800" i="1">
+                            <a:latin typeface="Cambria Math" panose="02040503050406030204" pitchFamily="18" charset="0"/>
+                          </a:rPr>
+                          <m:t>𝑐𝑜𝑙</m:t>
+                        </m:r>
+                      </m:sub>
+                    </m:sSub>
+                    <m:r>
+                      <a:rPr lang="zh-CN" altLang="en-US" sz="2800" i="1" smtClean="0">
+                        <a:latin typeface="Cambria Math" panose="02040503050406030204" pitchFamily="18" charset="0"/>
+                      </a:rPr>
+                      <m:t>𝜖</m:t>
+                    </m:r>
+                    <m:r>
+                      <a:rPr lang="en-US" altLang="zh-CN" sz="2800" b="0" i="1" smtClean="0">
+                        <a:latin typeface="Cambria Math" panose="02040503050406030204" pitchFamily="18" charset="0"/>
+                      </a:rPr>
+                      <m:t>𝐻</m:t>
+                    </m:r>
+                    <m:r>
+                      <a:rPr lang="en-US" altLang="zh-CN" sz="2800" b="0" i="1" smtClean="0">
+                        <a:latin typeface="Cambria Math" panose="02040503050406030204" pitchFamily="18" charset="0"/>
+                        <a:ea typeface="Cambria Math" panose="02040503050406030204" pitchFamily="18" charset="0"/>
+                      </a:rPr>
+                      <m:t>×</m:t>
+                    </m:r>
+                    <m:r>
+                      <a:rPr lang="en-US" altLang="zh-CN" sz="2800" b="0" i="1" smtClean="0">
+                        <a:latin typeface="Cambria Math" panose="02040503050406030204" pitchFamily="18" charset="0"/>
+                        <a:ea typeface="Cambria Math" panose="02040503050406030204" pitchFamily="18" charset="0"/>
+                      </a:rPr>
+                      <m:t>𝑊</m:t>
+                    </m:r>
+                    <m:r>
+                      <a:rPr lang="en-US" altLang="zh-CN" sz="2800" b="0" i="1" smtClean="0">
+                        <a:latin typeface="Cambria Math" panose="02040503050406030204" pitchFamily="18" charset="0"/>
+                        <a:ea typeface="Cambria Math" panose="02040503050406030204" pitchFamily="18" charset="0"/>
+                      </a:rPr>
+                      <m:t>×</m:t>
+                    </m:r>
+                    <m:sSub>
+                      <m:sSubPr>
+                        <m:ctrlPr>
+                          <a:rPr lang="en-US" altLang="zh-CN" sz="2800" i="1">
+                            <a:latin typeface="Cambria Math" panose="02040503050406030204" pitchFamily="18" charset="0"/>
+                          </a:rPr>
+                        </m:ctrlPr>
+                      </m:sSubPr>
+                      <m:e>
+                        <m:r>
+                          <a:rPr lang="en-US" altLang="zh-CN" sz="2800" i="1">
+                            <a:latin typeface="Cambria Math" panose="02040503050406030204" pitchFamily="18" charset="0"/>
+                          </a:rPr>
+                          <m:t>𝑐</m:t>
+                        </m:r>
+                      </m:e>
+                      <m:sub>
+                        <m:r>
+                          <a:rPr lang="en-US" altLang="zh-CN" sz="2800" i="1">
+                            <a:latin typeface="Cambria Math" panose="02040503050406030204" pitchFamily="18" charset="0"/>
+                          </a:rPr>
+                          <m:t>h</m:t>
+                        </m:r>
+                      </m:sub>
+                    </m:sSub>
+                  </m:oMath>
+                </a14:m>
+                <a:r>
+                  <a:rPr lang="en-US" altLang="zh-CN" sz="2800" dirty="0"/>
+                  <a:t>)</a:t>
+                </a:r>
+              </a:p>
+              <a:p>
+                <a:pPr marL="0" indent="0">
+                  <a:buNone/>
+                </a:pPr>
+                <a14:m>
+                  <m:oMathPara xmlns:m="http://schemas.openxmlformats.org/officeDocument/2006/math">
+                    <m:oMathParaPr>
+                      <m:jc m:val="centerGroup"/>
+                    </m:oMathParaPr>
+                    <m:oMath xmlns:m="http://schemas.openxmlformats.org/officeDocument/2006/math">
+                      <m:sSub>
+                        <m:sSubPr>
+                          <m:ctrlPr>
+                            <a:rPr lang="en-US" altLang="zh-CN" sz="2800" i="1" smtClean="0">
+                              <a:latin typeface="Cambria Math" panose="02040503050406030204" pitchFamily="18" charset="0"/>
+                            </a:rPr>
+                          </m:ctrlPr>
+                        </m:sSubPr>
+                        <m:e>
+                          <m:r>
+                            <a:rPr lang="en-US" altLang="zh-CN" sz="2800" b="0" i="1" smtClean="0">
+                              <a:latin typeface="Cambria Math" panose="02040503050406030204" pitchFamily="18" charset="0"/>
+                            </a:rPr>
+                            <m:t>𝑀</m:t>
+                          </m:r>
+                        </m:e>
+                        <m:sub>
+                          <m:r>
+                            <a:rPr lang="en-US" altLang="zh-CN" sz="2800" b="0" i="1" smtClean="0">
+                              <a:latin typeface="Cambria Math" panose="02040503050406030204" pitchFamily="18" charset="0"/>
+                            </a:rPr>
+                            <m:t>𝑟𝑜𝑤</m:t>
+                          </m:r>
+                          <m:r>
+                            <a:rPr lang="en-US" altLang="zh-CN" sz="2800" b="0" i="1" smtClean="0">
+                              <a:latin typeface="Cambria Math" panose="02040503050406030204" pitchFamily="18" charset="0"/>
+                            </a:rPr>
+                            <m:t>, </m:t>
+                          </m:r>
+                          <m:r>
+                            <a:rPr lang="en-US" altLang="zh-CN" sz="2800" b="0" i="1" smtClean="0">
+                              <a:latin typeface="Cambria Math" panose="02040503050406030204" pitchFamily="18" charset="0"/>
+                            </a:rPr>
+                            <m:t>𝑐𝑜𝑙</m:t>
+                          </m:r>
+                        </m:sub>
+                      </m:sSub>
+                      <m:r>
+                        <a:rPr lang="en-US" altLang="zh-CN" sz="2800" b="0" i="1" smtClean="0">
+                          <a:latin typeface="Cambria Math" panose="02040503050406030204" pitchFamily="18" charset="0"/>
+                        </a:rPr>
+                        <m:t>= </m:t>
+                      </m:r>
+                      <m:sSub>
+                        <m:sSubPr>
+                          <m:ctrlPr>
+                            <a:rPr lang="en-US" altLang="zh-CN" sz="2800" b="0" i="1" smtClean="0">
+                              <a:latin typeface="Cambria Math" panose="02040503050406030204" pitchFamily="18" charset="0"/>
+                            </a:rPr>
+                          </m:ctrlPr>
+                        </m:sSubPr>
+                        <m:e>
+                          <m:r>
+                            <a:rPr lang="en-US" altLang="zh-CN" sz="2800" b="0" i="1" smtClean="0">
+                              <a:latin typeface="Cambria Math" panose="02040503050406030204" pitchFamily="18" charset="0"/>
+                            </a:rPr>
+                            <m:t>𝑐𝑜𝑛𝑣</m:t>
+                          </m:r>
+                        </m:e>
+                        <m:sub>
+                          <m:r>
+                            <a:rPr lang="en-US" altLang="zh-CN" sz="2800" b="0" i="1" smtClean="0">
+                              <a:latin typeface="Cambria Math" panose="02040503050406030204" pitchFamily="18" charset="0"/>
+                            </a:rPr>
+                            <m:t>3</m:t>
+                          </m:r>
+                          <m:r>
+                            <a:rPr lang="en-US" altLang="zh-CN" sz="2800" b="0" i="1" smtClean="0">
+                              <a:latin typeface="Cambria Math" panose="02040503050406030204" pitchFamily="18" charset="0"/>
+                              <a:ea typeface="Cambria Math" panose="02040503050406030204" pitchFamily="18" charset="0"/>
+                            </a:rPr>
+                            <m:t>×3</m:t>
+                          </m:r>
+                        </m:sub>
+                      </m:sSub>
+                      <m:r>
+                        <a:rPr lang="en-US" altLang="zh-CN" sz="2800" b="0" i="1" smtClean="0">
+                          <a:latin typeface="Cambria Math" panose="02040503050406030204" pitchFamily="18" charset="0"/>
+                        </a:rPr>
+                        <m:t>(</m:t>
+                      </m:r>
+                      <m:r>
+                        <a:rPr lang="en-US" altLang="zh-CN" sz="2800" b="0" i="1" smtClean="0">
+                          <a:latin typeface="Cambria Math" panose="02040503050406030204" pitchFamily="18" charset="0"/>
+                        </a:rPr>
+                        <m:t>𝐵</m:t>
+                      </m:r>
+                      <m:d>
+                        <m:dPr>
+                          <m:ctrlPr>
+                            <a:rPr lang="en-US" altLang="zh-CN" sz="2800" b="0" i="1" smtClean="0">
+                              <a:latin typeface="Cambria Math" panose="02040503050406030204" pitchFamily="18" charset="0"/>
+                            </a:rPr>
+                          </m:ctrlPr>
+                        </m:dPr>
+                        <m:e>
+                          <m:sSub>
+                            <m:sSubPr>
+                              <m:ctrlPr>
+                                <a:rPr lang="en-US" altLang="zh-CN" sz="2800" b="0" i="1" smtClean="0">
+                                  <a:latin typeface="Cambria Math" panose="02040503050406030204" pitchFamily="18" charset="0"/>
+                                </a:rPr>
+                              </m:ctrlPr>
+                            </m:sSubPr>
+                            <m:e>
+                              <m:r>
+                                <a:rPr lang="en-US" altLang="zh-CN" sz="2800" b="0" i="1" smtClean="0">
+                                  <a:latin typeface="Cambria Math" panose="02040503050406030204" pitchFamily="18" charset="0"/>
+                                </a:rPr>
+                                <m:t>𝑀</m:t>
+                              </m:r>
+                            </m:e>
+                            <m:sub>
+                              <m:r>
+                                <a:rPr lang="en-US" altLang="zh-CN" sz="2800" b="0" i="1" smtClean="0">
+                                  <a:latin typeface="Cambria Math" panose="02040503050406030204" pitchFamily="18" charset="0"/>
+                                </a:rPr>
+                                <m:t>𝑟𝑜𝑤</m:t>
+                              </m:r>
+                            </m:sub>
+                          </m:sSub>
+                        </m:e>
+                      </m:d>
+                      <m:r>
+                        <a:rPr lang="en-US" altLang="zh-CN" sz="2800" b="0" i="1" smtClean="0">
+                          <a:latin typeface="Cambria Math" panose="02040503050406030204" pitchFamily="18" charset="0"/>
+                        </a:rPr>
+                        <m:t>+</m:t>
+                      </m:r>
+                      <m:r>
+                        <a:rPr lang="en-US" altLang="zh-CN" sz="2800" b="0" i="1" smtClean="0">
+                          <a:latin typeface="Cambria Math" panose="02040503050406030204" pitchFamily="18" charset="0"/>
+                        </a:rPr>
+                        <m:t>𝐵</m:t>
+                      </m:r>
+                      <m:r>
+                        <a:rPr lang="en-US" altLang="zh-CN" sz="2800" b="0" i="1" smtClean="0">
+                          <a:latin typeface="Cambria Math" panose="02040503050406030204" pitchFamily="18" charset="0"/>
+                        </a:rPr>
+                        <m:t>(</m:t>
+                      </m:r>
+                      <m:sSub>
+                        <m:sSubPr>
+                          <m:ctrlPr>
+                            <a:rPr lang="en-US" altLang="zh-CN" sz="2800" b="0" i="1" smtClean="0">
+                              <a:latin typeface="Cambria Math" panose="02040503050406030204" pitchFamily="18" charset="0"/>
+                            </a:rPr>
+                          </m:ctrlPr>
+                        </m:sSubPr>
+                        <m:e>
+                          <m:r>
+                            <a:rPr lang="en-US" altLang="zh-CN" sz="2800" b="0" i="1" smtClean="0">
+                              <a:latin typeface="Cambria Math" panose="02040503050406030204" pitchFamily="18" charset="0"/>
+                            </a:rPr>
+                            <m:t>𝑀</m:t>
+                          </m:r>
+                        </m:e>
+                        <m:sub>
+                          <m:r>
+                            <a:rPr lang="en-US" altLang="zh-CN" sz="2800" b="0" i="1" smtClean="0">
+                              <a:latin typeface="Cambria Math" panose="02040503050406030204" pitchFamily="18" charset="0"/>
+                            </a:rPr>
+                            <m:t>𝑐𝑜𝑙</m:t>
+                          </m:r>
+                        </m:sub>
+                      </m:sSub>
+                      <m:r>
+                        <a:rPr lang="en-US" altLang="zh-CN" sz="2800" b="0" i="1" smtClean="0">
+                          <a:latin typeface="Cambria Math" panose="02040503050406030204" pitchFamily="18" charset="0"/>
+                        </a:rPr>
+                        <m:t>))</m:t>
+                      </m:r>
+                    </m:oMath>
+                  </m:oMathPara>
+                </a14:m>
+                <a:endParaRPr lang="en-US" altLang="zh-CN" sz="2800" dirty="0"/>
+              </a:p>
+            </p:txBody>
+          </p:sp>
+        </mc:Choice>
+        <mc:Fallback>
+          <p:sp>
+            <p:nvSpPr>
+              <p:cNvPr id="5" name="内容占位符 4">
+                <a:extLst>
+                  <a:ext uri="{FF2B5EF4-FFF2-40B4-BE49-F238E27FC236}">
+                    <a16:creationId xmlns:a16="http://schemas.microsoft.com/office/drawing/2014/main" id="{7CCA9E6E-8FDB-96E0-EBA0-9DCC32D45C7A}"/>
+                  </a:ext>
+                </a:extLst>
+              </p:cNvPr>
+              <p:cNvSpPr>
+                <a:spLocks noGrp="1" noRot="1" noChangeAspect="1" noMove="1" noResize="1" noEditPoints="1" noAdjustHandles="1" noChangeArrowheads="1" noChangeShapeType="1" noTextEdit="1"/>
+              </p:cNvSpPr>
+              <p:nvPr>
+                <p:ph idx="1"/>
+              </p:nvPr>
+            </p:nvSpPr>
+            <p:spPr>
+              <a:xfrm>
+                <a:off x="3447535" y="0"/>
+                <a:ext cx="8744465" cy="6857999"/>
+              </a:xfrm>
+              <a:blipFill>
+                <a:blip r:embed="rId2"/>
+                <a:stretch>
+                  <a:fillRect l="-1255" t="-1778" r="-1534"/>
+                </a:stretch>
+              </a:blipFill>
+            </p:spPr>
+            <p:txBody>
               <a:bodyPr/>
+              <a:lstStyle/>
+              <a:p>
+                <a:r>
+                  <a:rPr lang="zh-CN" altLang="en-US">
+                    <a:noFill/>
+                  </a:rPr>
+                  <a:t> </a:t>
+                </a:r>
+              </a:p>
+            </p:txBody>
+          </p:sp>
+        </mc:Fallback>
+      </mc:AlternateContent>
+      <p:pic>
+        <p:nvPicPr>
+          <p:cNvPr id="6" name="图片 5">
+            <a:extLst>
+              <a:ext uri="{FF2B5EF4-FFF2-40B4-BE49-F238E27FC236}">
+                <a16:creationId xmlns:a16="http://schemas.microsoft.com/office/drawing/2014/main" id="{F40894D7-336F-246F-B5DE-151FA3F7CC6E}"/>
+              </a:ext>
+            </a:extLst>
+          </p:cNvPr>
+          <p:cNvPicPr>
+            <a:picLocks noChangeAspect="1"/>
+          </p:cNvPicPr>
+          <p:nvPr/>
+        </p:nvPicPr>
+        <p:blipFill>
+          <a:blip r:embed="rId3"/>
+          <a:stretch>
+            <a:fillRect/>
+          </a:stretch>
+        </p:blipFill>
+        <p:spPr>
+          <a:xfrm>
+            <a:off x="271849" y="2592855"/>
+            <a:ext cx="2798247" cy="3678199"/>
+          </a:xfrm>
+          <a:prstGeom prst="rect">
+            <a:avLst/>
+          </a:prstGeom>
+        </p:spPr>
+      </p:pic>
+    </p:spTree>
+    <p:extLst>
+      <p:ext uri="{BB962C8B-B14F-4D97-AF65-F5344CB8AC3E}">
+        <p14:creationId xmlns:p14="http://schemas.microsoft.com/office/powerpoint/2010/main" val="3057393935"/>
+      </p:ext>
+    </p:extLst>
+  </p:cSld>
+  <p:clrMapOvr>
+    <a:masterClrMapping/>
+  </p:clrMapOvr>
+</p:sld>
+</file>
+
+<file path=ppt/slides/slide13.xml><?xml version="1.0" encoding="utf-8"?>
+<p:sld xmlns:a="http://schemas.openxmlformats.org/drawingml/2006/main" xmlns:r="http://schemas.openxmlformats.org/officeDocument/2006/relationships" xmlns:p="http://schemas.openxmlformats.org/presentationml/2006/main">
+  <p:cSld>
+    <p:spTree>
+      <p:nvGrpSpPr>
+        <p:cNvPr id="1" name=""/>
+        <p:cNvGrpSpPr/>
+        <p:nvPr/>
+      </p:nvGrpSpPr>
+      <p:grpSpPr>
+        <a:xfrm>
+          <a:off x="0" y="0"/>
+          <a:ext cx="0" cy="0"/>
+          <a:chOff x="0" y="0"/>
+          <a:chExt cx="0" cy="0"/>
+        </a:xfrm>
+      </p:grpSpPr>
+      <p:sp>
+        <p:nvSpPr>
+          <p:cNvPr id="2" name="标题 1">
+            <a:extLst>
+              <a:ext uri="{FF2B5EF4-FFF2-40B4-BE49-F238E27FC236}">
+                <a16:creationId xmlns:a16="http://schemas.microsoft.com/office/drawing/2014/main" id="{20618421-B59A-AC9B-4C2B-A4D78327CE22}"/>
+              </a:ext>
+            </a:extLst>
+          </p:cNvPr>
+          <p:cNvSpPr>
+            <a:spLocks noGrp="1"/>
+          </p:cNvSpPr>
+          <p:nvPr>
+            <p:ph type="title"/>
+          </p:nvPr>
+        </p:nvSpPr>
+        <p:spPr>
+          <a:xfrm>
+            <a:off x="10597" y="14104"/>
+            <a:ext cx="3546860" cy="661086"/>
+          </a:xfrm>
+        </p:spPr>
+        <p:txBody>
+          <a:bodyPr/>
+          <a:lstStyle/>
+          <a:p>
+            <a:r>
+              <a:rPr lang="en-US" altLang="zh-CN" dirty="0"/>
+              <a:t>3.Methodology</a:t>
+            </a:r>
+            <a:endParaRPr lang="zh-CN" altLang="en-US" dirty="0"/>
+          </a:p>
+        </p:txBody>
+      </p:sp>
+      <p:sp>
+        <p:nvSpPr>
+          <p:cNvPr id="4" name="文本占位符 3">
+            <a:extLst>
+              <a:ext uri="{FF2B5EF4-FFF2-40B4-BE49-F238E27FC236}">
+                <a16:creationId xmlns:a16="http://schemas.microsoft.com/office/drawing/2014/main" id="{351E9848-A693-DC47-CE0F-2FA538003518}"/>
+              </a:ext>
+            </a:extLst>
+          </p:cNvPr>
+          <p:cNvSpPr>
+            <a:spLocks noGrp="1"/>
+          </p:cNvSpPr>
+          <p:nvPr>
+            <p:ph type="body" sz="half" idx="2"/>
+          </p:nvPr>
+        </p:nvSpPr>
+        <p:spPr>
+          <a:xfrm>
+            <a:off x="10596" y="675190"/>
+            <a:ext cx="3546861" cy="3811588"/>
+          </a:xfrm>
+        </p:spPr>
+        <p:txBody>
+          <a:bodyPr/>
+          <a:lstStyle/>
+          <a:p>
+            <a:r>
+              <a:rPr lang="en-US" altLang="zh-CN" dirty="0"/>
+              <a:t>3.1 CLIP and SAM Collaboration</a:t>
+            </a:r>
+          </a:p>
+          <a:p>
+            <a:r>
+              <a:rPr lang="en-US" altLang="zh-CN" dirty="0"/>
+              <a:t>3.2 </a:t>
+            </a:r>
+            <a:r>
+              <a:rPr lang="en-US" altLang="zh-CN" dirty="0">
+                <a:highlight>
+                  <a:srgbClr val="FFFF00"/>
+                </a:highlight>
+              </a:rPr>
+              <a:t>Unified Multi-scale Cross-modal Interaction</a:t>
+            </a:r>
+          </a:p>
+          <a:p>
+            <a:r>
+              <a:rPr lang="en-US" altLang="zh-CN" dirty="0"/>
+              <a:t>3.3 Multi-level Mask Refinement</a:t>
+            </a:r>
+          </a:p>
+          <a:p>
+            <a:r>
+              <a:rPr lang="en-US" altLang="zh-CN" dirty="0"/>
+              <a:t>3.4 Objective Function</a:t>
+            </a:r>
+            <a:endParaRPr lang="zh-CN" altLang="en-US" dirty="0"/>
+          </a:p>
+        </p:txBody>
+      </p:sp>
+      <mc:AlternateContent xmlns:mc="http://schemas.openxmlformats.org/markup-compatibility/2006" xmlns:a14="http://schemas.microsoft.com/office/drawing/2010/main">
+        <mc:Choice Requires="a14">
+          <p:sp>
+            <p:nvSpPr>
+              <p:cNvPr id="5" name="内容占位符 4">
+                <a:extLst>
+                  <a:ext uri="{FF2B5EF4-FFF2-40B4-BE49-F238E27FC236}">
+                    <a16:creationId xmlns:a16="http://schemas.microsoft.com/office/drawing/2014/main" id="{7CCA9E6E-8FDB-96E0-EBA0-9DCC32D45C7A}"/>
+                  </a:ext>
+                </a:extLst>
+              </p:cNvPr>
+              <p:cNvSpPr>
+                <a:spLocks noGrp="1"/>
+              </p:cNvSpPr>
+              <p:nvPr>
+                <p:ph idx="1"/>
+              </p:nvPr>
+            </p:nvSpPr>
+            <p:spPr>
+              <a:xfrm>
+                <a:off x="3447535" y="0"/>
+                <a:ext cx="8744465" cy="6857999"/>
+              </a:xfrm>
+            </p:spPr>
+            <p:txBody>
+              <a:bodyPr>
+                <a:normAutofit fontScale="92500" lnSpcReduction="20000"/>
+              </a:bodyPr>
               <a:lstStyle/>
               <a:p>
                 <a:pPr marL="0" indent="0">
@@ -3894,15 +5544,15 @@
                 </a:pPr>
                 <a:r>
                   <a:rPr lang="en-US" altLang="zh-CN" dirty="0"/>
-                  <a:t>(1).</a:t>
+                  <a:t>(2).</a:t>
                 </a:r>
                 <a:r>
                   <a:rPr lang="en-US" altLang="zh-CN" b="1" dirty="0"/>
-                  <a:t>Strip Paths</a:t>
+                  <a:t>Scale Paths </a:t>
                 </a:r>
                 <a:r>
                   <a:rPr lang="en-US" altLang="zh-CN" dirty="0"/>
-                  <a:t> captures both row- and column-level features.</a:t>
+                  <a:t>grasps the  image’s global features of various scales.</a:t>
                 </a:r>
               </a:p>
               <a:p>
@@ -4023,9 +5673,7 @@
                     </m:sSup>
                   </m:oMath>
                 </a14:m>
-                <a:endParaRPr lang="en-US" altLang="zh-CN" dirty="0">
-                  <a:ea typeface="Cambria Math" panose="02040503050406030204" pitchFamily="18" charset="0"/>
-                </a:endParaRPr>
+                <a:endParaRPr lang="en-US" altLang="zh-CN" dirty="0"/>
               </a:p>
               <a:p>
                 <a:pPr marL="0" indent="0">
@@ -4037,37 +5685,11 @@
                 </a:r>
                 <a:r>
                   <a:rPr lang="en-US" altLang="zh-CN" dirty="0"/>
-                  <a:t>.apply two average pooling layers to extract row- and column-features from </a:t>
-                </a:r>
-                <a14:m>
-                  <m:oMath xmlns:m="http://schemas.openxmlformats.org/officeDocument/2006/math">
-                    <m:acc>
-                      <m:accPr>
-                        <m:chr m:val="̂"/>
-                        <m:ctrlPr>
-                          <a:rPr lang="en-US" altLang="zh-CN" i="1" smtClean="0">
-                            <a:latin typeface="Cambria Math" panose="02040503050406030204" pitchFamily="18" charset="0"/>
-                          </a:rPr>
-                        </m:ctrlPr>
-                      </m:accPr>
-                      <m:e>
-                        <m:r>
-                          <a:rPr lang="en-US" altLang="zh-CN" b="0" i="1" smtClean="0">
-                            <a:latin typeface="Cambria Math" panose="02040503050406030204" pitchFamily="18" charset="0"/>
-                          </a:rPr>
-                          <m:t>𝑃</m:t>
-                        </m:r>
-                      </m:e>
-                    </m:acc>
-                  </m:oMath>
-                </a14:m>
-                <a:r>
-                  <a:rPr lang="en-US" altLang="zh-CN" dirty="0"/>
-                  <a:t>.</a:t>
+                  <a:t>.apply two average pool layers to grasp the visual features of different scales:</a:t>
                 </a:r>
               </a:p>
               <a:p>
-                <a:pPr marL="0" indent="0" algn="ctr">
+                <a:pPr marL="0" indent="0">
                   <a:buNone/>
                 </a:pPr>
                 <a14:m>
@@ -4097,7 +5719,13 @@
                             <a:rPr lang="en-US" altLang="zh-CN" b="0" i="1" smtClean="0">
                               <a:latin typeface="Cambria Math" panose="02040503050406030204" pitchFamily="18" charset="0"/>
                             </a:rPr>
-                            <m:t>𝑟𝑜𝑤</m:t>
+                            <m:t>𝑔</m:t>
+                          </m:r>
+                          <m:r>
+                            <a:rPr lang="en-US" altLang="zh-CN" b="0" i="1" smtClean="0">
+                              <a:latin typeface="Cambria Math" panose="02040503050406030204" pitchFamily="18" charset="0"/>
+                            </a:rPr>
+                            <m:t>1</m:t>
                           </m:r>
                         </m:sub>
                       </m:sSub>
@@ -4107,14 +5735,14 @@
                         </a:rPr>
                         <m:t>=</m:t>
                       </m:r>
-                      <m:sSub>
-                        <m:sSubPr>
+                      <m:sSubSup>
+                        <m:sSubSupPr>
                           <m:ctrlPr>
                             <a:rPr lang="en-US" altLang="zh-CN" b="0" i="1" smtClean="0">
                               <a:latin typeface="Cambria Math" panose="02040503050406030204" pitchFamily="18" charset="0"/>
                             </a:rPr>
                           </m:ctrlPr>
-                        </m:sSubPr>
+                        </m:sSubSupPr>
                         <m:e>
                           <m:r>
                             <a:rPr lang="en-US" altLang="zh-CN" b="0" i="1" smtClean="0">
@@ -4128,7 +5756,7 @@
                             <a:rPr lang="en-US" altLang="zh-CN" b="0" i="1" smtClean="0">
                               <a:latin typeface="Cambria Math" panose="02040503050406030204" pitchFamily="18" charset="0"/>
                             </a:rPr>
-                            <m:t>1</m:t>
+                            <m:t>3</m:t>
                           </m:r>
                           <m:r>
                             <a:rPr lang="en-US" altLang="zh-CN" b="0" i="1" smtClean="0">
@@ -4138,101 +5766,125 @@
                             <m:t>×3</m:t>
                           </m:r>
                         </m:sub>
-                      </m:sSub>
-                      <m:r>
-                        <a:rPr lang="en-US" altLang="zh-CN" b="0" i="1" smtClean="0">
-                          <a:latin typeface="Cambria Math" panose="02040503050406030204" pitchFamily="18" charset="0"/>
-                        </a:rPr>
-                        <m:t>(</m:t>
-                      </m:r>
-                      <m:sSub>
-                        <m:sSubPr>
-                          <m:ctrlPr>
-                            <a:rPr lang="en-US" altLang="zh-CN" b="0" i="1" smtClean="0">
-                              <a:latin typeface="Cambria Math" panose="02040503050406030204" pitchFamily="18" charset="0"/>
-                            </a:rPr>
-                          </m:ctrlPr>
-                        </m:sSubPr>
-                        <m:e>
+                        <m:sup>
                           <m:r>
                             <a:rPr lang="en-US" altLang="zh-CN" b="0" i="1" smtClean="0">
                               <a:latin typeface="Cambria Math" panose="02040503050406030204" pitchFamily="18" charset="0"/>
                             </a:rPr>
-                            <m:t>𝐴𝑣𝑔</m:t>
+                            <m:t>𝑔</m:t>
                           </m:r>
                           <m:r>
                             <a:rPr lang="en-US" altLang="zh-CN" b="0" i="1" smtClean="0">
                               <a:latin typeface="Cambria Math" panose="02040503050406030204" pitchFamily="18" charset="0"/>
                             </a:rPr>
-                            <m:t>_</m:t>
-                          </m:r>
-                          <m:r>
-                            <a:rPr lang="en-US" altLang="zh-CN" b="0" i="1" smtClean="0">
-                              <a:latin typeface="Cambria Math" panose="02040503050406030204" pitchFamily="18" charset="0"/>
-                            </a:rPr>
-                            <m:t>𝑃𝑜𝑜𝑙</m:t>
-                          </m:r>
-                        </m:e>
-                        <m:sub>
-                          <m:r>
-                            <a:rPr lang="en-US" altLang="zh-CN" b="0" i="1" smtClean="0">
-                              <a:latin typeface="Cambria Math" panose="02040503050406030204" pitchFamily="18" charset="0"/>
-                            </a:rPr>
                             <m:t>1</m:t>
                           </m:r>
-                          <m:r>
+                        </m:sup>
+                      </m:sSubSup>
+                      <m:d>
+                        <m:dPr>
+                          <m:ctrlPr>
                             <a:rPr lang="en-US" altLang="zh-CN" b="0" i="1" smtClean="0">
                               <a:latin typeface="Cambria Math" panose="02040503050406030204" pitchFamily="18" charset="0"/>
-                              <a:ea typeface="Cambria Math" panose="02040503050406030204" pitchFamily="18" charset="0"/>
-                            </a:rPr>
-                            <m:t>×</m:t>
-                          </m:r>
-                          <m:r>
-                            <a:rPr lang="en-US" altLang="zh-CN" b="0" i="1" smtClean="0">
-                              <a:latin typeface="Cambria Math" panose="02040503050406030204" pitchFamily="18" charset="0"/>
-                              <a:ea typeface="Cambria Math" panose="02040503050406030204" pitchFamily="18" charset="0"/>
-                            </a:rPr>
-                            <m:t>𝑊</m:t>
-                          </m:r>
-                        </m:sub>
-                      </m:sSub>
-                      <m:r>
-                        <a:rPr lang="en-US" altLang="zh-CN" b="0" i="1" smtClean="0">
-                          <a:latin typeface="Cambria Math" panose="02040503050406030204" pitchFamily="18" charset="0"/>
-                        </a:rPr>
-                        <m:t>(</m:t>
-                      </m:r>
-                      <m:acc>
-                        <m:accPr>
-                          <m:chr m:val="̂"/>
-                          <m:ctrlPr>
-                            <a:rPr lang="en-US" altLang="zh-CN" i="1" smtClean="0">
-                              <a:latin typeface="Cambria Math" panose="02040503050406030204" pitchFamily="18" charset="0"/>
                             </a:rPr>
                           </m:ctrlPr>
-                        </m:accPr>
+                        </m:dPr>
                         <m:e>
-                          <m:r>
-                            <a:rPr lang="en-US" altLang="zh-CN" b="0" i="1" smtClean="0">
-                              <a:latin typeface="Cambria Math" panose="02040503050406030204" pitchFamily="18" charset="0"/>
-                            </a:rPr>
-                            <m:t>𝑃</m:t>
-                          </m:r>
+                          <m:sSub>
+                            <m:sSubPr>
+                              <m:ctrlPr>
+                                <a:rPr lang="en-US" altLang="zh-CN" b="0" i="1" smtClean="0">
+                                  <a:latin typeface="Cambria Math" panose="02040503050406030204" pitchFamily="18" charset="0"/>
+                                </a:rPr>
+                              </m:ctrlPr>
+                            </m:sSubPr>
+                            <m:e>
+                              <m:r>
+                                <a:rPr lang="en-US" altLang="zh-CN" b="0" i="1" smtClean="0">
+                                  <a:latin typeface="Cambria Math" panose="02040503050406030204" pitchFamily="18" charset="0"/>
+                                </a:rPr>
+                                <m:t>𝐴𝑣𝑔</m:t>
+                              </m:r>
+                              <m:r>
+                                <a:rPr lang="en-US" altLang="zh-CN" b="0" i="1" smtClean="0">
+                                  <a:latin typeface="Cambria Math" panose="02040503050406030204" pitchFamily="18" charset="0"/>
+                                </a:rPr>
+                                <m:t>_</m:t>
+                              </m:r>
+                              <m:r>
+                                <a:rPr lang="en-US" altLang="zh-CN" b="0" i="1" smtClean="0">
+                                  <a:latin typeface="Cambria Math" panose="02040503050406030204" pitchFamily="18" charset="0"/>
+                                </a:rPr>
+                                <m:t>𝑃𝑜𝑜𝑙</m:t>
+                              </m:r>
+                            </m:e>
+                            <m:sub>
+                              <m:r>
+                                <a:rPr lang="en-US" altLang="zh-CN" b="0" i="1" smtClean="0">
+                                  <a:latin typeface="Cambria Math" panose="02040503050406030204" pitchFamily="18" charset="0"/>
+                                </a:rPr>
+                                <m:t>𝑠</m:t>
+                              </m:r>
+                              <m:r>
+                                <a:rPr lang="en-US" altLang="zh-CN" b="0" i="1" smtClean="0">
+                                  <a:latin typeface="Cambria Math" panose="02040503050406030204" pitchFamily="18" charset="0"/>
+                                </a:rPr>
+                                <m:t>1×</m:t>
+                              </m:r>
+                              <m:r>
+                                <a:rPr lang="en-US" altLang="zh-CN" b="0" i="1" smtClean="0">
+                                  <a:latin typeface="Cambria Math" panose="02040503050406030204" pitchFamily="18" charset="0"/>
+                                  <a:ea typeface="Cambria Math" panose="02040503050406030204" pitchFamily="18" charset="0"/>
+                                </a:rPr>
+                                <m:t>𝑠</m:t>
+                              </m:r>
+                              <m:r>
+                                <a:rPr lang="en-US" altLang="zh-CN" b="0" i="1" smtClean="0">
+                                  <a:latin typeface="Cambria Math" panose="02040503050406030204" pitchFamily="18" charset="0"/>
+                                  <a:ea typeface="Cambria Math" panose="02040503050406030204" pitchFamily="18" charset="0"/>
+                                </a:rPr>
+                                <m:t>1</m:t>
+                              </m:r>
+                            </m:sub>
+                          </m:sSub>
+                          <m:d>
+                            <m:dPr>
+                              <m:ctrlPr>
+                                <a:rPr lang="en-US" altLang="zh-CN" b="0" i="1" smtClean="0">
+                                  <a:latin typeface="Cambria Math" panose="02040503050406030204" pitchFamily="18" charset="0"/>
+                                </a:rPr>
+                              </m:ctrlPr>
+                            </m:dPr>
+                            <m:e>
+                              <m:acc>
+                                <m:accPr>
+                                  <m:chr m:val="̂"/>
+                                  <m:ctrlPr>
+                                    <a:rPr lang="en-US" altLang="zh-CN" i="1" smtClean="0">
+                                      <a:latin typeface="Cambria Math" panose="02040503050406030204" pitchFamily="18" charset="0"/>
+                                    </a:rPr>
+                                  </m:ctrlPr>
+                                </m:accPr>
+                                <m:e>
+                                  <m:r>
+                                    <a:rPr lang="en-US" altLang="zh-CN" b="0" i="1" smtClean="0">
+                                      <a:latin typeface="Cambria Math" panose="02040503050406030204" pitchFamily="18" charset="0"/>
+                                    </a:rPr>
+                                    <m:t>𝑃</m:t>
+                                  </m:r>
+                                </m:e>
+                              </m:acc>
+                            </m:e>
+                          </m:d>
                         </m:e>
-                      </m:acc>
-                      <m:r>
-                        <a:rPr lang="en-US" altLang="zh-CN" b="0" i="1" smtClean="0">
-                          <a:latin typeface="Cambria Math" panose="02040503050406030204" pitchFamily="18" charset="0"/>
-                        </a:rPr>
-                        <m:t>))</m:t>
-                      </m:r>
+                      </m:d>
                     </m:oMath>
                   </m:oMathPara>
                 </a14:m>
-                <a:endParaRPr lang="en-US" altLang="zh-CN" dirty="0"/>
+                <a:endParaRPr lang="en-US" altLang="zh-CN" b="0" dirty="0"/>
               </a:p>
               <a:p>
-                <a:pPr marL="0" indent="0" algn="ctr">
+                <a:pPr marL="0" indent="0">
                   <a:buNone/>
                 </a:pPr>
                 <a14:m>
@@ -4262,7 +5914,13 @@
                             <a:rPr lang="en-US" altLang="zh-CN" b="0" i="1" smtClean="0">
                               <a:latin typeface="Cambria Math" panose="02040503050406030204" pitchFamily="18" charset="0"/>
                             </a:rPr>
-                            <m:t>𝑐𝑜𝑙</m:t>
+                            <m:t>𝑔</m:t>
+                          </m:r>
+                          <m:r>
+                            <a:rPr lang="en-US" altLang="zh-CN" b="0" i="1" smtClean="0">
+                              <a:latin typeface="Cambria Math" panose="02040503050406030204" pitchFamily="18" charset="0"/>
+                            </a:rPr>
+                            <m:t>2</m:t>
                           </m:r>
                         </m:sub>
                       </m:sSub>
@@ -4272,14 +5930,14 @@
                         </a:rPr>
                         <m:t>=</m:t>
                       </m:r>
-                      <m:sSub>
-                        <m:sSubPr>
+                      <m:sSubSup>
+                        <m:sSubSupPr>
                           <m:ctrlPr>
                             <a:rPr lang="en-US" altLang="zh-CN" b="0" i="1" smtClean="0">
                               <a:latin typeface="Cambria Math" panose="02040503050406030204" pitchFamily="18" charset="0"/>
                             </a:rPr>
                           </m:ctrlPr>
-                        </m:sSubPr>
+                        </m:sSubSupPr>
                         <m:e>
                           <m:r>
                             <a:rPr lang="en-US" altLang="zh-CN" b="0" i="1" smtClean="0">
@@ -4300,116 +5958,137 @@
                               <a:latin typeface="Cambria Math" panose="02040503050406030204" pitchFamily="18" charset="0"/>
                               <a:ea typeface="Cambria Math" panose="02040503050406030204" pitchFamily="18" charset="0"/>
                             </a:rPr>
-                            <m:t>×</m:t>
+                            <m:t>×3</m:t>
+                          </m:r>
+                        </m:sub>
+                        <m:sup>
+                          <m:r>
+                            <a:rPr lang="en-US" altLang="zh-CN" b="0" i="1" smtClean="0">
+                              <a:latin typeface="Cambria Math" panose="02040503050406030204" pitchFamily="18" charset="0"/>
+                            </a:rPr>
+                            <m:t>𝑔</m:t>
                           </m:r>
                           <m:r>
                             <a:rPr lang="en-US" altLang="zh-CN" b="0" i="1" smtClean="0">
                               <a:latin typeface="Cambria Math" panose="02040503050406030204" pitchFamily="18" charset="0"/>
-                              <a:ea typeface="Cambria Math" panose="02040503050406030204" pitchFamily="18" charset="0"/>
-                            </a:rPr>
-                            <m:t>1</m:t>
+                            </a:rPr>
+                            <m:t>2</m:t>
                           </m:r>
-                        </m:sub>
-                      </m:sSub>
-                      <m:r>
-                        <a:rPr lang="en-US" altLang="zh-CN" b="0" i="1" smtClean="0">
-                          <a:latin typeface="Cambria Math" panose="02040503050406030204" pitchFamily="18" charset="0"/>
-                        </a:rPr>
-                        <m:t>(</m:t>
-                      </m:r>
-                      <m:sSub>
-                        <m:sSubPr>
+                        </m:sup>
+                      </m:sSubSup>
+                      <m:d>
+                        <m:dPr>
                           <m:ctrlPr>
                             <a:rPr lang="en-US" altLang="zh-CN" b="0" i="1" smtClean="0">
                               <a:latin typeface="Cambria Math" panose="02040503050406030204" pitchFamily="18" charset="0"/>
                             </a:rPr>
                           </m:ctrlPr>
-                        </m:sSubPr>
+                        </m:dPr>
                         <m:e>
-                          <m:r>
-                            <a:rPr lang="en-US" altLang="zh-CN" b="0" i="1" smtClean="0">
-                              <a:latin typeface="Cambria Math" panose="02040503050406030204" pitchFamily="18" charset="0"/>
-                            </a:rPr>
-                            <m:t>𝐴𝑣𝑔</m:t>
-                          </m:r>
-                          <m:r>
-                            <a:rPr lang="en-US" altLang="zh-CN" b="0" i="1" smtClean="0">
-                              <a:latin typeface="Cambria Math" panose="02040503050406030204" pitchFamily="18" charset="0"/>
-                            </a:rPr>
-                            <m:t>_</m:t>
-                          </m:r>
-                          <m:r>
-                            <a:rPr lang="en-US" altLang="zh-CN" b="0" i="1" smtClean="0">
-                              <a:latin typeface="Cambria Math" panose="02040503050406030204" pitchFamily="18" charset="0"/>
-                            </a:rPr>
-                            <m:t>𝑃𝑜𝑜𝑙</m:t>
-                          </m:r>
+                          <m:sSub>
+                            <m:sSubPr>
+                              <m:ctrlPr>
+                                <a:rPr lang="en-US" altLang="zh-CN" b="0" i="1" smtClean="0">
+                                  <a:latin typeface="Cambria Math" panose="02040503050406030204" pitchFamily="18" charset="0"/>
+                                </a:rPr>
+                              </m:ctrlPr>
+                            </m:sSubPr>
+                            <m:e>
+                              <m:r>
+                                <a:rPr lang="en-US" altLang="zh-CN" b="0" i="1" smtClean="0">
+                                  <a:latin typeface="Cambria Math" panose="02040503050406030204" pitchFamily="18" charset="0"/>
+                                </a:rPr>
+                                <m:t>𝐴𝑣𝑔</m:t>
+                              </m:r>
+                              <m:r>
+                                <a:rPr lang="en-US" altLang="zh-CN" b="0" i="1" smtClean="0">
+                                  <a:latin typeface="Cambria Math" panose="02040503050406030204" pitchFamily="18" charset="0"/>
+                                </a:rPr>
+                                <m:t>_</m:t>
+                              </m:r>
+                              <m:r>
+                                <a:rPr lang="en-US" altLang="zh-CN" b="0" i="1" smtClean="0">
+                                  <a:latin typeface="Cambria Math" panose="02040503050406030204" pitchFamily="18" charset="0"/>
+                                </a:rPr>
+                                <m:t>𝑃𝑜𝑜𝑙</m:t>
+                              </m:r>
+                            </m:e>
+                            <m:sub>
+                              <m:r>
+                                <a:rPr lang="en-US" altLang="zh-CN" b="0" i="1" smtClean="0">
+                                  <a:latin typeface="Cambria Math" panose="02040503050406030204" pitchFamily="18" charset="0"/>
+                                </a:rPr>
+                                <m:t>𝑠</m:t>
+                              </m:r>
+                              <m:r>
+                                <a:rPr lang="en-US" altLang="zh-CN" b="0" i="1" smtClean="0">
+                                  <a:latin typeface="Cambria Math" panose="02040503050406030204" pitchFamily="18" charset="0"/>
+                                </a:rPr>
+                                <m:t>2×</m:t>
+                              </m:r>
+                              <m:r>
+                                <a:rPr lang="en-US" altLang="zh-CN" b="0" i="1" smtClean="0">
+                                  <a:latin typeface="Cambria Math" panose="02040503050406030204" pitchFamily="18" charset="0"/>
+                                  <a:ea typeface="Cambria Math" panose="02040503050406030204" pitchFamily="18" charset="0"/>
+                                </a:rPr>
+                                <m:t>𝑠</m:t>
+                              </m:r>
+                              <m:r>
+                                <a:rPr lang="en-US" altLang="zh-CN" b="0" i="1" smtClean="0">
+                                  <a:latin typeface="Cambria Math" panose="02040503050406030204" pitchFamily="18" charset="0"/>
+                                  <a:ea typeface="Cambria Math" panose="02040503050406030204" pitchFamily="18" charset="0"/>
+                                </a:rPr>
+                                <m:t>2</m:t>
+                              </m:r>
+                            </m:sub>
+                          </m:sSub>
+                          <m:d>
+                            <m:dPr>
+                              <m:ctrlPr>
+                                <a:rPr lang="en-US" altLang="zh-CN" b="0" i="1" smtClean="0">
+                                  <a:latin typeface="Cambria Math" panose="02040503050406030204" pitchFamily="18" charset="0"/>
+                                </a:rPr>
+                              </m:ctrlPr>
+                            </m:dPr>
+                            <m:e>
+                              <m:acc>
+                                <m:accPr>
+                                  <m:chr m:val="̂"/>
+                                  <m:ctrlPr>
+                                    <a:rPr lang="en-US" altLang="zh-CN" i="1" smtClean="0">
+                                      <a:latin typeface="Cambria Math" panose="02040503050406030204" pitchFamily="18" charset="0"/>
+                                    </a:rPr>
+                                  </m:ctrlPr>
+                                </m:accPr>
+                                <m:e>
+                                  <m:r>
+                                    <a:rPr lang="en-US" altLang="zh-CN" b="0" i="1" smtClean="0">
+                                      <a:latin typeface="Cambria Math" panose="02040503050406030204" pitchFamily="18" charset="0"/>
+                                    </a:rPr>
+                                    <m:t>𝑃</m:t>
+                                  </m:r>
+                                </m:e>
+                              </m:acc>
+                            </m:e>
+                          </m:d>
                         </m:e>
-                        <m:sub>
-                          <m:r>
-                            <a:rPr lang="en-US" altLang="zh-CN" b="0" i="1" smtClean="0">
-                              <a:latin typeface="Cambria Math" panose="02040503050406030204" pitchFamily="18" charset="0"/>
-                            </a:rPr>
-                            <m:t>𝐻</m:t>
-                          </m:r>
-                          <m:r>
-                            <a:rPr lang="en-US" altLang="zh-CN" b="0" i="1" smtClean="0">
-                              <a:latin typeface="Cambria Math" panose="02040503050406030204" pitchFamily="18" charset="0"/>
-                              <a:ea typeface="Cambria Math" panose="02040503050406030204" pitchFamily="18" charset="0"/>
-                            </a:rPr>
-                            <m:t>×</m:t>
-                          </m:r>
-                          <m:r>
-                            <a:rPr lang="en-US" altLang="zh-CN" b="0" i="1" smtClean="0">
-                              <a:latin typeface="Cambria Math" panose="02040503050406030204" pitchFamily="18" charset="0"/>
-                              <a:ea typeface="Cambria Math" panose="02040503050406030204" pitchFamily="18" charset="0"/>
-                            </a:rPr>
-                            <m:t>1</m:t>
-                          </m:r>
-                        </m:sub>
-                      </m:sSub>
-                      <m:r>
-                        <a:rPr lang="en-US" altLang="zh-CN" b="0" i="1" smtClean="0">
-                          <a:latin typeface="Cambria Math" panose="02040503050406030204" pitchFamily="18" charset="0"/>
-                        </a:rPr>
-                        <m:t>(</m:t>
-                      </m:r>
-                      <m:acc>
-                        <m:accPr>
-                          <m:chr m:val="̂"/>
-                          <m:ctrlPr>
-                            <a:rPr lang="en-US" altLang="zh-CN" i="1" smtClean="0">
-                              <a:latin typeface="Cambria Math" panose="02040503050406030204" pitchFamily="18" charset="0"/>
-                            </a:rPr>
-                          </m:ctrlPr>
-                        </m:accPr>
-                        <m:e>
-                          <m:r>
-                            <a:rPr lang="en-US" altLang="zh-CN" b="0" i="1" smtClean="0">
-                              <a:latin typeface="Cambria Math" panose="02040503050406030204" pitchFamily="18" charset="0"/>
-                            </a:rPr>
-                            <m:t>𝑃</m:t>
-                          </m:r>
-                        </m:e>
-                      </m:acc>
-                      <m:r>
-                        <a:rPr lang="en-US" altLang="zh-CN" b="0" i="1" smtClean="0">
-                          <a:latin typeface="Cambria Math" panose="02040503050406030204" pitchFamily="18" charset="0"/>
-                        </a:rPr>
-                        <m:t>))</m:t>
-                      </m:r>
+                      </m:d>
                     </m:oMath>
                   </m:oMathPara>
                 </a14:m>
-                <a:endParaRPr lang="en-US" altLang="zh-CN" dirty="0"/>
+                <a:endParaRPr lang="en-US" altLang="zh-CN" b="0" dirty="0"/>
               </a:p>
               <a:p>
                 <a:pPr marL="0" indent="0">
                   <a:buNone/>
                 </a:pPr>
                 <a:r>
+                  <a:rPr lang="zh-CN" altLang="en-US" dirty="0"/>
+                  <a:t>③</a:t>
+                </a:r>
+                <a:r>
                   <a:rPr lang="en-US" altLang="zh-CN" dirty="0"/>
-                  <a:t>where </a:t>
+                  <a:t>.for internal process, for example </a:t>
                 </a:r>
                 <a14:m>
                   <m:oMath xmlns:m="http://schemas.openxmlformats.org/officeDocument/2006/math">
@@ -4434,80 +6113,368 @@
                           <a:rPr lang="en-US" altLang="zh-CN" b="0" i="1" smtClean="0">
                             <a:latin typeface="Cambria Math" panose="02040503050406030204" pitchFamily="18" charset="0"/>
                           </a:rPr>
-                          <m:t>𝑟𝑜𝑤</m:t>
+                          <m:t>𝑔</m:t>
+                        </m:r>
+                        <m:r>
+                          <a:rPr lang="en-US" altLang="zh-CN" b="0" i="1" smtClean="0">
+                            <a:latin typeface="Cambria Math" panose="02040503050406030204" pitchFamily="18" charset="0"/>
+                          </a:rPr>
+                          <m:t>1</m:t>
                         </m:r>
                       </m:sub>
                     </m:sSub>
+                  </m:oMath>
+                </a14:m>
+                <a:r>
+                  <a:rPr lang="en-US" altLang="zh-CN" dirty="0"/>
+                  <a:t>, use convolution layer to process text features, result </a:t>
+                </a:r>
+                <a14:m>
+                  <m:oMath xmlns:m="http://schemas.openxmlformats.org/officeDocument/2006/math">
+                    <m:sSubSup>
+                      <m:sSubSupPr>
+                        <m:ctrlPr>
+                          <a:rPr lang="en-US" altLang="zh-CN" i="1" smtClean="0">
+                            <a:latin typeface="Cambria Math" panose="02040503050406030204" pitchFamily="18" charset="0"/>
+                          </a:rPr>
+                        </m:ctrlPr>
+                      </m:sSubSupPr>
+                      <m:e>
+                        <m:r>
+                          <a:rPr lang="en-US" altLang="zh-CN" b="0" i="1" smtClean="0">
+                            <a:latin typeface="Cambria Math" panose="02040503050406030204" pitchFamily="18" charset="0"/>
+                          </a:rPr>
+                          <m:t>𝑡</m:t>
+                        </m:r>
+                      </m:e>
+                      <m:sub>
+                        <m:r>
+                          <a:rPr lang="en-US" altLang="zh-CN" b="0" i="1" smtClean="0">
+                            <a:latin typeface="Cambria Math" panose="02040503050406030204" pitchFamily="18" charset="0"/>
+                          </a:rPr>
+                          <m:t>𝑔</m:t>
+                        </m:r>
+                        <m:r>
+                          <a:rPr lang="en-US" altLang="zh-CN" b="0" i="1" smtClean="0">
+                            <a:latin typeface="Cambria Math" panose="02040503050406030204" pitchFamily="18" charset="0"/>
+                          </a:rPr>
+                          <m:t>1</m:t>
+                        </m:r>
+                      </m:sub>
+                      <m:sup>
+                        <m:r>
+                          <a:rPr lang="en-US" altLang="zh-CN" b="0" i="1" smtClean="0">
+                            <a:latin typeface="Cambria Math" panose="02040503050406030204" pitchFamily="18" charset="0"/>
+                          </a:rPr>
+                          <m:t>𝑘</m:t>
+                        </m:r>
+                      </m:sup>
+                    </m:sSubSup>
                     <m:r>
                       <a:rPr lang="en-US" altLang="zh-CN" b="0" i="1" smtClean="0">
                         <a:latin typeface="Cambria Math" panose="02040503050406030204" pitchFamily="18" charset="0"/>
-                        <a:ea typeface="Cambria Math" panose="02040503050406030204" pitchFamily="18" charset="0"/>
                       </a:rPr>
-                      <m:t>∈</m:t>
+                      <m:t>,</m:t>
                     </m:r>
-                    <m:sSup>
-                      <m:sSupPr>
+                    <m:sSubSup>
+                      <m:sSubSupPr>
                         <m:ctrlPr>
                           <a:rPr lang="en-US" altLang="zh-CN" i="1" smtClean="0">
                             <a:latin typeface="Cambria Math" panose="02040503050406030204" pitchFamily="18" charset="0"/>
-                            <a:ea typeface="Cambria Math" panose="02040503050406030204" pitchFamily="18" charset="0"/>
                           </a:rPr>
                         </m:ctrlPr>
-                      </m:sSupPr>
+                      </m:sSubSupPr>
                       <m:e>
                         <m:r>
                           <a:rPr lang="en-US" altLang="zh-CN" b="0" i="1" smtClean="0">
                             <a:latin typeface="Cambria Math" panose="02040503050406030204" pitchFamily="18" charset="0"/>
-                            <a:ea typeface="Cambria Math" panose="02040503050406030204" pitchFamily="18" charset="0"/>
-                          </a:rPr>
-                          <m:t>𝑅</m:t>
+                          </a:rPr>
+                          <m:t>𝑡</m:t>
                         </m:r>
                       </m:e>
+                      <m:sub>
+                        <m:r>
+                          <a:rPr lang="en-US" altLang="zh-CN" b="0" i="1" smtClean="0">
+                            <a:latin typeface="Cambria Math" panose="02040503050406030204" pitchFamily="18" charset="0"/>
+                          </a:rPr>
+                          <m:t>𝑔</m:t>
+                        </m:r>
+                        <m:r>
+                          <a:rPr lang="en-US" altLang="zh-CN" b="0" i="1" smtClean="0">
+                            <a:latin typeface="Cambria Math" panose="02040503050406030204" pitchFamily="18" charset="0"/>
+                          </a:rPr>
+                          <m:t>1</m:t>
+                        </m:r>
+                      </m:sub>
                       <m:sup>
                         <m:r>
                           <a:rPr lang="en-US" altLang="zh-CN" b="0" i="1" smtClean="0">
                             <a:latin typeface="Cambria Math" panose="02040503050406030204" pitchFamily="18" charset="0"/>
-                            <a:ea typeface="Cambria Math" panose="02040503050406030204" pitchFamily="18" charset="0"/>
-                          </a:rPr>
-                          <m:t>𝐻</m:t>
-                        </m:r>
+                          </a:rPr>
+                          <m:t>𝑣</m:t>
+                        </m:r>
+                      </m:sup>
+                    </m:sSubSup>
+                  </m:oMath>
+                </a14:m>
+                <a:r>
+                  <a:rPr lang="en-US" altLang="zh-CN" dirty="0"/>
+                  <a:t>, then use </a:t>
+                </a:r>
+                <a14:m>
+                  <m:oMath xmlns:m="http://schemas.openxmlformats.org/officeDocument/2006/math">
+                    <m:sSub>
+                      <m:sSubPr>
+                        <m:ctrlPr>
+                          <a:rPr lang="en-US" altLang="zh-CN" i="1" smtClean="0">
+                            <a:latin typeface="Cambria Math" panose="02040503050406030204" pitchFamily="18" charset="0"/>
+                          </a:rPr>
+                        </m:ctrlPr>
+                      </m:sSubPr>
+                      <m:e>
                         <m:r>
                           <a:rPr lang="en-US" altLang="zh-CN" b="0" i="1" smtClean="0">
                             <a:latin typeface="Cambria Math" panose="02040503050406030204" pitchFamily="18" charset="0"/>
-                            <a:ea typeface="Cambria Math" panose="02040503050406030204" pitchFamily="18" charset="0"/>
-                          </a:rPr>
-                          <m:t>×</m:t>
-                        </m:r>
-                        <m:sSub>
-                          <m:sSubPr>
-                            <m:ctrlPr>
-                              <a:rPr lang="en-US" altLang="zh-CN" b="0" i="1" smtClean="0">
-                                <a:latin typeface="Cambria Math" panose="02040503050406030204" pitchFamily="18" charset="0"/>
-                                <a:ea typeface="Cambria Math" panose="02040503050406030204" pitchFamily="18" charset="0"/>
-                              </a:rPr>
-                            </m:ctrlPr>
-                          </m:sSubPr>
-                          <m:e>
-                            <m:r>
-                              <a:rPr lang="en-US" altLang="zh-CN" b="0" i="1" smtClean="0">
-                                <a:latin typeface="Cambria Math" panose="02040503050406030204" pitchFamily="18" charset="0"/>
-                                <a:ea typeface="Cambria Math" panose="02040503050406030204" pitchFamily="18" charset="0"/>
-                              </a:rPr>
-                              <m:t>𝐶</m:t>
-                            </m:r>
-                          </m:e>
-                          <m:sub>
-                            <m:r>
-                              <a:rPr lang="en-US" altLang="zh-CN" b="0" i="1" smtClean="0">
-                                <a:latin typeface="Cambria Math" panose="02040503050406030204" pitchFamily="18" charset="0"/>
-                                <a:ea typeface="Cambria Math" panose="02040503050406030204" pitchFamily="18" charset="0"/>
-                              </a:rPr>
-                              <m:t>h</m:t>
-                            </m:r>
-                          </m:sub>
-                        </m:sSub>
+                          </a:rPr>
+                          <m:t>𝑣</m:t>
+                        </m:r>
+                      </m:e>
+                      <m:sub>
+                        <m:r>
+                          <a:rPr lang="en-US" altLang="zh-CN" b="0" i="1" smtClean="0">
+                            <a:latin typeface="Cambria Math" panose="02040503050406030204" pitchFamily="18" charset="0"/>
+                          </a:rPr>
+                          <m:t>𝑔</m:t>
+                        </m:r>
+                        <m:r>
+                          <a:rPr lang="en-US" altLang="zh-CN" b="0" i="1" smtClean="0">
+                            <a:latin typeface="Cambria Math" panose="02040503050406030204" pitchFamily="18" charset="0"/>
+                          </a:rPr>
+                          <m:t>1</m:t>
+                        </m:r>
+                      </m:sub>
+                    </m:sSub>
+                  </m:oMath>
+                </a14:m>
+                <a:r>
+                  <a:rPr lang="en-US" altLang="zh-CN" dirty="0"/>
+                  <a:t> as query, </a:t>
+                </a:r>
+                <a14:m>
+                  <m:oMath xmlns:m="http://schemas.openxmlformats.org/officeDocument/2006/math">
+                    <m:sSubSup>
+                      <m:sSubSupPr>
+                        <m:ctrlPr>
+                          <a:rPr lang="en-US" altLang="zh-CN" i="1" smtClean="0">
+                            <a:latin typeface="Cambria Math" panose="02040503050406030204" pitchFamily="18" charset="0"/>
+                          </a:rPr>
+                        </m:ctrlPr>
+                      </m:sSubSupPr>
+                      <m:e>
+                        <m:r>
+                          <a:rPr lang="en-US" altLang="zh-CN" b="0" i="1" smtClean="0">
+                            <a:latin typeface="Cambria Math" panose="02040503050406030204" pitchFamily="18" charset="0"/>
+                          </a:rPr>
+                          <m:t>𝑡</m:t>
+                        </m:r>
+                      </m:e>
+                      <m:sub>
+                        <m:r>
+                          <a:rPr lang="en-US" altLang="zh-CN" b="0" i="1" smtClean="0">
+                            <a:latin typeface="Cambria Math" panose="02040503050406030204" pitchFamily="18" charset="0"/>
+                          </a:rPr>
+                          <m:t>𝑔</m:t>
+                        </m:r>
+                        <m:r>
+                          <a:rPr lang="en-US" altLang="zh-CN" b="0" i="1" smtClean="0">
+                            <a:latin typeface="Cambria Math" panose="02040503050406030204" pitchFamily="18" charset="0"/>
+                          </a:rPr>
+                          <m:t>1</m:t>
+                        </m:r>
+                      </m:sub>
+                      <m:sup>
+                        <m:r>
+                          <a:rPr lang="en-US" altLang="zh-CN" b="0" i="1" smtClean="0">
+                            <a:latin typeface="Cambria Math" panose="02040503050406030204" pitchFamily="18" charset="0"/>
+                          </a:rPr>
+                          <m:t>𝑘</m:t>
+                        </m:r>
                       </m:sup>
-                    </m:sSup>
+                    </m:sSubSup>
+                  </m:oMath>
+                </a14:m>
+                <a:r>
+                  <a:rPr lang="en-US" altLang="zh-CN" dirty="0"/>
+                  <a:t> as key, </a:t>
+                </a:r>
+                <a14:m>
+                  <m:oMath xmlns:m="http://schemas.openxmlformats.org/officeDocument/2006/math">
+                    <m:sSubSup>
+                      <m:sSubSupPr>
+                        <m:ctrlPr>
+                          <a:rPr lang="en-US" altLang="zh-CN" i="1" smtClean="0">
+                            <a:latin typeface="Cambria Math" panose="02040503050406030204" pitchFamily="18" charset="0"/>
+                          </a:rPr>
+                        </m:ctrlPr>
+                      </m:sSubSupPr>
+                      <m:e>
+                        <m:r>
+                          <a:rPr lang="en-US" altLang="zh-CN" b="0" i="1" smtClean="0">
+                            <a:latin typeface="Cambria Math" panose="02040503050406030204" pitchFamily="18" charset="0"/>
+                          </a:rPr>
+                          <m:t>𝑡</m:t>
+                        </m:r>
+                      </m:e>
+                      <m:sub>
+                        <m:r>
+                          <a:rPr lang="en-US" altLang="zh-CN" b="0" i="1" smtClean="0">
+                            <a:latin typeface="Cambria Math" panose="02040503050406030204" pitchFamily="18" charset="0"/>
+                          </a:rPr>
+                          <m:t>𝑔</m:t>
+                        </m:r>
+                        <m:r>
+                          <a:rPr lang="en-US" altLang="zh-CN" b="0" i="1" smtClean="0">
+                            <a:latin typeface="Cambria Math" panose="02040503050406030204" pitchFamily="18" charset="0"/>
+                          </a:rPr>
+                          <m:t>1</m:t>
+                        </m:r>
+                      </m:sub>
+                      <m:sup>
+                        <m:r>
+                          <a:rPr lang="en-US" altLang="zh-CN" b="0" i="1" smtClean="0">
+                            <a:latin typeface="Cambria Math" panose="02040503050406030204" pitchFamily="18" charset="0"/>
+                          </a:rPr>
+                          <m:t>𝑣</m:t>
+                        </m:r>
+                      </m:sup>
+                    </m:sSubSup>
+                  </m:oMath>
+                </a14:m>
+                <a:r>
+                  <a:rPr lang="en-US" altLang="zh-CN" dirty="0"/>
+                  <a:t> as value, we obtain </a:t>
+                </a:r>
+                <a14:m>
+                  <m:oMath xmlns:m="http://schemas.openxmlformats.org/officeDocument/2006/math">
+                    <m:sSub>
+                      <m:sSubPr>
+                        <m:ctrlPr>
+                          <a:rPr lang="en-US" altLang="zh-CN" i="1" smtClean="0">
+                            <a:latin typeface="Cambria Math" panose="02040503050406030204" pitchFamily="18" charset="0"/>
+                          </a:rPr>
+                        </m:ctrlPr>
+                      </m:sSubPr>
+                      <m:e>
+                        <m:r>
+                          <a:rPr lang="en-US" altLang="zh-CN" b="0" i="1" smtClean="0">
+                            <a:latin typeface="Cambria Math" panose="02040503050406030204" pitchFamily="18" charset="0"/>
+                          </a:rPr>
+                          <m:t>𝑀</m:t>
+                        </m:r>
+                      </m:e>
+                      <m:sub>
+                        <m:r>
+                          <a:rPr lang="en-US" altLang="zh-CN" b="0" i="1" smtClean="0">
+                            <a:latin typeface="Cambria Math" panose="02040503050406030204" pitchFamily="18" charset="0"/>
+                          </a:rPr>
+                          <m:t>𝑔</m:t>
+                        </m:r>
+                        <m:r>
+                          <a:rPr lang="en-US" altLang="zh-CN" b="0" i="1" smtClean="0">
+                            <a:latin typeface="Cambria Math" panose="02040503050406030204" pitchFamily="18" charset="0"/>
+                          </a:rPr>
+                          <m:t>1</m:t>
+                        </m:r>
+                      </m:sub>
+                    </m:sSub>
+                  </m:oMath>
+                </a14:m>
+                <a:r>
+                  <a:rPr lang="en-US" altLang="zh-CN" dirty="0"/>
+                  <a:t>. the same with </a:t>
+                </a:r>
+                <a14:m>
+                  <m:oMath xmlns:m="http://schemas.openxmlformats.org/officeDocument/2006/math">
+                    <m:sSub>
+                      <m:sSubPr>
+                        <m:ctrlPr>
+                          <a:rPr lang="en-US" altLang="zh-CN" i="1" smtClean="0">
+                            <a:latin typeface="Cambria Math" panose="02040503050406030204" pitchFamily="18" charset="0"/>
+                          </a:rPr>
+                        </m:ctrlPr>
+                      </m:sSubPr>
+                      <m:e>
+                        <m:r>
+                          <a:rPr lang="en-US" altLang="zh-CN" b="0" i="1" smtClean="0">
+                            <a:latin typeface="Cambria Math" panose="02040503050406030204" pitchFamily="18" charset="0"/>
+                          </a:rPr>
+                          <m:t>𝑀</m:t>
+                        </m:r>
+                      </m:e>
+                      <m:sub>
+                        <m:r>
+                          <a:rPr lang="en-US" altLang="zh-CN" b="0" i="1" smtClean="0">
+                            <a:latin typeface="Cambria Math" panose="02040503050406030204" pitchFamily="18" charset="0"/>
+                          </a:rPr>
+                          <m:t>𝑔</m:t>
+                        </m:r>
+                        <m:r>
+                          <a:rPr lang="en-US" altLang="zh-CN" b="0" i="1" smtClean="0">
+                            <a:latin typeface="Cambria Math" panose="02040503050406030204" pitchFamily="18" charset="0"/>
+                          </a:rPr>
+                          <m:t>2</m:t>
+                        </m:r>
+                      </m:sub>
+                    </m:sSub>
+                  </m:oMath>
+                </a14:m>
+                <a:endParaRPr lang="en-US" altLang="zh-CN" b="0" dirty="0"/>
+              </a:p>
+              <a:p>
+                <a:pPr marL="0" indent="0">
+                  <a:buNone/>
+                </a:pPr>
+                <a:r>
+                  <a:rPr lang="zh-CN" altLang="en-US" dirty="0"/>
+                  <a:t>④</a:t>
+                </a:r>
+                <a:r>
+                  <a:rPr lang="en-US" altLang="zh-CN" dirty="0"/>
+                  <a:t>.we utilize bilinear interpolation to resize and combine </a:t>
+                </a:r>
+                <a14:m>
+                  <m:oMath xmlns:m="http://schemas.openxmlformats.org/officeDocument/2006/math">
+                    <m:sSub>
+                      <m:sSubPr>
+                        <m:ctrlPr>
+                          <a:rPr lang="en-US" altLang="zh-CN" i="1" smtClean="0">
+                            <a:latin typeface="Cambria Math" panose="02040503050406030204" pitchFamily="18" charset="0"/>
+                          </a:rPr>
+                        </m:ctrlPr>
+                      </m:sSubPr>
+                      <m:e>
+                        <m:r>
+                          <a:rPr lang="en-US" altLang="zh-CN" b="0" i="1" smtClean="0">
+                            <a:latin typeface="Cambria Math" panose="02040503050406030204" pitchFamily="18" charset="0"/>
+                          </a:rPr>
+                          <m:t>𝑀</m:t>
+                        </m:r>
+                      </m:e>
+                      <m:sub>
+                        <m:r>
+                          <a:rPr lang="en-US" altLang="zh-CN" b="0" i="1" smtClean="0">
+                            <a:latin typeface="Cambria Math" panose="02040503050406030204" pitchFamily="18" charset="0"/>
+                          </a:rPr>
+                          <m:t>𝑔</m:t>
+                        </m:r>
+                        <m:r>
+                          <a:rPr lang="en-US" altLang="zh-CN" b="0" i="1" smtClean="0">
+                            <a:latin typeface="Cambria Math" panose="02040503050406030204" pitchFamily="18" charset="0"/>
+                          </a:rPr>
+                          <m:t>1</m:t>
+                        </m:r>
+                      </m:sub>
+                    </m:sSub>
                   </m:oMath>
                 </a14:m>
                 <a:r>
@@ -4529,7 +6496,7 @@
                           <a:rPr lang="en-US" altLang="zh-CN" b="0" i="1" smtClean="0">
                             <a:latin typeface="Cambria Math" panose="02040503050406030204" pitchFamily="18" charset="0"/>
                           </a:rPr>
-                          <m:t>𝑣</m:t>
+                          <m:t>𝑀</m:t>
                         </m:r>
                       </m:e>
                       <m:sub>
@@ -4537,91 +6504,265 @@
                           <a:rPr lang="en-US" altLang="zh-CN" b="0" i="1" smtClean="0">
                             <a:latin typeface="Cambria Math" panose="02040503050406030204" pitchFamily="18" charset="0"/>
                           </a:rPr>
-                          <m:t>𝑐𝑜𝑙</m:t>
+                          <m:t>𝑔</m:t>
+                        </m:r>
+                        <m:r>
+                          <a:rPr lang="en-US" altLang="zh-CN" b="0" i="1" smtClean="0">
+                            <a:latin typeface="Cambria Math" panose="02040503050406030204" pitchFamily="18" charset="0"/>
+                          </a:rPr>
+                          <m:t>2</m:t>
                         </m:r>
                       </m:sub>
                     </m:sSub>
-                    <m:r>
-                      <a:rPr lang="en-US" altLang="zh-CN" b="0" i="1" smtClean="0">
-                        <a:latin typeface="Cambria Math" panose="02040503050406030204" pitchFamily="18" charset="0"/>
-                        <a:ea typeface="Cambria Math" panose="02040503050406030204" pitchFamily="18" charset="0"/>
-                      </a:rPr>
-                      <m:t>∈</m:t>
-                    </m:r>
-                    <m:sSup>
-                      <m:sSupPr>
-                        <m:ctrlPr>
-                          <a:rPr lang="en-US" altLang="zh-CN" i="1" smtClean="0">
-                            <a:latin typeface="Cambria Math" panose="02040503050406030204" pitchFamily="18" charset="0"/>
-                            <a:ea typeface="Cambria Math" panose="02040503050406030204" pitchFamily="18" charset="0"/>
-                          </a:rPr>
-                        </m:ctrlPr>
-                      </m:sSupPr>
-                      <m:e>
-                        <m:r>
-                          <a:rPr lang="en-US" altLang="zh-CN" b="0" i="1" smtClean="0">
-                            <a:latin typeface="Cambria Math" panose="02040503050406030204" pitchFamily="18" charset="0"/>
-                            <a:ea typeface="Cambria Math" panose="02040503050406030204" pitchFamily="18" charset="0"/>
-                          </a:rPr>
-                          <m:t>𝑅</m:t>
-                        </m:r>
-                      </m:e>
-                      <m:sup>
-                        <m:r>
-                          <a:rPr lang="en-US" altLang="zh-CN" b="0" i="1" smtClean="0">
-                            <a:latin typeface="Cambria Math" panose="02040503050406030204" pitchFamily="18" charset="0"/>
-                            <a:ea typeface="Cambria Math" panose="02040503050406030204" pitchFamily="18" charset="0"/>
-                          </a:rPr>
-                          <m:t>𝑊</m:t>
-                        </m:r>
-                        <m:r>
-                          <a:rPr lang="en-US" altLang="zh-CN" b="0" i="1" smtClean="0">
-                            <a:latin typeface="Cambria Math" panose="02040503050406030204" pitchFamily="18" charset="0"/>
-                            <a:ea typeface="Cambria Math" panose="02040503050406030204" pitchFamily="18" charset="0"/>
-                          </a:rPr>
-                          <m:t>×</m:t>
-                        </m:r>
-                        <m:sSub>
-                          <m:sSubPr>
-                            <m:ctrlPr>
-                              <a:rPr lang="en-US" altLang="zh-CN" b="0" i="1" smtClean="0">
-                                <a:latin typeface="Cambria Math" panose="02040503050406030204" pitchFamily="18" charset="0"/>
-                                <a:ea typeface="Cambria Math" panose="02040503050406030204" pitchFamily="18" charset="0"/>
-                              </a:rPr>
-                            </m:ctrlPr>
-                          </m:sSubPr>
-                          <m:e>
-                            <m:r>
-                              <a:rPr lang="en-US" altLang="zh-CN" b="0" i="1" smtClean="0">
-                                <a:latin typeface="Cambria Math" panose="02040503050406030204" pitchFamily="18" charset="0"/>
-                                <a:ea typeface="Cambria Math" panose="02040503050406030204" pitchFamily="18" charset="0"/>
-                              </a:rPr>
-                              <m:t>𝐶</m:t>
-                            </m:r>
-                          </m:e>
-                          <m:sub>
-                            <m:r>
-                              <a:rPr lang="en-US" altLang="zh-CN" b="0" i="1" smtClean="0">
-                                <a:latin typeface="Cambria Math" panose="02040503050406030204" pitchFamily="18" charset="0"/>
-                                <a:ea typeface="Cambria Math" panose="02040503050406030204" pitchFamily="18" charset="0"/>
-                              </a:rPr>
-                              <m:t>h</m:t>
-                            </m:r>
-                          </m:sub>
-                        </m:sSub>
-                      </m:sup>
-                    </m:sSup>
                   </m:oMath>
                 </a14:m>
                 <a:r>
                   <a:rPr lang="en-US" altLang="zh-CN" dirty="0"/>
-                  <a:t> are raw- and column-level features.</a:t>
+                  <a:t>:</a:t>
                 </a:r>
+              </a:p>
+              <a:p>
+                <a:pPr marL="0" indent="0">
+                  <a:buNone/>
+                </a:pPr>
+                <a14:m>
+                  <m:oMathPara xmlns:m="http://schemas.openxmlformats.org/officeDocument/2006/math">
+                    <m:oMathParaPr>
+                      <m:jc m:val="centerGroup"/>
+                    </m:oMathParaPr>
+                    <m:oMath xmlns:m="http://schemas.openxmlformats.org/officeDocument/2006/math">
+                      <m:sSub>
+                        <m:sSubPr>
+                          <m:ctrlPr>
+                            <a:rPr lang="en-US" altLang="zh-CN" i="1" smtClean="0">
+                              <a:latin typeface="Cambria Math" panose="02040503050406030204" pitchFamily="18" charset="0"/>
+                            </a:rPr>
+                          </m:ctrlPr>
+                        </m:sSubPr>
+                        <m:e>
+                          <m:r>
+                            <a:rPr lang="en-US" altLang="zh-CN" b="0" i="1" smtClean="0">
+                              <a:latin typeface="Cambria Math" panose="02040503050406030204" pitchFamily="18" charset="0"/>
+                            </a:rPr>
+                            <m:t>𝑀</m:t>
+                          </m:r>
+                        </m:e>
+                        <m:sub>
+                          <m:r>
+                            <a:rPr lang="en-US" altLang="zh-CN" b="0" i="1" smtClean="0">
+                              <a:latin typeface="Cambria Math" panose="02040503050406030204" pitchFamily="18" charset="0"/>
+                            </a:rPr>
+                            <m:t>𝑔</m:t>
+                          </m:r>
+                          <m:r>
+                            <a:rPr lang="en-US" altLang="zh-CN" b="0" i="1" smtClean="0">
+                              <a:latin typeface="Cambria Math" panose="02040503050406030204" pitchFamily="18" charset="0"/>
+                            </a:rPr>
+                            <m:t>1, </m:t>
+                          </m:r>
+                          <m:r>
+                            <a:rPr lang="en-US" altLang="zh-CN" b="0" i="1" smtClean="0">
+                              <a:latin typeface="Cambria Math" panose="02040503050406030204" pitchFamily="18" charset="0"/>
+                            </a:rPr>
+                            <m:t>𝑔</m:t>
+                          </m:r>
+                          <m:r>
+                            <a:rPr lang="en-US" altLang="zh-CN" b="0" i="1" smtClean="0">
+                              <a:latin typeface="Cambria Math" panose="02040503050406030204" pitchFamily="18" charset="0"/>
+                            </a:rPr>
+                            <m:t>2</m:t>
+                          </m:r>
+                        </m:sub>
+                      </m:sSub>
+                      <m:r>
+                        <a:rPr lang="en-US" altLang="zh-CN" b="0" i="1" smtClean="0">
+                          <a:latin typeface="Cambria Math" panose="02040503050406030204" pitchFamily="18" charset="0"/>
+                        </a:rPr>
+                        <m:t>=</m:t>
+                      </m:r>
+                      <m:sSubSup>
+                        <m:sSubSupPr>
+                          <m:ctrlPr>
+                            <a:rPr lang="en-US" altLang="zh-CN" b="0" i="1" smtClean="0">
+                              <a:latin typeface="Cambria Math" panose="02040503050406030204" pitchFamily="18" charset="0"/>
+                            </a:rPr>
+                          </m:ctrlPr>
+                        </m:sSubSupPr>
+                        <m:e>
+                          <m:r>
+                            <a:rPr lang="en-US" altLang="zh-CN" b="0" i="1" smtClean="0">
+                              <a:latin typeface="Cambria Math" panose="02040503050406030204" pitchFamily="18" charset="0"/>
+                            </a:rPr>
+                            <m:t>𝑐𝑜𝑛𝑣</m:t>
+                          </m:r>
+                        </m:e>
+                        <m:sub>
+                          <m:r>
+                            <a:rPr lang="en-US" altLang="zh-CN" b="0" i="1" smtClean="0">
+                              <a:latin typeface="Cambria Math" panose="02040503050406030204" pitchFamily="18" charset="0"/>
+                            </a:rPr>
+                            <m:t>3</m:t>
+                          </m:r>
+                          <m:r>
+                            <a:rPr lang="en-US" altLang="zh-CN" b="0" i="1" smtClean="0">
+                              <a:latin typeface="Cambria Math" panose="02040503050406030204" pitchFamily="18" charset="0"/>
+                              <a:ea typeface="Cambria Math" panose="02040503050406030204" pitchFamily="18" charset="0"/>
+                            </a:rPr>
+                            <m:t>×3</m:t>
+                          </m:r>
+                        </m:sub>
+                        <m:sup>
+                          <m:r>
+                            <a:rPr lang="en-US" altLang="zh-CN" b="0" i="1" smtClean="0">
+                              <a:latin typeface="Cambria Math" panose="02040503050406030204" pitchFamily="18" charset="0"/>
+                              <a:ea typeface="Cambria Math" panose="02040503050406030204" pitchFamily="18" charset="0"/>
+                            </a:rPr>
+                            <m:t>𝑔</m:t>
+                          </m:r>
+                          <m:r>
+                            <a:rPr lang="en-US" altLang="zh-CN" b="0" i="1" smtClean="0">
+                              <a:latin typeface="Cambria Math" panose="02040503050406030204" pitchFamily="18" charset="0"/>
+                              <a:ea typeface="Cambria Math" panose="02040503050406030204" pitchFamily="18" charset="0"/>
+                            </a:rPr>
+                            <m:t>1, </m:t>
+                          </m:r>
+                          <m:r>
+                            <a:rPr lang="en-US" altLang="zh-CN" b="0" i="1" smtClean="0">
+                              <a:latin typeface="Cambria Math" panose="02040503050406030204" pitchFamily="18" charset="0"/>
+                            </a:rPr>
+                            <m:t>𝑔</m:t>
+                          </m:r>
+                          <m:r>
+                            <a:rPr lang="en-US" altLang="zh-CN" b="0" i="1" smtClean="0">
+                              <a:latin typeface="Cambria Math" panose="02040503050406030204" pitchFamily="18" charset="0"/>
+                            </a:rPr>
+                            <m:t>2</m:t>
+                          </m:r>
+                        </m:sup>
+                      </m:sSubSup>
+                      <m:r>
+                        <a:rPr lang="en-US" altLang="zh-CN" b="0" i="1" smtClean="0">
+                          <a:latin typeface="Cambria Math" panose="02040503050406030204" pitchFamily="18" charset="0"/>
+                        </a:rPr>
+                        <m:t>(</m:t>
+                      </m:r>
+                      <m:r>
+                        <a:rPr lang="en-US" altLang="zh-CN" b="0" i="1" smtClean="0">
+                          <a:latin typeface="Cambria Math" panose="02040503050406030204" pitchFamily="18" charset="0"/>
+                        </a:rPr>
+                        <m:t>𝐵</m:t>
+                      </m:r>
+                      <m:d>
+                        <m:dPr>
+                          <m:ctrlPr>
+                            <a:rPr lang="en-US" altLang="zh-CN" b="0" i="1" smtClean="0">
+                              <a:latin typeface="Cambria Math" panose="02040503050406030204" pitchFamily="18" charset="0"/>
+                            </a:rPr>
+                          </m:ctrlPr>
+                        </m:dPr>
+                        <m:e>
+                          <m:sSub>
+                            <m:sSubPr>
+                              <m:ctrlPr>
+                                <a:rPr lang="en-US" altLang="zh-CN" i="1" smtClean="0">
+                                  <a:latin typeface="Cambria Math" panose="02040503050406030204" pitchFamily="18" charset="0"/>
+                                </a:rPr>
+                              </m:ctrlPr>
+                            </m:sSubPr>
+                            <m:e>
+                              <m:r>
+                                <a:rPr lang="en-US" altLang="zh-CN" b="0" i="1" smtClean="0">
+                                  <a:latin typeface="Cambria Math" panose="02040503050406030204" pitchFamily="18" charset="0"/>
+                                </a:rPr>
+                                <m:t>𝑀</m:t>
+                              </m:r>
+                            </m:e>
+                            <m:sub>
+                              <m:r>
+                                <a:rPr lang="en-US" altLang="zh-CN" b="0" i="1" smtClean="0">
+                                  <a:latin typeface="Cambria Math" panose="02040503050406030204" pitchFamily="18" charset="0"/>
+                                </a:rPr>
+                                <m:t>𝑔</m:t>
+                              </m:r>
+                              <m:r>
+                                <a:rPr lang="en-US" altLang="zh-CN" b="0" i="1" smtClean="0">
+                                  <a:latin typeface="Cambria Math" panose="02040503050406030204" pitchFamily="18" charset="0"/>
+                                </a:rPr>
+                                <m:t>1</m:t>
+                              </m:r>
+                            </m:sub>
+                          </m:sSub>
+                        </m:e>
+                      </m:d>
+                      <m:r>
+                        <a:rPr lang="en-US" altLang="zh-CN" b="0" i="1" smtClean="0">
+                          <a:latin typeface="Cambria Math" panose="02040503050406030204" pitchFamily="18" charset="0"/>
+                        </a:rPr>
+                        <m:t>+</m:t>
+                      </m:r>
+                      <m:r>
+                        <a:rPr lang="en-US" altLang="zh-CN" b="0" i="1" smtClean="0">
+                          <a:latin typeface="Cambria Math" panose="02040503050406030204" pitchFamily="18" charset="0"/>
+                        </a:rPr>
+                        <m:t>𝐵</m:t>
+                      </m:r>
+                      <m:d>
+                        <m:dPr>
+                          <m:ctrlPr>
+                            <a:rPr lang="en-US" altLang="zh-CN" b="0" i="1" smtClean="0">
+                              <a:latin typeface="Cambria Math" panose="02040503050406030204" pitchFamily="18" charset="0"/>
+                            </a:rPr>
+                          </m:ctrlPr>
+                        </m:dPr>
+                        <m:e>
+                          <m:sSub>
+                            <m:sSubPr>
+                              <m:ctrlPr>
+                                <a:rPr lang="en-US" altLang="zh-CN" i="1" smtClean="0">
+                                  <a:latin typeface="Cambria Math" panose="02040503050406030204" pitchFamily="18" charset="0"/>
+                                </a:rPr>
+                              </m:ctrlPr>
+                            </m:sSubPr>
+                            <m:e>
+                              <m:r>
+                                <a:rPr lang="en-US" altLang="zh-CN" b="0" i="1" smtClean="0">
+                                  <a:latin typeface="Cambria Math" panose="02040503050406030204" pitchFamily="18" charset="0"/>
+                                </a:rPr>
+                                <m:t>𝑀</m:t>
+                              </m:r>
+                            </m:e>
+                            <m:sub>
+                              <m:r>
+                                <a:rPr lang="en-US" altLang="zh-CN" b="0" i="1" smtClean="0">
+                                  <a:latin typeface="Cambria Math" panose="02040503050406030204" pitchFamily="18" charset="0"/>
+                                </a:rPr>
+                                <m:t>𝑔</m:t>
+                              </m:r>
+                              <m:r>
+                                <a:rPr lang="en-US" altLang="zh-CN" b="0" i="1" smtClean="0">
+                                  <a:latin typeface="Cambria Math" panose="02040503050406030204" pitchFamily="18" charset="0"/>
+                                </a:rPr>
+                                <m:t>2</m:t>
+                              </m:r>
+                            </m:sub>
+                          </m:sSub>
+                        </m:e>
+                      </m:d>
+                      <m:r>
+                        <a:rPr lang="en-US" altLang="zh-CN" b="0" i="1" smtClean="0">
+                          <a:latin typeface="Cambria Math" panose="02040503050406030204" pitchFamily="18" charset="0"/>
+                        </a:rPr>
+                        <m:t>)</m:t>
+                      </m:r>
+                    </m:oMath>
+                  </m:oMathPara>
+                </a14:m>
+                <a:endParaRPr lang="en-US" altLang="zh-CN" dirty="0"/>
               </a:p>
             </p:txBody>
           </p:sp>
         </mc:Choice>
-        <mc:Fallback>
+        <mc:Fallback xmlns="">
           <p:sp>
             <p:nvSpPr>
               <p:cNvPr id="5" name="内容占位符 4">
@@ -4646,7 +6787,814 @@
               <a:blipFill>
                 <a:blip r:embed="rId2"/>
                 <a:stretch>
-                  <a:fillRect l="-1813" t="-1867" r="-2510"/>
+                  <a:fillRect l="-1674" t="-2844" r="-1674"/>
+                </a:stretch>
+              </a:blipFill>
+            </p:spPr>
+            <p:txBody>
+              <a:bodyPr/>
+              <a:lstStyle/>
+              <a:p>
+                <a:r>
+                  <a:rPr lang="zh-CN" altLang="en-US">
+                    <a:noFill/>
+                  </a:rPr>
+                  <a:t> </a:t>
+                </a:r>
+              </a:p>
+            </p:txBody>
+          </p:sp>
+        </mc:Fallback>
+      </mc:AlternateContent>
+      <p:pic>
+        <p:nvPicPr>
+          <p:cNvPr id="7" name="图片 6">
+            <a:extLst>
+              <a:ext uri="{FF2B5EF4-FFF2-40B4-BE49-F238E27FC236}">
+                <a16:creationId xmlns:a16="http://schemas.microsoft.com/office/drawing/2014/main" id="{78943B0D-7F80-4C1E-F4C4-0D0E9FB68F4A}"/>
+              </a:ext>
+            </a:extLst>
+          </p:cNvPr>
+          <p:cNvPicPr>
+            <a:picLocks noChangeAspect="1"/>
+          </p:cNvPicPr>
+          <p:nvPr/>
+        </p:nvPicPr>
+        <p:blipFill>
+          <a:blip r:embed="rId3"/>
+          <a:stretch>
+            <a:fillRect/>
+          </a:stretch>
+        </p:blipFill>
+        <p:spPr>
+          <a:xfrm>
+            <a:off x="331872" y="2436500"/>
+            <a:ext cx="2794388" cy="4421500"/>
+          </a:xfrm>
+          <a:prstGeom prst="rect">
+            <a:avLst/>
+          </a:prstGeom>
+        </p:spPr>
+      </p:pic>
+    </p:spTree>
+    <p:extLst>
+      <p:ext uri="{BB962C8B-B14F-4D97-AF65-F5344CB8AC3E}">
+        <p14:creationId xmlns:p14="http://schemas.microsoft.com/office/powerpoint/2010/main" val="207004184"/>
+      </p:ext>
+    </p:extLst>
+  </p:cSld>
+  <p:clrMapOvr>
+    <a:masterClrMapping/>
+  </p:clrMapOvr>
+</p:sld>
+</file>
+
+<file path=ppt/slides/slide14.xml><?xml version="1.0" encoding="utf-8"?>
+<p:sld xmlns:a="http://schemas.openxmlformats.org/drawingml/2006/main" xmlns:r="http://schemas.openxmlformats.org/officeDocument/2006/relationships" xmlns:p="http://schemas.openxmlformats.org/presentationml/2006/main">
+  <p:cSld>
+    <p:spTree>
+      <p:nvGrpSpPr>
+        <p:cNvPr id="1" name=""/>
+        <p:cNvGrpSpPr/>
+        <p:nvPr/>
+      </p:nvGrpSpPr>
+      <p:grpSpPr>
+        <a:xfrm>
+          <a:off x="0" y="0"/>
+          <a:ext cx="0" cy="0"/>
+          <a:chOff x="0" y="0"/>
+          <a:chExt cx="0" cy="0"/>
+        </a:xfrm>
+      </p:grpSpPr>
+      <p:sp>
+        <p:nvSpPr>
+          <p:cNvPr id="2" name="标题 1">
+            <a:extLst>
+              <a:ext uri="{FF2B5EF4-FFF2-40B4-BE49-F238E27FC236}">
+                <a16:creationId xmlns:a16="http://schemas.microsoft.com/office/drawing/2014/main" id="{20618421-B59A-AC9B-4C2B-A4D78327CE22}"/>
+              </a:ext>
+            </a:extLst>
+          </p:cNvPr>
+          <p:cNvSpPr>
+            <a:spLocks noGrp="1"/>
+          </p:cNvSpPr>
+          <p:nvPr>
+            <p:ph type="title"/>
+          </p:nvPr>
+        </p:nvSpPr>
+        <p:spPr>
+          <a:xfrm>
+            <a:off x="10597" y="14104"/>
+            <a:ext cx="3546860" cy="661086"/>
+          </a:xfrm>
+        </p:spPr>
+        <p:txBody>
+          <a:bodyPr/>
+          <a:lstStyle/>
+          <a:p>
+            <a:r>
+              <a:rPr lang="en-US" altLang="zh-CN" dirty="0"/>
+              <a:t>3.Methodology</a:t>
+            </a:r>
+            <a:endParaRPr lang="zh-CN" altLang="en-US" dirty="0"/>
+          </a:p>
+        </p:txBody>
+      </p:sp>
+      <p:sp>
+        <p:nvSpPr>
+          <p:cNvPr id="4" name="文本占位符 3">
+            <a:extLst>
+              <a:ext uri="{FF2B5EF4-FFF2-40B4-BE49-F238E27FC236}">
+                <a16:creationId xmlns:a16="http://schemas.microsoft.com/office/drawing/2014/main" id="{351E9848-A693-DC47-CE0F-2FA538003518}"/>
+              </a:ext>
+            </a:extLst>
+          </p:cNvPr>
+          <p:cNvSpPr>
+            <a:spLocks noGrp="1"/>
+          </p:cNvSpPr>
+          <p:nvPr>
+            <p:ph type="body" sz="half" idx="2"/>
+          </p:nvPr>
+        </p:nvSpPr>
+        <p:spPr>
+          <a:xfrm>
+            <a:off x="10596" y="675190"/>
+            <a:ext cx="3546861" cy="3811588"/>
+          </a:xfrm>
+        </p:spPr>
+        <p:txBody>
+          <a:bodyPr/>
+          <a:lstStyle/>
+          <a:p>
+            <a:r>
+              <a:rPr lang="en-US" altLang="zh-CN" dirty="0"/>
+              <a:t>3.1 CLIP and SAM Collaboration</a:t>
+            </a:r>
+          </a:p>
+          <a:p>
+            <a:r>
+              <a:rPr lang="en-US" altLang="zh-CN" dirty="0"/>
+              <a:t>3.2 </a:t>
+            </a:r>
+            <a:r>
+              <a:rPr lang="en-US" altLang="zh-CN" dirty="0">
+                <a:highlight>
+                  <a:srgbClr val="FFFF00"/>
+                </a:highlight>
+              </a:rPr>
+              <a:t>Unified Multi-scale Cross-modal Interaction</a:t>
+            </a:r>
+          </a:p>
+          <a:p>
+            <a:r>
+              <a:rPr lang="en-US" altLang="zh-CN" dirty="0"/>
+              <a:t>3.3 Multi-level Mask Refinement</a:t>
+            </a:r>
+          </a:p>
+          <a:p>
+            <a:r>
+              <a:rPr lang="en-US" altLang="zh-CN" dirty="0"/>
+              <a:t>3.4 Objective Function</a:t>
+            </a:r>
+            <a:endParaRPr lang="zh-CN" altLang="en-US" dirty="0"/>
+          </a:p>
+        </p:txBody>
+      </p:sp>
+      <mc:AlternateContent xmlns:mc="http://schemas.openxmlformats.org/markup-compatibility/2006" xmlns:a14="http://schemas.microsoft.com/office/drawing/2010/main">
+        <mc:Choice Requires="a14">
+          <p:sp>
+            <p:nvSpPr>
+              <p:cNvPr id="5" name="内容占位符 4">
+                <a:extLst>
+                  <a:ext uri="{FF2B5EF4-FFF2-40B4-BE49-F238E27FC236}">
+                    <a16:creationId xmlns:a16="http://schemas.microsoft.com/office/drawing/2014/main" id="{7CCA9E6E-8FDB-96E0-EBA0-9DCC32D45C7A}"/>
+                  </a:ext>
+                </a:extLst>
+              </p:cNvPr>
+              <p:cNvSpPr>
+                <a:spLocks noGrp="1"/>
+              </p:cNvSpPr>
+              <p:nvPr>
+                <p:ph idx="1"/>
+              </p:nvPr>
+            </p:nvSpPr>
+            <p:spPr>
+              <a:xfrm>
+                <a:off x="3447535" y="0"/>
+                <a:ext cx="8744465" cy="6857999"/>
+              </a:xfrm>
+            </p:spPr>
+            <p:txBody>
+              <a:bodyPr>
+                <a:normAutofit/>
+              </a:bodyPr>
+              <a:lstStyle/>
+              <a:p>
+                <a:pPr marL="0" indent="0">
+                  <a:buNone/>
+                </a:pPr>
+                <a:r>
+                  <a:rPr lang="en-US" altLang="zh-CN" dirty="0"/>
+                  <a:t>(3).The last step of UMCI module: fusing the two result and getting the rough segmentation of the anomalous region.</a:t>
+                </a:r>
+              </a:p>
+              <a:p>
+                <a:pPr marL="0" indent="0">
+                  <a:buNone/>
+                </a:pPr>
+                <a14:m>
+                  <m:oMathPara xmlns:m="http://schemas.openxmlformats.org/officeDocument/2006/math">
+                    <m:oMathParaPr>
+                      <m:jc m:val="centerGroup"/>
+                    </m:oMathParaPr>
+                    <m:oMath xmlns:m="http://schemas.openxmlformats.org/officeDocument/2006/math">
+                      <m:sSubSup>
+                        <m:sSubSupPr>
+                          <m:ctrlPr>
+                            <a:rPr lang="en-US" altLang="zh-CN" b="0" i="1" smtClean="0">
+                              <a:latin typeface="Cambria Math" panose="02040503050406030204" pitchFamily="18" charset="0"/>
+                            </a:rPr>
+                          </m:ctrlPr>
+                        </m:sSubSupPr>
+                        <m:e>
+                          <m:sSub>
+                            <m:sSubPr>
+                              <m:ctrlPr>
+                                <a:rPr lang="en-US" altLang="zh-CN" i="1" smtClean="0">
+                                  <a:latin typeface="Cambria Math" panose="02040503050406030204" pitchFamily="18" charset="0"/>
+                                </a:rPr>
+                              </m:ctrlPr>
+                            </m:sSubPr>
+                            <m:e>
+                              <m:r>
+                                <a:rPr lang="en-US" altLang="zh-CN" b="0" i="1" smtClean="0">
+                                  <a:latin typeface="Cambria Math" panose="02040503050406030204" pitchFamily="18" charset="0"/>
+                                </a:rPr>
+                                <m:t>𝑣</m:t>
+                              </m:r>
+                            </m:e>
+                            <m:sub>
+                              <m:r>
+                                <a:rPr lang="en-US" altLang="zh-CN" b="0" i="1" smtClean="0">
+                                  <a:latin typeface="Cambria Math" panose="02040503050406030204" pitchFamily="18" charset="0"/>
+                                </a:rPr>
+                                <m:t>𝑜𝑟𝑔</m:t>
+                              </m:r>
+                            </m:sub>
+                          </m:sSub>
+                          <m:r>
+                            <a:rPr lang="en-US" altLang="zh-CN" b="0" i="1" smtClean="0">
+                              <a:latin typeface="Cambria Math" panose="02040503050406030204" pitchFamily="18" charset="0"/>
+                            </a:rPr>
+                            <m:t>=</m:t>
+                          </m:r>
+                          <m:r>
+                            <a:rPr lang="en-US" altLang="zh-CN" b="0" i="1" smtClean="0">
+                              <a:latin typeface="Cambria Math" panose="02040503050406030204" pitchFamily="18" charset="0"/>
+                            </a:rPr>
+                            <m:t>𝑐𝑜𝑛𝑣</m:t>
+                          </m:r>
+                        </m:e>
+                        <m:sub>
+                          <m:r>
+                            <a:rPr lang="en-US" altLang="zh-CN" b="0" i="1" smtClean="0">
+                              <a:latin typeface="Cambria Math" panose="02040503050406030204" pitchFamily="18" charset="0"/>
+                            </a:rPr>
+                            <m:t>3</m:t>
+                          </m:r>
+                          <m:r>
+                            <a:rPr lang="en-US" altLang="zh-CN" b="0" i="1" smtClean="0">
+                              <a:latin typeface="Cambria Math" panose="02040503050406030204" pitchFamily="18" charset="0"/>
+                              <a:ea typeface="Cambria Math" panose="02040503050406030204" pitchFamily="18" charset="0"/>
+                            </a:rPr>
+                            <m:t>×3</m:t>
+                          </m:r>
+                        </m:sub>
+                        <m:sup>
+                          <m:r>
+                            <a:rPr lang="en-US" altLang="zh-CN" b="0" i="1" smtClean="0">
+                              <a:latin typeface="Cambria Math" panose="02040503050406030204" pitchFamily="18" charset="0"/>
+                              <a:ea typeface="Cambria Math" panose="02040503050406030204" pitchFamily="18" charset="0"/>
+                            </a:rPr>
+                            <m:t>𝑜𝑟𝑖</m:t>
+                          </m:r>
+                        </m:sup>
+                      </m:sSubSup>
+                      <m:r>
+                        <a:rPr lang="en-US" altLang="zh-CN" b="0" i="1" smtClean="0">
+                          <a:latin typeface="Cambria Math" panose="02040503050406030204" pitchFamily="18" charset="0"/>
+                        </a:rPr>
+                        <m:t>(</m:t>
+                      </m:r>
+                      <m:acc>
+                        <m:accPr>
+                          <m:chr m:val="̂"/>
+                          <m:ctrlPr>
+                            <a:rPr lang="en-US" altLang="zh-CN" i="1" smtClean="0">
+                              <a:latin typeface="Cambria Math" panose="02040503050406030204" pitchFamily="18" charset="0"/>
+                            </a:rPr>
+                          </m:ctrlPr>
+                        </m:accPr>
+                        <m:e>
+                          <m:r>
+                            <a:rPr lang="en-US" altLang="zh-CN" b="0" i="1" smtClean="0">
+                              <a:latin typeface="Cambria Math" panose="02040503050406030204" pitchFamily="18" charset="0"/>
+                            </a:rPr>
+                            <m:t>𝑃</m:t>
+                          </m:r>
+                        </m:e>
+                      </m:acc>
+                      <m:r>
+                        <a:rPr lang="en-US" altLang="zh-CN" b="0" i="1" smtClean="0">
+                          <a:latin typeface="Cambria Math" panose="02040503050406030204" pitchFamily="18" charset="0"/>
+                        </a:rPr>
+                        <m:t>)</m:t>
+                      </m:r>
+                    </m:oMath>
+                  </m:oMathPara>
+                </a14:m>
+                <a:endParaRPr lang="en-US" altLang="zh-CN" dirty="0"/>
+              </a:p>
+              <a:p>
+                <a:pPr marL="0" indent="0">
+                  <a:buNone/>
+                </a:pPr>
+                <a14:m>
+                  <m:oMathPara xmlns:m="http://schemas.openxmlformats.org/officeDocument/2006/math">
+                    <m:oMathParaPr>
+                      <m:jc m:val="centerGroup"/>
+                    </m:oMathParaPr>
+                    <m:oMath xmlns:m="http://schemas.openxmlformats.org/officeDocument/2006/math">
+                      <m:sSub>
+                        <m:sSubPr>
+                          <m:ctrlPr>
+                            <a:rPr lang="en-US" altLang="zh-CN" i="1" smtClean="0">
+                              <a:latin typeface="Cambria Math" panose="02040503050406030204" pitchFamily="18" charset="0"/>
+                            </a:rPr>
+                          </m:ctrlPr>
+                        </m:sSubPr>
+                        <m:e>
+                          <m:r>
+                            <a:rPr lang="en-US" altLang="zh-CN" b="0" i="1" smtClean="0">
+                              <a:latin typeface="Cambria Math" panose="02040503050406030204" pitchFamily="18" charset="0"/>
+                            </a:rPr>
+                            <m:t>𝑀</m:t>
+                          </m:r>
+                        </m:e>
+                        <m:sub>
+                          <m:r>
+                            <a:rPr lang="en-US" altLang="zh-CN" b="0" i="1" smtClean="0">
+                              <a:latin typeface="Cambria Math" panose="02040503050406030204" pitchFamily="18" charset="0"/>
+                            </a:rPr>
+                            <m:t>𝑎𝑙𝑙</m:t>
+                          </m:r>
+                        </m:sub>
+                      </m:sSub>
+                      <m:r>
+                        <a:rPr lang="en-US" altLang="zh-CN" b="0" i="1" smtClean="0">
+                          <a:latin typeface="Cambria Math" panose="02040503050406030204" pitchFamily="18" charset="0"/>
+                        </a:rPr>
+                        <m:t>=</m:t>
+                      </m:r>
+                      <m:sSubSup>
+                        <m:sSubSupPr>
+                          <m:ctrlPr>
+                            <a:rPr lang="en-US" altLang="zh-CN" b="0" i="1" smtClean="0">
+                              <a:latin typeface="Cambria Math" panose="02040503050406030204" pitchFamily="18" charset="0"/>
+                            </a:rPr>
+                          </m:ctrlPr>
+                        </m:sSubSupPr>
+                        <m:e>
+                          <m:r>
+                            <a:rPr lang="en-US" altLang="zh-CN" b="0" i="1" smtClean="0">
+                              <a:latin typeface="Cambria Math" panose="02040503050406030204" pitchFamily="18" charset="0"/>
+                            </a:rPr>
+                            <m:t>𝑐𝑜𝑛𝑣</m:t>
+                          </m:r>
+                        </m:e>
+                        <m:sub>
+                          <m:r>
+                            <a:rPr lang="en-US" altLang="zh-CN" b="0" i="1" smtClean="0">
+                              <a:latin typeface="Cambria Math" panose="02040503050406030204" pitchFamily="18" charset="0"/>
+                            </a:rPr>
+                            <m:t>3</m:t>
+                          </m:r>
+                          <m:r>
+                            <a:rPr lang="en-US" altLang="zh-CN" b="0" i="1" smtClean="0">
+                              <a:latin typeface="Cambria Math" panose="02040503050406030204" pitchFamily="18" charset="0"/>
+                              <a:ea typeface="Cambria Math" panose="02040503050406030204" pitchFamily="18" charset="0"/>
+                            </a:rPr>
+                            <m:t>×3</m:t>
+                          </m:r>
+                        </m:sub>
+                        <m:sup>
+                          <m:r>
+                            <a:rPr lang="en-US" altLang="zh-CN" b="0" i="1" smtClean="0">
+                              <a:latin typeface="Cambria Math" panose="02040503050406030204" pitchFamily="18" charset="0"/>
+                              <a:ea typeface="Cambria Math" panose="02040503050406030204" pitchFamily="18" charset="0"/>
+                            </a:rPr>
+                            <m:t>𝑎𝑙𝑙</m:t>
+                          </m:r>
+                        </m:sup>
+                      </m:sSubSup>
+                      <m:r>
+                        <a:rPr lang="en-US" altLang="zh-CN" b="0" i="1" smtClean="0">
+                          <a:latin typeface="Cambria Math" panose="02040503050406030204" pitchFamily="18" charset="0"/>
+                          <a:ea typeface="Cambria Math" panose="02040503050406030204" pitchFamily="18" charset="0"/>
+                        </a:rPr>
+                        <m:t>(</m:t>
+                      </m:r>
+                      <m:r>
+                        <a:rPr lang="en-US" altLang="zh-CN" b="0" i="1" smtClean="0">
+                          <a:latin typeface="Cambria Math" panose="02040503050406030204" pitchFamily="18" charset="0"/>
+                          <a:ea typeface="Cambria Math" panose="02040503050406030204" pitchFamily="18" charset="0"/>
+                        </a:rPr>
+                        <m:t>𝑐𝑜𝑛𝑐𝑎𝑡</m:t>
+                      </m:r>
+                      <m:r>
+                        <a:rPr lang="en-US" altLang="zh-CN" b="0" i="1" smtClean="0">
+                          <a:latin typeface="Cambria Math" panose="02040503050406030204" pitchFamily="18" charset="0"/>
+                          <a:ea typeface="Cambria Math" panose="02040503050406030204" pitchFamily="18" charset="0"/>
+                        </a:rPr>
+                        <m:t>(</m:t>
+                      </m:r>
+                      <m:sSub>
+                        <m:sSubPr>
+                          <m:ctrlPr>
+                            <a:rPr lang="en-US" altLang="zh-CN" i="1" smtClean="0">
+                              <a:latin typeface="Cambria Math" panose="02040503050406030204" pitchFamily="18" charset="0"/>
+                            </a:rPr>
+                          </m:ctrlPr>
+                        </m:sSubPr>
+                        <m:e>
+                          <m:r>
+                            <a:rPr lang="en-US" altLang="zh-CN" b="0" i="1" smtClean="0">
+                              <a:latin typeface="Cambria Math" panose="02040503050406030204" pitchFamily="18" charset="0"/>
+                            </a:rPr>
+                            <m:t>𝑣</m:t>
+                          </m:r>
+                        </m:e>
+                        <m:sub>
+                          <m:r>
+                            <a:rPr lang="en-US" altLang="zh-CN" b="0" i="1" smtClean="0">
+                              <a:latin typeface="Cambria Math" panose="02040503050406030204" pitchFamily="18" charset="0"/>
+                            </a:rPr>
+                            <m:t>𝑜𝑟𝑔</m:t>
+                          </m:r>
+                        </m:sub>
+                      </m:sSub>
+                      <m:r>
+                        <a:rPr lang="en-US" altLang="zh-CN" b="0" i="1" smtClean="0">
+                          <a:latin typeface="Cambria Math" panose="02040503050406030204" pitchFamily="18" charset="0"/>
+                        </a:rPr>
+                        <m:t>,</m:t>
+                      </m:r>
+                      <m:sSub>
+                        <m:sSubPr>
+                          <m:ctrlPr>
+                            <a:rPr lang="en-US" altLang="zh-CN" i="1" smtClean="0">
+                              <a:latin typeface="Cambria Math" panose="02040503050406030204" pitchFamily="18" charset="0"/>
+                            </a:rPr>
+                          </m:ctrlPr>
+                        </m:sSubPr>
+                        <m:e>
+                          <m:r>
+                            <a:rPr lang="en-US" altLang="zh-CN" b="0" i="1" smtClean="0">
+                              <a:latin typeface="Cambria Math" panose="02040503050406030204" pitchFamily="18" charset="0"/>
+                            </a:rPr>
+                            <m:t>𝑀</m:t>
+                          </m:r>
+                        </m:e>
+                        <m:sub>
+                          <m:r>
+                            <a:rPr lang="en-US" altLang="zh-CN" b="0" i="1" smtClean="0">
+                              <a:latin typeface="Cambria Math" panose="02040503050406030204" pitchFamily="18" charset="0"/>
+                            </a:rPr>
+                            <m:t>𝑟𝑜𝑤</m:t>
+                          </m:r>
+                          <m:r>
+                            <a:rPr lang="en-US" altLang="zh-CN" b="0" i="1" smtClean="0">
+                              <a:latin typeface="Cambria Math" panose="02040503050406030204" pitchFamily="18" charset="0"/>
+                            </a:rPr>
+                            <m:t>,</m:t>
+                          </m:r>
+                          <m:r>
+                            <a:rPr lang="en-US" altLang="zh-CN" b="0" i="1" smtClean="0">
+                              <a:latin typeface="Cambria Math" panose="02040503050406030204" pitchFamily="18" charset="0"/>
+                            </a:rPr>
+                            <m:t>𝑐𝑜𝑙</m:t>
+                          </m:r>
+                        </m:sub>
+                      </m:sSub>
+                      <m:r>
+                        <a:rPr lang="en-US" altLang="zh-CN" b="0" i="1" smtClean="0">
+                          <a:latin typeface="Cambria Math" panose="02040503050406030204" pitchFamily="18" charset="0"/>
+                        </a:rPr>
+                        <m:t>,</m:t>
+                      </m:r>
+                      <m:sSub>
+                        <m:sSubPr>
+                          <m:ctrlPr>
+                            <a:rPr lang="en-US" altLang="zh-CN" i="1" smtClean="0">
+                              <a:latin typeface="Cambria Math" panose="02040503050406030204" pitchFamily="18" charset="0"/>
+                            </a:rPr>
+                          </m:ctrlPr>
+                        </m:sSubPr>
+                        <m:e>
+                          <m:r>
+                            <a:rPr lang="en-US" altLang="zh-CN" b="0" i="1" smtClean="0">
+                              <a:latin typeface="Cambria Math" panose="02040503050406030204" pitchFamily="18" charset="0"/>
+                            </a:rPr>
+                            <m:t>𝑀</m:t>
+                          </m:r>
+                        </m:e>
+                        <m:sub>
+                          <m:r>
+                            <a:rPr lang="en-US" altLang="zh-CN" b="0" i="1" smtClean="0">
+                              <a:latin typeface="Cambria Math" panose="02040503050406030204" pitchFamily="18" charset="0"/>
+                            </a:rPr>
+                            <m:t>𝑔</m:t>
+                          </m:r>
+                          <m:r>
+                            <a:rPr lang="en-US" altLang="zh-CN" b="0" i="1" smtClean="0">
+                              <a:latin typeface="Cambria Math" panose="02040503050406030204" pitchFamily="18" charset="0"/>
+                            </a:rPr>
+                            <m:t>1,</m:t>
+                          </m:r>
+                          <m:r>
+                            <a:rPr lang="en-US" altLang="zh-CN" b="0" i="1" smtClean="0">
+                              <a:latin typeface="Cambria Math" panose="02040503050406030204" pitchFamily="18" charset="0"/>
+                            </a:rPr>
+                            <m:t>𝑔</m:t>
+                          </m:r>
+                          <m:r>
+                            <a:rPr lang="en-US" altLang="zh-CN" b="0" i="1" smtClean="0">
+                              <a:latin typeface="Cambria Math" panose="02040503050406030204" pitchFamily="18" charset="0"/>
+                            </a:rPr>
+                            <m:t>2</m:t>
+                          </m:r>
+                        </m:sub>
+                      </m:sSub>
+                      <m:r>
+                        <a:rPr lang="en-US" altLang="zh-CN" b="0" i="1" smtClean="0">
+                          <a:latin typeface="Cambria Math" panose="02040503050406030204" pitchFamily="18" charset="0"/>
+                          <a:ea typeface="Cambria Math" panose="02040503050406030204" pitchFamily="18" charset="0"/>
+                        </a:rPr>
+                        <m:t>))</m:t>
+                      </m:r>
+                    </m:oMath>
+                  </m:oMathPara>
+                </a14:m>
+                <a:endParaRPr lang="en-US" altLang="zh-CN" dirty="0"/>
+              </a:p>
+              <a:p>
+                <a:pPr marL="0" indent="0">
+                  <a:buNone/>
+                </a:pPr>
+                <a:r>
+                  <a:rPr lang="en-US" altLang="zh-CN" dirty="0"/>
+                  <a:t>finally, the rough segmentation of the anomalous region is :</a:t>
+                </a:r>
+              </a:p>
+              <a:p>
+                <a:pPr marL="0" indent="0">
+                  <a:buNone/>
+                </a:pPr>
+                <a14:m>
+                  <m:oMathPara xmlns:m="http://schemas.openxmlformats.org/officeDocument/2006/math">
+                    <m:oMathParaPr>
+                      <m:jc m:val="centerGroup"/>
+                    </m:oMathParaPr>
+                    <m:oMath xmlns:m="http://schemas.openxmlformats.org/officeDocument/2006/math">
+                      <m:sSub>
+                        <m:sSubPr>
+                          <m:ctrlPr>
+                            <a:rPr lang="en-US" altLang="zh-CN" i="1" smtClean="0">
+                              <a:latin typeface="Cambria Math" panose="02040503050406030204" pitchFamily="18" charset="0"/>
+                            </a:rPr>
+                          </m:ctrlPr>
+                        </m:sSubPr>
+                        <m:e>
+                          <m:r>
+                            <a:rPr lang="en-US" altLang="zh-CN" b="0" i="1" smtClean="0">
+                              <a:latin typeface="Cambria Math" panose="02040503050406030204" pitchFamily="18" charset="0"/>
+                            </a:rPr>
+                            <m:t>𝑂</m:t>
+                          </m:r>
+                        </m:e>
+                        <m:sub>
+                          <m:r>
+                            <a:rPr lang="en-US" altLang="zh-CN" b="0" i="1" smtClean="0">
+                              <a:latin typeface="Cambria Math" panose="02040503050406030204" pitchFamily="18" charset="0"/>
+                            </a:rPr>
+                            <m:t> </m:t>
+                          </m:r>
+                        </m:sub>
+                      </m:sSub>
+                      <m:r>
+                        <a:rPr lang="en-US" altLang="zh-CN" b="0" i="1" smtClean="0">
+                          <a:latin typeface="Cambria Math" panose="02040503050406030204" pitchFamily="18" charset="0"/>
+                        </a:rPr>
+                        <m:t>=</m:t>
+                      </m:r>
+                      <m:r>
+                        <a:rPr lang="en-US" altLang="zh-CN" b="0" i="1" smtClean="0">
+                          <a:latin typeface="Cambria Math" panose="02040503050406030204" pitchFamily="18" charset="0"/>
+                        </a:rPr>
+                        <m:t>𝑀𝐿𝑃</m:t>
+                      </m:r>
+                      <m:r>
+                        <a:rPr lang="en-US" altLang="zh-CN" b="0" i="1" smtClean="0">
+                          <a:latin typeface="Cambria Math" panose="02040503050406030204" pitchFamily="18" charset="0"/>
+                        </a:rPr>
+                        <m:t>(</m:t>
+                      </m:r>
+                      <m:r>
+                        <a:rPr lang="en-US" altLang="zh-CN" b="0" i="1" smtClean="0">
+                          <a:latin typeface="Cambria Math" panose="02040503050406030204" pitchFamily="18" charset="0"/>
+                        </a:rPr>
+                        <m:t>𝑅𝑒𝐿𝑢</m:t>
+                      </m:r>
+                      <m:r>
+                        <a:rPr lang="en-US" altLang="zh-CN" b="0" i="1" smtClean="0">
+                          <a:latin typeface="Cambria Math" panose="02040503050406030204" pitchFamily="18" charset="0"/>
+                        </a:rPr>
+                        <m:t>(</m:t>
+                      </m:r>
+                      <m:sSub>
+                        <m:sSubPr>
+                          <m:ctrlPr>
+                            <a:rPr lang="en-US" altLang="zh-CN" i="1" smtClean="0">
+                              <a:latin typeface="Cambria Math" panose="02040503050406030204" pitchFamily="18" charset="0"/>
+                            </a:rPr>
+                          </m:ctrlPr>
+                        </m:sSubPr>
+                        <m:e>
+                          <m:r>
+                            <a:rPr lang="en-US" altLang="zh-CN" b="0" i="1" smtClean="0">
+                              <a:latin typeface="Cambria Math" panose="02040503050406030204" pitchFamily="18" charset="0"/>
+                            </a:rPr>
+                            <m:t>𝑀</m:t>
+                          </m:r>
+                        </m:e>
+                        <m:sub>
+                          <m:r>
+                            <a:rPr lang="en-US" altLang="zh-CN" b="0" i="1" smtClean="0">
+                              <a:latin typeface="Cambria Math" panose="02040503050406030204" pitchFamily="18" charset="0"/>
+                            </a:rPr>
+                            <m:t>𝑎𝑙𝑙</m:t>
+                          </m:r>
+                        </m:sub>
+                      </m:sSub>
+                      <m:r>
+                        <a:rPr lang="en-US" altLang="zh-CN" b="0" i="1" smtClean="0">
+                          <a:latin typeface="Cambria Math" panose="02040503050406030204" pitchFamily="18" charset="0"/>
+                        </a:rPr>
+                        <m:t>+</m:t>
+                      </m:r>
+                      <m:acc>
+                        <m:accPr>
+                          <m:chr m:val="̂"/>
+                          <m:ctrlPr>
+                            <a:rPr lang="en-US" altLang="zh-CN" i="1" smtClean="0">
+                              <a:latin typeface="Cambria Math" panose="02040503050406030204" pitchFamily="18" charset="0"/>
+                            </a:rPr>
+                          </m:ctrlPr>
+                        </m:accPr>
+                        <m:e>
+                          <m:r>
+                            <a:rPr lang="en-US" altLang="zh-CN" b="0" i="1" smtClean="0">
+                              <a:latin typeface="Cambria Math" panose="02040503050406030204" pitchFamily="18" charset="0"/>
+                            </a:rPr>
+                            <m:t>𝑃</m:t>
+                          </m:r>
+                        </m:e>
+                      </m:acc>
+                      <m:r>
+                        <a:rPr lang="en-US" altLang="zh-CN" b="0" i="1" smtClean="0">
+                          <a:latin typeface="Cambria Math" panose="02040503050406030204" pitchFamily="18" charset="0"/>
+                        </a:rPr>
+                        <m:t>)</m:t>
+                      </m:r>
+                    </m:oMath>
+                  </m:oMathPara>
+                </a14:m>
+                <a:endParaRPr lang="en-US" altLang="zh-CN" dirty="0"/>
+              </a:p>
+              <a:p>
+                <a:pPr marL="0" indent="0">
+                  <a:buNone/>
+                </a:pPr>
+                <a:r>
+                  <a:rPr lang="en-US" altLang="zh-CN" dirty="0"/>
+                  <a:t>where </a:t>
+                </a:r>
+                <a14:m>
+                  <m:oMath xmlns:m="http://schemas.openxmlformats.org/officeDocument/2006/math">
+                    <m:sSubSup>
+                      <m:sSubSupPr>
+                        <m:ctrlPr>
+                          <a:rPr lang="en-US" altLang="zh-CN" b="0" i="1" smtClean="0">
+                            <a:latin typeface="Cambria Math" panose="02040503050406030204" pitchFamily="18" charset="0"/>
+                          </a:rPr>
+                        </m:ctrlPr>
+                      </m:sSubSupPr>
+                      <m:e>
+                        <m:r>
+                          <a:rPr lang="en-US" altLang="zh-CN" b="0" i="1" smtClean="0">
+                            <a:latin typeface="Cambria Math" panose="02040503050406030204" pitchFamily="18" charset="0"/>
+                          </a:rPr>
+                          <m:t>𝑂</m:t>
+                        </m:r>
+                        <m:r>
+                          <a:rPr lang="en-US" altLang="zh-CN" b="0" i="1" smtClean="0">
+                            <a:latin typeface="Cambria Math" panose="02040503050406030204" pitchFamily="18" charset="0"/>
+                            <a:ea typeface="Cambria Math" panose="02040503050406030204" pitchFamily="18" charset="0"/>
+                          </a:rPr>
+                          <m:t>∈</m:t>
+                        </m:r>
+                        <m:r>
+                          <a:rPr lang="en-US" altLang="zh-CN" b="0" i="1" smtClean="0">
+                            <a:latin typeface="Cambria Math" panose="02040503050406030204" pitchFamily="18" charset="0"/>
+                          </a:rPr>
+                          <m:t>𝑅</m:t>
+                        </m:r>
+                      </m:e>
+                      <m:sub>
+                        <m:r>
+                          <a:rPr lang="en-US" altLang="zh-CN" b="0" i="1" smtClean="0">
+                            <a:latin typeface="Cambria Math" panose="02040503050406030204" pitchFamily="18" charset="0"/>
+                          </a:rPr>
+                          <m:t> </m:t>
+                        </m:r>
+                      </m:sub>
+                      <m:sup>
+                        <m:r>
+                          <a:rPr lang="en-US" altLang="zh-CN" b="0" i="1" smtClean="0">
+                            <a:latin typeface="Cambria Math" panose="02040503050406030204" pitchFamily="18" charset="0"/>
+                            <a:ea typeface="Cambria Math" panose="02040503050406030204" pitchFamily="18" charset="0"/>
+                          </a:rPr>
+                          <m:t>𝐻</m:t>
+                        </m:r>
+                        <m:r>
+                          <a:rPr lang="en-US" altLang="zh-CN" b="0" i="1" smtClean="0">
+                            <a:latin typeface="Cambria Math" panose="02040503050406030204" pitchFamily="18" charset="0"/>
+                            <a:ea typeface="Cambria Math" panose="02040503050406030204" pitchFamily="18" charset="0"/>
+                          </a:rPr>
+                          <m:t>×</m:t>
+                        </m:r>
+                        <m:r>
+                          <a:rPr lang="en-US" altLang="zh-CN" b="0" i="1" smtClean="0">
+                            <a:latin typeface="Cambria Math" panose="02040503050406030204" pitchFamily="18" charset="0"/>
+                            <a:ea typeface="Cambria Math" panose="02040503050406030204" pitchFamily="18" charset="0"/>
+                          </a:rPr>
+                          <m:t>𝑊</m:t>
+                        </m:r>
+                        <m:r>
+                          <a:rPr lang="en-US" altLang="zh-CN" b="0" i="1" smtClean="0">
+                            <a:latin typeface="Cambria Math" panose="02040503050406030204" pitchFamily="18" charset="0"/>
+                            <a:ea typeface="Cambria Math" panose="02040503050406030204" pitchFamily="18" charset="0"/>
+                          </a:rPr>
+                          <m:t>×2</m:t>
+                        </m:r>
+                      </m:sup>
+                    </m:sSubSup>
+                  </m:oMath>
+                </a14:m>
+                <a:r>
+                  <a:rPr lang="en-US" altLang="zh-CN" dirty="0"/>
+                  <a:t>, and the dimension 2 represents the classification of foreground anomalous part and the background.</a:t>
+                </a:r>
+              </a:p>
+            </p:txBody>
+          </p:sp>
+        </mc:Choice>
+        <mc:Fallback xmlns="">
+          <p:sp>
+            <p:nvSpPr>
+              <p:cNvPr id="5" name="内容占位符 4">
+                <a:extLst>
+                  <a:ext uri="{FF2B5EF4-FFF2-40B4-BE49-F238E27FC236}">
+                    <a16:creationId xmlns:a16="http://schemas.microsoft.com/office/drawing/2014/main" id="{7CCA9E6E-8FDB-96E0-EBA0-9DCC32D45C7A}"/>
+                  </a:ext>
+                </a:extLst>
+              </p:cNvPr>
+              <p:cNvSpPr>
+                <a:spLocks noGrp="1" noRot="1" noChangeAspect="1" noMove="1" noResize="1" noEditPoints="1" noAdjustHandles="1" noChangeArrowheads="1" noChangeShapeType="1" noTextEdit="1"/>
+              </p:cNvSpPr>
+              <p:nvPr>
+                <p:ph idx="1"/>
+              </p:nvPr>
+            </p:nvSpPr>
+            <p:spPr>
+              <a:xfrm>
+                <a:off x="3447535" y="0"/>
+                <a:ext cx="8744465" cy="6857999"/>
+              </a:xfrm>
+              <a:blipFill>
+                <a:blip r:embed="rId2"/>
+                <a:stretch>
+                  <a:fillRect l="-1813" t="-1867" r="-3068"/>
                 </a:stretch>
               </a:blipFill>
             </p:spPr>
@@ -4668,7 +7616,3516 @@
     </p:spTree>
     <p:extLst>
       <p:ext uri="{BB962C8B-B14F-4D97-AF65-F5344CB8AC3E}">
-        <p14:creationId xmlns:p14="http://schemas.microsoft.com/office/powerpoint/2010/main" val="3057393935"/>
+        <p14:creationId xmlns:p14="http://schemas.microsoft.com/office/powerpoint/2010/main" val="3889814761"/>
+      </p:ext>
+    </p:extLst>
+  </p:cSld>
+  <p:clrMapOvr>
+    <a:masterClrMapping/>
+  </p:clrMapOvr>
+</p:sld>
+</file>
+
+<file path=ppt/slides/slide15.xml><?xml version="1.0" encoding="utf-8"?>
+<p:sld xmlns:a="http://schemas.openxmlformats.org/drawingml/2006/main" xmlns:r="http://schemas.openxmlformats.org/officeDocument/2006/relationships" xmlns:p="http://schemas.openxmlformats.org/presentationml/2006/main">
+  <p:cSld>
+    <p:spTree>
+      <p:nvGrpSpPr>
+        <p:cNvPr id="1" name=""/>
+        <p:cNvGrpSpPr/>
+        <p:nvPr/>
+      </p:nvGrpSpPr>
+      <p:grpSpPr>
+        <a:xfrm>
+          <a:off x="0" y="0"/>
+          <a:ext cx="0" cy="0"/>
+          <a:chOff x="0" y="0"/>
+          <a:chExt cx="0" cy="0"/>
+        </a:xfrm>
+      </p:grpSpPr>
+      <p:sp>
+        <p:nvSpPr>
+          <p:cNvPr id="2" name="标题 1">
+            <a:extLst>
+              <a:ext uri="{FF2B5EF4-FFF2-40B4-BE49-F238E27FC236}">
+                <a16:creationId xmlns:a16="http://schemas.microsoft.com/office/drawing/2014/main" id="{20618421-B59A-AC9B-4C2B-A4D78327CE22}"/>
+              </a:ext>
+            </a:extLst>
+          </p:cNvPr>
+          <p:cNvSpPr>
+            <a:spLocks noGrp="1"/>
+          </p:cNvSpPr>
+          <p:nvPr>
+            <p:ph type="title"/>
+          </p:nvPr>
+        </p:nvSpPr>
+        <p:spPr>
+          <a:xfrm>
+            <a:off x="10597" y="14104"/>
+            <a:ext cx="3546860" cy="661086"/>
+          </a:xfrm>
+        </p:spPr>
+        <p:txBody>
+          <a:bodyPr/>
+          <a:lstStyle/>
+          <a:p>
+            <a:r>
+              <a:rPr lang="en-US" altLang="zh-CN" dirty="0"/>
+              <a:t>3.Methodology</a:t>
+            </a:r>
+            <a:endParaRPr lang="zh-CN" altLang="en-US" dirty="0"/>
+          </a:p>
+        </p:txBody>
+      </p:sp>
+      <p:sp>
+        <p:nvSpPr>
+          <p:cNvPr id="4" name="文本占位符 3">
+            <a:extLst>
+              <a:ext uri="{FF2B5EF4-FFF2-40B4-BE49-F238E27FC236}">
+                <a16:creationId xmlns:a16="http://schemas.microsoft.com/office/drawing/2014/main" id="{351E9848-A693-DC47-CE0F-2FA538003518}"/>
+              </a:ext>
+            </a:extLst>
+          </p:cNvPr>
+          <p:cNvSpPr>
+            <a:spLocks noGrp="1"/>
+          </p:cNvSpPr>
+          <p:nvPr>
+            <p:ph type="body" sz="half" idx="2"/>
+          </p:nvPr>
+        </p:nvSpPr>
+        <p:spPr>
+          <a:xfrm>
+            <a:off x="10596" y="675190"/>
+            <a:ext cx="3546861" cy="3811588"/>
+          </a:xfrm>
+        </p:spPr>
+        <p:txBody>
+          <a:bodyPr/>
+          <a:lstStyle/>
+          <a:p>
+            <a:r>
+              <a:rPr lang="en-US" altLang="zh-CN" dirty="0"/>
+              <a:t>3.1 CLIP and SAM Collaboration</a:t>
+            </a:r>
+          </a:p>
+          <a:p>
+            <a:r>
+              <a:rPr lang="en-US" altLang="zh-CN" dirty="0"/>
+              <a:t>3.2 Unified Multi-scale Cross-modal Interaction</a:t>
+            </a:r>
+          </a:p>
+          <a:p>
+            <a:r>
+              <a:rPr lang="en-US" altLang="zh-CN" dirty="0"/>
+              <a:t>3.3 </a:t>
+            </a:r>
+            <a:r>
+              <a:rPr lang="en-US" altLang="zh-CN" dirty="0">
+                <a:highlight>
+                  <a:srgbClr val="FFFF00"/>
+                </a:highlight>
+              </a:rPr>
+              <a:t>Multi-level Mask Refinement</a:t>
+            </a:r>
+          </a:p>
+          <a:p>
+            <a:r>
+              <a:rPr lang="en-US" altLang="zh-CN" dirty="0"/>
+              <a:t>3.4 Objective Function</a:t>
+            </a:r>
+            <a:endParaRPr lang="zh-CN" altLang="en-US" dirty="0"/>
+          </a:p>
+        </p:txBody>
+      </p:sp>
+      <mc:AlternateContent xmlns:mc="http://schemas.openxmlformats.org/markup-compatibility/2006" xmlns:a14="http://schemas.microsoft.com/office/drawing/2010/main">
+        <mc:Choice Requires="a14">
+          <p:sp>
+            <p:nvSpPr>
+              <p:cNvPr id="5" name="内容占位符 4">
+                <a:extLst>
+                  <a:ext uri="{FF2B5EF4-FFF2-40B4-BE49-F238E27FC236}">
+                    <a16:creationId xmlns:a16="http://schemas.microsoft.com/office/drawing/2014/main" id="{7CCA9E6E-8FDB-96E0-EBA0-9DCC32D45C7A}"/>
+                  </a:ext>
+                </a:extLst>
+              </p:cNvPr>
+              <p:cNvSpPr>
+                <a:spLocks noGrp="1"/>
+              </p:cNvSpPr>
+              <p:nvPr>
+                <p:ph idx="1"/>
+              </p:nvPr>
+            </p:nvSpPr>
+            <p:spPr>
+              <a:xfrm>
+                <a:off x="3447535" y="0"/>
+                <a:ext cx="8744465" cy="6857999"/>
+              </a:xfrm>
+            </p:spPr>
+            <p:txBody>
+              <a:bodyPr>
+                <a:normAutofit fontScale="92500" lnSpcReduction="20000"/>
+              </a:bodyPr>
+              <a:lstStyle/>
+              <a:p>
+                <a:pPr marL="0" indent="0">
+                  <a:buNone/>
+                </a:pPr>
+                <a:r>
+                  <a:rPr lang="en-US" altLang="zh-CN" sz="2800" dirty="0"/>
+                  <a:t>with the rough segmentation O from CLIP. we use MMR module to extract point and box to guide SAM to generate curate masks.</a:t>
+                </a:r>
+              </a:p>
+              <a:p>
+                <a:pPr marL="0" indent="0">
+                  <a:buNone/>
+                </a:pPr>
+                <a:r>
+                  <a:rPr lang="zh-CN" altLang="en-US" sz="2800" dirty="0"/>
+                  <a:t>①</a:t>
+                </a:r>
+                <a:r>
+                  <a:rPr lang="en-US" altLang="zh-CN" sz="2800" dirty="0"/>
+                  <a:t>. </a:t>
+                </a:r>
+                <a14:m>
+                  <m:oMath xmlns:m="http://schemas.openxmlformats.org/officeDocument/2006/math">
+                    <m:sSub>
+                      <m:sSubPr>
+                        <m:ctrlPr>
+                          <a:rPr lang="en-US" altLang="zh-CN" sz="2800" i="1" smtClean="0">
+                            <a:latin typeface="Cambria Math" panose="02040503050406030204" pitchFamily="18" charset="0"/>
+                          </a:rPr>
+                        </m:ctrlPr>
+                      </m:sSubPr>
+                      <m:e>
+                        <m:r>
+                          <a:rPr lang="en-US" altLang="zh-CN" sz="2800" b="0" i="1" smtClean="0">
+                            <a:latin typeface="Cambria Math" panose="02040503050406030204" pitchFamily="18" charset="0"/>
+                          </a:rPr>
+                          <m:t>𝑂</m:t>
+                        </m:r>
+                      </m:e>
+                      <m:sub>
+                        <m:r>
+                          <a:rPr lang="en-US" altLang="zh-CN" sz="2800" b="0" i="1" smtClean="0">
+                            <a:latin typeface="Cambria Math" panose="02040503050406030204" pitchFamily="18" charset="0"/>
+                          </a:rPr>
+                          <m:t>𝑓</m:t>
+                        </m:r>
+                      </m:sub>
+                    </m:sSub>
+                  </m:oMath>
+                </a14:m>
+                <a:r>
+                  <a:rPr lang="en-US" altLang="zh-CN" sz="2800" dirty="0"/>
+                  <a:t> denoted the foreground of the rough segmentation. is processed with a binarization step to obtain binary mask </a:t>
+                </a:r>
+                <a14:m>
+                  <m:oMath xmlns:m="http://schemas.openxmlformats.org/officeDocument/2006/math">
+                    <m:sSub>
+                      <m:sSubPr>
+                        <m:ctrlPr>
+                          <a:rPr lang="en-US" altLang="zh-CN" sz="2800" i="1" smtClean="0">
+                            <a:latin typeface="Cambria Math" panose="02040503050406030204" pitchFamily="18" charset="0"/>
+                          </a:rPr>
+                        </m:ctrlPr>
+                      </m:sSubPr>
+                      <m:e>
+                        <m:r>
+                          <a:rPr lang="en-US" altLang="zh-CN" sz="2800" b="0" i="1" smtClean="0">
+                            <a:latin typeface="Cambria Math" panose="02040503050406030204" pitchFamily="18" charset="0"/>
+                          </a:rPr>
+                          <m:t>𝑂</m:t>
+                        </m:r>
+                      </m:e>
+                      <m:sub>
+                        <m:r>
+                          <a:rPr lang="en-US" altLang="zh-CN" sz="2800" b="0" i="1" smtClean="0">
+                            <a:latin typeface="Cambria Math" panose="02040503050406030204" pitchFamily="18" charset="0"/>
+                          </a:rPr>
+                          <m:t>𝑏</m:t>
+                        </m:r>
+                      </m:sub>
+                    </m:sSub>
+                    <m:d>
+                      <m:dPr>
+                        <m:ctrlPr>
+                          <a:rPr lang="en-US" altLang="zh-CN" sz="2800" b="0" i="1" smtClean="0">
+                            <a:latin typeface="Cambria Math" panose="02040503050406030204" pitchFamily="18" charset="0"/>
+                          </a:rPr>
+                        </m:ctrlPr>
+                      </m:dPr>
+                      <m:e>
+                        <m:r>
+                          <a:rPr lang="en-US" altLang="zh-CN" sz="2800" b="0" i="1" smtClean="0">
+                            <a:latin typeface="Cambria Math" panose="02040503050406030204" pitchFamily="18" charset="0"/>
+                          </a:rPr>
+                          <m:t>𝑥</m:t>
+                        </m:r>
+                        <m:r>
+                          <a:rPr lang="en-US" altLang="zh-CN" sz="2800" b="0" i="1" smtClean="0">
+                            <a:latin typeface="Cambria Math" panose="02040503050406030204" pitchFamily="18" charset="0"/>
+                          </a:rPr>
+                          <m:t>, </m:t>
+                        </m:r>
+                        <m:r>
+                          <a:rPr lang="en-US" altLang="zh-CN" sz="2800" b="0" i="1" smtClean="0">
+                            <a:latin typeface="Cambria Math" panose="02040503050406030204" pitchFamily="18" charset="0"/>
+                          </a:rPr>
+                          <m:t>𝑦</m:t>
+                        </m:r>
+                      </m:e>
+                    </m:d>
+                  </m:oMath>
+                </a14:m>
+                <a:r>
+                  <a:rPr lang="en-US" altLang="zh-CN" sz="2800" dirty="0"/>
+                  <a:t>. Denote </a:t>
+                </a:r>
+                <a14:m>
+                  <m:oMath xmlns:m="http://schemas.openxmlformats.org/officeDocument/2006/math">
+                    <m:sSub>
+                      <m:sSubPr>
+                        <m:ctrlPr>
+                          <a:rPr lang="en-US" altLang="zh-CN" sz="2800" i="1" smtClean="0">
+                            <a:latin typeface="Cambria Math" panose="02040503050406030204" pitchFamily="18" charset="0"/>
+                          </a:rPr>
+                        </m:ctrlPr>
+                      </m:sSubPr>
+                      <m:e>
+                        <m:r>
+                          <a:rPr lang="en-US" altLang="zh-CN" sz="2800" b="0" i="1" smtClean="0">
+                            <a:latin typeface="Cambria Math" panose="02040503050406030204" pitchFamily="18" charset="0"/>
+                          </a:rPr>
+                          <m:t>𝑣</m:t>
+                        </m:r>
+                        <m:r>
+                          <a:rPr lang="en-US" altLang="zh-CN" sz="2800" b="0" i="1" smtClean="0">
+                            <a:latin typeface="Cambria Math" panose="02040503050406030204" pitchFamily="18" charset="0"/>
+                          </a:rPr>
+                          <m:t>(</m:t>
+                        </m:r>
+                        <m:r>
+                          <a:rPr lang="en-US" altLang="zh-CN" sz="2800" b="0" i="1" smtClean="0">
+                            <a:latin typeface="Cambria Math" panose="02040503050406030204" pitchFamily="18" charset="0"/>
+                          </a:rPr>
+                          <m:t>𝑥</m:t>
+                        </m:r>
+                        <m:r>
+                          <a:rPr lang="en-US" altLang="zh-CN" sz="2800" b="0" i="1" smtClean="0">
+                            <a:latin typeface="Cambria Math" panose="02040503050406030204" pitchFamily="18" charset="0"/>
+                          </a:rPr>
+                          <m:t>,</m:t>
+                        </m:r>
+                        <m:r>
+                          <a:rPr lang="en-US" altLang="zh-CN" sz="2800" b="0" i="1" smtClean="0">
+                            <a:latin typeface="Cambria Math" panose="02040503050406030204" pitchFamily="18" charset="0"/>
+                          </a:rPr>
+                          <m:t>𝑦</m:t>
+                        </m:r>
+                        <m:r>
+                          <a:rPr lang="en-US" altLang="zh-CN" sz="2800" b="0" i="1" smtClean="0">
+                            <a:latin typeface="Cambria Math" panose="02040503050406030204" pitchFamily="18" charset="0"/>
+                          </a:rPr>
+                          <m:t>)</m:t>
+                        </m:r>
+                      </m:e>
+                      <m:sub>
+                        <m:r>
+                          <a:rPr lang="en-US" altLang="zh-CN" sz="2800" b="0" i="1" smtClean="0">
+                            <a:latin typeface="Cambria Math" panose="02040503050406030204" pitchFamily="18" charset="0"/>
+                          </a:rPr>
+                          <m:t>𝑏</m:t>
+                        </m:r>
+                      </m:sub>
+                    </m:sSub>
+                  </m:oMath>
+                </a14:m>
+                <a:r>
+                  <a:rPr lang="en-US" altLang="zh-CN" sz="2800" dirty="0"/>
+                  <a:t> as the value of a pixel in </a:t>
+                </a:r>
+                <a14:m>
+                  <m:oMath xmlns:m="http://schemas.openxmlformats.org/officeDocument/2006/math">
+                    <m:sSub>
+                      <m:sSubPr>
+                        <m:ctrlPr>
+                          <a:rPr lang="en-US" altLang="zh-CN" sz="2800" i="1" smtClean="0">
+                            <a:latin typeface="Cambria Math" panose="02040503050406030204" pitchFamily="18" charset="0"/>
+                          </a:rPr>
+                        </m:ctrlPr>
+                      </m:sSubPr>
+                      <m:e>
+                        <m:r>
+                          <a:rPr lang="en-US" altLang="zh-CN" sz="2800" b="0" i="1" smtClean="0">
+                            <a:latin typeface="Cambria Math" panose="02040503050406030204" pitchFamily="18" charset="0"/>
+                          </a:rPr>
+                          <m:t>𝑂</m:t>
+                        </m:r>
+                      </m:e>
+                      <m:sub>
+                        <m:r>
+                          <a:rPr lang="en-US" altLang="zh-CN" sz="2800" b="0" i="1" smtClean="0">
+                            <a:latin typeface="Cambria Math" panose="02040503050406030204" pitchFamily="18" charset="0"/>
+                          </a:rPr>
+                          <m:t>𝑏</m:t>
+                        </m:r>
+                      </m:sub>
+                    </m:sSub>
+                  </m:oMath>
+                </a14:m>
+                <a:r>
+                  <a:rPr lang="en-US" altLang="zh-CN" sz="2800" dirty="0"/>
+                  <a:t>. where 1 corresponds to the anomalous pixels.</a:t>
+                </a:r>
+              </a:p>
+              <a:p>
+                <a:pPr marL="0" indent="0">
+                  <a:buNone/>
+                </a:pPr>
+                <a:r>
+                  <a:rPr lang="zh-CN" altLang="en-US" sz="2800" dirty="0"/>
+                  <a:t>②</a:t>
+                </a:r>
+                <a:r>
+                  <a:rPr lang="en-US" altLang="zh-CN" sz="2800" dirty="0"/>
+                  <a:t>. within the connected areas of </a:t>
+                </a:r>
+                <a14:m>
+                  <m:oMath xmlns:m="http://schemas.openxmlformats.org/officeDocument/2006/math">
+                    <m:sSub>
+                      <m:sSubPr>
+                        <m:ctrlPr>
+                          <a:rPr lang="en-US" altLang="zh-CN" sz="2800" i="1" smtClean="0">
+                            <a:latin typeface="Cambria Math" panose="02040503050406030204" pitchFamily="18" charset="0"/>
+                          </a:rPr>
+                        </m:ctrlPr>
+                      </m:sSubPr>
+                      <m:e>
+                        <m:r>
+                          <a:rPr lang="en-US" altLang="zh-CN" sz="2800" b="0" i="1" smtClean="0">
+                            <a:latin typeface="Cambria Math" panose="02040503050406030204" pitchFamily="18" charset="0"/>
+                          </a:rPr>
+                          <m:t>𝑂</m:t>
+                        </m:r>
+                      </m:e>
+                      <m:sub>
+                        <m:r>
+                          <a:rPr lang="en-US" altLang="zh-CN" sz="2800" b="0" i="1" smtClean="0">
+                            <a:latin typeface="Cambria Math" panose="02040503050406030204" pitchFamily="18" charset="0"/>
+                          </a:rPr>
+                          <m:t>𝑏</m:t>
+                        </m:r>
+                      </m:sub>
+                    </m:sSub>
+                  </m:oMath>
+                </a14:m>
+                <a:r>
+                  <a:rPr lang="en-US" altLang="zh-CN" sz="2800" dirty="0"/>
+                  <a:t>,  we identify some boxes and points to provide spatial prompts from SAM.</a:t>
+                </a:r>
+              </a:p>
+              <a:p>
+                <a:pPr marL="0" indent="0">
+                  <a:buNone/>
+                </a:pPr>
+                <a:r>
+                  <a:rPr lang="zh-CN" altLang="en-US" sz="2800" dirty="0"/>
+                  <a:t>③</a:t>
+                </a:r>
+                <a:r>
+                  <a:rPr lang="en-US" altLang="zh-CN" sz="2800" dirty="0"/>
+                  <a:t>. for points selection, m random points are chosen, represented as </a:t>
+                </a:r>
+                <a14:m>
+                  <m:oMath xmlns:m="http://schemas.openxmlformats.org/officeDocument/2006/math">
+                    <m:sSub>
+                      <m:sSubPr>
+                        <m:ctrlPr>
+                          <a:rPr lang="en-US" altLang="zh-CN" sz="2800" i="1" smtClean="0">
+                            <a:latin typeface="Cambria Math" panose="02040503050406030204" pitchFamily="18" charset="0"/>
+                          </a:rPr>
+                        </m:ctrlPr>
+                      </m:sSubPr>
+                      <m:e>
+                        <m:r>
+                          <a:rPr lang="en-US" altLang="zh-CN" sz="2800" b="0" i="1" smtClean="0">
+                            <a:latin typeface="Cambria Math" panose="02040503050406030204" pitchFamily="18" charset="0"/>
+                          </a:rPr>
+                          <m:t>𝑆</m:t>
+                        </m:r>
+                      </m:e>
+                      <m:sub>
+                        <m:r>
+                          <a:rPr lang="en-US" altLang="zh-CN" sz="2800" b="0" i="1" smtClean="0">
+                            <a:latin typeface="Cambria Math" panose="02040503050406030204" pitchFamily="18" charset="0"/>
+                          </a:rPr>
+                          <m:t>𝑝</m:t>
+                        </m:r>
+                      </m:sub>
+                    </m:sSub>
+                    <m:r>
+                      <a:rPr lang="en-US" altLang="zh-CN" sz="2800" b="0" i="1" smtClean="0">
+                        <a:latin typeface="Cambria Math" panose="02040503050406030204" pitchFamily="18" charset="0"/>
+                      </a:rPr>
+                      <m:t>=[</m:t>
+                    </m:r>
+                    <m:d>
+                      <m:dPr>
+                        <m:ctrlPr>
+                          <a:rPr lang="en-US" altLang="zh-CN" sz="2800" b="0" i="1" smtClean="0">
+                            <a:latin typeface="Cambria Math" panose="02040503050406030204" pitchFamily="18" charset="0"/>
+                          </a:rPr>
+                        </m:ctrlPr>
+                      </m:dPr>
+                      <m:e>
+                        <m:sSub>
+                          <m:sSubPr>
+                            <m:ctrlPr>
+                              <a:rPr lang="en-US" altLang="zh-CN" sz="2800" i="1" smtClean="0">
+                                <a:latin typeface="Cambria Math" panose="02040503050406030204" pitchFamily="18" charset="0"/>
+                              </a:rPr>
+                            </m:ctrlPr>
+                          </m:sSubPr>
+                          <m:e>
+                            <m:r>
+                              <a:rPr lang="en-US" altLang="zh-CN" sz="2800" b="0" i="1" smtClean="0">
+                                <a:latin typeface="Cambria Math" panose="02040503050406030204" pitchFamily="18" charset="0"/>
+                              </a:rPr>
+                              <m:t>𝑥</m:t>
+                            </m:r>
+                          </m:e>
+                          <m:sub>
+                            <m:r>
+                              <a:rPr lang="en-US" altLang="zh-CN" sz="2800" b="0" i="1" smtClean="0">
+                                <a:latin typeface="Cambria Math" panose="02040503050406030204" pitchFamily="18" charset="0"/>
+                              </a:rPr>
+                              <m:t>𝑝</m:t>
+                            </m:r>
+                            <m:r>
+                              <a:rPr lang="en-US" altLang="zh-CN" sz="2800" b="0" i="1" smtClean="0">
+                                <a:latin typeface="Cambria Math" panose="02040503050406030204" pitchFamily="18" charset="0"/>
+                              </a:rPr>
+                              <m:t>1</m:t>
+                            </m:r>
+                          </m:sub>
+                        </m:sSub>
+                        <m:r>
+                          <a:rPr lang="en-US" altLang="zh-CN" sz="2800" b="0" i="1" smtClean="0">
+                            <a:latin typeface="Cambria Math" panose="02040503050406030204" pitchFamily="18" charset="0"/>
+                          </a:rPr>
+                          <m:t>,</m:t>
+                        </m:r>
+                        <m:sSub>
+                          <m:sSubPr>
+                            <m:ctrlPr>
+                              <a:rPr lang="en-US" altLang="zh-CN" sz="2800" i="1" smtClean="0">
+                                <a:latin typeface="Cambria Math" panose="02040503050406030204" pitchFamily="18" charset="0"/>
+                              </a:rPr>
+                            </m:ctrlPr>
+                          </m:sSubPr>
+                          <m:e>
+                            <m:r>
+                              <a:rPr lang="en-US" altLang="zh-CN" sz="2800" b="0" i="1" smtClean="0">
+                                <a:latin typeface="Cambria Math" panose="02040503050406030204" pitchFamily="18" charset="0"/>
+                              </a:rPr>
+                              <m:t>𝑦</m:t>
+                            </m:r>
+                          </m:e>
+                          <m:sub>
+                            <m:r>
+                              <a:rPr lang="en-US" altLang="zh-CN" sz="2800" b="0" i="1" smtClean="0">
+                                <a:latin typeface="Cambria Math" panose="02040503050406030204" pitchFamily="18" charset="0"/>
+                              </a:rPr>
+                              <m:t>𝑝</m:t>
+                            </m:r>
+                            <m:r>
+                              <a:rPr lang="en-US" altLang="zh-CN" sz="2800" b="0" i="1" smtClean="0">
+                                <a:latin typeface="Cambria Math" panose="02040503050406030204" pitchFamily="18" charset="0"/>
+                              </a:rPr>
+                              <m:t>1</m:t>
+                            </m:r>
+                          </m:sub>
+                        </m:sSub>
+                      </m:e>
+                    </m:d>
+                    <m:r>
+                      <a:rPr lang="en-US" altLang="zh-CN" sz="2800" b="0" i="1" smtClean="0">
+                        <a:latin typeface="Cambria Math" panose="02040503050406030204" pitchFamily="18" charset="0"/>
+                      </a:rPr>
+                      <m:t>, …,</m:t>
+                    </m:r>
+                    <m:d>
+                      <m:dPr>
+                        <m:ctrlPr>
+                          <a:rPr lang="en-US" altLang="zh-CN" sz="2800" b="0" i="1" smtClean="0">
+                            <a:latin typeface="Cambria Math" panose="02040503050406030204" pitchFamily="18" charset="0"/>
+                          </a:rPr>
+                        </m:ctrlPr>
+                      </m:dPr>
+                      <m:e>
+                        <m:sSub>
+                          <m:sSubPr>
+                            <m:ctrlPr>
+                              <a:rPr lang="en-US" altLang="zh-CN" sz="2800" i="1" smtClean="0">
+                                <a:latin typeface="Cambria Math" panose="02040503050406030204" pitchFamily="18" charset="0"/>
+                              </a:rPr>
+                            </m:ctrlPr>
+                          </m:sSubPr>
+                          <m:e>
+                            <m:r>
+                              <a:rPr lang="en-US" altLang="zh-CN" sz="2800" b="0" i="1" smtClean="0">
+                                <a:latin typeface="Cambria Math" panose="02040503050406030204" pitchFamily="18" charset="0"/>
+                              </a:rPr>
+                              <m:t>𝑥</m:t>
+                            </m:r>
+                          </m:e>
+                          <m:sub>
+                            <m:r>
+                              <a:rPr lang="en-US" altLang="zh-CN" sz="2800" b="0" i="1" smtClean="0">
+                                <a:latin typeface="Cambria Math" panose="02040503050406030204" pitchFamily="18" charset="0"/>
+                              </a:rPr>
+                              <m:t>𝑝𝑚</m:t>
+                            </m:r>
+                          </m:sub>
+                        </m:sSub>
+                        <m:r>
+                          <a:rPr lang="en-US" altLang="zh-CN" sz="2800" b="0" i="1" smtClean="0">
+                            <a:latin typeface="Cambria Math" panose="02040503050406030204" pitchFamily="18" charset="0"/>
+                          </a:rPr>
+                          <m:t>,</m:t>
+                        </m:r>
+                        <m:sSub>
+                          <m:sSubPr>
+                            <m:ctrlPr>
+                              <a:rPr lang="en-US" altLang="zh-CN" sz="2800" i="1" smtClean="0">
+                                <a:latin typeface="Cambria Math" panose="02040503050406030204" pitchFamily="18" charset="0"/>
+                              </a:rPr>
+                            </m:ctrlPr>
+                          </m:sSubPr>
+                          <m:e>
+                            <m:r>
+                              <a:rPr lang="en-US" altLang="zh-CN" sz="2800" b="0" i="1" smtClean="0">
+                                <a:latin typeface="Cambria Math" panose="02040503050406030204" pitchFamily="18" charset="0"/>
+                              </a:rPr>
+                              <m:t>𝑦</m:t>
+                            </m:r>
+                          </m:e>
+                          <m:sub>
+                            <m:r>
+                              <a:rPr lang="en-US" altLang="zh-CN" sz="2800" b="0" i="1" smtClean="0">
+                                <a:latin typeface="Cambria Math" panose="02040503050406030204" pitchFamily="18" charset="0"/>
+                              </a:rPr>
+                              <m:t>𝑝𝑚</m:t>
+                            </m:r>
+                          </m:sub>
+                        </m:sSub>
+                      </m:e>
+                    </m:d>
+                    <m:r>
+                      <a:rPr lang="en-US" altLang="zh-CN" sz="2800" b="0" i="1" smtClean="0">
+                        <a:latin typeface="Cambria Math" panose="02040503050406030204" pitchFamily="18" charset="0"/>
+                      </a:rPr>
+                      <m:t>]</m:t>
+                    </m:r>
+                  </m:oMath>
+                </a14:m>
+                <a:endParaRPr lang="en-US" altLang="zh-CN" sz="2800" dirty="0"/>
+              </a:p>
+              <a:p>
+                <a:pPr marL="0" indent="0">
+                  <a:buNone/>
+                </a:pPr>
+                <a:r>
+                  <a:rPr lang="zh-CN" altLang="en-US" sz="2800" dirty="0"/>
+                  <a:t>④</a:t>
+                </a:r>
+                <a:r>
+                  <a:rPr lang="en-US" altLang="zh-CN" sz="2800" dirty="0"/>
+                  <a:t>. for boxed selection, it based on the size of connected regions in the </a:t>
+                </a:r>
+                <a14:m>
+                  <m:oMath xmlns:m="http://schemas.openxmlformats.org/officeDocument/2006/math">
+                    <m:sSub>
+                      <m:sSubPr>
+                        <m:ctrlPr>
+                          <a:rPr lang="en-US" altLang="zh-CN" sz="2800" i="1" smtClean="0">
+                            <a:latin typeface="Cambria Math" panose="02040503050406030204" pitchFamily="18" charset="0"/>
+                          </a:rPr>
+                        </m:ctrlPr>
+                      </m:sSubPr>
+                      <m:e>
+                        <m:r>
+                          <a:rPr lang="en-US" altLang="zh-CN" sz="2800" b="0" i="1" smtClean="0">
+                            <a:latin typeface="Cambria Math" panose="02040503050406030204" pitchFamily="18" charset="0"/>
+                          </a:rPr>
+                          <m:t>𝑂</m:t>
+                        </m:r>
+                      </m:e>
+                      <m:sub>
+                        <m:r>
+                          <a:rPr lang="en-US" altLang="zh-CN" sz="2800" b="0" i="1" smtClean="0">
+                            <a:latin typeface="Cambria Math" panose="02040503050406030204" pitchFamily="18" charset="0"/>
+                          </a:rPr>
+                          <m:t>𝑏</m:t>
+                        </m:r>
+                      </m:sub>
+                    </m:sSub>
+                  </m:oMath>
+                </a14:m>
+                <a:r>
+                  <a:rPr lang="en-US" altLang="zh-CN" sz="2800" dirty="0"/>
+                  <a:t>. the i-</a:t>
+                </a:r>
+                <a:r>
+                  <a:rPr lang="en-US" altLang="zh-CN" sz="2800" dirty="0" err="1"/>
+                  <a:t>th</a:t>
+                </a:r>
+                <a:r>
+                  <a:rPr lang="en-US" altLang="zh-CN" sz="2800" dirty="0"/>
+                  <a:t> box denoted by </a:t>
+                </a:r>
+                <a14:m>
+                  <m:oMath xmlns:m="http://schemas.openxmlformats.org/officeDocument/2006/math">
+                    <m:sSub>
+                      <m:sSubPr>
+                        <m:ctrlPr>
+                          <a:rPr lang="en-US" altLang="zh-CN" sz="2800" i="1" smtClean="0">
+                            <a:latin typeface="Cambria Math" panose="02040503050406030204" pitchFamily="18" charset="0"/>
+                          </a:rPr>
+                        </m:ctrlPr>
+                      </m:sSubPr>
+                      <m:e>
+                        <m:r>
+                          <a:rPr lang="en-US" altLang="zh-CN" sz="2800" b="0" i="1" smtClean="0">
+                            <a:latin typeface="Cambria Math" panose="02040503050406030204" pitchFamily="18" charset="0"/>
+                          </a:rPr>
+                          <m:t>𝑆</m:t>
+                        </m:r>
+                      </m:e>
+                      <m:sub>
+                        <m:r>
+                          <a:rPr lang="en-US" altLang="zh-CN" sz="2800" b="0" i="1" smtClean="0">
+                            <a:latin typeface="Cambria Math" panose="02040503050406030204" pitchFamily="18" charset="0"/>
+                          </a:rPr>
+                          <m:t>𝑏𝑖</m:t>
+                        </m:r>
+                      </m:sub>
+                    </m:sSub>
+                    <m:r>
+                      <a:rPr lang="en-US" altLang="zh-CN" sz="2800" b="0" i="1" smtClean="0">
+                        <a:latin typeface="Cambria Math" panose="02040503050406030204" pitchFamily="18" charset="0"/>
+                      </a:rPr>
+                      <m:t>=</m:t>
+                    </m:r>
+                    <m:d>
+                      <m:dPr>
+                        <m:ctrlPr>
+                          <a:rPr lang="en-US" altLang="zh-CN" sz="2800" b="0" i="1" smtClean="0">
+                            <a:latin typeface="Cambria Math" panose="02040503050406030204" pitchFamily="18" charset="0"/>
+                          </a:rPr>
+                        </m:ctrlPr>
+                      </m:dPr>
+                      <m:e>
+                        <m:sSub>
+                          <m:sSubPr>
+                            <m:ctrlPr>
+                              <a:rPr lang="en-US" altLang="zh-CN" sz="2800" i="1" smtClean="0">
+                                <a:latin typeface="Cambria Math" panose="02040503050406030204" pitchFamily="18" charset="0"/>
+                              </a:rPr>
+                            </m:ctrlPr>
+                          </m:sSubPr>
+                          <m:e>
+                            <m:r>
+                              <a:rPr lang="en-US" altLang="zh-CN" sz="2800" b="0" i="1" smtClean="0">
+                                <a:latin typeface="Cambria Math" panose="02040503050406030204" pitchFamily="18" charset="0"/>
+                              </a:rPr>
+                              <m:t>𝑥</m:t>
+                            </m:r>
+                          </m:e>
+                          <m:sub>
+                            <m:r>
+                              <a:rPr lang="en-US" altLang="zh-CN" sz="2800" b="0" i="1" smtClean="0">
+                                <a:latin typeface="Cambria Math" panose="02040503050406030204" pitchFamily="18" charset="0"/>
+                              </a:rPr>
+                              <m:t>𝑏𝑖</m:t>
+                            </m:r>
+                          </m:sub>
+                        </m:sSub>
+                        <m:r>
+                          <a:rPr lang="en-US" altLang="zh-CN" sz="2800" b="0" i="1" smtClean="0">
+                            <a:latin typeface="Cambria Math" panose="02040503050406030204" pitchFamily="18" charset="0"/>
+                          </a:rPr>
+                          <m:t>,</m:t>
+                        </m:r>
+                        <m:sSub>
+                          <m:sSubPr>
+                            <m:ctrlPr>
+                              <a:rPr lang="en-US" altLang="zh-CN" sz="2800" i="1" smtClean="0">
+                                <a:latin typeface="Cambria Math" panose="02040503050406030204" pitchFamily="18" charset="0"/>
+                              </a:rPr>
+                            </m:ctrlPr>
+                          </m:sSubPr>
+                          <m:e>
+                            <m:r>
+                              <a:rPr lang="en-US" altLang="zh-CN" sz="2800" b="0" i="1" smtClean="0">
+                                <a:latin typeface="Cambria Math" panose="02040503050406030204" pitchFamily="18" charset="0"/>
+                              </a:rPr>
+                              <m:t>𝑦</m:t>
+                            </m:r>
+                          </m:e>
+                          <m:sub>
+                            <m:r>
+                              <a:rPr lang="en-US" altLang="zh-CN" sz="2800" b="0" i="1" smtClean="0">
+                                <a:latin typeface="Cambria Math" panose="02040503050406030204" pitchFamily="18" charset="0"/>
+                              </a:rPr>
+                              <m:t>𝑏𝑖</m:t>
+                            </m:r>
+                          </m:sub>
+                        </m:sSub>
+                        <m:r>
+                          <a:rPr lang="en-US" altLang="zh-CN" sz="2800" b="0" i="1" smtClean="0">
+                            <a:latin typeface="Cambria Math" panose="02040503050406030204" pitchFamily="18" charset="0"/>
+                          </a:rPr>
+                          <m:t>,</m:t>
+                        </m:r>
+                        <m:sSub>
+                          <m:sSubPr>
+                            <m:ctrlPr>
+                              <a:rPr lang="en-US" altLang="zh-CN" sz="2800" i="1" smtClean="0">
+                                <a:latin typeface="Cambria Math" panose="02040503050406030204" pitchFamily="18" charset="0"/>
+                              </a:rPr>
+                            </m:ctrlPr>
+                          </m:sSubPr>
+                          <m:e>
+                            <m:r>
+                              <a:rPr lang="en-US" altLang="zh-CN" sz="2800" b="0" i="1" smtClean="0">
+                                <a:latin typeface="Cambria Math" panose="02040503050406030204" pitchFamily="18" charset="0"/>
+                              </a:rPr>
+                              <m:t>h</m:t>
+                            </m:r>
+                          </m:e>
+                          <m:sub>
+                            <m:r>
+                              <a:rPr lang="en-US" altLang="zh-CN" sz="2800" b="0" i="1" smtClean="0">
+                                <a:latin typeface="Cambria Math" panose="02040503050406030204" pitchFamily="18" charset="0"/>
+                              </a:rPr>
+                              <m:t>𝑏𝑖</m:t>
+                            </m:r>
+                          </m:sub>
+                        </m:sSub>
+                        <m:r>
+                          <a:rPr lang="en-US" altLang="zh-CN" sz="2800" b="0" i="1" smtClean="0">
+                            <a:latin typeface="Cambria Math" panose="02040503050406030204" pitchFamily="18" charset="0"/>
+                          </a:rPr>
+                          <m:t>,</m:t>
+                        </m:r>
+                        <m:sSub>
+                          <m:sSubPr>
+                            <m:ctrlPr>
+                              <a:rPr lang="en-US" altLang="zh-CN" sz="2800" i="1" smtClean="0">
+                                <a:latin typeface="Cambria Math" panose="02040503050406030204" pitchFamily="18" charset="0"/>
+                              </a:rPr>
+                            </m:ctrlPr>
+                          </m:sSubPr>
+                          <m:e>
+                            <m:r>
+                              <a:rPr lang="en-US" altLang="zh-CN" sz="2800" b="0" i="1" smtClean="0">
+                                <a:latin typeface="Cambria Math" panose="02040503050406030204" pitchFamily="18" charset="0"/>
+                              </a:rPr>
+                              <m:t>𝑤</m:t>
+                            </m:r>
+                          </m:e>
+                          <m:sub>
+                            <m:r>
+                              <a:rPr lang="en-US" altLang="zh-CN" sz="2800" b="0" i="1" smtClean="0">
+                                <a:latin typeface="Cambria Math" panose="02040503050406030204" pitchFamily="18" charset="0"/>
+                              </a:rPr>
+                              <m:t>𝑏𝑖</m:t>
+                            </m:r>
+                          </m:sub>
+                        </m:sSub>
+                      </m:e>
+                    </m:d>
+                  </m:oMath>
+                </a14:m>
+                <a:r>
+                  <a:rPr lang="en-US" altLang="zh-CN" sz="2800" dirty="0"/>
+                  <a:t>, so </a:t>
+                </a:r>
+                <a14:m>
+                  <m:oMath xmlns:m="http://schemas.openxmlformats.org/officeDocument/2006/math">
+                    <m:sSub>
+                      <m:sSubPr>
+                        <m:ctrlPr>
+                          <a:rPr lang="en-US" altLang="zh-CN" sz="2800" i="1" smtClean="0">
+                            <a:latin typeface="Cambria Math" panose="02040503050406030204" pitchFamily="18" charset="0"/>
+                          </a:rPr>
+                        </m:ctrlPr>
+                      </m:sSubPr>
+                      <m:e>
+                        <m:r>
+                          <a:rPr lang="en-US" altLang="zh-CN" sz="2800" b="0" i="1" smtClean="0">
+                            <a:latin typeface="Cambria Math" panose="02040503050406030204" pitchFamily="18" charset="0"/>
+                          </a:rPr>
+                          <m:t>𝑆</m:t>
+                        </m:r>
+                      </m:e>
+                      <m:sub>
+                        <m:r>
+                          <a:rPr lang="en-US" altLang="zh-CN" sz="2800" b="0" i="1" smtClean="0">
+                            <a:latin typeface="Cambria Math" panose="02040503050406030204" pitchFamily="18" charset="0"/>
+                          </a:rPr>
+                          <m:t>𝑝</m:t>
+                        </m:r>
+                      </m:sub>
+                    </m:sSub>
+                    <m:r>
+                      <a:rPr lang="en-US" altLang="zh-CN" sz="2800" b="0" i="1" smtClean="0">
+                        <a:latin typeface="Cambria Math" panose="02040503050406030204" pitchFamily="18" charset="0"/>
+                      </a:rPr>
+                      <m:t>=[</m:t>
+                    </m:r>
+                    <m:d>
+                      <m:dPr>
+                        <m:ctrlPr>
+                          <a:rPr lang="en-US" altLang="zh-CN" sz="2800" b="0" i="1" smtClean="0">
+                            <a:latin typeface="Cambria Math" panose="02040503050406030204" pitchFamily="18" charset="0"/>
+                          </a:rPr>
+                        </m:ctrlPr>
+                      </m:dPr>
+                      <m:e>
+                        <m:sSub>
+                          <m:sSubPr>
+                            <m:ctrlPr>
+                              <a:rPr lang="en-US" altLang="zh-CN" sz="2800" i="1" smtClean="0">
+                                <a:latin typeface="Cambria Math" panose="02040503050406030204" pitchFamily="18" charset="0"/>
+                              </a:rPr>
+                            </m:ctrlPr>
+                          </m:sSubPr>
+                          <m:e>
+                            <m:r>
+                              <a:rPr lang="en-US" altLang="zh-CN" sz="2800" b="0" i="1" smtClean="0">
+                                <a:latin typeface="Cambria Math" panose="02040503050406030204" pitchFamily="18" charset="0"/>
+                              </a:rPr>
+                              <m:t>𝑥</m:t>
+                            </m:r>
+                          </m:e>
+                          <m:sub>
+                            <m:r>
+                              <a:rPr lang="en-US" altLang="zh-CN" sz="2800" b="0" i="1" smtClean="0">
+                                <a:latin typeface="Cambria Math" panose="02040503050406030204" pitchFamily="18" charset="0"/>
+                              </a:rPr>
+                              <m:t>𝑏</m:t>
+                            </m:r>
+                            <m:r>
+                              <a:rPr lang="en-US" altLang="zh-CN" sz="2800" b="0" i="1" smtClean="0">
+                                <a:latin typeface="Cambria Math" panose="02040503050406030204" pitchFamily="18" charset="0"/>
+                              </a:rPr>
+                              <m:t>1</m:t>
+                            </m:r>
+                          </m:sub>
+                        </m:sSub>
+                        <m:r>
+                          <a:rPr lang="en-US" altLang="zh-CN" sz="2800" b="0" i="1" smtClean="0">
+                            <a:latin typeface="Cambria Math" panose="02040503050406030204" pitchFamily="18" charset="0"/>
+                          </a:rPr>
+                          <m:t>,</m:t>
+                        </m:r>
+                        <m:sSub>
+                          <m:sSubPr>
+                            <m:ctrlPr>
+                              <a:rPr lang="en-US" altLang="zh-CN" sz="2800" i="1" smtClean="0">
+                                <a:latin typeface="Cambria Math" panose="02040503050406030204" pitchFamily="18" charset="0"/>
+                              </a:rPr>
+                            </m:ctrlPr>
+                          </m:sSubPr>
+                          <m:e>
+                            <m:r>
+                              <a:rPr lang="en-US" altLang="zh-CN" sz="2800" b="0" i="1" smtClean="0">
+                                <a:latin typeface="Cambria Math" panose="02040503050406030204" pitchFamily="18" charset="0"/>
+                              </a:rPr>
+                              <m:t>𝑦</m:t>
+                            </m:r>
+                          </m:e>
+                          <m:sub>
+                            <m:r>
+                              <a:rPr lang="en-US" altLang="zh-CN" sz="2800" b="0" i="1" smtClean="0">
+                                <a:latin typeface="Cambria Math" panose="02040503050406030204" pitchFamily="18" charset="0"/>
+                              </a:rPr>
+                              <m:t>𝑏</m:t>
+                            </m:r>
+                            <m:r>
+                              <a:rPr lang="en-US" altLang="zh-CN" sz="2800" b="0" i="1" smtClean="0">
+                                <a:latin typeface="Cambria Math" panose="02040503050406030204" pitchFamily="18" charset="0"/>
+                              </a:rPr>
+                              <m:t>1</m:t>
+                            </m:r>
+                          </m:sub>
+                        </m:sSub>
+                        <m:r>
+                          <a:rPr lang="en-US" altLang="zh-CN" sz="2800" b="0" i="1" smtClean="0">
+                            <a:latin typeface="Cambria Math" panose="02040503050406030204" pitchFamily="18" charset="0"/>
+                          </a:rPr>
+                          <m:t>,</m:t>
+                        </m:r>
+                        <m:sSub>
+                          <m:sSubPr>
+                            <m:ctrlPr>
+                              <a:rPr lang="en-US" altLang="zh-CN" sz="2800" i="1" smtClean="0">
+                                <a:latin typeface="Cambria Math" panose="02040503050406030204" pitchFamily="18" charset="0"/>
+                              </a:rPr>
+                            </m:ctrlPr>
+                          </m:sSubPr>
+                          <m:e>
+                            <m:r>
+                              <a:rPr lang="en-US" altLang="zh-CN" sz="2800" b="0" i="1" smtClean="0">
+                                <a:latin typeface="Cambria Math" panose="02040503050406030204" pitchFamily="18" charset="0"/>
+                              </a:rPr>
+                              <m:t>h</m:t>
+                            </m:r>
+                          </m:e>
+                          <m:sub>
+                            <m:r>
+                              <a:rPr lang="en-US" altLang="zh-CN" sz="2800" b="0" i="1" smtClean="0">
+                                <a:latin typeface="Cambria Math" panose="02040503050406030204" pitchFamily="18" charset="0"/>
+                              </a:rPr>
+                              <m:t>𝑏</m:t>
+                            </m:r>
+                            <m:r>
+                              <a:rPr lang="en-US" altLang="zh-CN" sz="2800" b="0" i="1" smtClean="0">
+                                <a:latin typeface="Cambria Math" panose="02040503050406030204" pitchFamily="18" charset="0"/>
+                              </a:rPr>
+                              <m:t>1</m:t>
+                            </m:r>
+                          </m:sub>
+                        </m:sSub>
+                        <m:r>
+                          <a:rPr lang="en-US" altLang="zh-CN" sz="2800" b="0" i="1" smtClean="0">
+                            <a:latin typeface="Cambria Math" panose="02040503050406030204" pitchFamily="18" charset="0"/>
+                          </a:rPr>
+                          <m:t>,</m:t>
+                        </m:r>
+                        <m:sSub>
+                          <m:sSubPr>
+                            <m:ctrlPr>
+                              <a:rPr lang="en-US" altLang="zh-CN" sz="2800" i="1" smtClean="0">
+                                <a:latin typeface="Cambria Math" panose="02040503050406030204" pitchFamily="18" charset="0"/>
+                              </a:rPr>
+                            </m:ctrlPr>
+                          </m:sSubPr>
+                          <m:e>
+                            <m:r>
+                              <a:rPr lang="en-US" altLang="zh-CN" sz="2800" b="0" i="1" smtClean="0">
+                                <a:latin typeface="Cambria Math" panose="02040503050406030204" pitchFamily="18" charset="0"/>
+                              </a:rPr>
+                              <m:t>𝑤</m:t>
+                            </m:r>
+                          </m:e>
+                          <m:sub>
+                            <m:r>
+                              <a:rPr lang="en-US" altLang="zh-CN" sz="2800" b="0" i="1" smtClean="0">
+                                <a:latin typeface="Cambria Math" panose="02040503050406030204" pitchFamily="18" charset="0"/>
+                              </a:rPr>
+                              <m:t>𝑏</m:t>
+                            </m:r>
+                            <m:r>
+                              <a:rPr lang="en-US" altLang="zh-CN" sz="2800" b="0" i="1" smtClean="0">
+                                <a:latin typeface="Cambria Math" panose="02040503050406030204" pitchFamily="18" charset="0"/>
+                              </a:rPr>
+                              <m:t>1</m:t>
+                            </m:r>
+                          </m:sub>
+                        </m:sSub>
+                      </m:e>
+                    </m:d>
+                  </m:oMath>
+                </a14:m>
+                <a:r>
+                  <a:rPr lang="en-US" altLang="zh-CN" sz="2800" dirty="0"/>
+                  <a:t>, </a:t>
+                </a:r>
+                <a14:m>
+                  <m:oMath xmlns:m="http://schemas.openxmlformats.org/officeDocument/2006/math">
+                    <m:d>
+                      <m:dPr>
+                        <m:ctrlPr>
+                          <a:rPr lang="en-US" altLang="zh-CN" sz="2800" b="0" i="1" smtClean="0">
+                            <a:latin typeface="Cambria Math" panose="02040503050406030204" pitchFamily="18" charset="0"/>
+                          </a:rPr>
+                        </m:ctrlPr>
+                      </m:dPr>
+                      <m:e>
+                        <m:sSub>
+                          <m:sSubPr>
+                            <m:ctrlPr>
+                              <a:rPr lang="en-US" altLang="zh-CN" sz="2800" i="1" smtClean="0">
+                                <a:latin typeface="Cambria Math" panose="02040503050406030204" pitchFamily="18" charset="0"/>
+                              </a:rPr>
+                            </m:ctrlPr>
+                          </m:sSubPr>
+                          <m:e>
+                            <m:r>
+                              <a:rPr lang="en-US" altLang="zh-CN" sz="2800" b="0" i="1" smtClean="0">
+                                <a:latin typeface="Cambria Math" panose="02040503050406030204" pitchFamily="18" charset="0"/>
+                              </a:rPr>
+                              <m:t>𝑥</m:t>
+                            </m:r>
+                          </m:e>
+                          <m:sub>
+                            <m:r>
+                              <a:rPr lang="en-US" altLang="zh-CN" sz="2800" b="0" i="1" smtClean="0">
+                                <a:latin typeface="Cambria Math" panose="02040503050406030204" pitchFamily="18" charset="0"/>
+                              </a:rPr>
+                              <m:t>𝑏</m:t>
+                            </m:r>
+                            <m:r>
+                              <a:rPr lang="en-US" altLang="zh-CN" sz="2800" b="0" i="1" smtClean="0">
+                                <a:latin typeface="Cambria Math" panose="02040503050406030204" pitchFamily="18" charset="0"/>
+                              </a:rPr>
+                              <m:t>2</m:t>
+                            </m:r>
+                          </m:sub>
+                        </m:sSub>
+                        <m:r>
+                          <a:rPr lang="en-US" altLang="zh-CN" sz="2800" b="0" i="1" smtClean="0">
+                            <a:latin typeface="Cambria Math" panose="02040503050406030204" pitchFamily="18" charset="0"/>
+                          </a:rPr>
+                          <m:t>,</m:t>
+                        </m:r>
+                        <m:sSub>
+                          <m:sSubPr>
+                            <m:ctrlPr>
+                              <a:rPr lang="en-US" altLang="zh-CN" sz="2800" i="1" smtClean="0">
+                                <a:latin typeface="Cambria Math" panose="02040503050406030204" pitchFamily="18" charset="0"/>
+                              </a:rPr>
+                            </m:ctrlPr>
+                          </m:sSubPr>
+                          <m:e>
+                            <m:r>
+                              <a:rPr lang="en-US" altLang="zh-CN" sz="2800" b="0" i="1" smtClean="0">
+                                <a:latin typeface="Cambria Math" panose="02040503050406030204" pitchFamily="18" charset="0"/>
+                              </a:rPr>
+                              <m:t>𝑦</m:t>
+                            </m:r>
+                          </m:e>
+                          <m:sub>
+                            <m:r>
+                              <a:rPr lang="en-US" altLang="zh-CN" sz="2800" b="0" i="1" smtClean="0">
+                                <a:latin typeface="Cambria Math" panose="02040503050406030204" pitchFamily="18" charset="0"/>
+                              </a:rPr>
+                              <m:t>𝑏</m:t>
+                            </m:r>
+                            <m:r>
+                              <a:rPr lang="en-US" altLang="zh-CN" sz="2800" b="0" i="1" smtClean="0">
+                                <a:latin typeface="Cambria Math" panose="02040503050406030204" pitchFamily="18" charset="0"/>
+                              </a:rPr>
+                              <m:t>2</m:t>
+                            </m:r>
+                          </m:sub>
+                        </m:sSub>
+                        <m:r>
+                          <a:rPr lang="en-US" altLang="zh-CN" sz="2800" b="0" i="1" smtClean="0">
+                            <a:latin typeface="Cambria Math" panose="02040503050406030204" pitchFamily="18" charset="0"/>
+                          </a:rPr>
+                          <m:t>,</m:t>
+                        </m:r>
+                        <m:sSub>
+                          <m:sSubPr>
+                            <m:ctrlPr>
+                              <a:rPr lang="en-US" altLang="zh-CN" sz="2800" i="1" smtClean="0">
+                                <a:latin typeface="Cambria Math" panose="02040503050406030204" pitchFamily="18" charset="0"/>
+                              </a:rPr>
+                            </m:ctrlPr>
+                          </m:sSubPr>
+                          <m:e>
+                            <m:r>
+                              <a:rPr lang="en-US" altLang="zh-CN" sz="2800" b="0" i="1" smtClean="0">
+                                <a:latin typeface="Cambria Math" panose="02040503050406030204" pitchFamily="18" charset="0"/>
+                              </a:rPr>
+                              <m:t>h</m:t>
+                            </m:r>
+                          </m:e>
+                          <m:sub>
+                            <m:r>
+                              <a:rPr lang="en-US" altLang="zh-CN" sz="2800" b="0" i="1" smtClean="0">
+                                <a:latin typeface="Cambria Math" panose="02040503050406030204" pitchFamily="18" charset="0"/>
+                              </a:rPr>
+                              <m:t>𝑏</m:t>
+                            </m:r>
+                            <m:r>
+                              <a:rPr lang="en-US" altLang="zh-CN" sz="2800" b="0" i="1" smtClean="0">
+                                <a:latin typeface="Cambria Math" panose="02040503050406030204" pitchFamily="18" charset="0"/>
+                              </a:rPr>
+                              <m:t>2</m:t>
+                            </m:r>
+                          </m:sub>
+                        </m:sSub>
+                        <m:r>
+                          <a:rPr lang="en-US" altLang="zh-CN" sz="2800" b="0" i="1" smtClean="0">
+                            <a:latin typeface="Cambria Math" panose="02040503050406030204" pitchFamily="18" charset="0"/>
+                          </a:rPr>
+                          <m:t>,</m:t>
+                        </m:r>
+                        <m:sSub>
+                          <m:sSubPr>
+                            <m:ctrlPr>
+                              <a:rPr lang="en-US" altLang="zh-CN" sz="2800" i="1" smtClean="0">
+                                <a:latin typeface="Cambria Math" panose="02040503050406030204" pitchFamily="18" charset="0"/>
+                              </a:rPr>
+                            </m:ctrlPr>
+                          </m:sSubPr>
+                          <m:e>
+                            <m:r>
+                              <a:rPr lang="en-US" altLang="zh-CN" sz="2800" b="0" i="1" smtClean="0">
+                                <a:latin typeface="Cambria Math" panose="02040503050406030204" pitchFamily="18" charset="0"/>
+                              </a:rPr>
+                              <m:t>𝑤</m:t>
+                            </m:r>
+                          </m:e>
+                          <m:sub>
+                            <m:r>
+                              <a:rPr lang="en-US" altLang="zh-CN" sz="2800" b="0" i="1" smtClean="0">
+                                <a:latin typeface="Cambria Math" panose="02040503050406030204" pitchFamily="18" charset="0"/>
+                              </a:rPr>
+                              <m:t>𝑏</m:t>
+                            </m:r>
+                            <m:r>
+                              <a:rPr lang="en-US" altLang="zh-CN" sz="2800" b="0" i="1" smtClean="0">
+                                <a:latin typeface="Cambria Math" panose="02040503050406030204" pitchFamily="18" charset="0"/>
+                              </a:rPr>
+                              <m:t>2</m:t>
+                            </m:r>
+                          </m:sub>
+                        </m:sSub>
+                      </m:e>
+                    </m:d>
+                    <m:r>
+                      <a:rPr lang="en-US" altLang="zh-CN" sz="2800" b="0" i="0" smtClean="0">
+                        <a:latin typeface="Cambria Math" panose="02040503050406030204" pitchFamily="18" charset="0"/>
+                      </a:rPr>
+                      <m:t>,…,</m:t>
+                    </m:r>
+                    <m:d>
+                      <m:dPr>
+                        <m:ctrlPr>
+                          <a:rPr lang="en-US" altLang="zh-CN" sz="2800" b="0" i="1" smtClean="0">
+                            <a:latin typeface="Cambria Math" panose="02040503050406030204" pitchFamily="18" charset="0"/>
+                          </a:rPr>
+                        </m:ctrlPr>
+                      </m:dPr>
+                      <m:e>
+                        <m:sSub>
+                          <m:sSubPr>
+                            <m:ctrlPr>
+                              <a:rPr lang="en-US" altLang="zh-CN" sz="2800" i="1" smtClean="0">
+                                <a:latin typeface="Cambria Math" panose="02040503050406030204" pitchFamily="18" charset="0"/>
+                              </a:rPr>
+                            </m:ctrlPr>
+                          </m:sSubPr>
+                          <m:e>
+                            <m:r>
+                              <a:rPr lang="en-US" altLang="zh-CN" sz="2800" b="0" i="1" smtClean="0">
+                                <a:latin typeface="Cambria Math" panose="02040503050406030204" pitchFamily="18" charset="0"/>
+                              </a:rPr>
+                              <m:t>𝑥</m:t>
+                            </m:r>
+                          </m:e>
+                          <m:sub>
+                            <m:r>
+                              <a:rPr lang="en-US" altLang="zh-CN" sz="2800" b="0" i="1" smtClean="0">
+                                <a:latin typeface="Cambria Math" panose="02040503050406030204" pitchFamily="18" charset="0"/>
+                              </a:rPr>
+                              <m:t>𝑏𝑞</m:t>
+                            </m:r>
+                          </m:sub>
+                        </m:sSub>
+                        <m:r>
+                          <a:rPr lang="en-US" altLang="zh-CN" sz="2800" b="0" i="1" smtClean="0">
+                            <a:latin typeface="Cambria Math" panose="02040503050406030204" pitchFamily="18" charset="0"/>
+                          </a:rPr>
+                          <m:t>,</m:t>
+                        </m:r>
+                        <m:sSub>
+                          <m:sSubPr>
+                            <m:ctrlPr>
+                              <a:rPr lang="en-US" altLang="zh-CN" sz="2800" i="1" smtClean="0">
+                                <a:latin typeface="Cambria Math" panose="02040503050406030204" pitchFamily="18" charset="0"/>
+                              </a:rPr>
+                            </m:ctrlPr>
+                          </m:sSubPr>
+                          <m:e>
+                            <m:r>
+                              <a:rPr lang="en-US" altLang="zh-CN" sz="2800" b="0" i="1" smtClean="0">
+                                <a:latin typeface="Cambria Math" panose="02040503050406030204" pitchFamily="18" charset="0"/>
+                              </a:rPr>
+                              <m:t>𝑦</m:t>
+                            </m:r>
+                          </m:e>
+                          <m:sub>
+                            <m:r>
+                              <a:rPr lang="en-US" altLang="zh-CN" sz="2800" b="0" i="1" smtClean="0">
+                                <a:latin typeface="Cambria Math" panose="02040503050406030204" pitchFamily="18" charset="0"/>
+                              </a:rPr>
+                              <m:t>𝑏𝑞</m:t>
+                            </m:r>
+                          </m:sub>
+                        </m:sSub>
+                        <m:r>
+                          <a:rPr lang="en-US" altLang="zh-CN" sz="2800" b="0" i="1" smtClean="0">
+                            <a:latin typeface="Cambria Math" panose="02040503050406030204" pitchFamily="18" charset="0"/>
+                          </a:rPr>
+                          <m:t>,</m:t>
+                        </m:r>
+                        <m:sSub>
+                          <m:sSubPr>
+                            <m:ctrlPr>
+                              <a:rPr lang="en-US" altLang="zh-CN" sz="2800" i="1" smtClean="0">
+                                <a:latin typeface="Cambria Math" panose="02040503050406030204" pitchFamily="18" charset="0"/>
+                              </a:rPr>
+                            </m:ctrlPr>
+                          </m:sSubPr>
+                          <m:e>
+                            <m:r>
+                              <a:rPr lang="en-US" altLang="zh-CN" sz="2800" b="0" i="1" smtClean="0">
+                                <a:latin typeface="Cambria Math" panose="02040503050406030204" pitchFamily="18" charset="0"/>
+                              </a:rPr>
+                              <m:t>h</m:t>
+                            </m:r>
+                          </m:e>
+                          <m:sub>
+                            <m:r>
+                              <a:rPr lang="en-US" altLang="zh-CN" sz="2800" b="0" i="1" smtClean="0">
+                                <a:latin typeface="Cambria Math" panose="02040503050406030204" pitchFamily="18" charset="0"/>
+                              </a:rPr>
+                              <m:t>𝑏𝑞</m:t>
+                            </m:r>
+                          </m:sub>
+                        </m:sSub>
+                        <m:r>
+                          <a:rPr lang="en-US" altLang="zh-CN" sz="2800" b="0" i="1" smtClean="0">
+                            <a:latin typeface="Cambria Math" panose="02040503050406030204" pitchFamily="18" charset="0"/>
+                          </a:rPr>
+                          <m:t>,</m:t>
+                        </m:r>
+                        <m:sSub>
+                          <m:sSubPr>
+                            <m:ctrlPr>
+                              <a:rPr lang="en-US" altLang="zh-CN" sz="2800" i="1" smtClean="0">
+                                <a:latin typeface="Cambria Math" panose="02040503050406030204" pitchFamily="18" charset="0"/>
+                              </a:rPr>
+                            </m:ctrlPr>
+                          </m:sSubPr>
+                          <m:e>
+                            <m:r>
+                              <a:rPr lang="en-US" altLang="zh-CN" sz="2800" b="0" i="1" smtClean="0">
+                                <a:latin typeface="Cambria Math" panose="02040503050406030204" pitchFamily="18" charset="0"/>
+                              </a:rPr>
+                              <m:t>𝑤</m:t>
+                            </m:r>
+                          </m:e>
+                          <m:sub>
+                            <m:r>
+                              <a:rPr lang="en-US" altLang="zh-CN" sz="2800" b="0" i="1" smtClean="0">
+                                <a:latin typeface="Cambria Math" panose="02040503050406030204" pitchFamily="18" charset="0"/>
+                              </a:rPr>
+                              <m:t>𝑏𝑞</m:t>
+                            </m:r>
+                          </m:sub>
+                        </m:sSub>
+                      </m:e>
+                    </m:d>
+                  </m:oMath>
+                </a14:m>
+                <a:r>
+                  <a:rPr lang="en-US" altLang="zh-CN" sz="2800" dirty="0"/>
+                  <a:t>]</a:t>
+                </a:r>
+              </a:p>
+              <a:p>
+                <a:pPr marL="0" indent="0">
+                  <a:buNone/>
+                </a:pPr>
+                <a:r>
+                  <a:rPr lang="zh-CN" altLang="en-US" sz="2800" dirty="0"/>
+                  <a:t>⑤</a:t>
+                </a:r>
+                <a:r>
+                  <a:rPr lang="en-US" altLang="zh-CN" sz="2800" dirty="0"/>
+                  <a:t>. use original image I and spatial prompt S = [</a:t>
+                </a:r>
+                <a14:m>
+                  <m:oMath xmlns:m="http://schemas.openxmlformats.org/officeDocument/2006/math">
+                    <m:sSub>
+                      <m:sSubPr>
+                        <m:ctrlPr>
+                          <a:rPr lang="en-US" altLang="zh-CN" sz="2800" i="1" smtClean="0">
+                            <a:latin typeface="Cambria Math" panose="02040503050406030204" pitchFamily="18" charset="0"/>
+                          </a:rPr>
+                        </m:ctrlPr>
+                      </m:sSubPr>
+                      <m:e>
+                        <m:r>
+                          <a:rPr lang="en-US" altLang="zh-CN" sz="2800" b="0" i="1" smtClean="0">
+                            <a:latin typeface="Cambria Math" panose="02040503050406030204" pitchFamily="18" charset="0"/>
+                          </a:rPr>
+                          <m:t>𝑆</m:t>
+                        </m:r>
+                      </m:e>
+                      <m:sub>
+                        <m:r>
+                          <a:rPr lang="en-US" altLang="zh-CN" sz="2800" b="0" i="1" smtClean="0">
+                            <a:latin typeface="Cambria Math" panose="02040503050406030204" pitchFamily="18" charset="0"/>
+                          </a:rPr>
+                          <m:t>𝑝</m:t>
+                        </m:r>
+                      </m:sub>
+                    </m:sSub>
+                  </m:oMath>
+                </a14:m>
+                <a:r>
+                  <a:rPr lang="en-US" altLang="zh-CN" sz="2800" dirty="0"/>
+                  <a:t>, </a:t>
+                </a:r>
+                <a14:m>
+                  <m:oMath xmlns:m="http://schemas.openxmlformats.org/officeDocument/2006/math">
+                    <m:sSub>
+                      <m:sSubPr>
+                        <m:ctrlPr>
+                          <a:rPr lang="en-US" altLang="zh-CN" sz="2800" i="1" smtClean="0">
+                            <a:latin typeface="Cambria Math" panose="02040503050406030204" pitchFamily="18" charset="0"/>
+                          </a:rPr>
+                        </m:ctrlPr>
+                      </m:sSubPr>
+                      <m:e>
+                        <m:r>
+                          <a:rPr lang="en-US" altLang="zh-CN" sz="2800" b="0" i="1" smtClean="0">
+                            <a:latin typeface="Cambria Math" panose="02040503050406030204" pitchFamily="18" charset="0"/>
+                          </a:rPr>
+                          <m:t>𝑆</m:t>
+                        </m:r>
+                      </m:e>
+                      <m:sub>
+                        <m:r>
+                          <a:rPr lang="en-US" altLang="zh-CN" sz="2800" b="0" i="1" smtClean="0">
+                            <a:latin typeface="Cambria Math" panose="02040503050406030204" pitchFamily="18" charset="0"/>
+                          </a:rPr>
+                          <m:t>𝑏</m:t>
+                        </m:r>
+                      </m:sub>
+                    </m:sSub>
+                  </m:oMath>
+                </a14:m>
+                <a:r>
+                  <a:rPr lang="en-US" altLang="zh-CN" sz="2800" dirty="0"/>
+                  <a:t>] as SAM input. SAM generate encoded features </a:t>
+                </a:r>
+                <a14:m>
+                  <m:oMath xmlns:m="http://schemas.openxmlformats.org/officeDocument/2006/math">
+                    <m:sSub>
+                      <m:sSubPr>
+                        <m:ctrlPr>
+                          <a:rPr lang="en-US" altLang="zh-CN" sz="2800" i="1" smtClean="0">
+                            <a:latin typeface="Cambria Math" panose="02040503050406030204" pitchFamily="18" charset="0"/>
+                          </a:rPr>
+                        </m:ctrlPr>
+                      </m:sSubPr>
+                      <m:e>
+                        <m:r>
+                          <a:rPr lang="en-US" altLang="zh-CN" sz="2800" b="0" i="1" smtClean="0">
+                            <a:latin typeface="Cambria Math" panose="02040503050406030204" pitchFamily="18" charset="0"/>
+                          </a:rPr>
+                          <m:t>𝑧</m:t>
+                        </m:r>
+                      </m:e>
+                      <m:sub>
+                        <m:r>
+                          <a:rPr lang="en-US" altLang="zh-CN" sz="2800" b="0" i="1" smtClean="0">
+                            <a:latin typeface="Cambria Math" panose="02040503050406030204" pitchFamily="18" charset="0"/>
+                          </a:rPr>
+                          <m:t>𝑖</m:t>
+                        </m:r>
+                      </m:sub>
+                    </m:sSub>
+                    <m:r>
+                      <a:rPr lang="en-US" altLang="zh-CN" sz="2800" b="0" i="1" smtClean="0">
+                        <a:latin typeface="Cambria Math" panose="02040503050406030204" pitchFamily="18" charset="0"/>
+                      </a:rPr>
+                      <m:t>,</m:t>
+                    </m:r>
+                    <m:sSub>
+                      <m:sSubPr>
+                        <m:ctrlPr>
+                          <a:rPr lang="en-US" altLang="zh-CN" sz="2800" i="1" smtClean="0">
+                            <a:latin typeface="Cambria Math" panose="02040503050406030204" pitchFamily="18" charset="0"/>
+                          </a:rPr>
+                        </m:ctrlPr>
+                      </m:sSubPr>
+                      <m:e>
+                        <m:r>
+                          <a:rPr lang="en-US" altLang="zh-CN" sz="2800" b="0" i="1" smtClean="0">
+                            <a:latin typeface="Cambria Math" panose="02040503050406030204" pitchFamily="18" charset="0"/>
+                          </a:rPr>
+                          <m:t>𝑧</m:t>
+                        </m:r>
+                      </m:e>
+                      <m:sub>
+                        <m:r>
+                          <a:rPr lang="en-US" altLang="zh-CN" sz="2800" b="0" i="1" smtClean="0">
+                            <a:latin typeface="Cambria Math" panose="02040503050406030204" pitchFamily="18" charset="0"/>
+                          </a:rPr>
+                          <m:t>𝑠</m:t>
+                        </m:r>
+                      </m:sub>
+                    </m:sSub>
+                  </m:oMath>
+                </a14:m>
+                <a:r>
+                  <a:rPr lang="en-US" altLang="zh-CN" sz="2800" dirty="0"/>
+                  <a:t>, the decoder within the SAM then output the refined masks and corresponding confidence score, as following:</a:t>
+                </a:r>
+              </a:p>
+              <a:p>
+                <a:pPr marL="0" indent="0">
+                  <a:buNone/>
+                </a:pPr>
+                <a14:m>
+                  <m:oMathPara xmlns:m="http://schemas.openxmlformats.org/officeDocument/2006/math">
+                    <m:oMathParaPr>
+                      <m:jc m:val="centerGroup"/>
+                    </m:oMathParaPr>
+                    <m:oMath xmlns:m="http://schemas.openxmlformats.org/officeDocument/2006/math">
+                      <m:d>
+                        <m:dPr>
+                          <m:ctrlPr>
+                            <a:rPr lang="en-US" altLang="zh-CN" sz="2800" b="0" i="1" smtClean="0">
+                              <a:latin typeface="Cambria Math" panose="02040503050406030204" pitchFamily="18" charset="0"/>
+                            </a:rPr>
+                          </m:ctrlPr>
+                        </m:dPr>
+                        <m:e>
+                          <m:sSub>
+                            <m:sSubPr>
+                              <m:ctrlPr>
+                                <a:rPr lang="en-US" altLang="zh-CN" sz="2800" i="1" smtClean="0">
+                                  <a:latin typeface="Cambria Math" panose="02040503050406030204" pitchFamily="18" charset="0"/>
+                                </a:rPr>
+                              </m:ctrlPr>
+                            </m:sSubPr>
+                            <m:e>
+                              <m:r>
+                                <a:rPr lang="en-US" altLang="zh-CN" sz="2800" b="0" i="1" smtClean="0">
+                                  <a:latin typeface="Cambria Math" panose="02040503050406030204" pitchFamily="18" charset="0"/>
+                                </a:rPr>
+                                <m:t>𝑚𝑎𝑠𝑘𝑠</m:t>
+                              </m:r>
+                            </m:e>
+                            <m:sub>
+                              <m:r>
+                                <a:rPr lang="en-US" altLang="zh-CN" sz="2800" b="0" i="1" smtClean="0">
+                                  <a:latin typeface="Cambria Math" panose="02040503050406030204" pitchFamily="18" charset="0"/>
+                                </a:rPr>
+                                <m:t> </m:t>
+                              </m:r>
+                            </m:sub>
+                          </m:sSub>
+                          <m:r>
+                            <a:rPr lang="en-US" altLang="zh-CN" sz="2800" b="0" i="1" smtClean="0">
+                              <a:latin typeface="Cambria Math" panose="02040503050406030204" pitchFamily="18" charset="0"/>
+                            </a:rPr>
+                            <m:t>,</m:t>
+                          </m:r>
+                          <m:sSub>
+                            <m:sSubPr>
+                              <m:ctrlPr>
+                                <a:rPr lang="en-US" altLang="zh-CN" sz="2800" i="1" smtClean="0">
+                                  <a:latin typeface="Cambria Math" panose="02040503050406030204" pitchFamily="18" charset="0"/>
+                                </a:rPr>
+                              </m:ctrlPr>
+                            </m:sSubPr>
+                            <m:e>
+                              <m:r>
+                                <a:rPr lang="en-US" altLang="zh-CN" sz="2800" b="0" i="1" smtClean="0">
+                                  <a:latin typeface="Cambria Math" panose="02040503050406030204" pitchFamily="18" charset="0"/>
+                                </a:rPr>
+                                <m:t>𝑠𝑐𝑜𝑟𝑒𝑠</m:t>
+                              </m:r>
+                            </m:e>
+                            <m:sub>
+                              <m:r>
+                                <a:rPr lang="en-US" altLang="zh-CN" sz="2800" b="0" i="1" smtClean="0">
+                                  <a:latin typeface="Cambria Math" panose="02040503050406030204" pitchFamily="18" charset="0"/>
+                                </a:rPr>
+                                <m:t> </m:t>
+                              </m:r>
+                            </m:sub>
+                          </m:sSub>
+                        </m:e>
+                      </m:d>
+                      <m:r>
+                        <a:rPr lang="en-US" altLang="zh-CN" sz="2800" b="0" i="1" smtClean="0">
+                          <a:latin typeface="Cambria Math" panose="02040503050406030204" pitchFamily="18" charset="0"/>
+                        </a:rPr>
+                        <m:t>=</m:t>
+                      </m:r>
+                      <m:sSup>
+                        <m:sSupPr>
+                          <m:ctrlPr>
+                            <a:rPr lang="en-US" altLang="zh-CN" sz="2800" b="0" i="1" smtClean="0">
+                              <a:latin typeface="Cambria Math" panose="02040503050406030204" pitchFamily="18" charset="0"/>
+                            </a:rPr>
+                          </m:ctrlPr>
+                        </m:sSupPr>
+                        <m:e>
+                          <m:r>
+                            <a:rPr lang="en-US" altLang="zh-CN" sz="2800" b="0" i="1" smtClean="0">
+                              <a:latin typeface="Cambria Math" panose="02040503050406030204" pitchFamily="18" charset="0"/>
+                            </a:rPr>
+                            <m:t>𝐷</m:t>
+                          </m:r>
+                        </m:e>
+                        <m:sup>
+                          <m:r>
+                            <a:rPr lang="en-US" altLang="zh-CN" sz="2800" b="0" i="1" smtClean="0">
+                              <a:latin typeface="Cambria Math" panose="02040503050406030204" pitchFamily="18" charset="0"/>
+                            </a:rPr>
+                            <m:t>𝑠𝑎𝑚</m:t>
+                          </m:r>
+                        </m:sup>
+                      </m:sSup>
+                      <m:d>
+                        <m:dPr>
+                          <m:endChr m:val="|"/>
+                          <m:ctrlPr>
+                            <a:rPr lang="en-US" altLang="zh-CN" sz="2800" b="0" i="1" smtClean="0">
+                              <a:latin typeface="Cambria Math" panose="02040503050406030204" pitchFamily="18" charset="0"/>
+                            </a:rPr>
+                          </m:ctrlPr>
+                        </m:dPr>
+                        <m:e>
+                          <m:sSub>
+                            <m:sSubPr>
+                              <m:ctrlPr>
+                                <a:rPr lang="en-US" altLang="zh-CN" sz="2800" i="1" smtClean="0">
+                                  <a:latin typeface="Cambria Math" panose="02040503050406030204" pitchFamily="18" charset="0"/>
+                                </a:rPr>
+                              </m:ctrlPr>
+                            </m:sSubPr>
+                            <m:e>
+                              <m:r>
+                                <a:rPr lang="en-US" altLang="zh-CN" sz="2800" b="0" i="1" smtClean="0">
+                                  <a:latin typeface="Cambria Math" panose="02040503050406030204" pitchFamily="18" charset="0"/>
+                                </a:rPr>
+                                <m:t>𝑧</m:t>
+                              </m:r>
+                            </m:e>
+                            <m:sub>
+                              <m:r>
+                                <a:rPr lang="en-US" altLang="zh-CN" sz="2800" b="0" i="1" smtClean="0">
+                                  <a:latin typeface="Cambria Math" panose="02040503050406030204" pitchFamily="18" charset="0"/>
+                                </a:rPr>
+                                <m:t>𝑖</m:t>
+                              </m:r>
+                            </m:sub>
+                          </m:sSub>
+                          <m:r>
+                            <a:rPr lang="en-US" altLang="zh-CN" sz="2800" b="0" i="1" smtClean="0">
+                              <a:latin typeface="Cambria Math" panose="02040503050406030204" pitchFamily="18" charset="0"/>
+                            </a:rPr>
+                            <m:t> </m:t>
+                          </m:r>
+                        </m:e>
+                      </m:d>
+                      <m:sSub>
+                        <m:sSubPr>
+                          <m:ctrlPr>
+                            <a:rPr lang="en-US" altLang="zh-CN" sz="2800" i="1" smtClean="0">
+                              <a:latin typeface="Cambria Math" panose="02040503050406030204" pitchFamily="18" charset="0"/>
+                            </a:rPr>
+                          </m:ctrlPr>
+                        </m:sSubPr>
+                        <m:e>
+                          <m:r>
+                            <a:rPr lang="en-US" altLang="zh-CN" sz="2800" b="0" i="1" smtClean="0">
+                              <a:latin typeface="Cambria Math" panose="02040503050406030204" pitchFamily="18" charset="0"/>
+                            </a:rPr>
+                            <m:t>𝑧</m:t>
+                          </m:r>
+                        </m:e>
+                        <m:sub>
+                          <m:r>
+                            <a:rPr lang="en-US" altLang="zh-CN" sz="2800" b="0" i="1" smtClean="0">
+                              <a:latin typeface="Cambria Math" panose="02040503050406030204" pitchFamily="18" charset="0"/>
+                            </a:rPr>
+                            <m:t>𝑠</m:t>
+                          </m:r>
+                        </m:sub>
+                      </m:sSub>
+                      <m:r>
+                        <a:rPr lang="en-US" altLang="zh-CN" sz="2800" b="0" i="1" smtClean="0">
+                          <a:latin typeface="Cambria Math" panose="02040503050406030204" pitchFamily="18" charset="0"/>
+                        </a:rPr>
+                        <m:t>)</m:t>
+                      </m:r>
+                    </m:oMath>
+                  </m:oMathPara>
+                </a14:m>
+                <a:endParaRPr lang="en-US" altLang="zh-CN" sz="2800" dirty="0"/>
+              </a:p>
+            </p:txBody>
+          </p:sp>
+        </mc:Choice>
+        <mc:Fallback xmlns="">
+          <p:sp>
+            <p:nvSpPr>
+              <p:cNvPr id="5" name="内容占位符 4">
+                <a:extLst>
+                  <a:ext uri="{FF2B5EF4-FFF2-40B4-BE49-F238E27FC236}">
+                    <a16:creationId xmlns:a16="http://schemas.microsoft.com/office/drawing/2014/main" id="{7CCA9E6E-8FDB-96E0-EBA0-9DCC32D45C7A}"/>
+                  </a:ext>
+                </a:extLst>
+              </p:cNvPr>
+              <p:cNvSpPr>
+                <a:spLocks noGrp="1" noRot="1" noChangeAspect="1" noMove="1" noResize="1" noEditPoints="1" noAdjustHandles="1" noChangeArrowheads="1" noChangeShapeType="1" noTextEdit="1"/>
+              </p:cNvSpPr>
+              <p:nvPr>
+                <p:ph idx="1"/>
+              </p:nvPr>
+            </p:nvSpPr>
+            <p:spPr>
+              <a:xfrm>
+                <a:off x="3447535" y="0"/>
+                <a:ext cx="8744465" cy="6857999"/>
+              </a:xfrm>
+              <a:blipFill>
+                <a:blip r:embed="rId2"/>
+                <a:stretch>
+                  <a:fillRect l="-1255" t="-2222" r="-2232"/>
+                </a:stretch>
+              </a:blipFill>
+            </p:spPr>
+            <p:txBody>
+              <a:bodyPr/>
+              <a:lstStyle/>
+              <a:p>
+                <a:r>
+                  <a:rPr lang="zh-CN" altLang="en-US">
+                    <a:noFill/>
+                  </a:rPr>
+                  <a:t> </a:t>
+                </a:r>
+              </a:p>
+            </p:txBody>
+          </p:sp>
+        </mc:Fallback>
+      </mc:AlternateContent>
+    </p:spTree>
+    <p:extLst>
+      <p:ext uri="{BB962C8B-B14F-4D97-AF65-F5344CB8AC3E}">
+        <p14:creationId xmlns:p14="http://schemas.microsoft.com/office/powerpoint/2010/main" val="3048986650"/>
+      </p:ext>
+    </p:extLst>
+  </p:cSld>
+  <p:clrMapOvr>
+    <a:masterClrMapping/>
+  </p:clrMapOvr>
+</p:sld>
+</file>
+
+<file path=ppt/slides/slide16.xml><?xml version="1.0" encoding="utf-8"?>
+<p:sld xmlns:a="http://schemas.openxmlformats.org/drawingml/2006/main" xmlns:r="http://schemas.openxmlformats.org/officeDocument/2006/relationships" xmlns:p="http://schemas.openxmlformats.org/presentationml/2006/main">
+  <p:cSld>
+    <p:spTree>
+      <p:nvGrpSpPr>
+        <p:cNvPr id="1" name=""/>
+        <p:cNvGrpSpPr/>
+        <p:nvPr/>
+      </p:nvGrpSpPr>
+      <p:grpSpPr>
+        <a:xfrm>
+          <a:off x="0" y="0"/>
+          <a:ext cx="0" cy="0"/>
+          <a:chOff x="0" y="0"/>
+          <a:chExt cx="0" cy="0"/>
+        </a:xfrm>
+      </p:grpSpPr>
+      <p:sp>
+        <p:nvSpPr>
+          <p:cNvPr id="2" name="标题 1">
+            <a:extLst>
+              <a:ext uri="{FF2B5EF4-FFF2-40B4-BE49-F238E27FC236}">
+                <a16:creationId xmlns:a16="http://schemas.microsoft.com/office/drawing/2014/main" id="{20618421-B59A-AC9B-4C2B-A4D78327CE22}"/>
+              </a:ext>
+            </a:extLst>
+          </p:cNvPr>
+          <p:cNvSpPr>
+            <a:spLocks noGrp="1"/>
+          </p:cNvSpPr>
+          <p:nvPr>
+            <p:ph type="title"/>
+          </p:nvPr>
+        </p:nvSpPr>
+        <p:spPr>
+          <a:xfrm>
+            <a:off x="10597" y="14104"/>
+            <a:ext cx="3546860" cy="661086"/>
+          </a:xfrm>
+        </p:spPr>
+        <p:txBody>
+          <a:bodyPr/>
+          <a:lstStyle/>
+          <a:p>
+            <a:r>
+              <a:rPr lang="en-US" altLang="zh-CN" dirty="0"/>
+              <a:t>3.Methodology</a:t>
+            </a:r>
+            <a:endParaRPr lang="zh-CN" altLang="en-US" dirty="0"/>
+          </a:p>
+        </p:txBody>
+      </p:sp>
+      <p:sp>
+        <p:nvSpPr>
+          <p:cNvPr id="4" name="文本占位符 3">
+            <a:extLst>
+              <a:ext uri="{FF2B5EF4-FFF2-40B4-BE49-F238E27FC236}">
+                <a16:creationId xmlns:a16="http://schemas.microsoft.com/office/drawing/2014/main" id="{351E9848-A693-DC47-CE0F-2FA538003518}"/>
+              </a:ext>
+            </a:extLst>
+          </p:cNvPr>
+          <p:cNvSpPr>
+            <a:spLocks noGrp="1"/>
+          </p:cNvSpPr>
+          <p:nvPr>
+            <p:ph type="body" sz="half" idx="2"/>
+          </p:nvPr>
+        </p:nvSpPr>
+        <p:spPr>
+          <a:xfrm>
+            <a:off x="10596" y="675190"/>
+            <a:ext cx="3546861" cy="3811588"/>
+          </a:xfrm>
+        </p:spPr>
+        <p:txBody>
+          <a:bodyPr/>
+          <a:lstStyle/>
+          <a:p>
+            <a:r>
+              <a:rPr lang="en-US" altLang="zh-CN" dirty="0"/>
+              <a:t>3.1 CLIP and SAM Collaboration</a:t>
+            </a:r>
+          </a:p>
+          <a:p>
+            <a:r>
+              <a:rPr lang="en-US" altLang="zh-CN" dirty="0"/>
+              <a:t>3.2 Unified Multi-scale Cross-modal Interaction</a:t>
+            </a:r>
+          </a:p>
+          <a:p>
+            <a:r>
+              <a:rPr lang="en-US" altLang="zh-CN" dirty="0"/>
+              <a:t>3.3 </a:t>
+            </a:r>
+            <a:r>
+              <a:rPr lang="en-US" altLang="zh-CN" dirty="0">
+                <a:highlight>
+                  <a:srgbClr val="FFFF00"/>
+                </a:highlight>
+              </a:rPr>
+              <a:t>Multi-level Mask Refinement</a:t>
+            </a:r>
+          </a:p>
+          <a:p>
+            <a:r>
+              <a:rPr lang="en-US" altLang="zh-CN" dirty="0"/>
+              <a:t>3.4 Objective Function</a:t>
+            </a:r>
+            <a:endParaRPr lang="zh-CN" altLang="en-US" dirty="0"/>
+          </a:p>
+        </p:txBody>
+      </p:sp>
+      <mc:AlternateContent xmlns:mc="http://schemas.openxmlformats.org/markup-compatibility/2006" xmlns:a14="http://schemas.microsoft.com/office/drawing/2010/main">
+        <mc:Choice Requires="a14">
+          <p:sp>
+            <p:nvSpPr>
+              <p:cNvPr id="5" name="内容占位符 4">
+                <a:extLst>
+                  <a:ext uri="{FF2B5EF4-FFF2-40B4-BE49-F238E27FC236}">
+                    <a16:creationId xmlns:a16="http://schemas.microsoft.com/office/drawing/2014/main" id="{7CCA9E6E-8FDB-96E0-EBA0-9DCC32D45C7A}"/>
+                  </a:ext>
+                </a:extLst>
+              </p:cNvPr>
+              <p:cNvSpPr>
+                <a:spLocks noGrp="1"/>
+              </p:cNvSpPr>
+              <p:nvPr>
+                <p:ph idx="1"/>
+              </p:nvPr>
+            </p:nvSpPr>
+            <p:spPr>
+              <a:xfrm>
+                <a:off x="3447535" y="0"/>
+                <a:ext cx="8744465" cy="6857999"/>
+              </a:xfrm>
+            </p:spPr>
+            <p:txBody>
+              <a:bodyPr>
+                <a:normAutofit/>
+              </a:bodyPr>
+              <a:lstStyle/>
+              <a:p>
+                <a:pPr marL="0" indent="0">
+                  <a:buNone/>
+                </a:pPr>
+                <a:r>
+                  <a:rPr lang="en-US" altLang="zh-CN" sz="2800" dirty="0"/>
+                  <a:t>with the rough segmentation O from CLIP. we use MMR module to extract point and box to guide SAM to generate curate masks.</a:t>
+                </a:r>
+              </a:p>
+              <a:p>
+                <a:pPr marL="0" indent="0">
+                  <a:buNone/>
+                </a:pPr>
+                <a:r>
+                  <a:rPr lang="zh-CN" altLang="en-US" sz="2800" dirty="0"/>
+                  <a:t>⑥</a:t>
+                </a:r>
+                <a:r>
+                  <a:rPr lang="en-US" altLang="zh-CN" sz="2800" dirty="0"/>
+                  <a:t>.SAM is configured to produce three masks with varying confidence scores for each box, for example q boxes.</a:t>
+                </a:r>
+              </a:p>
+              <a:p>
+                <a:pPr marL="0" indent="0">
+                  <a:buNone/>
+                </a:pPr>
+                <a14:m>
+                  <m:oMathPara xmlns:m="http://schemas.openxmlformats.org/officeDocument/2006/math">
+                    <m:oMathParaPr>
+                      <m:jc m:val="centerGroup"/>
+                    </m:oMathParaPr>
+                    <m:oMath xmlns:m="http://schemas.openxmlformats.org/officeDocument/2006/math">
+                      <m:sSub>
+                        <m:sSubPr>
+                          <m:ctrlPr>
+                            <a:rPr lang="en-US" altLang="zh-CN" sz="2800" i="1" smtClean="0">
+                              <a:latin typeface="Cambria Math" panose="02040503050406030204" pitchFamily="18" charset="0"/>
+                            </a:rPr>
+                          </m:ctrlPr>
+                        </m:sSubPr>
+                        <m:e>
+                          <m:r>
+                            <a:rPr lang="en-US" altLang="zh-CN" sz="2800" b="0" i="1" smtClean="0">
+                              <a:latin typeface="Cambria Math" panose="02040503050406030204" pitchFamily="18" charset="0"/>
+                            </a:rPr>
+                            <m:t>𝑚𝑎𝑠𝑘𝑠</m:t>
+                          </m:r>
+                        </m:e>
+                        <m:sub>
+                          <m:r>
+                            <a:rPr lang="en-US" altLang="zh-CN" sz="2800" b="0" i="1" smtClean="0">
+                              <a:latin typeface="Cambria Math" panose="02040503050406030204" pitchFamily="18" charset="0"/>
+                            </a:rPr>
+                            <m:t> </m:t>
+                          </m:r>
+                        </m:sub>
+                      </m:sSub>
+                      <m:r>
+                        <a:rPr lang="en-US" altLang="zh-CN" sz="2800" b="0" i="1" smtClean="0">
+                          <a:latin typeface="Cambria Math" panose="02040503050406030204" pitchFamily="18" charset="0"/>
+                        </a:rPr>
+                        <m:t>=</m:t>
+                      </m:r>
+                      <m:d>
+                        <m:dPr>
+                          <m:begChr m:val="["/>
+                          <m:endChr m:val="]"/>
+                          <m:ctrlPr>
+                            <a:rPr lang="en-US" altLang="zh-CN" sz="2800" b="0" i="1" smtClean="0">
+                              <a:latin typeface="Cambria Math" panose="02040503050406030204" pitchFamily="18" charset="0"/>
+                            </a:rPr>
+                          </m:ctrlPr>
+                        </m:dPr>
+                        <m:e>
+                          <m:d>
+                            <m:dPr>
+                              <m:ctrlPr>
+                                <a:rPr lang="en-US" altLang="zh-CN" sz="2800" b="0" i="1" smtClean="0">
+                                  <a:latin typeface="Cambria Math" panose="02040503050406030204" pitchFamily="18" charset="0"/>
+                                </a:rPr>
+                              </m:ctrlPr>
+                            </m:dPr>
+                            <m:e>
+                              <m:sSubSup>
+                                <m:sSubSupPr>
+                                  <m:ctrlPr>
+                                    <a:rPr lang="en-US" altLang="zh-CN" sz="2800" b="0" i="1" smtClean="0">
+                                      <a:latin typeface="Cambria Math" panose="02040503050406030204" pitchFamily="18" charset="0"/>
+                                    </a:rPr>
+                                  </m:ctrlPr>
+                                </m:sSubSupPr>
+                                <m:e>
+                                  <m:r>
+                                    <a:rPr lang="en-US" altLang="zh-CN" sz="2800" b="0" i="1" smtClean="0">
+                                      <a:latin typeface="Cambria Math" panose="02040503050406030204" pitchFamily="18" charset="0"/>
+                                    </a:rPr>
+                                    <m:t>𝑚</m:t>
+                                  </m:r>
+                                </m:e>
+                                <m:sub>
+                                  <m:r>
+                                    <a:rPr lang="en-US" altLang="zh-CN" sz="2800" b="0" i="1" smtClean="0">
+                                      <a:latin typeface="Cambria Math" panose="02040503050406030204" pitchFamily="18" charset="0"/>
+                                    </a:rPr>
+                                    <m:t>1</m:t>
+                                  </m:r>
+                                </m:sub>
+                                <m:sup>
+                                  <m:r>
+                                    <a:rPr lang="en-US" altLang="zh-CN" sz="2800" b="0" i="1" smtClean="0">
+                                      <a:latin typeface="Cambria Math" panose="02040503050406030204" pitchFamily="18" charset="0"/>
+                                    </a:rPr>
+                                    <m:t>1</m:t>
+                                  </m:r>
+                                </m:sup>
+                              </m:sSubSup>
+                              <m:r>
+                                <a:rPr lang="en-US" altLang="zh-CN" sz="2800" b="0" i="1" smtClean="0">
+                                  <a:latin typeface="Cambria Math" panose="02040503050406030204" pitchFamily="18" charset="0"/>
+                                </a:rPr>
+                                <m:t>,</m:t>
+                              </m:r>
+                              <m:sSubSup>
+                                <m:sSubSupPr>
+                                  <m:ctrlPr>
+                                    <a:rPr lang="en-US" altLang="zh-CN" sz="2800" b="0" i="1" smtClean="0">
+                                      <a:latin typeface="Cambria Math" panose="02040503050406030204" pitchFamily="18" charset="0"/>
+                                    </a:rPr>
+                                  </m:ctrlPr>
+                                </m:sSubSupPr>
+                                <m:e>
+                                  <m:r>
+                                    <a:rPr lang="en-US" altLang="zh-CN" sz="2800" b="0" i="1" smtClean="0">
+                                      <a:latin typeface="Cambria Math" panose="02040503050406030204" pitchFamily="18" charset="0"/>
+                                    </a:rPr>
+                                    <m:t>𝑚</m:t>
+                                  </m:r>
+                                </m:e>
+                                <m:sub>
+                                  <m:r>
+                                    <a:rPr lang="en-US" altLang="zh-CN" sz="2800" b="0" i="1" smtClean="0">
+                                      <a:latin typeface="Cambria Math" panose="02040503050406030204" pitchFamily="18" charset="0"/>
+                                    </a:rPr>
+                                    <m:t>1</m:t>
+                                  </m:r>
+                                </m:sub>
+                                <m:sup>
+                                  <m:r>
+                                    <a:rPr lang="en-US" altLang="zh-CN" sz="2800" b="0" i="1" smtClean="0">
+                                      <a:latin typeface="Cambria Math" panose="02040503050406030204" pitchFamily="18" charset="0"/>
+                                    </a:rPr>
+                                    <m:t>2</m:t>
+                                  </m:r>
+                                </m:sup>
+                              </m:sSubSup>
+                              <m:r>
+                                <a:rPr lang="en-US" altLang="zh-CN" sz="2800" b="0" i="1" smtClean="0">
+                                  <a:latin typeface="Cambria Math" panose="02040503050406030204" pitchFamily="18" charset="0"/>
+                                </a:rPr>
+                                <m:t>,</m:t>
+                              </m:r>
+                              <m:sSubSup>
+                                <m:sSubSupPr>
+                                  <m:ctrlPr>
+                                    <a:rPr lang="en-US" altLang="zh-CN" sz="2800" b="0" i="1" smtClean="0">
+                                      <a:latin typeface="Cambria Math" panose="02040503050406030204" pitchFamily="18" charset="0"/>
+                                    </a:rPr>
+                                  </m:ctrlPr>
+                                </m:sSubSupPr>
+                                <m:e>
+                                  <m:r>
+                                    <a:rPr lang="en-US" altLang="zh-CN" sz="2800" b="0" i="1" smtClean="0">
+                                      <a:latin typeface="Cambria Math" panose="02040503050406030204" pitchFamily="18" charset="0"/>
+                                    </a:rPr>
+                                    <m:t>𝑚</m:t>
+                                  </m:r>
+                                </m:e>
+                                <m:sub>
+                                  <m:r>
+                                    <a:rPr lang="en-US" altLang="zh-CN" sz="2800" b="0" i="1" smtClean="0">
+                                      <a:latin typeface="Cambria Math" panose="02040503050406030204" pitchFamily="18" charset="0"/>
+                                    </a:rPr>
+                                    <m:t>1</m:t>
+                                  </m:r>
+                                </m:sub>
+                                <m:sup>
+                                  <m:r>
+                                    <a:rPr lang="en-US" altLang="zh-CN" sz="2800" b="0" i="1" smtClean="0">
+                                      <a:latin typeface="Cambria Math" panose="02040503050406030204" pitchFamily="18" charset="0"/>
+                                    </a:rPr>
+                                    <m:t>3</m:t>
+                                  </m:r>
+                                </m:sup>
+                              </m:sSubSup>
+                            </m:e>
+                          </m:d>
+                          <m:r>
+                            <a:rPr lang="en-US" altLang="zh-CN" sz="2800" b="0" i="1" smtClean="0">
+                              <a:latin typeface="Cambria Math" panose="02040503050406030204" pitchFamily="18" charset="0"/>
+                            </a:rPr>
+                            <m:t>, …,</m:t>
+                          </m:r>
+                          <m:d>
+                            <m:dPr>
+                              <m:ctrlPr>
+                                <a:rPr lang="en-US" altLang="zh-CN" sz="2800" b="0" i="1" smtClean="0">
+                                  <a:latin typeface="Cambria Math" panose="02040503050406030204" pitchFamily="18" charset="0"/>
+                                </a:rPr>
+                              </m:ctrlPr>
+                            </m:dPr>
+                            <m:e>
+                              <m:sSubSup>
+                                <m:sSubSupPr>
+                                  <m:ctrlPr>
+                                    <a:rPr lang="en-US" altLang="zh-CN" sz="2800" b="0" i="1" smtClean="0">
+                                      <a:latin typeface="Cambria Math" panose="02040503050406030204" pitchFamily="18" charset="0"/>
+                                    </a:rPr>
+                                  </m:ctrlPr>
+                                </m:sSubSupPr>
+                                <m:e>
+                                  <m:r>
+                                    <a:rPr lang="en-US" altLang="zh-CN" sz="2800" b="0" i="1" smtClean="0">
+                                      <a:latin typeface="Cambria Math" panose="02040503050406030204" pitchFamily="18" charset="0"/>
+                                    </a:rPr>
+                                    <m:t>𝑚</m:t>
+                                  </m:r>
+                                </m:e>
+                                <m:sub>
+                                  <m:r>
+                                    <a:rPr lang="en-US" altLang="zh-CN" sz="2800" b="0" i="1" smtClean="0">
+                                      <a:latin typeface="Cambria Math" panose="02040503050406030204" pitchFamily="18" charset="0"/>
+                                    </a:rPr>
+                                    <m:t>𝑞</m:t>
+                                  </m:r>
+                                </m:sub>
+                                <m:sup>
+                                  <m:r>
+                                    <a:rPr lang="en-US" altLang="zh-CN" sz="2800" b="0" i="1" smtClean="0">
+                                      <a:latin typeface="Cambria Math" panose="02040503050406030204" pitchFamily="18" charset="0"/>
+                                    </a:rPr>
+                                    <m:t>1</m:t>
+                                  </m:r>
+                                </m:sup>
+                              </m:sSubSup>
+                              <m:r>
+                                <a:rPr lang="en-US" altLang="zh-CN" sz="2800" b="0" i="1" smtClean="0">
+                                  <a:latin typeface="Cambria Math" panose="02040503050406030204" pitchFamily="18" charset="0"/>
+                                </a:rPr>
+                                <m:t>,</m:t>
+                              </m:r>
+                              <m:sSubSup>
+                                <m:sSubSupPr>
+                                  <m:ctrlPr>
+                                    <a:rPr lang="en-US" altLang="zh-CN" sz="2800" b="0" i="1" smtClean="0">
+                                      <a:latin typeface="Cambria Math" panose="02040503050406030204" pitchFamily="18" charset="0"/>
+                                    </a:rPr>
+                                  </m:ctrlPr>
+                                </m:sSubSupPr>
+                                <m:e>
+                                  <m:r>
+                                    <a:rPr lang="en-US" altLang="zh-CN" sz="2800" b="0" i="1" smtClean="0">
+                                      <a:latin typeface="Cambria Math" panose="02040503050406030204" pitchFamily="18" charset="0"/>
+                                    </a:rPr>
+                                    <m:t>𝑚</m:t>
+                                  </m:r>
+                                </m:e>
+                                <m:sub>
+                                  <m:r>
+                                    <a:rPr lang="en-US" altLang="zh-CN" sz="2800" b="0" i="1" smtClean="0">
+                                      <a:latin typeface="Cambria Math" panose="02040503050406030204" pitchFamily="18" charset="0"/>
+                                    </a:rPr>
+                                    <m:t>𝑞</m:t>
+                                  </m:r>
+                                </m:sub>
+                                <m:sup>
+                                  <m:r>
+                                    <a:rPr lang="en-US" altLang="zh-CN" sz="2800" b="0" i="1" smtClean="0">
+                                      <a:latin typeface="Cambria Math" panose="02040503050406030204" pitchFamily="18" charset="0"/>
+                                    </a:rPr>
+                                    <m:t>2</m:t>
+                                  </m:r>
+                                </m:sup>
+                              </m:sSubSup>
+                              <m:r>
+                                <a:rPr lang="en-US" altLang="zh-CN" sz="2800" b="0" i="1" smtClean="0">
+                                  <a:latin typeface="Cambria Math" panose="02040503050406030204" pitchFamily="18" charset="0"/>
+                                </a:rPr>
+                                <m:t>,</m:t>
+                              </m:r>
+                              <m:sSubSup>
+                                <m:sSubSupPr>
+                                  <m:ctrlPr>
+                                    <a:rPr lang="en-US" altLang="zh-CN" sz="2800" b="0" i="1" smtClean="0">
+                                      <a:latin typeface="Cambria Math" panose="02040503050406030204" pitchFamily="18" charset="0"/>
+                                    </a:rPr>
+                                  </m:ctrlPr>
+                                </m:sSubSupPr>
+                                <m:e>
+                                  <m:r>
+                                    <a:rPr lang="en-US" altLang="zh-CN" sz="2800" b="0" i="1" smtClean="0">
+                                      <a:latin typeface="Cambria Math" panose="02040503050406030204" pitchFamily="18" charset="0"/>
+                                    </a:rPr>
+                                    <m:t>𝑚</m:t>
+                                  </m:r>
+                                </m:e>
+                                <m:sub>
+                                  <m:r>
+                                    <a:rPr lang="en-US" altLang="zh-CN" sz="2800" b="0" i="1" smtClean="0">
+                                      <a:latin typeface="Cambria Math" panose="02040503050406030204" pitchFamily="18" charset="0"/>
+                                    </a:rPr>
+                                    <m:t>𝑞</m:t>
+                                  </m:r>
+                                </m:sub>
+                                <m:sup>
+                                  <m:r>
+                                    <a:rPr lang="en-US" altLang="zh-CN" sz="2800" b="0" i="1" smtClean="0">
+                                      <a:latin typeface="Cambria Math" panose="02040503050406030204" pitchFamily="18" charset="0"/>
+                                    </a:rPr>
+                                    <m:t>3</m:t>
+                                  </m:r>
+                                </m:sup>
+                              </m:sSubSup>
+                            </m:e>
+                          </m:d>
+                        </m:e>
+                      </m:d>
+                    </m:oMath>
+                  </m:oMathPara>
+                </a14:m>
+                <a:endParaRPr lang="en-US" altLang="zh-CN" sz="2800" dirty="0"/>
+              </a:p>
+              <a:p>
+                <a:pPr marL="0" indent="0">
+                  <a:buNone/>
+                </a:pPr>
+                <a14:m>
+                  <m:oMathPara xmlns:m="http://schemas.openxmlformats.org/officeDocument/2006/math">
+                    <m:oMathParaPr>
+                      <m:jc m:val="centerGroup"/>
+                    </m:oMathParaPr>
+                    <m:oMath xmlns:m="http://schemas.openxmlformats.org/officeDocument/2006/math">
+                      <m:sSub>
+                        <m:sSubPr>
+                          <m:ctrlPr>
+                            <a:rPr lang="en-US" altLang="zh-CN" sz="2800" i="1" smtClean="0">
+                              <a:latin typeface="Cambria Math" panose="02040503050406030204" pitchFamily="18" charset="0"/>
+                            </a:rPr>
+                          </m:ctrlPr>
+                        </m:sSubPr>
+                        <m:e>
+                          <m:r>
+                            <a:rPr lang="en-US" altLang="zh-CN" sz="2800" b="0" i="1" smtClean="0">
+                              <a:latin typeface="Cambria Math" panose="02040503050406030204" pitchFamily="18" charset="0"/>
+                            </a:rPr>
+                            <m:t>𝑠𝑐𝑜𝑟𝑒𝑠</m:t>
+                          </m:r>
+                        </m:e>
+                        <m:sub>
+                          <m:r>
+                            <a:rPr lang="en-US" altLang="zh-CN" sz="2800" b="0" i="1" smtClean="0">
+                              <a:latin typeface="Cambria Math" panose="02040503050406030204" pitchFamily="18" charset="0"/>
+                            </a:rPr>
+                            <m:t> </m:t>
+                          </m:r>
+                        </m:sub>
+                      </m:sSub>
+                      <m:r>
+                        <a:rPr lang="en-US" altLang="zh-CN" sz="2800" b="0" i="1" smtClean="0">
+                          <a:latin typeface="Cambria Math" panose="02040503050406030204" pitchFamily="18" charset="0"/>
+                        </a:rPr>
+                        <m:t>=[</m:t>
+                      </m:r>
+                      <m:d>
+                        <m:dPr>
+                          <m:ctrlPr>
+                            <a:rPr lang="en-US" altLang="zh-CN" sz="2800" b="0" i="1" smtClean="0">
+                              <a:latin typeface="Cambria Math" panose="02040503050406030204" pitchFamily="18" charset="0"/>
+                            </a:rPr>
+                          </m:ctrlPr>
+                        </m:dPr>
+                        <m:e>
+                          <m:sSubSup>
+                            <m:sSubSupPr>
+                              <m:ctrlPr>
+                                <a:rPr lang="en-US" altLang="zh-CN" sz="2800" b="0" i="1" smtClean="0">
+                                  <a:latin typeface="Cambria Math" panose="02040503050406030204" pitchFamily="18" charset="0"/>
+                                </a:rPr>
+                              </m:ctrlPr>
+                            </m:sSubSupPr>
+                            <m:e>
+                              <m:r>
+                                <a:rPr lang="en-US" altLang="zh-CN" sz="2800" b="0" i="1" smtClean="0">
+                                  <a:latin typeface="Cambria Math" panose="02040503050406030204" pitchFamily="18" charset="0"/>
+                                </a:rPr>
+                                <m:t>𝑠</m:t>
+                              </m:r>
+                            </m:e>
+                            <m:sub>
+                              <m:r>
+                                <a:rPr lang="en-US" altLang="zh-CN" sz="2800" b="0" i="1" smtClean="0">
+                                  <a:latin typeface="Cambria Math" panose="02040503050406030204" pitchFamily="18" charset="0"/>
+                                </a:rPr>
+                                <m:t>1</m:t>
+                              </m:r>
+                            </m:sub>
+                            <m:sup>
+                              <m:r>
+                                <a:rPr lang="en-US" altLang="zh-CN" sz="2800" b="0" i="1" smtClean="0">
+                                  <a:latin typeface="Cambria Math" panose="02040503050406030204" pitchFamily="18" charset="0"/>
+                                </a:rPr>
+                                <m:t>1</m:t>
+                              </m:r>
+                            </m:sup>
+                          </m:sSubSup>
+                          <m:r>
+                            <a:rPr lang="en-US" altLang="zh-CN" sz="2800" b="0" i="1" smtClean="0">
+                              <a:latin typeface="Cambria Math" panose="02040503050406030204" pitchFamily="18" charset="0"/>
+                            </a:rPr>
+                            <m:t>,</m:t>
+                          </m:r>
+                          <m:sSubSup>
+                            <m:sSubSupPr>
+                              <m:ctrlPr>
+                                <a:rPr lang="en-US" altLang="zh-CN" sz="2800" b="0" i="1" smtClean="0">
+                                  <a:latin typeface="Cambria Math" panose="02040503050406030204" pitchFamily="18" charset="0"/>
+                                </a:rPr>
+                              </m:ctrlPr>
+                            </m:sSubSupPr>
+                            <m:e>
+                              <m:r>
+                                <a:rPr lang="en-US" altLang="zh-CN" sz="2800" b="0" i="1" smtClean="0">
+                                  <a:latin typeface="Cambria Math" panose="02040503050406030204" pitchFamily="18" charset="0"/>
+                                </a:rPr>
+                                <m:t>𝑠</m:t>
+                              </m:r>
+                            </m:e>
+                            <m:sub>
+                              <m:r>
+                                <a:rPr lang="en-US" altLang="zh-CN" sz="2800" b="0" i="1" smtClean="0">
+                                  <a:latin typeface="Cambria Math" panose="02040503050406030204" pitchFamily="18" charset="0"/>
+                                </a:rPr>
+                                <m:t>1</m:t>
+                              </m:r>
+                            </m:sub>
+                            <m:sup>
+                              <m:r>
+                                <a:rPr lang="en-US" altLang="zh-CN" sz="2800" b="0" i="1" smtClean="0">
+                                  <a:latin typeface="Cambria Math" panose="02040503050406030204" pitchFamily="18" charset="0"/>
+                                </a:rPr>
+                                <m:t>2</m:t>
+                              </m:r>
+                            </m:sup>
+                          </m:sSubSup>
+                          <m:r>
+                            <a:rPr lang="en-US" altLang="zh-CN" sz="2800" b="0" i="1" smtClean="0">
+                              <a:latin typeface="Cambria Math" panose="02040503050406030204" pitchFamily="18" charset="0"/>
+                            </a:rPr>
+                            <m:t>,</m:t>
+                          </m:r>
+                          <m:sSubSup>
+                            <m:sSubSupPr>
+                              <m:ctrlPr>
+                                <a:rPr lang="en-US" altLang="zh-CN" sz="2800" b="0" i="1" smtClean="0">
+                                  <a:latin typeface="Cambria Math" panose="02040503050406030204" pitchFamily="18" charset="0"/>
+                                </a:rPr>
+                              </m:ctrlPr>
+                            </m:sSubSupPr>
+                            <m:e>
+                              <m:r>
+                                <a:rPr lang="en-US" altLang="zh-CN" sz="2800" b="0" i="1" smtClean="0">
+                                  <a:latin typeface="Cambria Math" panose="02040503050406030204" pitchFamily="18" charset="0"/>
+                                </a:rPr>
+                                <m:t>𝑠</m:t>
+                              </m:r>
+                            </m:e>
+                            <m:sub>
+                              <m:r>
+                                <a:rPr lang="en-US" altLang="zh-CN" sz="2800" b="0" i="1" smtClean="0">
+                                  <a:latin typeface="Cambria Math" panose="02040503050406030204" pitchFamily="18" charset="0"/>
+                                </a:rPr>
+                                <m:t>1</m:t>
+                              </m:r>
+                            </m:sub>
+                            <m:sup>
+                              <m:r>
+                                <a:rPr lang="en-US" altLang="zh-CN" sz="2800" b="0" i="1" smtClean="0">
+                                  <a:latin typeface="Cambria Math" panose="02040503050406030204" pitchFamily="18" charset="0"/>
+                                </a:rPr>
+                                <m:t>3</m:t>
+                              </m:r>
+                            </m:sup>
+                          </m:sSubSup>
+                        </m:e>
+                      </m:d>
+                      <m:r>
+                        <a:rPr lang="en-US" altLang="zh-CN" sz="2800" b="0" i="1" smtClean="0">
+                          <a:latin typeface="Cambria Math" panose="02040503050406030204" pitchFamily="18" charset="0"/>
+                        </a:rPr>
+                        <m:t>, …,</m:t>
+                      </m:r>
+                      <m:d>
+                        <m:dPr>
+                          <m:ctrlPr>
+                            <a:rPr lang="en-US" altLang="zh-CN" sz="2800" b="0" i="1" smtClean="0">
+                              <a:latin typeface="Cambria Math" panose="02040503050406030204" pitchFamily="18" charset="0"/>
+                            </a:rPr>
+                          </m:ctrlPr>
+                        </m:dPr>
+                        <m:e>
+                          <m:sSubSup>
+                            <m:sSubSupPr>
+                              <m:ctrlPr>
+                                <a:rPr lang="en-US" altLang="zh-CN" sz="2800" b="0" i="1" smtClean="0">
+                                  <a:latin typeface="Cambria Math" panose="02040503050406030204" pitchFamily="18" charset="0"/>
+                                </a:rPr>
+                              </m:ctrlPr>
+                            </m:sSubSupPr>
+                            <m:e>
+                              <m:r>
+                                <a:rPr lang="en-US" altLang="zh-CN" sz="2800" b="0" i="1" smtClean="0">
+                                  <a:latin typeface="Cambria Math" panose="02040503050406030204" pitchFamily="18" charset="0"/>
+                                </a:rPr>
+                                <m:t>𝑠</m:t>
+                              </m:r>
+                            </m:e>
+                            <m:sub>
+                              <m:r>
+                                <a:rPr lang="en-US" altLang="zh-CN" sz="2800" b="0" i="1" smtClean="0">
+                                  <a:latin typeface="Cambria Math" panose="02040503050406030204" pitchFamily="18" charset="0"/>
+                                </a:rPr>
+                                <m:t>𝑞</m:t>
+                              </m:r>
+                            </m:sub>
+                            <m:sup>
+                              <m:r>
+                                <a:rPr lang="en-US" altLang="zh-CN" sz="2800" b="0" i="1" smtClean="0">
+                                  <a:latin typeface="Cambria Math" panose="02040503050406030204" pitchFamily="18" charset="0"/>
+                                </a:rPr>
+                                <m:t>1</m:t>
+                              </m:r>
+                            </m:sup>
+                          </m:sSubSup>
+                          <m:r>
+                            <a:rPr lang="en-US" altLang="zh-CN" sz="2800" b="0" i="1" smtClean="0">
+                              <a:latin typeface="Cambria Math" panose="02040503050406030204" pitchFamily="18" charset="0"/>
+                            </a:rPr>
+                            <m:t>,</m:t>
+                          </m:r>
+                          <m:sSubSup>
+                            <m:sSubSupPr>
+                              <m:ctrlPr>
+                                <a:rPr lang="en-US" altLang="zh-CN" sz="2800" b="0" i="1" smtClean="0">
+                                  <a:latin typeface="Cambria Math" panose="02040503050406030204" pitchFamily="18" charset="0"/>
+                                </a:rPr>
+                              </m:ctrlPr>
+                            </m:sSubSupPr>
+                            <m:e>
+                              <m:r>
+                                <a:rPr lang="en-US" altLang="zh-CN" sz="2800" b="0" i="1" smtClean="0">
+                                  <a:latin typeface="Cambria Math" panose="02040503050406030204" pitchFamily="18" charset="0"/>
+                                </a:rPr>
+                                <m:t>𝑠</m:t>
+                              </m:r>
+                            </m:e>
+                            <m:sub>
+                              <m:r>
+                                <a:rPr lang="en-US" altLang="zh-CN" sz="2800" b="0" i="1" smtClean="0">
+                                  <a:latin typeface="Cambria Math" panose="02040503050406030204" pitchFamily="18" charset="0"/>
+                                </a:rPr>
+                                <m:t>𝑞</m:t>
+                              </m:r>
+                            </m:sub>
+                            <m:sup>
+                              <m:r>
+                                <a:rPr lang="en-US" altLang="zh-CN" sz="2800" b="0" i="1" smtClean="0">
+                                  <a:latin typeface="Cambria Math" panose="02040503050406030204" pitchFamily="18" charset="0"/>
+                                </a:rPr>
+                                <m:t>2</m:t>
+                              </m:r>
+                            </m:sup>
+                          </m:sSubSup>
+                          <m:r>
+                            <a:rPr lang="en-US" altLang="zh-CN" sz="2800" b="0" i="1" smtClean="0">
+                              <a:latin typeface="Cambria Math" panose="02040503050406030204" pitchFamily="18" charset="0"/>
+                            </a:rPr>
+                            <m:t>,</m:t>
+                          </m:r>
+                          <m:sSubSup>
+                            <m:sSubSupPr>
+                              <m:ctrlPr>
+                                <a:rPr lang="en-US" altLang="zh-CN" sz="2800" b="0" i="1" smtClean="0">
+                                  <a:latin typeface="Cambria Math" panose="02040503050406030204" pitchFamily="18" charset="0"/>
+                                </a:rPr>
+                              </m:ctrlPr>
+                            </m:sSubSupPr>
+                            <m:e>
+                              <m:r>
+                                <a:rPr lang="en-US" altLang="zh-CN" sz="2800" b="0" i="1" smtClean="0">
+                                  <a:latin typeface="Cambria Math" panose="02040503050406030204" pitchFamily="18" charset="0"/>
+                                </a:rPr>
+                                <m:t>𝑠</m:t>
+                              </m:r>
+                            </m:e>
+                            <m:sub>
+                              <m:r>
+                                <a:rPr lang="en-US" altLang="zh-CN" sz="2800" b="0" i="1" smtClean="0">
+                                  <a:latin typeface="Cambria Math" panose="02040503050406030204" pitchFamily="18" charset="0"/>
+                                </a:rPr>
+                                <m:t>𝑞</m:t>
+                              </m:r>
+                            </m:sub>
+                            <m:sup>
+                              <m:r>
+                                <a:rPr lang="en-US" altLang="zh-CN" sz="2800" b="0" i="1" smtClean="0">
+                                  <a:latin typeface="Cambria Math" panose="02040503050406030204" pitchFamily="18" charset="0"/>
+                                </a:rPr>
+                                <m:t>3</m:t>
+                              </m:r>
+                            </m:sup>
+                          </m:sSubSup>
+                        </m:e>
+                      </m:d>
+                      <m:r>
+                        <a:rPr lang="en-US" altLang="zh-CN" sz="2800" b="0" i="1" smtClean="0">
+                          <a:latin typeface="Cambria Math" panose="02040503050406030204" pitchFamily="18" charset="0"/>
+                        </a:rPr>
+                        <m:t>]</m:t>
+                      </m:r>
+                    </m:oMath>
+                  </m:oMathPara>
+                </a14:m>
+                <a:endParaRPr lang="en-US" altLang="zh-CN" sz="2800" dirty="0"/>
+              </a:p>
+              <a:p>
+                <a:pPr marL="0" indent="0">
+                  <a:buNone/>
+                </a:pPr>
+                <a:r>
+                  <a:rPr lang="zh-CN" altLang="en-US" sz="2800" dirty="0"/>
+                  <a:t>⑦</a:t>
+                </a:r>
+                <a:r>
+                  <a:rPr lang="en-US" altLang="zh-CN" sz="2800" dirty="0"/>
+                  <a:t>. the final fine-grained segment mask:</a:t>
+                </a:r>
+              </a:p>
+              <a:p>
+                <a:pPr marL="0" indent="0">
+                  <a:buNone/>
+                </a:pPr>
+                <a14:m>
+                  <m:oMathPara xmlns:m="http://schemas.openxmlformats.org/officeDocument/2006/math">
+                    <m:oMathParaPr>
+                      <m:jc m:val="centerGroup"/>
+                    </m:oMathParaPr>
+                    <m:oMath xmlns:m="http://schemas.openxmlformats.org/officeDocument/2006/math">
+                      <m:sSub>
+                        <m:sSubPr>
+                          <m:ctrlPr>
+                            <a:rPr lang="en-US" altLang="zh-CN" sz="2800" i="1" smtClean="0">
+                              <a:latin typeface="Cambria Math" panose="02040503050406030204" pitchFamily="18" charset="0"/>
+                            </a:rPr>
+                          </m:ctrlPr>
+                        </m:sSubPr>
+                        <m:e>
+                          <m:r>
+                            <a:rPr lang="en-US" altLang="zh-CN" sz="2800" b="0" i="1" smtClean="0">
+                              <a:latin typeface="Cambria Math" panose="02040503050406030204" pitchFamily="18" charset="0"/>
+                            </a:rPr>
+                            <m:t>𝑂</m:t>
+                          </m:r>
+                        </m:e>
+                        <m:sub>
+                          <m:r>
+                            <a:rPr lang="en-US" altLang="zh-CN" sz="2800" b="0" i="1" smtClean="0">
+                              <a:latin typeface="Cambria Math" panose="02040503050406030204" pitchFamily="18" charset="0"/>
+                            </a:rPr>
+                            <m:t>𝑓𝑖𝑛𝑎𝑙</m:t>
+                          </m:r>
+                        </m:sub>
+                      </m:sSub>
+                      <m:r>
+                        <a:rPr lang="en-US" altLang="zh-CN" sz="2800" b="0" i="1" smtClean="0">
+                          <a:latin typeface="Cambria Math" panose="02040503050406030204" pitchFamily="18" charset="0"/>
+                        </a:rPr>
+                        <m:t>=</m:t>
+                      </m:r>
+                      <m:r>
+                        <a:rPr lang="en-US" altLang="zh-CN" sz="2800" b="0" i="1" smtClean="0">
+                          <a:latin typeface="Cambria Math" panose="02040503050406030204" pitchFamily="18" charset="0"/>
+                        </a:rPr>
+                        <m:t>𝑁𝑜𝑟𝑚</m:t>
+                      </m:r>
+                      <m:r>
+                        <a:rPr lang="en-US" altLang="zh-CN" sz="2800" b="0" i="1" smtClean="0">
+                          <a:latin typeface="Cambria Math" panose="02040503050406030204" pitchFamily="18" charset="0"/>
+                        </a:rPr>
+                        <m:t>(</m:t>
+                      </m:r>
+                      <m:r>
+                        <a:rPr lang="en-US" altLang="zh-CN" sz="2800" b="0" i="1" smtClean="0">
+                          <a:latin typeface="Cambria Math" panose="02040503050406030204" pitchFamily="18" charset="0"/>
+                        </a:rPr>
+                        <m:t>𝑂</m:t>
+                      </m:r>
+                      <m:r>
+                        <a:rPr lang="en-US" altLang="zh-CN" sz="2800" b="0" i="1" smtClean="0">
+                          <a:latin typeface="Cambria Math" panose="02040503050406030204" pitchFamily="18" charset="0"/>
+                        </a:rPr>
+                        <m:t>+</m:t>
+                      </m:r>
+                      <m:nary>
+                        <m:naryPr>
+                          <m:chr m:val="∑"/>
+                          <m:ctrlPr>
+                            <a:rPr lang="en-US" altLang="zh-CN" sz="2800" b="0" i="1" smtClean="0">
+                              <a:latin typeface="Cambria Math" panose="02040503050406030204" pitchFamily="18" charset="0"/>
+                            </a:rPr>
+                          </m:ctrlPr>
+                        </m:naryPr>
+                        <m:sub>
+                          <m:r>
+                            <m:rPr>
+                              <m:brk m:alnAt="23"/>
+                            </m:rPr>
+                            <a:rPr lang="en-US" altLang="zh-CN" sz="2800" b="0" i="1" smtClean="0">
+                              <a:latin typeface="Cambria Math" panose="02040503050406030204" pitchFamily="18" charset="0"/>
+                            </a:rPr>
+                            <m:t>𝑖</m:t>
+                          </m:r>
+                          <m:r>
+                            <a:rPr lang="en-US" altLang="zh-CN" sz="2800" b="0" i="1" smtClean="0">
+                              <a:latin typeface="Cambria Math" panose="02040503050406030204" pitchFamily="18" charset="0"/>
+                            </a:rPr>
+                            <m:t>=1</m:t>
+                          </m:r>
+                        </m:sub>
+                        <m:sup>
+                          <m:r>
+                            <a:rPr lang="en-US" altLang="zh-CN" sz="2800" b="0" i="1" smtClean="0">
+                              <a:latin typeface="Cambria Math" panose="02040503050406030204" pitchFamily="18" charset="0"/>
+                            </a:rPr>
+                            <m:t>𝑞</m:t>
+                          </m:r>
+                        </m:sup>
+                        <m:e>
+                          <m:nary>
+                            <m:naryPr>
+                              <m:chr m:val="∑"/>
+                              <m:ctrlPr>
+                                <a:rPr lang="en-US" altLang="zh-CN" sz="2800" b="0" i="1" smtClean="0">
+                                  <a:latin typeface="Cambria Math" panose="02040503050406030204" pitchFamily="18" charset="0"/>
+                                </a:rPr>
+                              </m:ctrlPr>
+                            </m:naryPr>
+                            <m:sub>
+                              <m:r>
+                                <m:rPr>
+                                  <m:brk m:alnAt="23"/>
+                                </m:rPr>
+                                <a:rPr lang="en-US" altLang="zh-CN" sz="2800" b="0" i="1" smtClean="0">
+                                  <a:latin typeface="Cambria Math" panose="02040503050406030204" pitchFamily="18" charset="0"/>
+                                </a:rPr>
+                                <m:t>𝑗</m:t>
+                              </m:r>
+                              <m:r>
+                                <a:rPr lang="en-US" altLang="zh-CN" sz="2800" b="0" i="1" smtClean="0">
+                                  <a:latin typeface="Cambria Math" panose="02040503050406030204" pitchFamily="18" charset="0"/>
+                                </a:rPr>
+                                <m:t>=1</m:t>
+                              </m:r>
+                            </m:sub>
+                            <m:sup>
+                              <m:r>
+                                <a:rPr lang="en-US" altLang="zh-CN" sz="2800" b="0" i="1" smtClean="0">
+                                  <a:latin typeface="Cambria Math" panose="02040503050406030204" pitchFamily="18" charset="0"/>
+                                </a:rPr>
+                                <m:t>3</m:t>
+                              </m:r>
+                            </m:sup>
+                            <m:e>
+                              <m:sSubSup>
+                                <m:sSubSupPr>
+                                  <m:ctrlPr>
+                                    <a:rPr lang="en-US" altLang="zh-CN" sz="2800" b="0" i="1" smtClean="0">
+                                      <a:latin typeface="Cambria Math" panose="02040503050406030204" pitchFamily="18" charset="0"/>
+                                    </a:rPr>
+                                  </m:ctrlPr>
+                                </m:sSubSupPr>
+                                <m:e>
+                                  <m:r>
+                                    <a:rPr lang="en-US" altLang="zh-CN" sz="2800" b="0" i="1" smtClean="0">
+                                      <a:latin typeface="Cambria Math" panose="02040503050406030204" pitchFamily="18" charset="0"/>
+                                    </a:rPr>
+                                    <m:t>𝑚</m:t>
+                                  </m:r>
+                                </m:e>
+                                <m:sub>
+                                  <m:r>
+                                    <a:rPr lang="en-US" altLang="zh-CN" sz="2800" b="0" i="1" smtClean="0">
+                                      <a:latin typeface="Cambria Math" panose="02040503050406030204" pitchFamily="18" charset="0"/>
+                                    </a:rPr>
+                                    <m:t>𝑖</m:t>
+                                  </m:r>
+                                </m:sub>
+                                <m:sup>
+                                  <m:r>
+                                    <a:rPr lang="en-US" altLang="zh-CN" sz="2800" b="0" i="1" smtClean="0">
+                                      <a:latin typeface="Cambria Math" panose="02040503050406030204" pitchFamily="18" charset="0"/>
+                                    </a:rPr>
+                                    <m:t>𝑗</m:t>
+                                  </m:r>
+                                </m:sup>
+                              </m:sSubSup>
+                              <m:sSubSup>
+                                <m:sSubSupPr>
+                                  <m:ctrlPr>
+                                    <a:rPr lang="en-US" altLang="zh-CN" sz="2800" b="0" i="1" smtClean="0">
+                                      <a:latin typeface="Cambria Math" panose="02040503050406030204" pitchFamily="18" charset="0"/>
+                                    </a:rPr>
+                                  </m:ctrlPr>
+                                </m:sSubSupPr>
+                                <m:e>
+                                  <m:r>
+                                    <a:rPr lang="en-US" altLang="zh-CN" sz="2800" b="0" i="1" smtClean="0">
+                                      <a:latin typeface="Cambria Math" panose="02040503050406030204" pitchFamily="18" charset="0"/>
+                                    </a:rPr>
+                                    <m:t>𝑠</m:t>
+                                  </m:r>
+                                </m:e>
+                                <m:sub>
+                                  <m:r>
+                                    <a:rPr lang="en-US" altLang="zh-CN" sz="2800" b="0" i="1" smtClean="0">
+                                      <a:latin typeface="Cambria Math" panose="02040503050406030204" pitchFamily="18" charset="0"/>
+                                    </a:rPr>
+                                    <m:t>𝑖</m:t>
+                                  </m:r>
+                                </m:sub>
+                                <m:sup>
+                                  <m:r>
+                                    <a:rPr lang="en-US" altLang="zh-CN" sz="2800" b="0" i="1" smtClean="0">
+                                      <a:latin typeface="Cambria Math" panose="02040503050406030204" pitchFamily="18" charset="0"/>
+                                    </a:rPr>
+                                    <m:t>𝑗</m:t>
+                                  </m:r>
+                                </m:sup>
+                              </m:sSubSup>
+                            </m:e>
+                          </m:nary>
+                        </m:e>
+                      </m:nary>
+                    </m:oMath>
+                  </m:oMathPara>
+                </a14:m>
+                <a:endParaRPr lang="en-US" altLang="zh-CN" sz="2800" dirty="0"/>
+              </a:p>
+              <a:p>
+                <a:pPr marL="0" indent="0">
+                  <a:buNone/>
+                </a:pPr>
+                <a:endParaRPr lang="en-US" altLang="zh-CN" sz="2800" dirty="0"/>
+              </a:p>
+            </p:txBody>
+          </p:sp>
+        </mc:Choice>
+        <mc:Fallback xmlns="">
+          <p:sp>
+            <p:nvSpPr>
+              <p:cNvPr id="5" name="内容占位符 4">
+                <a:extLst>
+                  <a:ext uri="{FF2B5EF4-FFF2-40B4-BE49-F238E27FC236}">
+                    <a16:creationId xmlns:a16="http://schemas.microsoft.com/office/drawing/2014/main" id="{7CCA9E6E-8FDB-96E0-EBA0-9DCC32D45C7A}"/>
+                  </a:ext>
+                </a:extLst>
+              </p:cNvPr>
+              <p:cNvSpPr>
+                <a:spLocks noGrp="1" noRot="1" noChangeAspect="1" noMove="1" noResize="1" noEditPoints="1" noAdjustHandles="1" noChangeArrowheads="1" noChangeShapeType="1" noTextEdit="1"/>
+              </p:cNvSpPr>
+              <p:nvPr>
+                <p:ph idx="1"/>
+              </p:nvPr>
+            </p:nvSpPr>
+            <p:spPr>
+              <a:xfrm>
+                <a:off x="3447535" y="0"/>
+                <a:ext cx="8744465" cy="6857999"/>
+              </a:xfrm>
+              <a:blipFill>
+                <a:blip r:embed="rId2"/>
+                <a:stretch>
+                  <a:fillRect l="-1464" t="-1600" r="-2162"/>
+                </a:stretch>
+              </a:blipFill>
+            </p:spPr>
+            <p:txBody>
+              <a:bodyPr/>
+              <a:lstStyle/>
+              <a:p>
+                <a:r>
+                  <a:rPr lang="zh-CN" altLang="en-US">
+                    <a:noFill/>
+                  </a:rPr>
+                  <a:t> </a:t>
+                </a:r>
+              </a:p>
+            </p:txBody>
+          </p:sp>
+        </mc:Fallback>
+      </mc:AlternateContent>
+    </p:spTree>
+    <p:extLst>
+      <p:ext uri="{BB962C8B-B14F-4D97-AF65-F5344CB8AC3E}">
+        <p14:creationId xmlns:p14="http://schemas.microsoft.com/office/powerpoint/2010/main" val="3423282559"/>
+      </p:ext>
+    </p:extLst>
+  </p:cSld>
+  <p:clrMapOvr>
+    <a:masterClrMapping/>
+  </p:clrMapOvr>
+</p:sld>
+</file>
+
+<file path=ppt/slides/slide17.xml><?xml version="1.0" encoding="utf-8"?>
+<p:sld xmlns:a="http://schemas.openxmlformats.org/drawingml/2006/main" xmlns:r="http://schemas.openxmlformats.org/officeDocument/2006/relationships" xmlns:p="http://schemas.openxmlformats.org/presentationml/2006/main">
+  <p:cSld>
+    <p:spTree>
+      <p:nvGrpSpPr>
+        <p:cNvPr id="1" name=""/>
+        <p:cNvGrpSpPr/>
+        <p:nvPr/>
+      </p:nvGrpSpPr>
+      <p:grpSpPr>
+        <a:xfrm>
+          <a:off x="0" y="0"/>
+          <a:ext cx="0" cy="0"/>
+          <a:chOff x="0" y="0"/>
+          <a:chExt cx="0" cy="0"/>
+        </a:xfrm>
+      </p:grpSpPr>
+      <p:sp>
+        <p:nvSpPr>
+          <p:cNvPr id="2" name="标题 1">
+            <a:extLst>
+              <a:ext uri="{FF2B5EF4-FFF2-40B4-BE49-F238E27FC236}">
+                <a16:creationId xmlns:a16="http://schemas.microsoft.com/office/drawing/2014/main" id="{20618421-B59A-AC9B-4C2B-A4D78327CE22}"/>
+              </a:ext>
+            </a:extLst>
+          </p:cNvPr>
+          <p:cNvSpPr>
+            <a:spLocks noGrp="1"/>
+          </p:cNvSpPr>
+          <p:nvPr>
+            <p:ph type="title"/>
+          </p:nvPr>
+        </p:nvSpPr>
+        <p:spPr>
+          <a:xfrm>
+            <a:off x="10597" y="14104"/>
+            <a:ext cx="3546860" cy="661086"/>
+          </a:xfrm>
+        </p:spPr>
+        <p:txBody>
+          <a:bodyPr/>
+          <a:lstStyle/>
+          <a:p>
+            <a:r>
+              <a:rPr lang="en-US" altLang="zh-CN" dirty="0"/>
+              <a:t>3.Methodology</a:t>
+            </a:r>
+            <a:endParaRPr lang="zh-CN" altLang="en-US" dirty="0"/>
+          </a:p>
+        </p:txBody>
+      </p:sp>
+      <p:sp>
+        <p:nvSpPr>
+          <p:cNvPr id="4" name="文本占位符 3">
+            <a:extLst>
+              <a:ext uri="{FF2B5EF4-FFF2-40B4-BE49-F238E27FC236}">
+                <a16:creationId xmlns:a16="http://schemas.microsoft.com/office/drawing/2014/main" id="{351E9848-A693-DC47-CE0F-2FA538003518}"/>
+              </a:ext>
+            </a:extLst>
+          </p:cNvPr>
+          <p:cNvSpPr>
+            <a:spLocks noGrp="1"/>
+          </p:cNvSpPr>
+          <p:nvPr>
+            <p:ph type="body" sz="half" idx="2"/>
+          </p:nvPr>
+        </p:nvSpPr>
+        <p:spPr>
+          <a:xfrm>
+            <a:off x="10596" y="675190"/>
+            <a:ext cx="3546861" cy="3811588"/>
+          </a:xfrm>
+        </p:spPr>
+        <p:txBody>
+          <a:bodyPr/>
+          <a:lstStyle/>
+          <a:p>
+            <a:r>
+              <a:rPr lang="en-US" altLang="zh-CN" dirty="0"/>
+              <a:t>3.1 CLIP and SAM Collaboration</a:t>
+            </a:r>
+          </a:p>
+          <a:p>
+            <a:r>
+              <a:rPr lang="en-US" altLang="zh-CN" dirty="0"/>
+              <a:t>3.2 Unified Multi-scale Cross-modal Interaction</a:t>
+            </a:r>
+          </a:p>
+          <a:p>
+            <a:r>
+              <a:rPr lang="en-US" altLang="zh-CN" dirty="0"/>
+              <a:t>3.3 Multi-level Mask Refinement</a:t>
+            </a:r>
+          </a:p>
+          <a:p>
+            <a:r>
+              <a:rPr lang="en-US" altLang="zh-CN" dirty="0"/>
+              <a:t>3.4 </a:t>
+            </a:r>
+            <a:r>
+              <a:rPr lang="en-US" altLang="zh-CN" dirty="0">
+                <a:highlight>
+                  <a:srgbClr val="FFFF00"/>
+                </a:highlight>
+              </a:rPr>
+              <a:t>Objective Function</a:t>
+            </a:r>
+            <a:endParaRPr lang="zh-CN" altLang="en-US" dirty="0">
+              <a:highlight>
+                <a:srgbClr val="FFFF00"/>
+              </a:highlight>
+            </a:endParaRPr>
+          </a:p>
+        </p:txBody>
+      </p:sp>
+      <p:sp>
+        <p:nvSpPr>
+          <p:cNvPr id="5" name="内容占位符 4">
+            <a:extLst>
+              <a:ext uri="{FF2B5EF4-FFF2-40B4-BE49-F238E27FC236}">
+                <a16:creationId xmlns:a16="http://schemas.microsoft.com/office/drawing/2014/main" id="{7CCA9E6E-8FDB-96E0-EBA0-9DCC32D45C7A}"/>
+              </a:ext>
+            </a:extLst>
+          </p:cNvPr>
+          <p:cNvSpPr>
+            <a:spLocks noGrp="1"/>
+          </p:cNvSpPr>
+          <p:nvPr>
+            <p:ph idx="1"/>
+          </p:nvPr>
+        </p:nvSpPr>
+        <p:spPr>
+          <a:xfrm>
+            <a:off x="3447535" y="0"/>
+            <a:ext cx="8744465" cy="6857999"/>
+          </a:xfrm>
+        </p:spPr>
+        <p:txBody>
+          <a:bodyPr>
+            <a:normAutofit/>
+          </a:bodyPr>
+          <a:lstStyle/>
+          <a:p>
+            <a:pPr marL="0" indent="0">
+              <a:buNone/>
+            </a:pPr>
+            <a:r>
+              <a:rPr lang="en-US" altLang="zh-CN" sz="2800" dirty="0"/>
+              <a:t>we employ the Focal Loss and Dice Loss.</a:t>
+            </a:r>
+          </a:p>
+          <a:p>
+            <a:pPr marL="0" indent="0">
+              <a:buNone/>
+            </a:pPr>
+            <a:endParaRPr lang="en-US" altLang="zh-CN" sz="2800" dirty="0"/>
+          </a:p>
+          <a:p>
+            <a:pPr marL="0" indent="0">
+              <a:buNone/>
+            </a:pPr>
+            <a:endParaRPr lang="en-US" altLang="zh-CN" sz="2800" dirty="0"/>
+          </a:p>
+        </p:txBody>
+      </p:sp>
+      <p:sp>
+        <p:nvSpPr>
+          <p:cNvPr id="3" name="内容占位符 4">
+            <a:extLst>
+              <a:ext uri="{FF2B5EF4-FFF2-40B4-BE49-F238E27FC236}">
+                <a16:creationId xmlns:a16="http://schemas.microsoft.com/office/drawing/2014/main" id="{D09B0181-D3A2-314E-7B04-9D4BCCD5CDAF}"/>
+              </a:ext>
+            </a:extLst>
+          </p:cNvPr>
+          <p:cNvSpPr txBox="1">
+            <a:spLocks/>
+          </p:cNvSpPr>
+          <p:nvPr/>
+        </p:nvSpPr>
+        <p:spPr>
+          <a:xfrm>
+            <a:off x="3340443" y="14104"/>
+            <a:ext cx="8744465" cy="6857999"/>
+          </a:xfrm>
+          <a:prstGeom prst="rect">
+            <a:avLst/>
+          </a:prstGeom>
+        </p:spPr>
+        <p:txBody>
+          <a:bodyPr vert="horz" lIns="91440" tIns="45720" rIns="91440" bIns="45720" rtlCol="0">
+            <a:normAutofit/>
+          </a:bodyPr>
+          <a:lstStyle>
+            <a:lvl1pPr marL="228600" indent="-228600" algn="l" defTabSz="914400" rtl="0" eaLnBrk="1" latinLnBrk="0" hangingPunct="1">
+              <a:lnSpc>
+                <a:spcPct val="90000"/>
+              </a:lnSpc>
+              <a:spcBef>
+                <a:spcPts val="1000"/>
+              </a:spcBef>
+              <a:buFont typeface="Arial" panose="020B0604020202020204" pitchFamily="34" charset="0"/>
+              <a:buChar char="•"/>
+              <a:defRPr sz="3200" kern="1200">
+                <a:solidFill>
+                  <a:schemeClr val="tx1"/>
+                </a:solidFill>
+                <a:latin typeface="+mn-lt"/>
+                <a:ea typeface="+mn-ea"/>
+                <a:cs typeface="+mn-cs"/>
+              </a:defRPr>
+            </a:lvl1pPr>
+            <a:lvl2pPr marL="685800" indent="-228600" algn="l" defTabSz="914400" rtl="0" eaLnBrk="1" latinLnBrk="0" hangingPunct="1">
+              <a:lnSpc>
+                <a:spcPct val="90000"/>
+              </a:lnSpc>
+              <a:spcBef>
+                <a:spcPts val="500"/>
+              </a:spcBef>
+              <a:buFont typeface="Arial" panose="020B0604020202020204" pitchFamily="34" charset="0"/>
+              <a:buChar char="•"/>
+              <a:defRPr sz="2800" kern="1200">
+                <a:solidFill>
+                  <a:schemeClr val="tx1"/>
+                </a:solidFill>
+                <a:latin typeface="+mn-lt"/>
+                <a:ea typeface="+mn-ea"/>
+                <a:cs typeface="+mn-cs"/>
+              </a:defRPr>
+            </a:lvl2pPr>
+            <a:lvl3pPr marL="1143000" indent="-228600" algn="l" defTabSz="914400" rtl="0" eaLnBrk="1" latinLnBrk="0" hangingPunct="1">
+              <a:lnSpc>
+                <a:spcPct val="90000"/>
+              </a:lnSpc>
+              <a:spcBef>
+                <a:spcPts val="500"/>
+              </a:spcBef>
+              <a:buFont typeface="Arial" panose="020B0604020202020204" pitchFamily="34" charset="0"/>
+              <a:buChar char="•"/>
+              <a:defRPr sz="2400" kern="1200">
+                <a:solidFill>
+                  <a:schemeClr val="tx1"/>
+                </a:solidFill>
+                <a:latin typeface="+mn-lt"/>
+                <a:ea typeface="+mn-ea"/>
+                <a:cs typeface="+mn-cs"/>
+              </a:defRPr>
+            </a:lvl3pPr>
+            <a:lvl4pPr marL="1600200" indent="-228600" algn="l" defTabSz="914400" rtl="0" eaLnBrk="1" latinLnBrk="0" hangingPunct="1">
+              <a:lnSpc>
+                <a:spcPct val="90000"/>
+              </a:lnSpc>
+              <a:spcBef>
+                <a:spcPts val="500"/>
+              </a:spcBef>
+              <a:buFont typeface="Arial" panose="020B0604020202020204" pitchFamily="34" charset="0"/>
+              <a:buChar char="•"/>
+              <a:defRPr sz="2000" kern="1200">
+                <a:solidFill>
+                  <a:schemeClr val="tx1"/>
+                </a:solidFill>
+                <a:latin typeface="+mn-lt"/>
+                <a:ea typeface="+mn-ea"/>
+                <a:cs typeface="+mn-cs"/>
+              </a:defRPr>
+            </a:lvl4pPr>
+            <a:lvl5pPr marL="2057400" indent="-228600" algn="l" defTabSz="914400" rtl="0" eaLnBrk="1" latinLnBrk="0" hangingPunct="1">
+              <a:lnSpc>
+                <a:spcPct val="90000"/>
+              </a:lnSpc>
+              <a:spcBef>
+                <a:spcPts val="500"/>
+              </a:spcBef>
+              <a:buFont typeface="Arial" panose="020B0604020202020204" pitchFamily="34" charset="0"/>
+              <a:buChar char="•"/>
+              <a:defRPr sz="2000" kern="1200">
+                <a:solidFill>
+                  <a:schemeClr val="tx1"/>
+                </a:solidFill>
+                <a:latin typeface="+mn-lt"/>
+                <a:ea typeface="+mn-ea"/>
+                <a:cs typeface="+mn-cs"/>
+              </a:defRPr>
+            </a:lvl5pPr>
+            <a:lvl6pPr marL="2514600" indent="-228600" algn="l" defTabSz="914400" rtl="0" eaLnBrk="1" latinLnBrk="0" hangingPunct="1">
+              <a:lnSpc>
+                <a:spcPct val="90000"/>
+              </a:lnSpc>
+              <a:spcBef>
+                <a:spcPts val="500"/>
+              </a:spcBef>
+              <a:buFont typeface="Arial" panose="020B0604020202020204" pitchFamily="34" charset="0"/>
+              <a:buChar char="•"/>
+              <a:defRPr sz="2000" kern="1200">
+                <a:solidFill>
+                  <a:schemeClr val="tx1"/>
+                </a:solidFill>
+                <a:latin typeface="+mn-lt"/>
+                <a:ea typeface="+mn-ea"/>
+                <a:cs typeface="+mn-cs"/>
+              </a:defRPr>
+            </a:lvl6pPr>
+            <a:lvl7pPr marL="2971800" indent="-228600" algn="l" defTabSz="914400" rtl="0" eaLnBrk="1" latinLnBrk="0" hangingPunct="1">
+              <a:lnSpc>
+                <a:spcPct val="90000"/>
+              </a:lnSpc>
+              <a:spcBef>
+                <a:spcPts val="500"/>
+              </a:spcBef>
+              <a:buFont typeface="Arial" panose="020B0604020202020204" pitchFamily="34" charset="0"/>
+              <a:buChar char="•"/>
+              <a:defRPr sz="2000" kern="1200">
+                <a:solidFill>
+                  <a:schemeClr val="tx1"/>
+                </a:solidFill>
+                <a:latin typeface="+mn-lt"/>
+                <a:ea typeface="+mn-ea"/>
+                <a:cs typeface="+mn-cs"/>
+              </a:defRPr>
+            </a:lvl7pPr>
+            <a:lvl8pPr marL="3429000" indent="-228600" algn="l" defTabSz="914400" rtl="0" eaLnBrk="1" latinLnBrk="0" hangingPunct="1">
+              <a:lnSpc>
+                <a:spcPct val="90000"/>
+              </a:lnSpc>
+              <a:spcBef>
+                <a:spcPts val="500"/>
+              </a:spcBef>
+              <a:buFont typeface="Arial" panose="020B0604020202020204" pitchFamily="34" charset="0"/>
+              <a:buChar char="•"/>
+              <a:defRPr sz="2000" kern="1200">
+                <a:solidFill>
+                  <a:schemeClr val="tx1"/>
+                </a:solidFill>
+                <a:latin typeface="+mn-lt"/>
+                <a:ea typeface="+mn-ea"/>
+                <a:cs typeface="+mn-cs"/>
+              </a:defRPr>
+            </a:lvl8pPr>
+            <a:lvl9pPr marL="3886200" indent="-228600" algn="l" defTabSz="914400" rtl="0" eaLnBrk="1" latinLnBrk="0" hangingPunct="1">
+              <a:lnSpc>
+                <a:spcPct val="90000"/>
+              </a:lnSpc>
+              <a:spcBef>
+                <a:spcPts val="500"/>
+              </a:spcBef>
+              <a:buFont typeface="Arial" panose="020B0604020202020204" pitchFamily="34" charset="0"/>
+              <a:buChar char="•"/>
+              <a:defRPr sz="2000" kern="1200">
+                <a:solidFill>
+                  <a:schemeClr val="tx1"/>
+                </a:solidFill>
+                <a:latin typeface="+mn-lt"/>
+                <a:ea typeface="+mn-ea"/>
+                <a:cs typeface="+mn-cs"/>
+              </a:defRPr>
+            </a:lvl9pPr>
+          </a:lstStyle>
+          <a:p>
+            <a:pPr marL="0" indent="0">
+              <a:buFont typeface="Arial" panose="020B0604020202020204" pitchFamily="34" charset="0"/>
+              <a:buNone/>
+            </a:pPr>
+            <a:endParaRPr lang="en-US" altLang="zh-CN" sz="2800" dirty="0"/>
+          </a:p>
+        </p:txBody>
+      </p:sp>
+    </p:spTree>
+    <p:extLst>
+      <p:ext uri="{BB962C8B-B14F-4D97-AF65-F5344CB8AC3E}">
+        <p14:creationId xmlns:p14="http://schemas.microsoft.com/office/powerpoint/2010/main" val="1195577917"/>
+      </p:ext>
+    </p:extLst>
+  </p:cSld>
+  <p:clrMapOvr>
+    <a:masterClrMapping/>
+  </p:clrMapOvr>
+</p:sld>
+</file>
+
+<file path=ppt/slides/slide18.xml><?xml version="1.0" encoding="utf-8"?>
+<p:sld xmlns:a="http://schemas.openxmlformats.org/drawingml/2006/main" xmlns:r="http://schemas.openxmlformats.org/officeDocument/2006/relationships" xmlns:p="http://schemas.openxmlformats.org/presentationml/2006/main">
+  <p:cSld>
+    <p:spTree>
+      <p:nvGrpSpPr>
+        <p:cNvPr id="1" name=""/>
+        <p:cNvGrpSpPr/>
+        <p:nvPr/>
+      </p:nvGrpSpPr>
+      <p:grpSpPr>
+        <a:xfrm>
+          <a:off x="0" y="0"/>
+          <a:ext cx="0" cy="0"/>
+          <a:chOff x="0" y="0"/>
+          <a:chExt cx="0" cy="0"/>
+        </a:xfrm>
+      </p:grpSpPr>
+      <p:sp>
+        <p:nvSpPr>
+          <p:cNvPr id="2" name="标题 1">
+            <a:extLst>
+              <a:ext uri="{FF2B5EF4-FFF2-40B4-BE49-F238E27FC236}">
+                <a16:creationId xmlns:a16="http://schemas.microsoft.com/office/drawing/2014/main" id="{6B9AC6B9-B1ED-49E0-FB88-4576CEA6575F}"/>
+              </a:ext>
+            </a:extLst>
+          </p:cNvPr>
+          <p:cNvSpPr>
+            <a:spLocks noGrp="1"/>
+          </p:cNvSpPr>
+          <p:nvPr>
+            <p:ph type="title"/>
+          </p:nvPr>
+        </p:nvSpPr>
+        <p:spPr>
+          <a:xfrm>
+            <a:off x="0" y="0"/>
+            <a:ext cx="3932237" cy="624015"/>
+          </a:xfrm>
+        </p:spPr>
+        <p:txBody>
+          <a:bodyPr/>
+          <a:lstStyle/>
+          <a:p>
+            <a:r>
+              <a:rPr lang="en-US" altLang="zh-CN" dirty="0"/>
+              <a:t>4.Experiments</a:t>
+            </a:r>
+            <a:endParaRPr lang="zh-CN" altLang="en-US" dirty="0"/>
+          </a:p>
+        </p:txBody>
+      </p:sp>
+      <p:sp>
+        <p:nvSpPr>
+          <p:cNvPr id="3" name="内容占位符 2">
+            <a:extLst>
+              <a:ext uri="{FF2B5EF4-FFF2-40B4-BE49-F238E27FC236}">
+                <a16:creationId xmlns:a16="http://schemas.microsoft.com/office/drawing/2014/main" id="{F767D0BB-9CD0-A091-460A-194179D0D4BD}"/>
+              </a:ext>
+            </a:extLst>
+          </p:cNvPr>
+          <p:cNvSpPr>
+            <a:spLocks noGrp="1"/>
+          </p:cNvSpPr>
+          <p:nvPr>
+            <p:ph idx="1"/>
+          </p:nvPr>
+        </p:nvSpPr>
+        <p:spPr>
+          <a:xfrm>
+            <a:off x="3932237" y="0"/>
+            <a:ext cx="8259763" cy="6857999"/>
+          </a:xfrm>
+        </p:spPr>
+        <p:txBody>
+          <a:bodyPr/>
+          <a:lstStyle/>
+          <a:p>
+            <a:r>
+              <a:rPr lang="en-US" altLang="zh-CN" dirty="0"/>
+              <a:t>CLIP – ViT-L-14-336</a:t>
+            </a:r>
+          </a:p>
+          <a:p>
+            <a:r>
+              <a:rPr lang="en-US" altLang="zh-CN" dirty="0"/>
+              <a:t>extract image token at each stage</a:t>
+            </a:r>
+            <a:r>
+              <a:rPr lang="zh-CN" altLang="en-US" dirty="0"/>
+              <a:t> </a:t>
+            </a:r>
+            <a:r>
+              <a:rPr lang="en-US" altLang="zh-CN" dirty="0"/>
+              <a:t>(6,</a:t>
+            </a:r>
+            <a:r>
+              <a:rPr lang="zh-CN" altLang="en-US" dirty="0"/>
+              <a:t> </a:t>
+            </a:r>
+            <a:r>
+              <a:rPr lang="en-US" altLang="zh-CN" dirty="0"/>
+              <a:t>12, 18, 24)</a:t>
+            </a:r>
+          </a:p>
+          <a:p>
+            <a:r>
+              <a:rPr lang="en-US" altLang="zh-CN" dirty="0" err="1"/>
+              <a:t>AdamW</a:t>
+            </a:r>
+            <a:r>
+              <a:rPr lang="en-US" altLang="zh-CN" dirty="0"/>
+              <a:t>, </a:t>
+            </a:r>
+            <a:r>
+              <a:rPr lang="en-US" altLang="zh-CN" dirty="0" err="1"/>
+              <a:t>lr</a:t>
+            </a:r>
+            <a:r>
+              <a:rPr lang="en-US" altLang="zh-CN" dirty="0"/>
+              <a:t>=10e-4</a:t>
+            </a:r>
+          </a:p>
+          <a:p>
+            <a:r>
+              <a:rPr lang="en-US" altLang="zh-CN" dirty="0"/>
+              <a:t>batch size of 8 with 6 epochs.</a:t>
+            </a:r>
+          </a:p>
+          <a:p>
+            <a:r>
+              <a:rPr lang="en-US" altLang="zh-CN" dirty="0"/>
+              <a:t>SAM use </a:t>
+            </a:r>
+            <a:r>
+              <a:rPr lang="en-US" altLang="zh-CN" dirty="0" err="1"/>
+              <a:t>ViT</a:t>
+            </a:r>
+            <a:r>
+              <a:rPr lang="en-US" altLang="zh-CN" dirty="0"/>
+              <a:t>-H</a:t>
+            </a:r>
+          </a:p>
+        </p:txBody>
+      </p:sp>
+      <p:sp>
+        <p:nvSpPr>
+          <p:cNvPr id="4" name="文本占位符 3">
+            <a:extLst>
+              <a:ext uri="{FF2B5EF4-FFF2-40B4-BE49-F238E27FC236}">
+                <a16:creationId xmlns:a16="http://schemas.microsoft.com/office/drawing/2014/main" id="{6C9DF738-6E4C-D4FD-97D7-3635C0F8040E}"/>
+              </a:ext>
+            </a:extLst>
+          </p:cNvPr>
+          <p:cNvSpPr>
+            <a:spLocks noGrp="1"/>
+          </p:cNvSpPr>
+          <p:nvPr>
+            <p:ph type="body" sz="half" idx="2"/>
+          </p:nvPr>
+        </p:nvSpPr>
+        <p:spPr>
+          <a:xfrm>
+            <a:off x="0" y="624016"/>
+            <a:ext cx="3932237" cy="3811588"/>
+          </a:xfrm>
+        </p:spPr>
+        <p:txBody>
+          <a:bodyPr/>
+          <a:lstStyle/>
+          <a:p>
+            <a:r>
+              <a:rPr lang="en-US" altLang="zh-CN" dirty="0"/>
+              <a:t>4.1 </a:t>
+            </a:r>
+            <a:r>
+              <a:rPr lang="en-US" altLang="zh-CN" dirty="0">
+                <a:highlight>
+                  <a:srgbClr val="FFFF00"/>
+                </a:highlight>
+              </a:rPr>
+              <a:t>experimental setup</a:t>
+            </a:r>
+          </a:p>
+          <a:p>
+            <a:r>
+              <a:rPr lang="en-US" altLang="zh-CN" dirty="0"/>
+              <a:t>4.2 experiments on mvtec and visa</a:t>
+            </a:r>
+          </a:p>
+          <a:p>
+            <a:r>
+              <a:rPr lang="en-US" altLang="zh-CN" dirty="0"/>
+              <a:t>4.3 ablation studies</a:t>
+            </a:r>
+            <a:endParaRPr lang="zh-CN" altLang="en-US" dirty="0"/>
+          </a:p>
+        </p:txBody>
+      </p:sp>
+    </p:spTree>
+    <p:extLst>
+      <p:ext uri="{BB962C8B-B14F-4D97-AF65-F5344CB8AC3E}">
+        <p14:creationId xmlns:p14="http://schemas.microsoft.com/office/powerpoint/2010/main" val="3012015977"/>
+      </p:ext>
+    </p:extLst>
+  </p:cSld>
+  <p:clrMapOvr>
+    <a:masterClrMapping/>
+  </p:clrMapOvr>
+</p:sld>
+</file>
+
+<file path=ppt/slides/slide19.xml><?xml version="1.0" encoding="utf-8"?>
+<p:sld xmlns:a="http://schemas.openxmlformats.org/drawingml/2006/main" xmlns:r="http://schemas.openxmlformats.org/officeDocument/2006/relationships" xmlns:p="http://schemas.openxmlformats.org/presentationml/2006/main">
+  <p:cSld>
+    <p:spTree>
+      <p:nvGrpSpPr>
+        <p:cNvPr id="1" name=""/>
+        <p:cNvGrpSpPr/>
+        <p:nvPr/>
+      </p:nvGrpSpPr>
+      <p:grpSpPr>
+        <a:xfrm>
+          <a:off x="0" y="0"/>
+          <a:ext cx="0" cy="0"/>
+          <a:chOff x="0" y="0"/>
+          <a:chExt cx="0" cy="0"/>
+        </a:xfrm>
+      </p:grpSpPr>
+      <p:sp>
+        <p:nvSpPr>
+          <p:cNvPr id="2" name="标题 1">
+            <a:extLst>
+              <a:ext uri="{FF2B5EF4-FFF2-40B4-BE49-F238E27FC236}">
+                <a16:creationId xmlns:a16="http://schemas.microsoft.com/office/drawing/2014/main" id="{6B9AC6B9-B1ED-49E0-FB88-4576CEA6575F}"/>
+              </a:ext>
+            </a:extLst>
+          </p:cNvPr>
+          <p:cNvSpPr>
+            <a:spLocks noGrp="1"/>
+          </p:cNvSpPr>
+          <p:nvPr>
+            <p:ph type="title"/>
+          </p:nvPr>
+        </p:nvSpPr>
+        <p:spPr>
+          <a:xfrm>
+            <a:off x="0" y="0"/>
+            <a:ext cx="3932237" cy="624015"/>
+          </a:xfrm>
+        </p:spPr>
+        <p:txBody>
+          <a:bodyPr/>
+          <a:lstStyle/>
+          <a:p>
+            <a:r>
+              <a:rPr lang="en-US" altLang="zh-CN" dirty="0"/>
+              <a:t>4.Experiments</a:t>
+            </a:r>
+            <a:endParaRPr lang="zh-CN" altLang="en-US" dirty="0"/>
+          </a:p>
+        </p:txBody>
+      </p:sp>
+      <p:sp>
+        <p:nvSpPr>
+          <p:cNvPr id="3" name="内容占位符 2">
+            <a:extLst>
+              <a:ext uri="{FF2B5EF4-FFF2-40B4-BE49-F238E27FC236}">
+                <a16:creationId xmlns:a16="http://schemas.microsoft.com/office/drawing/2014/main" id="{F767D0BB-9CD0-A091-460A-194179D0D4BD}"/>
+              </a:ext>
+            </a:extLst>
+          </p:cNvPr>
+          <p:cNvSpPr>
+            <a:spLocks noGrp="1"/>
+          </p:cNvSpPr>
+          <p:nvPr>
+            <p:ph idx="1"/>
+          </p:nvPr>
+        </p:nvSpPr>
+        <p:spPr>
+          <a:xfrm>
+            <a:off x="3932237" y="0"/>
+            <a:ext cx="8259763" cy="6857999"/>
+          </a:xfrm>
+        </p:spPr>
+        <p:txBody>
+          <a:bodyPr/>
+          <a:lstStyle/>
+          <a:p>
+            <a:r>
+              <a:rPr lang="en-US" altLang="zh-CN" dirty="0"/>
+              <a:t>result is better</a:t>
+            </a:r>
+            <a:endParaRPr lang="zh-CN" altLang="en-US" dirty="0"/>
+          </a:p>
+        </p:txBody>
+      </p:sp>
+      <p:sp>
+        <p:nvSpPr>
+          <p:cNvPr id="4" name="文本占位符 3">
+            <a:extLst>
+              <a:ext uri="{FF2B5EF4-FFF2-40B4-BE49-F238E27FC236}">
+                <a16:creationId xmlns:a16="http://schemas.microsoft.com/office/drawing/2014/main" id="{6C9DF738-6E4C-D4FD-97D7-3635C0F8040E}"/>
+              </a:ext>
+            </a:extLst>
+          </p:cNvPr>
+          <p:cNvSpPr>
+            <a:spLocks noGrp="1"/>
+          </p:cNvSpPr>
+          <p:nvPr>
+            <p:ph type="body" sz="half" idx="2"/>
+          </p:nvPr>
+        </p:nvSpPr>
+        <p:spPr>
+          <a:xfrm>
+            <a:off x="0" y="624016"/>
+            <a:ext cx="3932237" cy="3811588"/>
+          </a:xfrm>
+        </p:spPr>
+        <p:txBody>
+          <a:bodyPr/>
+          <a:lstStyle/>
+          <a:p>
+            <a:r>
+              <a:rPr lang="en-US" altLang="zh-CN" dirty="0"/>
+              <a:t>4.1 experimental setup</a:t>
+            </a:r>
+          </a:p>
+          <a:p>
+            <a:r>
+              <a:rPr lang="en-US" altLang="zh-CN" dirty="0"/>
+              <a:t>4.2 </a:t>
+            </a:r>
+            <a:r>
+              <a:rPr lang="en-US" altLang="zh-CN" dirty="0">
+                <a:highlight>
+                  <a:srgbClr val="FFFF00"/>
+                </a:highlight>
+              </a:rPr>
+              <a:t>experiments on mvtec and visa</a:t>
+            </a:r>
+          </a:p>
+          <a:p>
+            <a:r>
+              <a:rPr lang="en-US" altLang="zh-CN" dirty="0"/>
+              <a:t>4.3 ablation studies</a:t>
+            </a:r>
+            <a:endParaRPr lang="zh-CN" altLang="en-US" dirty="0"/>
+          </a:p>
+        </p:txBody>
+      </p:sp>
+    </p:spTree>
+    <p:extLst>
+      <p:ext uri="{BB962C8B-B14F-4D97-AF65-F5344CB8AC3E}">
+        <p14:creationId xmlns:p14="http://schemas.microsoft.com/office/powerpoint/2010/main" val="2321383433"/>
       </p:ext>
     </p:extLst>
   </p:cSld>
@@ -4794,6 +11251,239 @@
     <p:extLst>
       <p:ext uri="{BB962C8B-B14F-4D97-AF65-F5344CB8AC3E}">
         <p14:creationId xmlns:p14="http://schemas.microsoft.com/office/powerpoint/2010/main" val="4280954091"/>
+      </p:ext>
+    </p:extLst>
+  </p:cSld>
+  <p:clrMapOvr>
+    <a:masterClrMapping/>
+  </p:clrMapOvr>
+</p:sld>
+</file>
+
+<file path=ppt/slides/slide20.xml><?xml version="1.0" encoding="utf-8"?>
+<p:sld xmlns:a="http://schemas.openxmlformats.org/drawingml/2006/main" xmlns:r="http://schemas.openxmlformats.org/officeDocument/2006/relationships" xmlns:p="http://schemas.openxmlformats.org/presentationml/2006/main">
+  <p:cSld>
+    <p:spTree>
+      <p:nvGrpSpPr>
+        <p:cNvPr id="1" name=""/>
+        <p:cNvGrpSpPr/>
+        <p:nvPr/>
+      </p:nvGrpSpPr>
+      <p:grpSpPr>
+        <a:xfrm>
+          <a:off x="0" y="0"/>
+          <a:ext cx="0" cy="0"/>
+          <a:chOff x="0" y="0"/>
+          <a:chExt cx="0" cy="0"/>
+        </a:xfrm>
+      </p:grpSpPr>
+      <p:sp>
+        <p:nvSpPr>
+          <p:cNvPr id="2" name="标题 1">
+            <a:extLst>
+              <a:ext uri="{FF2B5EF4-FFF2-40B4-BE49-F238E27FC236}">
+                <a16:creationId xmlns:a16="http://schemas.microsoft.com/office/drawing/2014/main" id="{6B9AC6B9-B1ED-49E0-FB88-4576CEA6575F}"/>
+              </a:ext>
+            </a:extLst>
+          </p:cNvPr>
+          <p:cNvSpPr>
+            <a:spLocks noGrp="1"/>
+          </p:cNvSpPr>
+          <p:nvPr>
+            <p:ph type="title"/>
+          </p:nvPr>
+        </p:nvSpPr>
+        <p:spPr>
+          <a:xfrm>
+            <a:off x="0" y="0"/>
+            <a:ext cx="3932237" cy="624015"/>
+          </a:xfrm>
+        </p:spPr>
+        <p:txBody>
+          <a:bodyPr/>
+          <a:lstStyle/>
+          <a:p>
+            <a:r>
+              <a:rPr lang="en-US" altLang="zh-CN" dirty="0"/>
+              <a:t>4.Experiments</a:t>
+            </a:r>
+            <a:endParaRPr lang="zh-CN" altLang="en-US" dirty="0"/>
+          </a:p>
+        </p:txBody>
+      </p:sp>
+      <p:sp>
+        <p:nvSpPr>
+          <p:cNvPr id="3" name="内容占位符 2">
+            <a:extLst>
+              <a:ext uri="{FF2B5EF4-FFF2-40B4-BE49-F238E27FC236}">
+                <a16:creationId xmlns:a16="http://schemas.microsoft.com/office/drawing/2014/main" id="{F767D0BB-9CD0-A091-460A-194179D0D4BD}"/>
+              </a:ext>
+            </a:extLst>
+          </p:cNvPr>
+          <p:cNvSpPr>
+            <a:spLocks noGrp="1"/>
+          </p:cNvSpPr>
+          <p:nvPr>
+            <p:ph idx="1"/>
+          </p:nvPr>
+        </p:nvSpPr>
+        <p:spPr>
+          <a:xfrm>
+            <a:off x="3932237" y="0"/>
+            <a:ext cx="8259763" cy="6857999"/>
+          </a:xfrm>
+        </p:spPr>
+        <p:txBody>
+          <a:bodyPr/>
+          <a:lstStyle/>
+          <a:p>
+            <a:r>
+              <a:rPr lang="en-US" altLang="zh-CN" dirty="0"/>
+              <a:t>Component</a:t>
+            </a:r>
+          </a:p>
+          <a:p>
+            <a:endParaRPr lang="en-US" altLang="zh-CN" dirty="0"/>
+          </a:p>
+          <a:p>
+            <a:endParaRPr lang="en-US" altLang="zh-CN" dirty="0"/>
+          </a:p>
+          <a:p>
+            <a:endParaRPr lang="en-US" altLang="zh-CN" dirty="0"/>
+          </a:p>
+          <a:p>
+            <a:endParaRPr lang="en-US" altLang="zh-CN" dirty="0"/>
+          </a:p>
+          <a:p>
+            <a:r>
+              <a:rPr lang="en-US" altLang="zh-CN" dirty="0"/>
+              <a:t>Hyperparameter</a:t>
+            </a:r>
+          </a:p>
+        </p:txBody>
+      </p:sp>
+      <p:sp>
+        <p:nvSpPr>
+          <p:cNvPr id="4" name="文本占位符 3">
+            <a:extLst>
+              <a:ext uri="{FF2B5EF4-FFF2-40B4-BE49-F238E27FC236}">
+                <a16:creationId xmlns:a16="http://schemas.microsoft.com/office/drawing/2014/main" id="{6C9DF738-6E4C-D4FD-97D7-3635C0F8040E}"/>
+              </a:ext>
+            </a:extLst>
+          </p:cNvPr>
+          <p:cNvSpPr>
+            <a:spLocks noGrp="1"/>
+          </p:cNvSpPr>
+          <p:nvPr>
+            <p:ph type="body" sz="half" idx="2"/>
+          </p:nvPr>
+        </p:nvSpPr>
+        <p:spPr>
+          <a:xfrm>
+            <a:off x="0" y="624016"/>
+            <a:ext cx="3932237" cy="3811588"/>
+          </a:xfrm>
+        </p:spPr>
+        <p:txBody>
+          <a:bodyPr/>
+          <a:lstStyle/>
+          <a:p>
+            <a:r>
+              <a:rPr lang="en-US" altLang="zh-CN" dirty="0"/>
+              <a:t>4.1 experimental setup</a:t>
+            </a:r>
+          </a:p>
+          <a:p>
+            <a:r>
+              <a:rPr lang="en-US" altLang="zh-CN" dirty="0"/>
+              <a:t>4.2 experiments on mvtec and visa</a:t>
+            </a:r>
+          </a:p>
+          <a:p>
+            <a:r>
+              <a:rPr lang="en-US" altLang="zh-CN" dirty="0"/>
+              <a:t>4.3 </a:t>
+            </a:r>
+            <a:r>
+              <a:rPr lang="en-US" altLang="zh-CN" dirty="0">
+                <a:highlight>
+                  <a:srgbClr val="FFFF00"/>
+                </a:highlight>
+              </a:rPr>
+              <a:t>ablation studies</a:t>
+            </a:r>
+            <a:endParaRPr lang="zh-CN" altLang="en-US" dirty="0">
+              <a:highlight>
+                <a:srgbClr val="FFFF00"/>
+              </a:highlight>
+            </a:endParaRPr>
+          </a:p>
+        </p:txBody>
+      </p:sp>
+      <p:pic>
+        <p:nvPicPr>
+          <p:cNvPr id="6" name="图片 5">
+            <a:extLst>
+              <a:ext uri="{FF2B5EF4-FFF2-40B4-BE49-F238E27FC236}">
+                <a16:creationId xmlns:a16="http://schemas.microsoft.com/office/drawing/2014/main" id="{03D0FA38-1F2A-8763-D0ED-5C764EBAA237}"/>
+              </a:ext>
+            </a:extLst>
+          </p:cNvPr>
+          <p:cNvPicPr>
+            <a:picLocks noChangeAspect="1"/>
+          </p:cNvPicPr>
+          <p:nvPr/>
+        </p:nvPicPr>
+        <p:blipFill>
+          <a:blip r:embed="rId2"/>
+          <a:stretch>
+            <a:fillRect/>
+          </a:stretch>
+        </p:blipFill>
+        <p:spPr>
+          <a:xfrm>
+            <a:off x="4043447" y="624015"/>
+            <a:ext cx="4848225" cy="1638300"/>
+          </a:xfrm>
+          <a:prstGeom prst="rect">
+            <a:avLst/>
+          </a:prstGeom>
+        </p:spPr>
+      </p:pic>
+      <p:pic>
+        <p:nvPicPr>
+          <p:cNvPr id="8" name="图片 7">
+            <a:extLst>
+              <a:ext uri="{FF2B5EF4-FFF2-40B4-BE49-F238E27FC236}">
+                <a16:creationId xmlns:a16="http://schemas.microsoft.com/office/drawing/2014/main" id="{9F6119AB-FE6F-E283-6294-BEA6F53E156E}"/>
+              </a:ext>
+            </a:extLst>
+          </p:cNvPr>
+          <p:cNvPicPr>
+            <a:picLocks noChangeAspect="1"/>
+          </p:cNvPicPr>
+          <p:nvPr/>
+        </p:nvPicPr>
+        <p:blipFill>
+          <a:blip r:embed="rId3"/>
+          <a:stretch>
+            <a:fillRect/>
+          </a:stretch>
+        </p:blipFill>
+        <p:spPr>
+          <a:xfrm>
+            <a:off x="4043447" y="3428999"/>
+            <a:ext cx="4867275" cy="2609850"/>
+          </a:xfrm>
+          <a:prstGeom prst="rect">
+            <a:avLst/>
+          </a:prstGeom>
+        </p:spPr>
+      </p:pic>
+    </p:spTree>
+    <p:extLst>
+      <p:ext uri="{BB962C8B-B14F-4D97-AF65-F5344CB8AC3E}">
+        <p14:creationId xmlns:p14="http://schemas.microsoft.com/office/powerpoint/2010/main" val="1261769730"/>
       </p:ext>
     </p:extLst>
   </p:cSld>
